--- a/images/block diagram.pptx
+++ b/images/block diagram.pptx
@@ -105,6 +105,22 @@
       </a:defRPr>
     </a:lvl9pPr>
   </p:defaultTextStyle>
+  <p:extLst>
+    <p:ext uri="{EFAFB233-063F-42B5-8137-9DF3F51BA10A}">
+      <p15:sldGuideLst xmlns:p15="http://schemas.microsoft.com/office/powerpoint/2012/main">
+        <p15:guide id="1" orient="horz" pos="2160">
+          <p15:clr>
+            <a:srgbClr val="A4A3A4"/>
+          </p15:clr>
+        </p15:guide>
+        <p15:guide id="2" pos="2880">
+          <p15:clr>
+            <a:srgbClr val="A4A3A4"/>
+          </p15:clr>
+        </p15:guide>
+      </p15:sldGuideLst>
+    </p:ext>
+  </p:extLst>
 </p:presentation>
 </file>
 
@@ -3036,23 +3052,529 @@
           <a:chExt cx="0" cy="0"/>
         </a:xfrm>
       </p:grpSpPr>
+      <p:sp>
+        <p:nvSpPr>
+          <p:cNvPr id="5" name="Rectangle 3"/>
+          <p:cNvSpPr>
+            <a:spLocks noChangeArrowheads="1"/>
+          </p:cNvSpPr>
+          <p:nvPr/>
+        </p:nvSpPr>
+        <p:spPr bwMode="auto">
+          <a:xfrm>
+            <a:off x="4332853" y="504115"/>
+            <a:ext cx="4734947" cy="5058736"/>
+          </a:xfrm>
+          <a:prstGeom prst="rect">
+            <a:avLst/>
+          </a:prstGeom>
+          <a:ln>
+            <a:headEnd/>
+            <a:tailEnd/>
+          </a:ln>
+        </p:spPr>
+        <p:style>
+          <a:lnRef idx="2">
+            <a:schemeClr val="dk1"/>
+          </a:lnRef>
+          <a:fillRef idx="1">
+            <a:schemeClr val="lt1"/>
+          </a:fillRef>
+          <a:effectRef idx="0">
+            <a:schemeClr val="dk1"/>
+          </a:effectRef>
+          <a:fontRef idx="minor">
+            <a:schemeClr val="dk1"/>
+          </a:fontRef>
+        </p:style>
+        <p:txBody>
+          <a:bodyPr vert="horz" wrap="square" lIns="91440" tIns="45720" rIns="91440" bIns="45720" numCol="1" anchor="t" anchorCtr="0" compatLnSpc="1">
+            <a:prstTxWarp prst="textNoShape">
+              <a:avLst/>
+            </a:prstTxWarp>
+          </a:bodyPr>
+          <a:lstStyle/>
+          <a:p>
+            <a:endParaRPr lang="en-IN"/>
+          </a:p>
+        </p:txBody>
+      </p:sp>
+      <p:sp>
+        <p:nvSpPr>
+          <p:cNvPr id="80" name="Rectangle 7"/>
+          <p:cNvSpPr>
+            <a:spLocks noChangeArrowheads="1"/>
+          </p:cNvSpPr>
+          <p:nvPr/>
+        </p:nvSpPr>
+        <p:spPr bwMode="auto">
+          <a:xfrm>
+            <a:off x="92739" y="897222"/>
+            <a:ext cx="1785897" cy="2969770"/>
+          </a:xfrm>
+          <a:prstGeom prst="rect">
+            <a:avLst/>
+          </a:prstGeom>
+          <a:ln>
+            <a:headEnd/>
+            <a:tailEnd/>
+          </a:ln>
+        </p:spPr>
+        <p:style>
+          <a:lnRef idx="2">
+            <a:schemeClr val="dk1"/>
+          </a:lnRef>
+          <a:fillRef idx="1">
+            <a:schemeClr val="lt1"/>
+          </a:fillRef>
+          <a:effectRef idx="0">
+            <a:schemeClr val="dk1"/>
+          </a:effectRef>
+          <a:fontRef idx="minor">
+            <a:schemeClr val="dk1"/>
+          </a:fontRef>
+        </p:style>
+        <p:txBody>
+          <a:bodyPr vert="horz" wrap="square" lIns="91440" tIns="45720" rIns="91440" bIns="45720" numCol="1" anchor="t" anchorCtr="0" compatLnSpc="1">
+            <a:prstTxWarp prst="textNoShape">
+              <a:avLst/>
+            </a:prstTxWarp>
+          </a:bodyPr>
+          <a:lstStyle/>
+          <a:p>
+            <a:pPr marL="0" marR="0" lvl="0" indent="0" algn="l" defTabSz="914400" rtl="0" eaLnBrk="1" fontAlgn="base" latinLnBrk="0" hangingPunct="1">
+              <a:lnSpc>
+                <a:spcPct val="100000"/>
+              </a:lnSpc>
+              <a:spcBef>
+                <a:spcPct val="0"/>
+              </a:spcBef>
+              <a:spcAft>
+                <a:spcPts val="500"/>
+              </a:spcAft>
+              <a:buClrTx/>
+              <a:buSzTx/>
+              <a:buFontTx/>
+              <a:buNone/>
+              <a:tabLst/>
+            </a:pPr>
+            <a:r>
+              <a:rPr kumimoji="0" lang="en-IN" sz="1600" b="1" i="0" u="none" strike="noStrike" cap="none" normalizeH="0" baseline="0" dirty="0" smtClean="0">
+                <a:ln>
+                  <a:noFill/>
+                </a:ln>
+                <a:solidFill>
+                  <a:schemeClr val="tx1"/>
+                </a:solidFill>
+                <a:effectLst/>
+                <a:latin typeface="Consolas" panose="020B0609020204030204" pitchFamily="49" charset="0"/>
+                <a:cs typeface="Consolas" panose="020B0609020204030204" pitchFamily="49" charset="0"/>
+              </a:rPr>
+              <a:t>Public bar</a:t>
+            </a:r>
+            <a:r>
+              <a:rPr kumimoji="0" lang="en-IN" sz="1600" b="1" i="0" u="none" strike="noStrike" cap="none" normalizeH="0" baseline="0" dirty="0" smtClean="0">
+                <a:ln>
+                  <a:noFill/>
+                </a:ln>
+                <a:solidFill>
+                  <a:schemeClr val="tx1"/>
+                </a:solidFill>
+                <a:effectLst/>
+                <a:latin typeface="Consolas" panose="020B0609020204030204" pitchFamily="49" charset="0"/>
+                <a:cs typeface="Consolas" panose="020B0609020204030204" pitchFamily="49" charset="0"/>
+              </a:rPr>
+              <a:t>() {</a:t>
+            </a:r>
+          </a:p>
+          <a:p>
+            <a:pPr marL="0" marR="0" lvl="0" indent="0" algn="l" defTabSz="914400" rtl="0" eaLnBrk="1" fontAlgn="base" latinLnBrk="0" hangingPunct="1">
+              <a:lnSpc>
+                <a:spcPct val="100000"/>
+              </a:lnSpc>
+              <a:spcBef>
+                <a:spcPct val="0"/>
+              </a:spcBef>
+              <a:spcAft>
+                <a:spcPts val="500"/>
+              </a:spcAft>
+              <a:buClrTx/>
+              <a:buSzTx/>
+              <a:buFontTx/>
+              <a:buNone/>
+              <a:tabLst/>
+            </a:pPr>
+            <a:r>
+              <a:rPr kumimoji="0" lang="en-IN" sz="1600" b="1" i="0" u="none" strike="noStrike" cap="none" normalizeH="0" baseline="0" dirty="0" smtClean="0">
+                <a:ln>
+                  <a:noFill/>
+                </a:ln>
+                <a:solidFill>
+                  <a:schemeClr val="tx1"/>
+                </a:solidFill>
+                <a:effectLst/>
+                <a:latin typeface="Consolas" panose="020B0609020204030204" pitchFamily="49" charset="0"/>
+                <a:cs typeface="Consolas" panose="020B0609020204030204" pitchFamily="49" charset="0"/>
+              </a:rPr>
+              <a:t>...</a:t>
+            </a:r>
+          </a:p>
+          <a:p>
+            <a:pPr marL="0" marR="0" lvl="0" indent="0" algn="l" defTabSz="914400" rtl="0" eaLnBrk="1" fontAlgn="base" latinLnBrk="0" hangingPunct="1">
+              <a:lnSpc>
+                <a:spcPct val="100000"/>
+              </a:lnSpc>
+              <a:spcBef>
+                <a:spcPct val="0"/>
+              </a:spcBef>
+              <a:spcAft>
+                <a:spcPts val="500"/>
+              </a:spcAft>
+              <a:buClrTx/>
+              <a:buSzTx/>
+              <a:buFontTx/>
+              <a:buNone/>
+              <a:tabLst/>
+            </a:pPr>
+            <a:r>
+              <a:rPr kumimoji="0" lang="en-IN" sz="1600" b="1" i="0" u="none" strike="noStrike" cap="none" normalizeH="0" baseline="0" dirty="0" err="1" smtClean="0">
+                <a:ln>
+                  <a:noFill/>
+                </a:ln>
+                <a:solidFill>
+                  <a:schemeClr val="tx1"/>
+                </a:solidFill>
+                <a:effectLst/>
+                <a:latin typeface="Consolas" panose="020B0609020204030204" pitchFamily="49" charset="0"/>
+                <a:cs typeface="Consolas" panose="020B0609020204030204" pitchFamily="49" charset="0"/>
+              </a:rPr>
+              <a:t>i</a:t>
+            </a:r>
+            <a:r>
+              <a:rPr kumimoji="0" lang="en-IN" sz="1600" b="1" i="0" u="none" strike="noStrike" cap="none" normalizeH="0" baseline="0" dirty="0" smtClean="0">
+                <a:ln>
+                  <a:noFill/>
+                </a:ln>
+                <a:solidFill>
+                  <a:schemeClr val="tx1"/>
+                </a:solidFill>
+                <a:effectLst/>
+                <a:latin typeface="Consolas" panose="020B0609020204030204" pitchFamily="49" charset="0"/>
+                <a:cs typeface="Consolas" panose="020B0609020204030204" pitchFamily="49" charset="0"/>
+              </a:rPr>
+              <a:t> =</a:t>
+            </a:r>
+            <a:r>
+              <a:rPr kumimoji="0" lang="en-IN" sz="1600" b="1" i="0" u="none" strike="noStrike" cap="none" normalizeH="0" dirty="0" smtClean="0">
+                <a:ln>
+                  <a:noFill/>
+                </a:ln>
+                <a:solidFill>
+                  <a:schemeClr val="tx1"/>
+                </a:solidFill>
+                <a:effectLst/>
+                <a:latin typeface="Consolas" panose="020B0609020204030204" pitchFamily="49" charset="0"/>
+                <a:cs typeface="Consolas" panose="020B0609020204030204" pitchFamily="49" charset="0"/>
+              </a:rPr>
+              <a:t> </a:t>
+            </a:r>
+            <a:r>
+              <a:rPr kumimoji="0" lang="en-IN" sz="1600" b="1" i="0" u="none" strike="noStrike" cap="none" normalizeH="0" baseline="0" dirty="0" err="1" smtClean="0">
+                <a:ln>
+                  <a:noFill/>
+                </a:ln>
+                <a:solidFill>
+                  <a:schemeClr val="tx1"/>
+                </a:solidFill>
+                <a:effectLst/>
+                <a:latin typeface="Consolas" panose="020B0609020204030204" pitchFamily="49" charset="0"/>
+                <a:cs typeface="Consolas" panose="020B0609020204030204" pitchFamily="49" charset="0"/>
+              </a:rPr>
+              <a:t>c.iterator</a:t>
+            </a:r>
+            <a:r>
+              <a:rPr kumimoji="0" lang="en-IN" sz="1600" b="1" i="0" u="none" strike="noStrike" cap="none" normalizeH="0" baseline="0" dirty="0" smtClean="0">
+                <a:ln>
+                  <a:noFill/>
+                </a:ln>
+                <a:solidFill>
+                  <a:schemeClr val="tx1"/>
+                </a:solidFill>
+                <a:effectLst/>
+                <a:latin typeface="Consolas" panose="020B0609020204030204" pitchFamily="49" charset="0"/>
+                <a:cs typeface="Consolas" panose="020B0609020204030204" pitchFamily="49" charset="0"/>
+              </a:rPr>
+              <a:t>();</a:t>
+            </a:r>
+          </a:p>
+          <a:p>
+            <a:pPr marL="0" marR="0" lvl="0" indent="0" algn="l" defTabSz="914400" rtl="0" eaLnBrk="1" fontAlgn="base" latinLnBrk="0" hangingPunct="1">
+              <a:lnSpc>
+                <a:spcPct val="100000"/>
+              </a:lnSpc>
+              <a:spcBef>
+                <a:spcPct val="0"/>
+              </a:spcBef>
+              <a:spcAft>
+                <a:spcPts val="500"/>
+              </a:spcAft>
+              <a:buClrTx/>
+              <a:buSzTx/>
+              <a:buFontTx/>
+              <a:buNone/>
+              <a:tabLst/>
+            </a:pPr>
+            <a:r>
+              <a:rPr kumimoji="0" lang="en-IN" sz="1600" b="1" i="0" u="none" strike="noStrike" cap="none" normalizeH="0" baseline="0" dirty="0" smtClean="0">
+                <a:ln>
+                  <a:noFill/>
+                </a:ln>
+                <a:solidFill>
+                  <a:schemeClr val="tx1"/>
+                </a:solidFill>
+                <a:effectLst/>
+                <a:latin typeface="Consolas" panose="020B0609020204030204" pitchFamily="49" charset="0"/>
+                <a:cs typeface="Consolas" panose="020B0609020204030204" pitchFamily="49" charset="0"/>
+              </a:rPr>
+              <a:t>...</a:t>
+            </a:r>
+          </a:p>
+          <a:p>
+            <a:pPr marL="0" marR="0" lvl="0" indent="0" algn="l" defTabSz="914400" rtl="0" eaLnBrk="1" fontAlgn="base" latinLnBrk="0" hangingPunct="1">
+              <a:lnSpc>
+                <a:spcPct val="100000"/>
+              </a:lnSpc>
+              <a:spcBef>
+                <a:spcPct val="0"/>
+              </a:spcBef>
+              <a:spcAft>
+                <a:spcPts val="500"/>
+              </a:spcAft>
+              <a:buClrTx/>
+              <a:buSzTx/>
+              <a:buFontTx/>
+              <a:buNone/>
+              <a:tabLst/>
+            </a:pPr>
+            <a:r>
+              <a:rPr kumimoji="0" lang="en-IN" sz="1600" b="1" i="0" u="none" strike="noStrike" cap="none" normalizeH="0" baseline="0" dirty="0" err="1" smtClean="0">
+                <a:ln>
+                  <a:noFill/>
+                </a:ln>
+                <a:solidFill>
+                  <a:schemeClr val="tx1"/>
+                </a:solidFill>
+                <a:effectLst/>
+                <a:latin typeface="Consolas" panose="020B0609020204030204" pitchFamily="49" charset="0"/>
+                <a:cs typeface="Consolas" panose="020B0609020204030204" pitchFamily="49" charset="0"/>
+              </a:rPr>
+              <a:t>i.next</a:t>
+            </a:r>
+            <a:r>
+              <a:rPr kumimoji="0" lang="en-IN" sz="1600" b="1" i="0" u="none" strike="noStrike" cap="none" normalizeH="0" baseline="0" dirty="0" smtClean="0">
+                <a:ln>
+                  <a:noFill/>
+                </a:ln>
+                <a:solidFill>
+                  <a:schemeClr val="tx1"/>
+                </a:solidFill>
+                <a:effectLst/>
+                <a:latin typeface="Consolas" panose="020B0609020204030204" pitchFamily="49" charset="0"/>
+                <a:cs typeface="Consolas" panose="020B0609020204030204" pitchFamily="49" charset="0"/>
+              </a:rPr>
+              <a:t>()</a:t>
+            </a:r>
+          </a:p>
+          <a:p>
+            <a:pPr marL="0" marR="0" lvl="0" indent="0" algn="l" defTabSz="914400" rtl="0" eaLnBrk="1" fontAlgn="base" latinLnBrk="0" hangingPunct="1">
+              <a:lnSpc>
+                <a:spcPct val="100000"/>
+              </a:lnSpc>
+              <a:spcBef>
+                <a:spcPct val="0"/>
+              </a:spcBef>
+              <a:spcAft>
+                <a:spcPts val="500"/>
+              </a:spcAft>
+              <a:buClrTx/>
+              <a:buSzTx/>
+              <a:buFontTx/>
+              <a:buNone/>
+              <a:tabLst/>
+            </a:pPr>
+            <a:r>
+              <a:rPr kumimoji="0" lang="en-IN" sz="1600" b="1" i="0" u="none" strike="noStrike" cap="none" normalizeH="0" baseline="0" dirty="0" smtClean="0">
+                <a:ln>
+                  <a:noFill/>
+                </a:ln>
+                <a:solidFill>
+                  <a:schemeClr val="tx1"/>
+                </a:solidFill>
+                <a:effectLst/>
+                <a:latin typeface="Consolas" panose="020B0609020204030204" pitchFamily="49" charset="0"/>
+                <a:cs typeface="Consolas" panose="020B0609020204030204" pitchFamily="49" charset="0"/>
+              </a:rPr>
+              <a:t>...</a:t>
+            </a:r>
+          </a:p>
+          <a:p>
+            <a:pPr marL="0" marR="0" lvl="0" indent="0" algn="l" defTabSz="914400" rtl="0" eaLnBrk="1" fontAlgn="base" latinLnBrk="0" hangingPunct="1">
+              <a:lnSpc>
+                <a:spcPct val="100000"/>
+              </a:lnSpc>
+              <a:spcBef>
+                <a:spcPct val="0"/>
+              </a:spcBef>
+              <a:spcAft>
+                <a:spcPts val="500"/>
+              </a:spcAft>
+              <a:buClrTx/>
+              <a:buSzTx/>
+              <a:buFontTx/>
+              <a:buNone/>
+              <a:tabLst/>
+            </a:pPr>
+            <a:r>
+              <a:rPr kumimoji="0" lang="en-IN" sz="1600" b="1" i="0" u="none" strike="noStrike" cap="none" normalizeH="0" baseline="0" dirty="0" smtClean="0">
+                <a:ln>
+                  <a:noFill/>
+                </a:ln>
+                <a:solidFill>
+                  <a:schemeClr val="tx1"/>
+                </a:solidFill>
+                <a:effectLst/>
+                <a:latin typeface="Consolas" panose="020B0609020204030204" pitchFamily="49" charset="0"/>
+                <a:cs typeface="Consolas" panose="020B0609020204030204" pitchFamily="49" charset="0"/>
+              </a:rPr>
+              <a:t>}</a:t>
+            </a:r>
+          </a:p>
+          <a:p>
+            <a:pPr marL="0" marR="0" lvl="0" indent="0" algn="l" defTabSz="914400" rtl="0" eaLnBrk="1" fontAlgn="base" latinLnBrk="0" hangingPunct="1">
+              <a:lnSpc>
+                <a:spcPct val="100000"/>
+              </a:lnSpc>
+              <a:spcBef>
+                <a:spcPct val="0"/>
+              </a:spcBef>
+              <a:spcAft>
+                <a:spcPts val="1000"/>
+              </a:spcAft>
+              <a:buClrTx/>
+              <a:buSzTx/>
+              <a:buFontTx/>
+              <a:buNone/>
+              <a:tabLst/>
+            </a:pPr>
+            <a:endParaRPr kumimoji="0" lang="en-IN" sz="1000" b="1" i="0" u="none" strike="noStrike" cap="none" normalizeH="0" baseline="0" dirty="0" smtClean="0">
+              <a:ln>
+                <a:noFill/>
+              </a:ln>
+              <a:solidFill>
+                <a:schemeClr val="tx1"/>
+              </a:solidFill>
+              <a:effectLst/>
+              <a:latin typeface="Times New Roman" pitchFamily="18" charset="0"/>
+              <a:cs typeface="Arial" pitchFamily="34" charset="0"/>
+            </a:endParaRPr>
+          </a:p>
+          <a:p>
+            <a:pPr marL="0" marR="0" lvl="0" indent="0" algn="l" defTabSz="914400" rtl="0" eaLnBrk="1" fontAlgn="base" latinLnBrk="0" hangingPunct="1">
+              <a:lnSpc>
+                <a:spcPct val="100000"/>
+              </a:lnSpc>
+              <a:spcBef>
+                <a:spcPct val="0"/>
+              </a:spcBef>
+              <a:spcAft>
+                <a:spcPct val="0"/>
+              </a:spcAft>
+              <a:buClrTx/>
+              <a:buSzTx/>
+              <a:buFontTx/>
+              <a:buNone/>
+              <a:tabLst/>
+            </a:pPr>
+            <a:endParaRPr kumimoji="0" lang="en-US" sz="1800" b="1" i="0" u="none" strike="noStrike" cap="none" normalizeH="0" baseline="0" dirty="0" smtClean="0">
+              <a:ln>
+                <a:noFill/>
+              </a:ln>
+              <a:solidFill>
+                <a:schemeClr val="tx1"/>
+              </a:solidFill>
+              <a:effectLst/>
+              <a:latin typeface="Arial" pitchFamily="34" charset="0"/>
+              <a:cs typeface="Arial" pitchFamily="34" charset="0"/>
+            </a:endParaRPr>
+          </a:p>
+        </p:txBody>
+      </p:sp>
+      <p:sp>
+        <p:nvSpPr>
+          <p:cNvPr id="8" name="Rectangle 9"/>
+          <p:cNvSpPr>
+            <a:spLocks noChangeArrowheads="1"/>
+          </p:cNvSpPr>
+          <p:nvPr/>
+        </p:nvSpPr>
+        <p:spPr bwMode="auto">
+          <a:xfrm>
+            <a:off x="5311924" y="946588"/>
+            <a:ext cx="3252954" cy="2068357"/>
+          </a:xfrm>
+          <a:prstGeom prst="rect">
+            <a:avLst/>
+          </a:prstGeom>
+          <a:ln>
+            <a:headEnd/>
+            <a:tailEnd/>
+          </a:ln>
+        </p:spPr>
+        <p:style>
+          <a:lnRef idx="2">
+            <a:schemeClr val="dk1"/>
+          </a:lnRef>
+          <a:fillRef idx="1">
+            <a:schemeClr val="lt1"/>
+          </a:fillRef>
+          <a:effectRef idx="0">
+            <a:schemeClr val="dk1"/>
+          </a:effectRef>
+          <a:fontRef idx="minor">
+            <a:schemeClr val="dk1"/>
+          </a:fontRef>
+        </p:style>
+        <p:txBody>
+          <a:bodyPr vert="horz" wrap="square" lIns="91440" tIns="45720" rIns="91440" bIns="45720" numCol="1" anchor="t" anchorCtr="0" compatLnSpc="1">
+            <a:prstTxWarp prst="textNoShape">
+              <a:avLst/>
+            </a:prstTxWarp>
+          </a:bodyPr>
+          <a:lstStyle/>
+          <a:p>
+            <a:endParaRPr lang="en-IN"/>
+          </a:p>
+        </p:txBody>
+      </p:sp>
       <p:grpSp>
         <p:nvGrpSpPr>
-          <p:cNvPr id="4" name="Group 3"/>
-          <p:cNvGrpSpPr/>
+          <p:cNvPr id="9" name="Group 11"/>
+          <p:cNvGrpSpPr>
+            <a:grpSpLocks/>
+          </p:cNvGrpSpPr>
           <p:nvPr/>
         </p:nvGrpSpPr>
-        <p:grpSpPr>
+        <p:grpSpPr bwMode="auto">
           <a:xfrm>
-            <a:off x="1981200" y="838200"/>
-            <a:ext cx="5400675" cy="5105400"/>
-            <a:chOff x="3143250" y="1689596"/>
-            <a:chExt cx="4238625" cy="3939692"/>
+            <a:off x="5516550" y="992868"/>
+            <a:ext cx="2776958" cy="1277556"/>
+            <a:chOff x="7080" y="2790"/>
+            <a:chExt cx="3240" cy="1455"/>
           </a:xfrm>
         </p:grpSpPr>
         <p:sp>
           <p:nvSpPr>
-            <p:cNvPr id="5" name="Rectangle 3"/>
+            <p:cNvPr id="61" name="Rectangle 12"/>
             <p:cNvSpPr>
               <a:spLocks noChangeArrowheads="1"/>
             </p:cNvSpPr>
@@ -3060,42 +3582,31 @@
           </p:nvSpPr>
           <p:spPr bwMode="auto">
             <a:xfrm>
-              <a:off x="4609439" y="1964446"/>
-              <a:ext cx="2772436" cy="2912353"/>
+              <a:off x="7080" y="2790"/>
+              <a:ext cx="840" cy="1455"/>
             </a:xfrm>
             <a:prstGeom prst="rect">
               <a:avLst/>
             </a:prstGeom>
-            <a:gradFill rotWithShape="0">
-              <a:gsLst>
-                <a:gs pos="0">
-                  <a:srgbClr val="C2D69B"/>
-                </a:gs>
-                <a:gs pos="50000">
-                  <a:srgbClr val="EAF1DD"/>
-                </a:gs>
-                <a:gs pos="100000">
-                  <a:srgbClr val="C2D69B"/>
-                </a:gs>
-              </a:gsLst>
-              <a:lin ang="18900000" scaled="1"/>
-            </a:gradFill>
-            <a:ln w="12700">
-              <a:solidFill>
-                <a:srgbClr val="C2D69B"/>
-              </a:solidFill>
-              <a:miter lim="800000"/>
+            <a:ln>
               <a:headEnd/>
               <a:tailEnd/>
             </a:ln>
-            <a:effectLst>
-              <a:outerShdw dist="28398" dir="3806097" algn="ctr" rotWithShape="0">
-                <a:srgbClr val="4E6128">
-                  <a:alpha val="50000"/>
-                </a:srgbClr>
-              </a:outerShdw>
-            </a:effectLst>
           </p:spPr>
+          <p:style>
+            <a:lnRef idx="2">
+              <a:schemeClr val="dk1"/>
+            </a:lnRef>
+            <a:fillRef idx="1">
+              <a:schemeClr val="lt1"/>
+            </a:fillRef>
+            <a:effectRef idx="0">
+              <a:schemeClr val="dk1"/>
+            </a:effectRef>
+            <a:fontRef idx="minor">
+              <a:schemeClr val="dk1"/>
+            </a:fontRef>
+          </p:style>
           <p:txBody>
             <a:bodyPr vert="horz" wrap="square" lIns="91440" tIns="45720" rIns="91440" bIns="45720" numCol="1" anchor="t" anchorCtr="0" compatLnSpc="1">
               <a:prstTxWarp prst="textNoShape">
@@ -3108,577 +3619,153 @@
             </a:p>
           </p:txBody>
         </p:sp>
-        <p:grpSp>
-          <p:nvGrpSpPr>
-            <p:cNvPr id="6" name="Group 4"/>
-            <p:cNvGrpSpPr>
-              <a:grpSpLocks/>
-            </p:cNvGrpSpPr>
+        <p:cxnSp>
+          <p:nvCxnSpPr>
+            <p:cNvPr id="62" name="AutoShape 13"/>
+            <p:cNvCxnSpPr>
+              <a:cxnSpLocks noChangeShapeType="1"/>
+            </p:cNvCxnSpPr>
             <p:nvPr/>
-          </p:nvGrpSpPr>
-          <p:grpSpPr bwMode="auto">
+          </p:nvCxnSpPr>
+          <p:spPr bwMode="auto">
             <a:xfrm>
-              <a:off x="3143250" y="1952625"/>
-              <a:ext cx="992072" cy="1743077"/>
-              <a:chOff x="900" y="2145"/>
-              <a:chExt cx="2040" cy="2970"/>
+              <a:off x="7080" y="3090"/>
+              <a:ext cx="840" cy="0"/>
             </a:xfrm>
-          </p:grpSpPr>
-          <p:sp>
-            <p:nvSpPr>
-              <p:cNvPr id="78" name="Rectangle 5"/>
-              <p:cNvSpPr>
-                <a:spLocks noChangeArrowheads="1"/>
-              </p:cNvSpPr>
-              <p:nvPr/>
-            </p:nvSpPr>
-            <p:spPr bwMode="auto">
-              <a:xfrm>
-                <a:off x="1305" y="2145"/>
-                <a:ext cx="1635" cy="2490"/>
-              </a:xfrm>
-              <a:prstGeom prst="rect">
-                <a:avLst/>
-              </a:prstGeom>
-              <a:gradFill rotWithShape="0">
-                <a:gsLst>
-                  <a:gs pos="0">
-                    <a:srgbClr val="95B3D7"/>
-                  </a:gs>
-                  <a:gs pos="50000">
-                    <a:srgbClr val="DBE5F1"/>
-                  </a:gs>
-                  <a:gs pos="100000">
-                    <a:srgbClr val="95B3D7"/>
-                  </a:gs>
-                </a:gsLst>
-                <a:lin ang="18900000" scaled="1"/>
-              </a:gradFill>
-              <a:ln w="12700">
-                <a:solidFill>
-                  <a:srgbClr val="95B3D7"/>
-                </a:solidFill>
-                <a:miter lim="800000"/>
-                <a:headEnd/>
-                <a:tailEnd/>
-              </a:ln>
-              <a:effectLst>
-                <a:outerShdw dist="28398" dir="3806097" algn="ctr" rotWithShape="0">
-                  <a:srgbClr val="243F60">
-                    <a:alpha val="50000"/>
-                  </a:srgbClr>
-                </a:outerShdw>
-              </a:effectLst>
-            </p:spPr>
-            <p:txBody>
-              <a:bodyPr vert="horz" wrap="square" lIns="91440" tIns="45720" rIns="91440" bIns="45720" numCol="1" anchor="t" anchorCtr="0" compatLnSpc="1">
-                <a:prstTxWarp prst="textNoShape">
-                  <a:avLst/>
-                </a:prstTxWarp>
-              </a:bodyPr>
-              <a:lstStyle/>
-              <a:p>
-                <a:endParaRPr lang="en-IN"/>
-              </a:p>
-            </p:txBody>
-          </p:sp>
-          <p:sp>
-            <p:nvSpPr>
-              <p:cNvPr id="79" name="Rectangle 6"/>
-              <p:cNvSpPr>
-                <a:spLocks noChangeArrowheads="1"/>
-              </p:cNvSpPr>
-              <p:nvPr/>
-            </p:nvSpPr>
-            <p:spPr bwMode="auto">
-              <a:xfrm>
-                <a:off x="1095" y="2385"/>
-                <a:ext cx="1635" cy="2490"/>
-              </a:xfrm>
-              <a:prstGeom prst="rect">
-                <a:avLst/>
-              </a:prstGeom>
-              <a:gradFill rotWithShape="0">
-                <a:gsLst>
-                  <a:gs pos="0">
-                    <a:srgbClr val="95B3D7"/>
-                  </a:gs>
-                  <a:gs pos="50000">
-                    <a:srgbClr val="DBE5F1"/>
-                  </a:gs>
-                  <a:gs pos="100000">
-                    <a:srgbClr val="95B3D7"/>
-                  </a:gs>
-                </a:gsLst>
-                <a:lin ang="18900000" scaled="1"/>
-              </a:gradFill>
-              <a:ln w="12700">
-                <a:solidFill>
-                  <a:srgbClr val="95B3D7"/>
-                </a:solidFill>
-                <a:miter lim="800000"/>
-                <a:headEnd/>
-                <a:tailEnd/>
-              </a:ln>
-              <a:effectLst>
-                <a:outerShdw dist="28398" dir="3806097" algn="ctr" rotWithShape="0">
-                  <a:srgbClr val="243F60">
-                    <a:alpha val="50000"/>
-                  </a:srgbClr>
-                </a:outerShdw>
-              </a:effectLst>
-            </p:spPr>
-            <p:txBody>
-              <a:bodyPr vert="horz" wrap="square" lIns="91440" tIns="45720" rIns="91440" bIns="45720" numCol="1" anchor="t" anchorCtr="0" compatLnSpc="1">
-                <a:prstTxWarp prst="textNoShape">
-                  <a:avLst/>
-                </a:prstTxWarp>
-              </a:bodyPr>
-              <a:lstStyle/>
-              <a:p>
-                <a:endParaRPr lang="en-IN"/>
-              </a:p>
-            </p:txBody>
-          </p:sp>
-          <p:sp>
-            <p:nvSpPr>
-              <p:cNvPr id="80" name="Rectangle 7"/>
-              <p:cNvSpPr>
-                <a:spLocks noChangeArrowheads="1"/>
-              </p:cNvSpPr>
-              <p:nvPr/>
-            </p:nvSpPr>
-            <p:spPr bwMode="auto">
-              <a:xfrm>
-                <a:off x="900" y="2625"/>
-                <a:ext cx="1635" cy="2490"/>
-              </a:xfrm>
-              <a:prstGeom prst="rect">
-                <a:avLst/>
-              </a:prstGeom>
-              <a:gradFill rotWithShape="0">
-                <a:gsLst>
-                  <a:gs pos="0">
-                    <a:srgbClr val="95B3D7"/>
-                  </a:gs>
-                  <a:gs pos="50000">
-                    <a:srgbClr val="DBE5F1"/>
-                  </a:gs>
-                  <a:gs pos="100000">
-                    <a:srgbClr val="95B3D7"/>
-                  </a:gs>
-                </a:gsLst>
-                <a:lin ang="18900000" scaled="1"/>
-              </a:gradFill>
-              <a:ln w="12700">
-                <a:solidFill>
-                  <a:srgbClr val="95B3D7"/>
-                </a:solidFill>
-                <a:miter lim="800000"/>
-                <a:headEnd/>
-                <a:tailEnd/>
-              </a:ln>
-              <a:effectLst>
-                <a:outerShdw dist="28398" dir="3806097" algn="ctr" rotWithShape="0">
-                  <a:srgbClr val="243F60">
-                    <a:alpha val="50000"/>
-                  </a:srgbClr>
-                </a:outerShdw>
-              </a:effectLst>
-            </p:spPr>
-            <p:txBody>
-              <a:bodyPr vert="horz" wrap="square" lIns="91440" tIns="45720" rIns="91440" bIns="45720" numCol="1" anchor="t" anchorCtr="0" compatLnSpc="1">
-                <a:prstTxWarp prst="textNoShape">
-                  <a:avLst/>
-                </a:prstTxWarp>
-              </a:bodyPr>
-              <a:lstStyle/>
-              <a:p>
-                <a:pPr marL="0" marR="0" lvl="0" indent="0" algn="l" defTabSz="914400" rtl="0" eaLnBrk="1" fontAlgn="base" latinLnBrk="0" hangingPunct="1">
-                  <a:lnSpc>
-                    <a:spcPct val="100000"/>
-                  </a:lnSpc>
-                  <a:spcBef>
-                    <a:spcPct val="0"/>
-                  </a:spcBef>
-                  <a:spcAft>
-                    <a:spcPts val="500"/>
-                  </a:spcAft>
-                  <a:buClrTx/>
-                  <a:buSzTx/>
-                  <a:buFontTx/>
-                  <a:buNone/>
-                  <a:tabLst/>
-                </a:pPr>
-                <a:r>
-                  <a:rPr kumimoji="0" lang="en-IN" sz="800" b="1" i="0" u="none" strike="noStrike" cap="none" normalizeH="0" baseline="0" dirty="0" smtClean="0">
-                    <a:ln>
-                      <a:noFill/>
-                    </a:ln>
-                    <a:solidFill>
-                      <a:srgbClr val="404040"/>
-                    </a:solidFill>
-                    <a:effectLst/>
-                    <a:latin typeface="Calibri" pitchFamily="34" charset="0"/>
-                    <a:cs typeface="Arial" pitchFamily="34" charset="0"/>
-                  </a:rPr>
-                  <a:t>public </a:t>
-                </a:r>
-                <a:r>
-                  <a:rPr kumimoji="0" lang="en-IN" sz="800" b="1" i="0" u="none" strike="noStrike" cap="none" normalizeH="0" baseline="0" dirty="0" err="1" smtClean="0">
-                    <a:ln>
-                      <a:noFill/>
-                    </a:ln>
-                    <a:solidFill>
-                      <a:srgbClr val="404040"/>
-                    </a:solidFill>
-                    <a:effectLst/>
-                    <a:latin typeface="Calibri" pitchFamily="34" charset="0"/>
-                    <a:cs typeface="Arial" pitchFamily="34" charset="0"/>
-                  </a:rPr>
-                  <a:t>int</a:t>
-                </a:r>
-                <a:r>
-                  <a:rPr kumimoji="0" lang="en-IN" sz="800" b="1" i="0" u="none" strike="noStrike" cap="none" normalizeH="0" baseline="0" dirty="0" smtClean="0">
-                    <a:ln>
-                      <a:noFill/>
-                    </a:ln>
-                    <a:solidFill>
-                      <a:srgbClr val="404040"/>
-                    </a:solidFill>
-                    <a:effectLst/>
-                    <a:latin typeface="Calibri" pitchFamily="34" charset="0"/>
-                    <a:cs typeface="Arial" pitchFamily="34" charset="0"/>
-                  </a:rPr>
-                  <a:t> bar() </a:t>
-                </a:r>
-                <a:r>
-                  <a:rPr kumimoji="0" lang="en-IN" sz="800" b="1" i="0" u="none" strike="noStrike" cap="none" normalizeH="0" baseline="0" dirty="0" smtClean="0">
-                    <a:ln>
-                      <a:noFill/>
-                    </a:ln>
-                    <a:solidFill>
-                      <a:srgbClr val="404040"/>
-                    </a:solidFill>
-                    <a:effectLst/>
-                    <a:latin typeface="Times New Roman" pitchFamily="18" charset="0"/>
-                    <a:cs typeface="Arial" pitchFamily="34" charset="0"/>
-                  </a:rPr>
-                  <a:t>{</a:t>
-                </a:r>
-              </a:p>
-              <a:p>
-                <a:pPr marL="0" marR="0" lvl="0" indent="0" algn="l" defTabSz="914400" rtl="0" eaLnBrk="1" fontAlgn="base" latinLnBrk="0" hangingPunct="1">
-                  <a:lnSpc>
-                    <a:spcPct val="100000"/>
-                  </a:lnSpc>
-                  <a:spcBef>
-                    <a:spcPct val="0"/>
-                  </a:spcBef>
-                  <a:spcAft>
-                    <a:spcPts val="500"/>
-                  </a:spcAft>
-                  <a:buClrTx/>
-                  <a:buSzTx/>
-                  <a:buFontTx/>
-                  <a:buNone/>
-                  <a:tabLst/>
-                </a:pPr>
-                <a:r>
-                  <a:rPr kumimoji="0" lang="en-IN" sz="800" b="1" i="0" u="none" strike="noStrike" cap="none" normalizeH="0" baseline="0" dirty="0" smtClean="0">
-                    <a:ln>
-                      <a:noFill/>
-                    </a:ln>
-                    <a:solidFill>
-                      <a:srgbClr val="404040"/>
-                    </a:solidFill>
-                    <a:effectLst/>
-                    <a:latin typeface="Times New Roman" pitchFamily="18" charset="0"/>
-                    <a:cs typeface="Arial" pitchFamily="34" charset="0"/>
-                  </a:rPr>
-                  <a:t>...</a:t>
-                </a:r>
-              </a:p>
-              <a:p>
-                <a:pPr marL="0" marR="0" lvl="0" indent="0" algn="l" defTabSz="914400" rtl="0" eaLnBrk="1" fontAlgn="base" latinLnBrk="0" hangingPunct="1">
-                  <a:lnSpc>
-                    <a:spcPct val="100000"/>
-                  </a:lnSpc>
-                  <a:spcBef>
-                    <a:spcPct val="0"/>
-                  </a:spcBef>
-                  <a:spcAft>
-                    <a:spcPts val="500"/>
-                  </a:spcAft>
-                  <a:buClrTx/>
-                  <a:buSzTx/>
-                  <a:buFontTx/>
-                  <a:buNone/>
-                  <a:tabLst/>
-                </a:pPr>
-                <a:r>
-                  <a:rPr kumimoji="0" lang="en-IN" sz="800" b="1" i="0" u="none" strike="noStrike" cap="none" normalizeH="0" baseline="0" dirty="0" err="1" smtClean="0">
-                    <a:ln>
-                      <a:noFill/>
-                    </a:ln>
-                    <a:solidFill>
-                      <a:srgbClr val="404040"/>
-                    </a:solidFill>
-                    <a:effectLst/>
-                    <a:latin typeface="Calibri" pitchFamily="34" charset="0"/>
-                    <a:cs typeface="Arial" pitchFamily="34" charset="0"/>
-                  </a:rPr>
-                  <a:t>i</a:t>
-                </a:r>
-                <a:r>
-                  <a:rPr kumimoji="0" lang="en-IN" sz="800" b="1" i="0" u="none" strike="noStrike" cap="none" normalizeH="0" baseline="0" dirty="0" smtClean="0">
-                    <a:ln>
-                      <a:noFill/>
-                    </a:ln>
-                    <a:solidFill>
-                      <a:srgbClr val="404040"/>
-                    </a:solidFill>
-                    <a:effectLst/>
-                    <a:latin typeface="Calibri" pitchFamily="34" charset="0"/>
-                    <a:cs typeface="Arial" pitchFamily="34" charset="0"/>
-                  </a:rPr>
-                  <a:t> = </a:t>
-                </a:r>
-                <a:r>
-                  <a:rPr kumimoji="0" lang="en-IN" sz="800" b="1" i="0" u="none" strike="noStrike" cap="none" normalizeH="0" baseline="0" dirty="0" err="1" smtClean="0">
-                    <a:ln>
-                      <a:noFill/>
-                    </a:ln>
-                    <a:solidFill>
-                      <a:srgbClr val="404040"/>
-                    </a:solidFill>
-                    <a:effectLst/>
-                    <a:latin typeface="Calibri" pitchFamily="34" charset="0"/>
-                    <a:cs typeface="Arial" pitchFamily="34" charset="0"/>
-                  </a:rPr>
-                  <a:t>c.iterator</a:t>
-                </a:r>
-                <a:r>
-                  <a:rPr kumimoji="0" lang="en-IN" sz="800" b="1" i="0" u="none" strike="noStrike" cap="none" normalizeH="0" baseline="0" dirty="0" smtClean="0">
-                    <a:ln>
-                      <a:noFill/>
-                    </a:ln>
-                    <a:solidFill>
-                      <a:srgbClr val="404040"/>
-                    </a:solidFill>
-                    <a:effectLst/>
-                    <a:latin typeface="Calibri" pitchFamily="34" charset="0"/>
-                    <a:cs typeface="Arial" pitchFamily="34" charset="0"/>
-                  </a:rPr>
-                  <a:t>();</a:t>
-                </a:r>
-              </a:p>
-              <a:p>
-                <a:pPr marL="0" marR="0" lvl="0" indent="0" algn="l" defTabSz="914400" rtl="0" eaLnBrk="1" fontAlgn="base" latinLnBrk="0" hangingPunct="1">
-                  <a:lnSpc>
-                    <a:spcPct val="100000"/>
-                  </a:lnSpc>
-                  <a:spcBef>
-                    <a:spcPct val="0"/>
-                  </a:spcBef>
-                  <a:spcAft>
-                    <a:spcPts val="500"/>
-                  </a:spcAft>
-                  <a:buClrTx/>
-                  <a:buSzTx/>
-                  <a:buFontTx/>
-                  <a:buNone/>
-                  <a:tabLst/>
-                </a:pPr>
-                <a:r>
-                  <a:rPr kumimoji="0" lang="en-IN" sz="800" b="1" i="0" u="none" strike="noStrike" cap="none" normalizeH="0" baseline="0" dirty="0" smtClean="0">
-                    <a:ln>
-                      <a:noFill/>
-                    </a:ln>
-                    <a:solidFill>
-                      <a:srgbClr val="404040"/>
-                    </a:solidFill>
-                    <a:effectLst/>
-                    <a:latin typeface="Calibri" pitchFamily="34" charset="0"/>
-                    <a:cs typeface="Arial" pitchFamily="34" charset="0"/>
-                  </a:rPr>
-                  <a:t>...</a:t>
-                </a:r>
-              </a:p>
-              <a:p>
-                <a:pPr marL="0" marR="0" lvl="0" indent="0" algn="l" defTabSz="914400" rtl="0" eaLnBrk="1" fontAlgn="base" latinLnBrk="0" hangingPunct="1">
-                  <a:lnSpc>
-                    <a:spcPct val="100000"/>
-                  </a:lnSpc>
-                  <a:spcBef>
-                    <a:spcPct val="0"/>
-                  </a:spcBef>
-                  <a:spcAft>
-                    <a:spcPts val="500"/>
-                  </a:spcAft>
-                  <a:buClrTx/>
-                  <a:buSzTx/>
-                  <a:buFontTx/>
-                  <a:buNone/>
-                  <a:tabLst/>
-                </a:pPr>
-                <a:r>
-                  <a:rPr kumimoji="0" lang="en-IN" sz="800" b="1" i="0" u="none" strike="noStrike" cap="none" normalizeH="0" baseline="0" dirty="0" err="1" smtClean="0">
-                    <a:ln>
-                      <a:noFill/>
-                    </a:ln>
-                    <a:solidFill>
-                      <a:srgbClr val="404040"/>
-                    </a:solidFill>
-                    <a:effectLst/>
-                    <a:latin typeface="Calibri" pitchFamily="34" charset="0"/>
-                    <a:cs typeface="Arial" pitchFamily="34" charset="0"/>
-                  </a:rPr>
-                  <a:t>i.next</a:t>
-                </a:r>
-                <a:r>
-                  <a:rPr kumimoji="0" lang="en-IN" sz="800" b="1" i="0" u="none" strike="noStrike" cap="none" normalizeH="0" baseline="0" dirty="0" smtClean="0">
-                    <a:ln>
-                      <a:noFill/>
-                    </a:ln>
-                    <a:solidFill>
-                      <a:srgbClr val="404040"/>
-                    </a:solidFill>
-                    <a:effectLst/>
-                    <a:latin typeface="Calibri" pitchFamily="34" charset="0"/>
-                    <a:cs typeface="Arial" pitchFamily="34" charset="0"/>
-                  </a:rPr>
-                  <a:t>()</a:t>
-                </a:r>
-              </a:p>
-              <a:p>
-                <a:pPr marL="0" marR="0" lvl="0" indent="0" algn="l" defTabSz="914400" rtl="0" eaLnBrk="1" fontAlgn="base" latinLnBrk="0" hangingPunct="1">
-                  <a:lnSpc>
-                    <a:spcPct val="100000"/>
-                  </a:lnSpc>
-                  <a:spcBef>
-                    <a:spcPct val="0"/>
-                  </a:spcBef>
-                  <a:spcAft>
-                    <a:spcPts val="500"/>
-                  </a:spcAft>
-                  <a:buClrTx/>
-                  <a:buSzTx/>
-                  <a:buFontTx/>
-                  <a:buNone/>
-                  <a:tabLst/>
-                </a:pPr>
-                <a:r>
-                  <a:rPr kumimoji="0" lang="en-IN" sz="800" b="1" i="0" u="none" strike="noStrike" cap="none" normalizeH="0" baseline="0" dirty="0" smtClean="0">
-                    <a:ln>
-                      <a:noFill/>
-                    </a:ln>
-                    <a:solidFill>
-                      <a:srgbClr val="404040"/>
-                    </a:solidFill>
-                    <a:effectLst/>
-                    <a:latin typeface="Calibri" pitchFamily="34" charset="0"/>
-                    <a:cs typeface="Arial" pitchFamily="34" charset="0"/>
-                  </a:rPr>
-                  <a:t>...</a:t>
-                </a:r>
-              </a:p>
-              <a:p>
-                <a:pPr marL="0" marR="0" lvl="0" indent="0" algn="l" defTabSz="914400" rtl="0" eaLnBrk="1" fontAlgn="base" latinLnBrk="0" hangingPunct="1">
-                  <a:lnSpc>
-                    <a:spcPct val="100000"/>
-                  </a:lnSpc>
-                  <a:spcBef>
-                    <a:spcPct val="0"/>
-                  </a:spcBef>
-                  <a:spcAft>
-                    <a:spcPts val="500"/>
-                  </a:spcAft>
-                  <a:buClrTx/>
-                  <a:buSzTx/>
-                  <a:buFontTx/>
-                  <a:buNone/>
-                  <a:tabLst/>
-                </a:pPr>
-                <a:r>
-                  <a:rPr kumimoji="0" lang="en-IN" sz="800" b="1" i="0" u="none" strike="noStrike" cap="none" normalizeH="0" baseline="0" dirty="0" smtClean="0">
-                    <a:ln>
-                      <a:noFill/>
-                    </a:ln>
-                    <a:solidFill>
-                      <a:srgbClr val="404040"/>
-                    </a:solidFill>
-                    <a:effectLst/>
-                    <a:latin typeface="Times New Roman" pitchFamily="18" charset="0"/>
-                    <a:cs typeface="Arial" pitchFamily="34" charset="0"/>
-                  </a:rPr>
-                  <a:t>}</a:t>
-                </a:r>
-              </a:p>
-              <a:p>
-                <a:pPr marL="0" marR="0" lvl="0" indent="0" algn="l" defTabSz="914400" rtl="0" eaLnBrk="1" fontAlgn="base" latinLnBrk="0" hangingPunct="1">
-                  <a:lnSpc>
-                    <a:spcPct val="100000"/>
-                  </a:lnSpc>
-                  <a:spcBef>
-                    <a:spcPct val="0"/>
-                  </a:spcBef>
-                  <a:spcAft>
-                    <a:spcPts val="1000"/>
-                  </a:spcAft>
-                  <a:buClrTx/>
-                  <a:buSzTx/>
-                  <a:buFontTx/>
-                  <a:buNone/>
-                  <a:tabLst/>
-                </a:pPr>
-                <a:endParaRPr kumimoji="0" lang="en-IN" sz="1000" b="1" i="0" u="none" strike="noStrike" cap="none" normalizeH="0" baseline="0" dirty="0" smtClean="0">
-                  <a:ln>
-                    <a:noFill/>
-                  </a:ln>
-                  <a:solidFill>
-                    <a:srgbClr val="404040"/>
-                  </a:solidFill>
-                  <a:effectLst/>
-                  <a:latin typeface="Times New Roman" pitchFamily="18" charset="0"/>
-                  <a:cs typeface="Arial" pitchFamily="34" charset="0"/>
-                </a:endParaRPr>
-              </a:p>
-              <a:p>
-                <a:pPr marL="0" marR="0" lvl="0" indent="0" algn="l" defTabSz="914400" rtl="0" eaLnBrk="1" fontAlgn="base" latinLnBrk="0" hangingPunct="1">
-                  <a:lnSpc>
-                    <a:spcPct val="100000"/>
-                  </a:lnSpc>
-                  <a:spcBef>
-                    <a:spcPct val="0"/>
-                  </a:spcBef>
-                  <a:spcAft>
-                    <a:spcPct val="0"/>
-                  </a:spcAft>
-                  <a:buClrTx/>
-                  <a:buSzTx/>
-                  <a:buFontTx/>
-                  <a:buNone/>
-                  <a:tabLst/>
-                </a:pPr>
-                <a:endParaRPr kumimoji="0" lang="en-US" sz="1800" b="0" i="0" u="none" strike="noStrike" cap="none" normalizeH="0" baseline="0" dirty="0" smtClean="0">
-                  <a:ln>
-                    <a:noFill/>
-                  </a:ln>
-                  <a:solidFill>
-                    <a:schemeClr val="tx1"/>
-                  </a:solidFill>
-                  <a:effectLst/>
-                  <a:latin typeface="Arial" pitchFamily="34" charset="0"/>
-                  <a:cs typeface="Arial" pitchFamily="34" charset="0"/>
-                </a:endParaRPr>
-              </a:p>
-            </p:txBody>
-          </p:sp>
-        </p:grpSp>
+            <a:prstGeom prst="straightConnector1">
+              <a:avLst/>
+            </a:prstGeom>
+            <a:ln>
+              <a:headEnd/>
+              <a:tailEnd/>
+            </a:ln>
+          </p:spPr>
+          <p:style>
+            <a:lnRef idx="1">
+              <a:schemeClr val="dk1"/>
+            </a:lnRef>
+            <a:fillRef idx="0">
+              <a:schemeClr val="dk1"/>
+            </a:fillRef>
+            <a:effectRef idx="0">
+              <a:schemeClr val="dk1"/>
+            </a:effectRef>
+            <a:fontRef idx="minor">
+              <a:schemeClr val="tx1"/>
+            </a:fontRef>
+          </p:style>
+        </p:cxnSp>
+        <p:cxnSp>
+          <p:nvCxnSpPr>
+            <p:cNvPr id="63" name="AutoShape 14"/>
+            <p:cNvCxnSpPr>
+              <a:cxnSpLocks noChangeShapeType="1"/>
+            </p:cNvCxnSpPr>
+            <p:nvPr/>
+          </p:nvCxnSpPr>
+          <p:spPr bwMode="auto">
+            <a:xfrm>
+              <a:off x="7080" y="3375"/>
+              <a:ext cx="840" cy="0"/>
+            </a:xfrm>
+            <a:prstGeom prst="straightConnector1">
+              <a:avLst/>
+            </a:prstGeom>
+            <a:ln>
+              <a:headEnd/>
+              <a:tailEnd/>
+            </a:ln>
+          </p:spPr>
+          <p:style>
+            <a:lnRef idx="1">
+              <a:schemeClr val="dk1"/>
+            </a:lnRef>
+            <a:fillRef idx="0">
+              <a:schemeClr val="dk1"/>
+            </a:fillRef>
+            <a:effectRef idx="0">
+              <a:schemeClr val="dk1"/>
+            </a:effectRef>
+            <a:fontRef idx="minor">
+              <a:schemeClr val="tx1"/>
+            </a:fontRef>
+          </p:style>
+        </p:cxnSp>
+        <p:cxnSp>
+          <p:nvCxnSpPr>
+            <p:cNvPr id="64" name="AutoShape 15"/>
+            <p:cNvCxnSpPr>
+              <a:cxnSpLocks noChangeShapeType="1"/>
+            </p:cNvCxnSpPr>
+            <p:nvPr/>
+          </p:nvCxnSpPr>
+          <p:spPr bwMode="auto">
+            <a:xfrm>
+              <a:off x="7080" y="3675"/>
+              <a:ext cx="840" cy="0"/>
+            </a:xfrm>
+            <a:prstGeom prst="straightConnector1">
+              <a:avLst/>
+            </a:prstGeom>
+            <a:ln>
+              <a:headEnd/>
+              <a:tailEnd/>
+            </a:ln>
+          </p:spPr>
+          <p:style>
+            <a:lnRef idx="1">
+              <a:schemeClr val="dk1"/>
+            </a:lnRef>
+            <a:fillRef idx="0">
+              <a:schemeClr val="dk1"/>
+            </a:fillRef>
+            <a:effectRef idx="0">
+              <a:schemeClr val="dk1"/>
+            </a:effectRef>
+            <a:fontRef idx="minor">
+              <a:schemeClr val="tx1"/>
+            </a:fontRef>
+          </p:style>
+        </p:cxnSp>
+        <p:cxnSp>
+          <p:nvCxnSpPr>
+            <p:cNvPr id="65" name="AutoShape 16"/>
+            <p:cNvCxnSpPr>
+              <a:cxnSpLocks noChangeShapeType="1"/>
+            </p:cNvCxnSpPr>
+            <p:nvPr/>
+          </p:nvCxnSpPr>
+          <p:spPr bwMode="auto">
+            <a:xfrm>
+              <a:off x="7080" y="3975"/>
+              <a:ext cx="840" cy="0"/>
+            </a:xfrm>
+            <a:prstGeom prst="straightConnector1">
+              <a:avLst/>
+            </a:prstGeom>
+            <a:ln>
+              <a:headEnd/>
+              <a:tailEnd/>
+            </a:ln>
+          </p:spPr>
+          <p:style>
+            <a:lnRef idx="1">
+              <a:schemeClr val="dk1"/>
+            </a:lnRef>
+            <a:fillRef idx="0">
+              <a:schemeClr val="dk1"/>
+            </a:fillRef>
+            <a:effectRef idx="0">
+              <a:schemeClr val="dk1"/>
+            </a:effectRef>
+            <a:fontRef idx="minor">
+              <a:schemeClr val="tx1"/>
+            </a:fontRef>
+          </p:style>
+        </p:cxnSp>
         <p:sp>
           <p:nvSpPr>
-            <p:cNvPr id="7" name="AutoShape 8"/>
+            <p:cNvPr id="66" name="Rectangle 17"/>
             <p:cNvSpPr>
               <a:spLocks noChangeArrowheads="1"/>
             </p:cNvSpPr>
@@ -3686,138 +3773,79 @@
           </p:nvSpPr>
           <p:spPr bwMode="auto">
             <a:xfrm>
-              <a:off x="4165661" y="2705099"/>
-              <a:ext cx="436577" cy="137261"/>
+              <a:off x="8625" y="2790"/>
+              <a:ext cx="1695" cy="1455"/>
             </a:xfrm>
-            <a:custGeom>
+            <a:prstGeom prst="rect">
               <a:avLst/>
-              <a:gdLst>
-                <a:gd name="G0" fmla="+- 16200 0 0"/>
-                <a:gd name="G1" fmla="+- 5400 0 0"/>
-                <a:gd name="G2" fmla="+- 21600 0 5400"/>
-                <a:gd name="G3" fmla="+- 10800 0 5400"/>
-                <a:gd name="G4" fmla="+- 21600 0 16200"/>
-                <a:gd name="G5" fmla="*/ G4 G3 10800"/>
-                <a:gd name="G6" fmla="+- 21600 0 G5"/>
-                <a:gd name="T0" fmla="*/ 16200 w 21600"/>
-                <a:gd name="T1" fmla="*/ 0 h 21600"/>
-                <a:gd name="T2" fmla="*/ 0 w 21600"/>
-                <a:gd name="T3" fmla="*/ 10800 h 21600"/>
-                <a:gd name="T4" fmla="*/ 16200 w 21600"/>
-                <a:gd name="T5" fmla="*/ 21600 h 21600"/>
-                <a:gd name="T6" fmla="*/ 21600 w 21600"/>
-                <a:gd name="T7" fmla="*/ 10800 h 21600"/>
-                <a:gd name="T8" fmla="*/ 17694720 60000 65536"/>
-                <a:gd name="T9" fmla="*/ 11796480 60000 65536"/>
-                <a:gd name="T10" fmla="*/ 5898240 60000 65536"/>
-                <a:gd name="T11" fmla="*/ 0 60000 65536"/>
-                <a:gd name="T12" fmla="*/ 3375 w 21600"/>
-                <a:gd name="T13" fmla="*/ G1 h 21600"/>
-                <a:gd name="T14" fmla="*/ G6 w 21600"/>
-                <a:gd name="T15" fmla="*/ G2 h 21600"/>
-              </a:gdLst>
-              <a:ahLst/>
-              <a:cxnLst>
-                <a:cxn ang="T8">
-                  <a:pos x="T0" y="T1"/>
-                </a:cxn>
-                <a:cxn ang="T9">
-                  <a:pos x="T2" y="T3"/>
-                </a:cxn>
-                <a:cxn ang="T10">
-                  <a:pos x="T4" y="T5"/>
-                </a:cxn>
-                <a:cxn ang="T11">
-                  <a:pos x="T6" y="T7"/>
-                </a:cxn>
-              </a:cxnLst>
-              <a:rect l="T12" t="T13" r="T14" b="T15"/>
-              <a:pathLst>
-                <a:path w="21600" h="21600">
-                  <a:moveTo>
-                    <a:pt x="16200" y="0"/>
-                  </a:moveTo>
-                  <a:lnTo>
-                    <a:pt x="16200" y="5400"/>
-                  </a:lnTo>
-                  <a:lnTo>
-                    <a:pt x="3375" y="5400"/>
-                  </a:lnTo>
-                  <a:lnTo>
-                    <a:pt x="3375" y="16200"/>
-                  </a:lnTo>
-                  <a:lnTo>
-                    <a:pt x="16200" y="16200"/>
-                  </a:lnTo>
-                  <a:lnTo>
-                    <a:pt x="16200" y="21600"/>
-                  </a:lnTo>
-                  <a:lnTo>
-                    <a:pt x="21600" y="10800"/>
-                  </a:lnTo>
-                  <a:close/>
-                </a:path>
-                <a:path w="21600" h="21600">
-                  <a:moveTo>
-                    <a:pt x="1350" y="5400"/>
-                  </a:moveTo>
-                  <a:lnTo>
-                    <a:pt x="1350" y="16200"/>
-                  </a:lnTo>
-                  <a:lnTo>
-                    <a:pt x="2700" y="16200"/>
-                  </a:lnTo>
-                  <a:lnTo>
-                    <a:pt x="2700" y="5400"/>
-                  </a:lnTo>
-                  <a:close/>
-                </a:path>
-                <a:path w="21600" h="21600">
-                  <a:moveTo>
-                    <a:pt x="0" y="5400"/>
-                  </a:moveTo>
-                  <a:lnTo>
-                    <a:pt x="0" y="16200"/>
-                  </a:lnTo>
-                  <a:lnTo>
-                    <a:pt x="675" y="16200"/>
-                  </a:lnTo>
-                  <a:lnTo>
-                    <a:pt x="675" y="5400"/>
-                  </a:lnTo>
-                  <a:close/>
-                </a:path>
-              </a:pathLst>
-            </a:custGeom>
+            </a:prstGeom>
+            <a:ln>
+              <a:headEnd/>
+              <a:tailEnd/>
+            </a:ln>
+          </p:spPr>
+          <p:style>
+            <a:lnRef idx="2">
+              <a:schemeClr val="dk1"/>
+            </a:lnRef>
+            <a:fillRef idx="1">
+              <a:schemeClr val="lt1"/>
+            </a:fillRef>
+            <a:effectRef idx="0">
+              <a:schemeClr val="dk1"/>
+            </a:effectRef>
+            <a:fontRef idx="minor">
+              <a:schemeClr val="dk1"/>
+            </a:fontRef>
+          </p:style>
+          <p:txBody>
+            <a:bodyPr vert="horz" wrap="square" lIns="91440" tIns="45720" rIns="91440" bIns="45720" numCol="1" anchor="t" anchorCtr="0" compatLnSpc="1">
+              <a:prstTxWarp prst="textNoShape">
+                <a:avLst/>
+              </a:prstTxWarp>
+            </a:bodyPr>
+            <a:lstStyle/>
+            <a:p>
+              <a:endParaRPr lang="en-IN"/>
+            </a:p>
+          </p:txBody>
+        </p:sp>
+        <p:sp>
+          <p:nvSpPr>
+            <p:cNvPr id="67" name="Oval 18"/>
+            <p:cNvSpPr>
+              <a:spLocks noChangeArrowheads="1"/>
+            </p:cNvSpPr>
+            <p:nvPr/>
+          </p:nvSpPr>
+          <p:spPr bwMode="auto">
+            <a:xfrm>
+              <a:off x="9390" y="2940"/>
+              <a:ext cx="218" cy="165"/>
+            </a:xfrm>
+            <a:prstGeom prst="ellipse">
+              <a:avLst/>
+            </a:prstGeom>
             <a:gradFill rotWithShape="0">
               <a:gsLst>
                 <a:gs pos="0">
-                  <a:srgbClr val="666666"/>
-                </a:gs>
-                <a:gs pos="50000">
-                  <a:srgbClr val="CCCCCC"/>
+                  <a:srgbClr val="FFFFFF"/>
                 </a:gs>
                 <a:gs pos="100000">
-                  <a:srgbClr val="666666"/>
+                  <a:srgbClr val="999999"/>
                 </a:gs>
               </a:gsLst>
-              <a:lin ang="18900000" scaled="1"/>
+              <a:lin ang="5400000" scaled="1"/>
             </a:gradFill>
             <a:ln w="12700">
               <a:solidFill>
                 <a:srgbClr val="666666"/>
               </a:solidFill>
-              <a:miter lim="800000"/>
+              <a:round/>
               <a:headEnd/>
               <a:tailEnd/>
             </a:ln>
-            <a:effectLst>
-              <a:outerShdw dist="28398" dir="3806097" algn="ctr" rotWithShape="0">
-                <a:srgbClr val="7F7F7F">
-                  <a:alpha val="50000"/>
-                </a:srgbClr>
-              </a:outerShdw>
-            </a:effectLst>
+            <a:effectLst/>
           </p:spPr>
           <p:txBody>
             <a:bodyPr vert="horz" wrap="square" lIns="91440" tIns="45720" rIns="91440" bIns="45720" numCol="1" anchor="t" anchorCtr="0" compatLnSpc="1">
@@ -3833,7 +3861,7 @@
         </p:sp>
         <p:sp>
           <p:nvSpPr>
-            <p:cNvPr id="8" name="Rectangle 9"/>
+            <p:cNvPr id="68" name="Oval 19"/>
             <p:cNvSpPr>
               <a:spLocks noChangeArrowheads="1"/>
             </p:cNvSpPr>
@@ -3841,41 +3869,32 @@
           </p:nvSpPr>
           <p:spPr bwMode="auto">
             <a:xfrm>
-              <a:off x="5182711" y="2219181"/>
-              <a:ext cx="1904690" cy="1190769"/>
+              <a:off x="9083" y="3353"/>
+              <a:ext cx="218" cy="165"/>
             </a:xfrm>
-            <a:prstGeom prst="rect">
+            <a:prstGeom prst="ellipse">
               <a:avLst/>
             </a:prstGeom>
             <a:gradFill rotWithShape="0">
               <a:gsLst>
                 <a:gs pos="0">
-                  <a:srgbClr val="D99594"/>
-                </a:gs>
-                <a:gs pos="50000">
-                  <a:srgbClr val="F2DBDB"/>
+                  <a:srgbClr val="FFFFFF"/>
                 </a:gs>
                 <a:gs pos="100000">
-                  <a:srgbClr val="D99594"/>
+                  <a:srgbClr val="999999"/>
                 </a:gs>
               </a:gsLst>
-              <a:lin ang="18900000" scaled="1"/>
+              <a:lin ang="5400000" scaled="1"/>
             </a:gradFill>
             <a:ln w="12700">
               <a:solidFill>
-                <a:srgbClr val="D99594"/>
+                <a:srgbClr val="666666"/>
               </a:solidFill>
-              <a:miter lim="800000"/>
+              <a:round/>
               <a:headEnd/>
               <a:tailEnd/>
             </a:ln>
-            <a:effectLst>
-              <a:outerShdw dist="28398" dir="3806097" algn="ctr" rotWithShape="0">
-                <a:srgbClr val="622423">
-                  <a:alpha val="50000"/>
-                </a:srgbClr>
-              </a:outerShdw>
-            </a:effectLst>
+            <a:effectLst/>
           </p:spPr>
           <p:txBody>
             <a:bodyPr vert="horz" wrap="square" lIns="91440" tIns="45720" rIns="91440" bIns="45720" numCol="1" anchor="t" anchorCtr="0" compatLnSpc="1">
@@ -3889,9 +3908,750 @@
             </a:p>
           </p:txBody>
         </p:sp>
+        <p:sp>
+          <p:nvSpPr>
+            <p:cNvPr id="69" name="Oval 20"/>
+            <p:cNvSpPr>
+              <a:spLocks noChangeArrowheads="1"/>
+            </p:cNvSpPr>
+            <p:nvPr/>
+          </p:nvSpPr>
+          <p:spPr bwMode="auto">
+            <a:xfrm>
+              <a:off x="8760" y="3754"/>
+              <a:ext cx="218" cy="165"/>
+            </a:xfrm>
+            <a:prstGeom prst="ellipse">
+              <a:avLst/>
+            </a:prstGeom>
+            <a:gradFill rotWithShape="0">
+              <a:gsLst>
+                <a:gs pos="0">
+                  <a:srgbClr val="FFFFFF"/>
+                </a:gs>
+                <a:gs pos="100000">
+                  <a:srgbClr val="999999"/>
+                </a:gs>
+              </a:gsLst>
+              <a:lin ang="5400000" scaled="1"/>
+            </a:gradFill>
+            <a:ln w="12700">
+              <a:solidFill>
+                <a:srgbClr val="666666"/>
+              </a:solidFill>
+              <a:round/>
+              <a:headEnd/>
+              <a:tailEnd/>
+            </a:ln>
+            <a:effectLst/>
+          </p:spPr>
+          <p:txBody>
+            <a:bodyPr vert="horz" wrap="square" lIns="91440" tIns="45720" rIns="91440" bIns="45720" numCol="1" anchor="t" anchorCtr="0" compatLnSpc="1">
+              <a:prstTxWarp prst="textNoShape">
+                <a:avLst/>
+              </a:prstTxWarp>
+            </a:bodyPr>
+            <a:lstStyle/>
+            <a:p>
+              <a:endParaRPr lang="en-IN"/>
+            </a:p>
+          </p:txBody>
+        </p:sp>
+        <p:sp>
+          <p:nvSpPr>
+            <p:cNvPr id="70" name="Oval 21"/>
+            <p:cNvSpPr>
+              <a:spLocks noChangeArrowheads="1"/>
+            </p:cNvSpPr>
+            <p:nvPr/>
+          </p:nvSpPr>
+          <p:spPr bwMode="auto">
+            <a:xfrm>
+              <a:off x="9352" y="3780"/>
+              <a:ext cx="218" cy="165"/>
+            </a:xfrm>
+            <a:prstGeom prst="ellipse">
+              <a:avLst/>
+            </a:prstGeom>
+            <a:gradFill rotWithShape="0">
+              <a:gsLst>
+                <a:gs pos="0">
+                  <a:srgbClr val="FFFFFF"/>
+                </a:gs>
+                <a:gs pos="100000">
+                  <a:srgbClr val="999999"/>
+                </a:gs>
+              </a:gsLst>
+              <a:lin ang="5400000" scaled="1"/>
+            </a:gradFill>
+            <a:ln w="12700">
+              <a:solidFill>
+                <a:srgbClr val="666666"/>
+              </a:solidFill>
+              <a:round/>
+              <a:headEnd/>
+              <a:tailEnd/>
+            </a:ln>
+            <a:effectLst/>
+          </p:spPr>
+          <p:txBody>
+            <a:bodyPr vert="horz" wrap="square" lIns="91440" tIns="45720" rIns="91440" bIns="45720" numCol="1" anchor="t" anchorCtr="0" compatLnSpc="1">
+              <a:prstTxWarp prst="textNoShape">
+                <a:avLst/>
+              </a:prstTxWarp>
+            </a:bodyPr>
+            <a:lstStyle/>
+            <a:p>
+              <a:endParaRPr lang="en-IN"/>
+            </a:p>
+          </p:txBody>
+        </p:sp>
+        <p:sp>
+          <p:nvSpPr>
+            <p:cNvPr id="71" name="Oval 22"/>
+            <p:cNvSpPr>
+              <a:spLocks noChangeArrowheads="1"/>
+            </p:cNvSpPr>
+            <p:nvPr/>
+          </p:nvSpPr>
+          <p:spPr bwMode="auto">
+            <a:xfrm>
+              <a:off x="9713" y="3353"/>
+              <a:ext cx="218" cy="165"/>
+            </a:xfrm>
+            <a:prstGeom prst="ellipse">
+              <a:avLst/>
+            </a:prstGeom>
+            <a:gradFill rotWithShape="0">
+              <a:gsLst>
+                <a:gs pos="0">
+                  <a:srgbClr val="FFFFFF"/>
+                </a:gs>
+                <a:gs pos="100000">
+                  <a:srgbClr val="999999"/>
+                </a:gs>
+              </a:gsLst>
+              <a:lin ang="5400000" scaled="1"/>
+            </a:gradFill>
+            <a:ln w="12700">
+              <a:solidFill>
+                <a:srgbClr val="666666"/>
+              </a:solidFill>
+              <a:round/>
+              <a:headEnd/>
+              <a:tailEnd/>
+            </a:ln>
+            <a:effectLst/>
+          </p:spPr>
+          <p:txBody>
+            <a:bodyPr vert="horz" wrap="square" lIns="91440" tIns="45720" rIns="91440" bIns="45720" numCol="1" anchor="t" anchorCtr="0" compatLnSpc="1">
+              <a:prstTxWarp prst="textNoShape">
+                <a:avLst/>
+              </a:prstTxWarp>
+            </a:bodyPr>
+            <a:lstStyle/>
+            <a:p>
+              <a:endParaRPr lang="en-IN"/>
+            </a:p>
+          </p:txBody>
+        </p:sp>
+        <p:sp>
+          <p:nvSpPr>
+            <p:cNvPr id="72" name="Oval 23"/>
+            <p:cNvSpPr>
+              <a:spLocks noChangeArrowheads="1"/>
+            </p:cNvSpPr>
+            <p:nvPr/>
+          </p:nvSpPr>
+          <p:spPr bwMode="auto">
+            <a:xfrm>
+              <a:off x="10012" y="3754"/>
+              <a:ext cx="218" cy="165"/>
+            </a:xfrm>
+            <a:prstGeom prst="ellipse">
+              <a:avLst/>
+            </a:prstGeom>
+            <a:gradFill rotWithShape="0">
+              <a:gsLst>
+                <a:gs pos="0">
+                  <a:srgbClr val="FFFFFF"/>
+                </a:gs>
+                <a:gs pos="100000">
+                  <a:srgbClr val="999999"/>
+                </a:gs>
+              </a:gsLst>
+              <a:lin ang="5400000" scaled="1"/>
+            </a:gradFill>
+            <a:ln w="12700">
+              <a:solidFill>
+                <a:srgbClr val="666666"/>
+              </a:solidFill>
+              <a:round/>
+              <a:headEnd/>
+              <a:tailEnd/>
+            </a:ln>
+            <a:effectLst/>
+          </p:spPr>
+          <p:txBody>
+            <a:bodyPr vert="horz" wrap="square" lIns="91440" tIns="45720" rIns="91440" bIns="45720" numCol="1" anchor="t" anchorCtr="0" compatLnSpc="1">
+              <a:prstTxWarp prst="textNoShape">
+                <a:avLst/>
+              </a:prstTxWarp>
+            </a:bodyPr>
+            <a:lstStyle/>
+            <a:p>
+              <a:endParaRPr lang="en-IN"/>
+            </a:p>
+          </p:txBody>
+        </p:sp>
+        <p:cxnSp>
+          <p:nvCxnSpPr>
+            <p:cNvPr id="73" name="AutoShape 24"/>
+            <p:cNvCxnSpPr>
+              <a:cxnSpLocks noChangeShapeType="1"/>
+            </p:cNvCxnSpPr>
+            <p:nvPr/>
+          </p:nvCxnSpPr>
+          <p:spPr bwMode="auto">
+            <a:xfrm flipH="1">
+              <a:off x="9202" y="3094"/>
+              <a:ext cx="218" cy="251"/>
+            </a:xfrm>
+            <a:prstGeom prst="straightConnector1">
+              <a:avLst/>
+            </a:prstGeom>
+            <a:noFill/>
+            <a:ln w="12700">
+              <a:solidFill>
+                <a:srgbClr val="666666"/>
+              </a:solidFill>
+              <a:round/>
+              <a:headEnd/>
+              <a:tailEnd type="stealth" w="med" len="med"/>
+            </a:ln>
+            <a:effectLst/>
+          </p:spPr>
+        </p:cxnSp>
+        <p:cxnSp>
+          <p:nvCxnSpPr>
+            <p:cNvPr id="74" name="AutoShape 25"/>
+            <p:cNvCxnSpPr>
+              <a:cxnSpLocks noChangeShapeType="1"/>
+            </p:cNvCxnSpPr>
+            <p:nvPr/>
+          </p:nvCxnSpPr>
+          <p:spPr bwMode="auto">
+            <a:xfrm flipH="1">
+              <a:off x="8880" y="3503"/>
+              <a:ext cx="218" cy="251"/>
+            </a:xfrm>
+            <a:prstGeom prst="straightConnector1">
+              <a:avLst/>
+            </a:prstGeom>
+            <a:noFill/>
+            <a:ln w="12700">
+              <a:solidFill>
+                <a:srgbClr val="666666"/>
+              </a:solidFill>
+              <a:round/>
+              <a:headEnd/>
+              <a:tailEnd type="stealth" w="med" len="med"/>
+            </a:ln>
+            <a:effectLst/>
+          </p:spPr>
+        </p:cxnSp>
+        <p:cxnSp>
+          <p:nvCxnSpPr>
+            <p:cNvPr id="75" name="AutoShape 26"/>
+            <p:cNvCxnSpPr>
+              <a:cxnSpLocks noChangeShapeType="1"/>
+            </p:cNvCxnSpPr>
+            <p:nvPr/>
+          </p:nvCxnSpPr>
+          <p:spPr bwMode="auto">
+            <a:xfrm>
+              <a:off x="9202" y="3529"/>
+              <a:ext cx="218" cy="251"/>
+            </a:xfrm>
+            <a:prstGeom prst="straightConnector1">
+              <a:avLst/>
+            </a:prstGeom>
+            <a:noFill/>
+            <a:ln w="12700">
+              <a:solidFill>
+                <a:srgbClr val="666666"/>
+              </a:solidFill>
+              <a:round/>
+              <a:headEnd/>
+              <a:tailEnd type="stealth" w="med" len="med"/>
+            </a:ln>
+            <a:effectLst/>
+          </p:spPr>
+        </p:cxnSp>
+        <p:cxnSp>
+          <p:nvCxnSpPr>
+            <p:cNvPr id="76" name="AutoShape 27"/>
+            <p:cNvCxnSpPr>
+              <a:cxnSpLocks noChangeShapeType="1"/>
+            </p:cNvCxnSpPr>
+            <p:nvPr/>
+          </p:nvCxnSpPr>
+          <p:spPr bwMode="auto">
+            <a:xfrm>
+              <a:off x="9570" y="3105"/>
+              <a:ext cx="218" cy="251"/>
+            </a:xfrm>
+            <a:prstGeom prst="straightConnector1">
+              <a:avLst/>
+            </a:prstGeom>
+            <a:noFill/>
+            <a:ln w="12700">
+              <a:solidFill>
+                <a:srgbClr val="666666"/>
+              </a:solidFill>
+              <a:round/>
+              <a:headEnd/>
+              <a:tailEnd type="stealth" w="med" len="med"/>
+            </a:ln>
+            <a:effectLst/>
+          </p:spPr>
+        </p:cxnSp>
+        <p:cxnSp>
+          <p:nvCxnSpPr>
+            <p:cNvPr id="77" name="AutoShape 28"/>
+            <p:cNvCxnSpPr>
+              <a:cxnSpLocks noChangeShapeType="1"/>
+            </p:cNvCxnSpPr>
+            <p:nvPr/>
+          </p:nvCxnSpPr>
+          <p:spPr bwMode="auto">
+            <a:xfrm>
+              <a:off x="9871" y="3503"/>
+              <a:ext cx="218" cy="251"/>
+            </a:xfrm>
+            <a:prstGeom prst="straightConnector1">
+              <a:avLst/>
+            </a:prstGeom>
+            <a:noFill/>
+            <a:ln w="12700">
+              <a:solidFill>
+                <a:srgbClr val="666666"/>
+              </a:solidFill>
+              <a:round/>
+              <a:headEnd/>
+              <a:tailEnd type="stealth" w="med" len="med"/>
+            </a:ln>
+            <a:effectLst/>
+          </p:spPr>
+        </p:cxnSp>
+      </p:grpSp>
+      <p:grpSp>
+        <p:nvGrpSpPr>
+          <p:cNvPr id="10" name="Group 29"/>
+          <p:cNvGrpSpPr>
+            <a:grpSpLocks/>
+          </p:cNvGrpSpPr>
+          <p:nvPr/>
+        </p:nvGrpSpPr>
+        <p:grpSpPr bwMode="auto">
+          <a:xfrm>
+            <a:off x="6548202" y="3643648"/>
+            <a:ext cx="2242804" cy="462038"/>
+            <a:chOff x="4230" y="5790"/>
+            <a:chExt cx="4650" cy="510"/>
+          </a:xfrm>
+        </p:grpSpPr>
+        <p:sp>
+          <p:nvSpPr>
+            <p:cNvPr id="51" name="Rectangle 30"/>
+            <p:cNvSpPr>
+              <a:spLocks noChangeArrowheads="1"/>
+            </p:cNvSpPr>
+            <p:nvPr/>
+          </p:nvSpPr>
+          <p:spPr bwMode="auto">
+            <a:xfrm>
+              <a:off x="4230" y="5790"/>
+              <a:ext cx="4650" cy="510"/>
+            </a:xfrm>
+            <a:prstGeom prst="rect">
+              <a:avLst/>
+            </a:prstGeom>
+            <a:ln>
+              <a:headEnd/>
+              <a:tailEnd/>
+            </a:ln>
+          </p:spPr>
+          <p:style>
+            <a:lnRef idx="2">
+              <a:schemeClr val="dk1"/>
+            </a:lnRef>
+            <a:fillRef idx="1">
+              <a:schemeClr val="lt1"/>
+            </a:fillRef>
+            <a:effectRef idx="0">
+              <a:schemeClr val="dk1"/>
+            </a:effectRef>
+            <a:fontRef idx="minor">
+              <a:schemeClr val="dk1"/>
+            </a:fontRef>
+          </p:style>
+          <p:txBody>
+            <a:bodyPr vert="horz" wrap="square" lIns="91440" tIns="45720" rIns="91440" bIns="45720" numCol="1" anchor="t" anchorCtr="0" compatLnSpc="1">
+              <a:prstTxWarp prst="textNoShape">
+                <a:avLst/>
+              </a:prstTxWarp>
+            </a:bodyPr>
+            <a:lstStyle/>
+            <a:p>
+              <a:endParaRPr lang="en-IN"/>
+            </a:p>
+          </p:txBody>
+        </p:sp>
+        <p:cxnSp>
+          <p:nvCxnSpPr>
+            <p:cNvPr id="52" name="AutoShape 31"/>
+            <p:cNvCxnSpPr>
+              <a:cxnSpLocks noChangeShapeType="1"/>
+            </p:cNvCxnSpPr>
+            <p:nvPr/>
+          </p:nvCxnSpPr>
+          <p:spPr bwMode="auto">
+            <a:xfrm>
+              <a:off x="4710" y="5790"/>
+              <a:ext cx="0" cy="510"/>
+            </a:xfrm>
+            <a:prstGeom prst="straightConnector1">
+              <a:avLst/>
+            </a:prstGeom>
+            <a:ln>
+              <a:headEnd/>
+              <a:tailEnd/>
+            </a:ln>
+          </p:spPr>
+          <p:style>
+            <a:lnRef idx="2">
+              <a:schemeClr val="dk1"/>
+            </a:lnRef>
+            <a:fillRef idx="1">
+              <a:schemeClr val="lt1"/>
+            </a:fillRef>
+            <a:effectRef idx="0">
+              <a:schemeClr val="dk1"/>
+            </a:effectRef>
+            <a:fontRef idx="minor">
+              <a:schemeClr val="dk1"/>
+            </a:fontRef>
+          </p:style>
+        </p:cxnSp>
+        <p:cxnSp>
+          <p:nvCxnSpPr>
+            <p:cNvPr id="53" name="AutoShape 32"/>
+            <p:cNvCxnSpPr>
+              <a:cxnSpLocks noChangeShapeType="1"/>
+            </p:cNvCxnSpPr>
+            <p:nvPr/>
+          </p:nvCxnSpPr>
+          <p:spPr bwMode="auto">
+            <a:xfrm>
+              <a:off x="5640" y="5790"/>
+              <a:ext cx="0" cy="510"/>
+            </a:xfrm>
+            <a:prstGeom prst="straightConnector1">
+              <a:avLst/>
+            </a:prstGeom>
+            <a:ln>
+              <a:headEnd/>
+              <a:tailEnd/>
+            </a:ln>
+          </p:spPr>
+          <p:style>
+            <a:lnRef idx="2">
+              <a:schemeClr val="dk1"/>
+            </a:lnRef>
+            <a:fillRef idx="1">
+              <a:schemeClr val="lt1"/>
+            </a:fillRef>
+            <a:effectRef idx="0">
+              <a:schemeClr val="dk1"/>
+            </a:effectRef>
+            <a:fontRef idx="minor">
+              <a:schemeClr val="dk1"/>
+            </a:fontRef>
+          </p:style>
+        </p:cxnSp>
+        <p:cxnSp>
+          <p:nvCxnSpPr>
+            <p:cNvPr id="54" name="AutoShape 33"/>
+            <p:cNvCxnSpPr>
+              <a:cxnSpLocks noChangeShapeType="1"/>
+            </p:cNvCxnSpPr>
+            <p:nvPr/>
+          </p:nvCxnSpPr>
+          <p:spPr bwMode="auto">
+            <a:xfrm>
+              <a:off x="6105" y="5790"/>
+              <a:ext cx="0" cy="510"/>
+            </a:xfrm>
+            <a:prstGeom prst="straightConnector1">
+              <a:avLst/>
+            </a:prstGeom>
+            <a:ln>
+              <a:headEnd/>
+              <a:tailEnd/>
+            </a:ln>
+          </p:spPr>
+          <p:style>
+            <a:lnRef idx="2">
+              <a:schemeClr val="dk1"/>
+            </a:lnRef>
+            <a:fillRef idx="1">
+              <a:schemeClr val="lt1"/>
+            </a:fillRef>
+            <a:effectRef idx="0">
+              <a:schemeClr val="dk1"/>
+            </a:effectRef>
+            <a:fontRef idx="minor">
+              <a:schemeClr val="dk1"/>
+            </a:fontRef>
+          </p:style>
+        </p:cxnSp>
+        <p:cxnSp>
+          <p:nvCxnSpPr>
+            <p:cNvPr id="55" name="AutoShape 34"/>
+            <p:cNvCxnSpPr>
+              <a:cxnSpLocks noChangeShapeType="1"/>
+            </p:cNvCxnSpPr>
+            <p:nvPr/>
+          </p:nvCxnSpPr>
+          <p:spPr bwMode="auto">
+            <a:xfrm>
+              <a:off x="6570" y="5790"/>
+              <a:ext cx="0" cy="510"/>
+            </a:xfrm>
+            <a:prstGeom prst="straightConnector1">
+              <a:avLst/>
+            </a:prstGeom>
+            <a:ln>
+              <a:headEnd/>
+              <a:tailEnd/>
+            </a:ln>
+          </p:spPr>
+          <p:style>
+            <a:lnRef idx="2">
+              <a:schemeClr val="dk1"/>
+            </a:lnRef>
+            <a:fillRef idx="1">
+              <a:schemeClr val="lt1"/>
+            </a:fillRef>
+            <a:effectRef idx="0">
+              <a:schemeClr val="dk1"/>
+            </a:effectRef>
+            <a:fontRef idx="minor">
+              <a:schemeClr val="dk1"/>
+            </a:fontRef>
+          </p:style>
+        </p:cxnSp>
+        <p:cxnSp>
+          <p:nvCxnSpPr>
+            <p:cNvPr id="56" name="AutoShape 35"/>
+            <p:cNvCxnSpPr>
+              <a:cxnSpLocks noChangeShapeType="1"/>
+            </p:cNvCxnSpPr>
+            <p:nvPr/>
+          </p:nvCxnSpPr>
+          <p:spPr bwMode="auto">
+            <a:xfrm>
+              <a:off x="7020" y="5790"/>
+              <a:ext cx="0" cy="510"/>
+            </a:xfrm>
+            <a:prstGeom prst="straightConnector1">
+              <a:avLst/>
+            </a:prstGeom>
+            <a:ln>
+              <a:headEnd/>
+              <a:tailEnd/>
+            </a:ln>
+          </p:spPr>
+          <p:style>
+            <a:lnRef idx="2">
+              <a:schemeClr val="dk1"/>
+            </a:lnRef>
+            <a:fillRef idx="1">
+              <a:schemeClr val="lt1"/>
+            </a:fillRef>
+            <a:effectRef idx="0">
+              <a:schemeClr val="dk1"/>
+            </a:effectRef>
+            <a:fontRef idx="minor">
+              <a:schemeClr val="dk1"/>
+            </a:fontRef>
+          </p:style>
+        </p:cxnSp>
+        <p:cxnSp>
+          <p:nvCxnSpPr>
+            <p:cNvPr id="57" name="AutoShape 36"/>
+            <p:cNvCxnSpPr>
+              <a:cxnSpLocks noChangeShapeType="1"/>
+            </p:cNvCxnSpPr>
+            <p:nvPr/>
+          </p:nvCxnSpPr>
+          <p:spPr bwMode="auto">
+            <a:xfrm>
+              <a:off x="7485" y="5790"/>
+              <a:ext cx="0" cy="510"/>
+            </a:xfrm>
+            <a:prstGeom prst="straightConnector1">
+              <a:avLst/>
+            </a:prstGeom>
+            <a:ln>
+              <a:headEnd/>
+              <a:tailEnd/>
+            </a:ln>
+          </p:spPr>
+          <p:style>
+            <a:lnRef idx="2">
+              <a:schemeClr val="dk1"/>
+            </a:lnRef>
+            <a:fillRef idx="1">
+              <a:schemeClr val="lt1"/>
+            </a:fillRef>
+            <a:effectRef idx="0">
+              <a:schemeClr val="dk1"/>
+            </a:effectRef>
+            <a:fontRef idx="minor">
+              <a:schemeClr val="dk1"/>
+            </a:fontRef>
+          </p:style>
+        </p:cxnSp>
+        <p:cxnSp>
+          <p:nvCxnSpPr>
+            <p:cNvPr id="58" name="AutoShape 37"/>
+            <p:cNvCxnSpPr>
+              <a:cxnSpLocks noChangeShapeType="1"/>
+            </p:cNvCxnSpPr>
+            <p:nvPr/>
+          </p:nvCxnSpPr>
+          <p:spPr bwMode="auto">
+            <a:xfrm>
+              <a:off x="5175" y="5790"/>
+              <a:ext cx="0" cy="510"/>
+            </a:xfrm>
+            <a:prstGeom prst="straightConnector1">
+              <a:avLst/>
+            </a:prstGeom>
+            <a:ln>
+              <a:headEnd/>
+              <a:tailEnd/>
+            </a:ln>
+          </p:spPr>
+          <p:style>
+            <a:lnRef idx="2">
+              <a:schemeClr val="dk1"/>
+            </a:lnRef>
+            <a:fillRef idx="1">
+              <a:schemeClr val="lt1"/>
+            </a:fillRef>
+            <a:effectRef idx="0">
+              <a:schemeClr val="dk1"/>
+            </a:effectRef>
+            <a:fontRef idx="minor">
+              <a:schemeClr val="dk1"/>
+            </a:fontRef>
+          </p:style>
+        </p:cxnSp>
+        <p:cxnSp>
+          <p:nvCxnSpPr>
+            <p:cNvPr id="59" name="AutoShape 38"/>
+            <p:cNvCxnSpPr>
+              <a:cxnSpLocks noChangeShapeType="1"/>
+            </p:cNvCxnSpPr>
+            <p:nvPr/>
+          </p:nvCxnSpPr>
+          <p:spPr bwMode="auto">
+            <a:xfrm>
+              <a:off x="7965" y="5790"/>
+              <a:ext cx="0" cy="510"/>
+            </a:xfrm>
+            <a:prstGeom prst="straightConnector1">
+              <a:avLst/>
+            </a:prstGeom>
+            <a:ln>
+              <a:headEnd/>
+              <a:tailEnd/>
+            </a:ln>
+          </p:spPr>
+          <p:style>
+            <a:lnRef idx="2">
+              <a:schemeClr val="dk1"/>
+            </a:lnRef>
+            <a:fillRef idx="1">
+              <a:schemeClr val="lt1"/>
+            </a:fillRef>
+            <a:effectRef idx="0">
+              <a:schemeClr val="dk1"/>
+            </a:effectRef>
+            <a:fontRef idx="minor">
+              <a:schemeClr val="dk1"/>
+            </a:fontRef>
+          </p:style>
+        </p:cxnSp>
+        <p:cxnSp>
+          <p:nvCxnSpPr>
+            <p:cNvPr id="60" name="AutoShape 39"/>
+            <p:cNvCxnSpPr>
+              <a:cxnSpLocks noChangeShapeType="1"/>
+            </p:cNvCxnSpPr>
+            <p:nvPr/>
+          </p:nvCxnSpPr>
+          <p:spPr bwMode="auto">
+            <a:xfrm>
+              <a:off x="8430" y="5790"/>
+              <a:ext cx="0" cy="510"/>
+            </a:xfrm>
+            <a:prstGeom prst="straightConnector1">
+              <a:avLst/>
+            </a:prstGeom>
+            <a:ln>
+              <a:headEnd/>
+              <a:tailEnd/>
+            </a:ln>
+          </p:spPr>
+          <p:style>
+            <a:lnRef idx="2">
+              <a:schemeClr val="dk1"/>
+            </a:lnRef>
+            <a:fillRef idx="1">
+              <a:schemeClr val="lt1"/>
+            </a:fillRef>
+            <a:effectRef idx="0">
+              <a:schemeClr val="dk1"/>
+            </a:effectRef>
+            <a:fontRef idx="minor">
+              <a:schemeClr val="dk1"/>
+            </a:fontRef>
+          </p:style>
+        </p:cxnSp>
+      </p:grpSp>
+      <p:grpSp>
+        <p:nvGrpSpPr>
+          <p:cNvPr id="11" name="Group 40"/>
+          <p:cNvGrpSpPr>
+            <a:grpSpLocks/>
+          </p:cNvGrpSpPr>
+          <p:nvPr/>
+        </p:nvGrpSpPr>
+        <p:grpSpPr bwMode="auto">
+          <a:xfrm>
+            <a:off x="4667456" y="3134094"/>
+            <a:ext cx="1169799" cy="1750418"/>
+            <a:chOff x="3495" y="495"/>
+            <a:chExt cx="1365" cy="1845"/>
+          </a:xfrm>
+        </p:grpSpPr>
         <p:grpSp>
           <p:nvGrpSpPr>
-            <p:cNvPr id="9" name="Group 11"/>
+            <p:cNvPr id="27" name="Group 41"/>
             <p:cNvGrpSpPr>
               <a:grpSpLocks/>
             </p:cNvGrpSpPr>
@@ -3899,15 +4659,15 @@
           </p:nvGrpSpPr>
           <p:grpSpPr bwMode="auto">
             <a:xfrm>
-              <a:off x="5302525" y="2245825"/>
-              <a:ext cx="1625982" cy="735499"/>
-              <a:chOff x="7080" y="2790"/>
-              <a:chExt cx="3240" cy="1455"/>
+              <a:off x="3810" y="495"/>
+              <a:ext cx="1050" cy="1545"/>
+              <a:chOff x="3885" y="495"/>
+              <a:chExt cx="1050" cy="1545"/>
             </a:xfrm>
           </p:grpSpPr>
           <p:sp>
             <p:nvSpPr>
-              <p:cNvPr id="61" name="Rectangle 12"/>
+              <p:cNvPr id="44" name="Rectangle 42"/>
               <p:cNvSpPr>
                 <a:spLocks noChangeArrowheads="1"/>
               </p:cNvSpPr>
@@ -3915,8 +4675,8 @@
             </p:nvSpPr>
             <p:spPr bwMode="auto">
               <a:xfrm>
-                <a:off x="7080" y="2790"/>
-                <a:ext cx="840" cy="1455"/>
+                <a:off x="3885" y="495"/>
+                <a:ext cx="1050" cy="1545"/>
               </a:xfrm>
               <a:prstGeom prst="rect">
                 <a:avLst/>
@@ -3956,7 +4716,7 @@
           </p:sp>
           <p:cxnSp>
             <p:nvCxnSpPr>
-              <p:cNvPr id="62" name="AutoShape 13"/>
+              <p:cNvPr id="45" name="AutoShape 43"/>
               <p:cNvCxnSpPr>
                 <a:cxnSpLocks noChangeShapeType="1"/>
               </p:cNvCxnSpPr>
@@ -3964,8 +4724,8 @@
             </p:nvCxnSpPr>
             <p:spPr bwMode="auto">
               <a:xfrm>
-                <a:off x="7080" y="3090"/>
-                <a:ext cx="840" cy="0"/>
+                <a:off x="4425" y="495"/>
+                <a:ext cx="0" cy="1545"/>
               </a:xfrm>
               <a:prstGeom prst="straightConnector1">
                 <a:avLst/>
@@ -3984,7 +4744,7 @@
           </p:cxnSp>
           <p:cxnSp>
             <p:nvCxnSpPr>
-              <p:cNvPr id="63" name="AutoShape 14"/>
+              <p:cNvPr id="46" name="AutoShape 44"/>
               <p:cNvCxnSpPr>
                 <a:cxnSpLocks noChangeShapeType="1"/>
               </p:cNvCxnSpPr>
@@ -3992,8 +4752,8 @@
             </p:nvCxnSpPr>
             <p:spPr bwMode="auto">
               <a:xfrm>
-                <a:off x="7080" y="3375"/>
-                <a:ext cx="840" cy="0"/>
+                <a:off x="3885" y="780"/>
+                <a:ext cx="1050" cy="0"/>
               </a:xfrm>
               <a:prstGeom prst="straightConnector1">
                 <a:avLst/>
@@ -4012,7 +4772,7 @@
           </p:cxnSp>
           <p:cxnSp>
             <p:nvCxnSpPr>
-              <p:cNvPr id="64" name="AutoShape 15"/>
+              <p:cNvPr id="47" name="AutoShape 45"/>
               <p:cNvCxnSpPr>
                 <a:cxnSpLocks noChangeShapeType="1"/>
               </p:cNvCxnSpPr>
@@ -4020,8 +4780,8 @@
             </p:nvCxnSpPr>
             <p:spPr bwMode="auto">
               <a:xfrm>
-                <a:off x="7080" y="3675"/>
-                <a:ext cx="840" cy="0"/>
+                <a:off x="3885" y="1035"/>
+                <a:ext cx="1050" cy="0"/>
               </a:xfrm>
               <a:prstGeom prst="straightConnector1">
                 <a:avLst/>
@@ -4040,7 +4800,7 @@
           </p:cxnSp>
           <p:cxnSp>
             <p:nvCxnSpPr>
-              <p:cNvPr id="65" name="AutoShape 16"/>
+              <p:cNvPr id="48" name="AutoShape 46"/>
               <p:cNvCxnSpPr>
                 <a:cxnSpLocks noChangeShapeType="1"/>
               </p:cNvCxnSpPr>
@@ -4048,8 +4808,8 @@
             </p:nvCxnSpPr>
             <p:spPr bwMode="auto">
               <a:xfrm>
-                <a:off x="7080" y="3975"/>
-                <a:ext cx="840" cy="0"/>
+                <a:off x="3885" y="1290"/>
+                <a:ext cx="1050" cy="0"/>
               </a:xfrm>
               <a:prstGeom prst="straightConnector1">
                 <a:avLst/>
@@ -4066,9 +4826,82 @@
               <a:effectLst/>
             </p:spPr>
           </p:cxnSp>
+          <p:cxnSp>
+            <p:nvCxnSpPr>
+              <p:cNvPr id="49" name="AutoShape 47"/>
+              <p:cNvCxnSpPr>
+                <a:cxnSpLocks noChangeShapeType="1"/>
+              </p:cNvCxnSpPr>
+              <p:nvPr/>
+            </p:nvCxnSpPr>
+            <p:spPr bwMode="auto">
+              <a:xfrm>
+                <a:off x="3885" y="1530"/>
+                <a:ext cx="1050" cy="0"/>
+              </a:xfrm>
+              <a:prstGeom prst="straightConnector1">
+                <a:avLst/>
+              </a:prstGeom>
+              <a:noFill/>
+              <a:ln w="12700">
+                <a:solidFill>
+                  <a:srgbClr val="666666"/>
+                </a:solidFill>
+                <a:round/>
+                <a:headEnd/>
+                <a:tailEnd/>
+              </a:ln>
+              <a:effectLst/>
+            </p:spPr>
+          </p:cxnSp>
+          <p:cxnSp>
+            <p:nvCxnSpPr>
+              <p:cNvPr id="50" name="AutoShape 48"/>
+              <p:cNvCxnSpPr>
+                <a:cxnSpLocks noChangeShapeType="1"/>
+              </p:cNvCxnSpPr>
+              <p:nvPr/>
+            </p:nvCxnSpPr>
+            <p:spPr bwMode="auto">
+              <a:xfrm>
+                <a:off x="3885" y="1785"/>
+                <a:ext cx="1050" cy="0"/>
+              </a:xfrm>
+              <a:prstGeom prst="straightConnector1">
+                <a:avLst/>
+              </a:prstGeom>
+              <a:noFill/>
+              <a:ln w="12700">
+                <a:solidFill>
+                  <a:srgbClr val="666666"/>
+                </a:solidFill>
+                <a:round/>
+                <a:headEnd/>
+                <a:tailEnd/>
+              </a:ln>
+              <a:effectLst/>
+            </p:spPr>
+          </p:cxnSp>
+        </p:grpSp>
+        <p:grpSp>
+          <p:nvGrpSpPr>
+            <p:cNvPr id="28" name="Group 49"/>
+            <p:cNvGrpSpPr>
+              <a:grpSpLocks/>
+            </p:cNvGrpSpPr>
+            <p:nvPr/>
+          </p:nvGrpSpPr>
+          <p:grpSpPr bwMode="auto">
+            <a:xfrm>
+              <a:off x="3660" y="660"/>
+              <a:ext cx="1050" cy="1545"/>
+              <a:chOff x="3885" y="495"/>
+              <a:chExt cx="1050" cy="1545"/>
+            </a:xfrm>
+          </p:grpSpPr>
           <p:sp>
             <p:nvSpPr>
-              <p:cNvPr id="66" name="Rectangle 17"/>
+              <p:cNvPr id="37" name="Rectangle 50"/>
               <p:cNvSpPr>
                 <a:spLocks noChangeArrowheads="1"/>
               </p:cNvSpPr>
@@ -4076,8 +4909,8 @@
             </p:nvSpPr>
             <p:spPr bwMode="auto">
               <a:xfrm>
-                <a:off x="8625" y="2790"/>
-                <a:ext cx="1695" cy="1455"/>
+                <a:off x="3885" y="495"/>
+                <a:ext cx="1050" cy="1545"/>
               </a:xfrm>
               <a:prstGeom prst="rect">
                 <a:avLst/>
@@ -4115,9 +4948,194 @@
               </a:p>
             </p:txBody>
           </p:sp>
+          <p:cxnSp>
+            <p:nvCxnSpPr>
+              <p:cNvPr id="38" name="AutoShape 51"/>
+              <p:cNvCxnSpPr>
+                <a:cxnSpLocks noChangeShapeType="1"/>
+              </p:cNvCxnSpPr>
+              <p:nvPr/>
+            </p:nvCxnSpPr>
+            <p:spPr bwMode="auto">
+              <a:xfrm>
+                <a:off x="4425" y="495"/>
+                <a:ext cx="0" cy="1545"/>
+              </a:xfrm>
+              <a:prstGeom prst="straightConnector1">
+                <a:avLst/>
+              </a:prstGeom>
+              <a:noFill/>
+              <a:ln w="12700">
+                <a:solidFill>
+                  <a:srgbClr val="666666"/>
+                </a:solidFill>
+                <a:round/>
+                <a:headEnd/>
+                <a:tailEnd/>
+              </a:ln>
+              <a:effectLst/>
+            </p:spPr>
+          </p:cxnSp>
+          <p:cxnSp>
+            <p:nvCxnSpPr>
+              <p:cNvPr id="39" name="AutoShape 52"/>
+              <p:cNvCxnSpPr>
+                <a:cxnSpLocks noChangeShapeType="1"/>
+              </p:cNvCxnSpPr>
+              <p:nvPr/>
+            </p:nvCxnSpPr>
+            <p:spPr bwMode="auto">
+              <a:xfrm>
+                <a:off x="3885" y="780"/>
+                <a:ext cx="1050" cy="0"/>
+              </a:xfrm>
+              <a:prstGeom prst="straightConnector1">
+                <a:avLst/>
+              </a:prstGeom>
+              <a:noFill/>
+              <a:ln w="12700">
+                <a:solidFill>
+                  <a:srgbClr val="666666"/>
+                </a:solidFill>
+                <a:round/>
+                <a:headEnd/>
+                <a:tailEnd/>
+              </a:ln>
+              <a:effectLst/>
+            </p:spPr>
+          </p:cxnSp>
+          <p:cxnSp>
+            <p:nvCxnSpPr>
+              <p:cNvPr id="40" name="AutoShape 53"/>
+              <p:cNvCxnSpPr>
+                <a:cxnSpLocks noChangeShapeType="1"/>
+              </p:cNvCxnSpPr>
+              <p:nvPr/>
+            </p:nvCxnSpPr>
+            <p:spPr bwMode="auto">
+              <a:xfrm>
+                <a:off x="3885" y="1035"/>
+                <a:ext cx="1050" cy="0"/>
+              </a:xfrm>
+              <a:prstGeom prst="straightConnector1">
+                <a:avLst/>
+              </a:prstGeom>
+              <a:noFill/>
+              <a:ln w="12700">
+                <a:solidFill>
+                  <a:srgbClr val="666666"/>
+                </a:solidFill>
+                <a:round/>
+                <a:headEnd/>
+                <a:tailEnd/>
+              </a:ln>
+              <a:effectLst/>
+            </p:spPr>
+          </p:cxnSp>
+          <p:cxnSp>
+            <p:nvCxnSpPr>
+              <p:cNvPr id="41" name="AutoShape 54"/>
+              <p:cNvCxnSpPr>
+                <a:cxnSpLocks noChangeShapeType="1"/>
+              </p:cNvCxnSpPr>
+              <p:nvPr/>
+            </p:nvCxnSpPr>
+            <p:spPr bwMode="auto">
+              <a:xfrm>
+                <a:off x="3885" y="1290"/>
+                <a:ext cx="1050" cy="0"/>
+              </a:xfrm>
+              <a:prstGeom prst="straightConnector1">
+                <a:avLst/>
+              </a:prstGeom>
+              <a:noFill/>
+              <a:ln w="12700">
+                <a:solidFill>
+                  <a:srgbClr val="666666"/>
+                </a:solidFill>
+                <a:round/>
+                <a:headEnd/>
+                <a:tailEnd/>
+              </a:ln>
+              <a:effectLst/>
+            </p:spPr>
+          </p:cxnSp>
+          <p:cxnSp>
+            <p:nvCxnSpPr>
+              <p:cNvPr id="42" name="AutoShape 55"/>
+              <p:cNvCxnSpPr>
+                <a:cxnSpLocks noChangeShapeType="1"/>
+              </p:cNvCxnSpPr>
+              <p:nvPr/>
+            </p:nvCxnSpPr>
+            <p:spPr bwMode="auto">
+              <a:xfrm>
+                <a:off x="3885" y="1530"/>
+                <a:ext cx="1050" cy="0"/>
+              </a:xfrm>
+              <a:prstGeom prst="straightConnector1">
+                <a:avLst/>
+              </a:prstGeom>
+              <a:noFill/>
+              <a:ln w="12700">
+                <a:solidFill>
+                  <a:srgbClr val="666666"/>
+                </a:solidFill>
+                <a:round/>
+                <a:headEnd/>
+                <a:tailEnd/>
+              </a:ln>
+              <a:effectLst/>
+            </p:spPr>
+          </p:cxnSp>
+          <p:cxnSp>
+            <p:nvCxnSpPr>
+              <p:cNvPr id="43" name="AutoShape 56"/>
+              <p:cNvCxnSpPr>
+                <a:cxnSpLocks noChangeShapeType="1"/>
+              </p:cNvCxnSpPr>
+              <p:nvPr/>
+            </p:nvCxnSpPr>
+            <p:spPr bwMode="auto">
+              <a:xfrm>
+                <a:off x="3885" y="1785"/>
+                <a:ext cx="1050" cy="0"/>
+              </a:xfrm>
+              <a:prstGeom prst="straightConnector1">
+                <a:avLst/>
+              </a:prstGeom>
+              <a:noFill/>
+              <a:ln w="12700">
+                <a:solidFill>
+                  <a:srgbClr val="666666"/>
+                </a:solidFill>
+                <a:round/>
+                <a:headEnd/>
+                <a:tailEnd/>
+              </a:ln>
+              <a:effectLst/>
+            </p:spPr>
+          </p:cxnSp>
+        </p:grpSp>
+        <p:grpSp>
+          <p:nvGrpSpPr>
+            <p:cNvPr id="29" name="Group 57"/>
+            <p:cNvGrpSpPr>
+              <a:grpSpLocks/>
+            </p:cNvGrpSpPr>
+            <p:nvPr/>
+          </p:nvGrpSpPr>
+          <p:grpSpPr bwMode="auto">
+            <a:xfrm>
+              <a:off x="3495" y="795"/>
+              <a:ext cx="1050" cy="1545"/>
+              <a:chOff x="3885" y="495"/>
+              <a:chExt cx="1050" cy="1545"/>
+            </a:xfrm>
+          </p:grpSpPr>
           <p:sp>
             <p:nvSpPr>
-              <p:cNvPr id="67" name="Oval 18"/>
+              <p:cNvPr id="30" name="Rectangle 58"/>
               <p:cNvSpPr>
                 <a:spLocks noChangeArrowheads="1"/>
               </p:cNvSpPr>
@@ -4125,10 +5143,10 @@
             </p:nvSpPr>
             <p:spPr bwMode="auto">
               <a:xfrm>
-                <a:off x="9390" y="2940"/>
-                <a:ext cx="218" cy="165"/>
+                <a:off x="3885" y="495"/>
+                <a:ext cx="1050" cy="1545"/>
               </a:xfrm>
-              <a:prstGeom prst="ellipse">
+              <a:prstGeom prst="rect">
                 <a:avLst/>
               </a:prstGeom>
               <a:gradFill rotWithShape="0">
@@ -4145,460 +5163,6 @@
               <a:ln w="12700">
                 <a:solidFill>
                   <a:srgbClr val="666666"/>
-                </a:solidFill>
-                <a:round/>
-                <a:headEnd/>
-                <a:tailEnd/>
-              </a:ln>
-              <a:effectLst/>
-            </p:spPr>
-            <p:txBody>
-              <a:bodyPr vert="horz" wrap="square" lIns="91440" tIns="45720" rIns="91440" bIns="45720" numCol="1" anchor="t" anchorCtr="0" compatLnSpc="1">
-                <a:prstTxWarp prst="textNoShape">
-                  <a:avLst/>
-                </a:prstTxWarp>
-              </a:bodyPr>
-              <a:lstStyle/>
-              <a:p>
-                <a:endParaRPr lang="en-IN"/>
-              </a:p>
-            </p:txBody>
-          </p:sp>
-          <p:sp>
-            <p:nvSpPr>
-              <p:cNvPr id="68" name="Oval 19"/>
-              <p:cNvSpPr>
-                <a:spLocks noChangeArrowheads="1"/>
-              </p:cNvSpPr>
-              <p:nvPr/>
-            </p:nvSpPr>
-            <p:spPr bwMode="auto">
-              <a:xfrm>
-                <a:off x="9083" y="3353"/>
-                <a:ext cx="218" cy="165"/>
-              </a:xfrm>
-              <a:prstGeom prst="ellipse">
-                <a:avLst/>
-              </a:prstGeom>
-              <a:gradFill rotWithShape="0">
-                <a:gsLst>
-                  <a:gs pos="0">
-                    <a:srgbClr val="FFFFFF"/>
-                  </a:gs>
-                  <a:gs pos="100000">
-                    <a:srgbClr val="999999"/>
-                  </a:gs>
-                </a:gsLst>
-                <a:lin ang="5400000" scaled="1"/>
-              </a:gradFill>
-              <a:ln w="12700">
-                <a:solidFill>
-                  <a:srgbClr val="666666"/>
-                </a:solidFill>
-                <a:round/>
-                <a:headEnd/>
-                <a:tailEnd/>
-              </a:ln>
-              <a:effectLst/>
-            </p:spPr>
-            <p:txBody>
-              <a:bodyPr vert="horz" wrap="square" lIns="91440" tIns="45720" rIns="91440" bIns="45720" numCol="1" anchor="t" anchorCtr="0" compatLnSpc="1">
-                <a:prstTxWarp prst="textNoShape">
-                  <a:avLst/>
-                </a:prstTxWarp>
-              </a:bodyPr>
-              <a:lstStyle/>
-              <a:p>
-                <a:endParaRPr lang="en-IN"/>
-              </a:p>
-            </p:txBody>
-          </p:sp>
-          <p:sp>
-            <p:nvSpPr>
-              <p:cNvPr id="69" name="Oval 20"/>
-              <p:cNvSpPr>
-                <a:spLocks noChangeArrowheads="1"/>
-              </p:cNvSpPr>
-              <p:nvPr/>
-            </p:nvSpPr>
-            <p:spPr bwMode="auto">
-              <a:xfrm>
-                <a:off x="8760" y="3754"/>
-                <a:ext cx="218" cy="165"/>
-              </a:xfrm>
-              <a:prstGeom prst="ellipse">
-                <a:avLst/>
-              </a:prstGeom>
-              <a:gradFill rotWithShape="0">
-                <a:gsLst>
-                  <a:gs pos="0">
-                    <a:srgbClr val="FFFFFF"/>
-                  </a:gs>
-                  <a:gs pos="100000">
-                    <a:srgbClr val="999999"/>
-                  </a:gs>
-                </a:gsLst>
-                <a:lin ang="5400000" scaled="1"/>
-              </a:gradFill>
-              <a:ln w="12700">
-                <a:solidFill>
-                  <a:srgbClr val="666666"/>
-                </a:solidFill>
-                <a:round/>
-                <a:headEnd/>
-                <a:tailEnd/>
-              </a:ln>
-              <a:effectLst/>
-            </p:spPr>
-            <p:txBody>
-              <a:bodyPr vert="horz" wrap="square" lIns="91440" tIns="45720" rIns="91440" bIns="45720" numCol="1" anchor="t" anchorCtr="0" compatLnSpc="1">
-                <a:prstTxWarp prst="textNoShape">
-                  <a:avLst/>
-                </a:prstTxWarp>
-              </a:bodyPr>
-              <a:lstStyle/>
-              <a:p>
-                <a:endParaRPr lang="en-IN"/>
-              </a:p>
-            </p:txBody>
-          </p:sp>
-          <p:sp>
-            <p:nvSpPr>
-              <p:cNvPr id="70" name="Oval 21"/>
-              <p:cNvSpPr>
-                <a:spLocks noChangeArrowheads="1"/>
-              </p:cNvSpPr>
-              <p:nvPr/>
-            </p:nvSpPr>
-            <p:spPr bwMode="auto">
-              <a:xfrm>
-                <a:off x="9352" y="3780"/>
-                <a:ext cx="218" cy="165"/>
-              </a:xfrm>
-              <a:prstGeom prst="ellipse">
-                <a:avLst/>
-              </a:prstGeom>
-              <a:gradFill rotWithShape="0">
-                <a:gsLst>
-                  <a:gs pos="0">
-                    <a:srgbClr val="FFFFFF"/>
-                  </a:gs>
-                  <a:gs pos="100000">
-                    <a:srgbClr val="999999"/>
-                  </a:gs>
-                </a:gsLst>
-                <a:lin ang="5400000" scaled="1"/>
-              </a:gradFill>
-              <a:ln w="12700">
-                <a:solidFill>
-                  <a:srgbClr val="666666"/>
-                </a:solidFill>
-                <a:round/>
-                <a:headEnd/>
-                <a:tailEnd/>
-              </a:ln>
-              <a:effectLst/>
-            </p:spPr>
-            <p:txBody>
-              <a:bodyPr vert="horz" wrap="square" lIns="91440" tIns="45720" rIns="91440" bIns="45720" numCol="1" anchor="t" anchorCtr="0" compatLnSpc="1">
-                <a:prstTxWarp prst="textNoShape">
-                  <a:avLst/>
-                </a:prstTxWarp>
-              </a:bodyPr>
-              <a:lstStyle/>
-              <a:p>
-                <a:endParaRPr lang="en-IN"/>
-              </a:p>
-            </p:txBody>
-          </p:sp>
-          <p:sp>
-            <p:nvSpPr>
-              <p:cNvPr id="71" name="Oval 22"/>
-              <p:cNvSpPr>
-                <a:spLocks noChangeArrowheads="1"/>
-              </p:cNvSpPr>
-              <p:nvPr/>
-            </p:nvSpPr>
-            <p:spPr bwMode="auto">
-              <a:xfrm>
-                <a:off x="9713" y="3353"/>
-                <a:ext cx="218" cy="165"/>
-              </a:xfrm>
-              <a:prstGeom prst="ellipse">
-                <a:avLst/>
-              </a:prstGeom>
-              <a:gradFill rotWithShape="0">
-                <a:gsLst>
-                  <a:gs pos="0">
-                    <a:srgbClr val="FFFFFF"/>
-                  </a:gs>
-                  <a:gs pos="100000">
-                    <a:srgbClr val="999999"/>
-                  </a:gs>
-                </a:gsLst>
-                <a:lin ang="5400000" scaled="1"/>
-              </a:gradFill>
-              <a:ln w="12700">
-                <a:solidFill>
-                  <a:srgbClr val="666666"/>
-                </a:solidFill>
-                <a:round/>
-                <a:headEnd/>
-                <a:tailEnd/>
-              </a:ln>
-              <a:effectLst/>
-            </p:spPr>
-            <p:txBody>
-              <a:bodyPr vert="horz" wrap="square" lIns="91440" tIns="45720" rIns="91440" bIns="45720" numCol="1" anchor="t" anchorCtr="0" compatLnSpc="1">
-                <a:prstTxWarp prst="textNoShape">
-                  <a:avLst/>
-                </a:prstTxWarp>
-              </a:bodyPr>
-              <a:lstStyle/>
-              <a:p>
-                <a:endParaRPr lang="en-IN"/>
-              </a:p>
-            </p:txBody>
-          </p:sp>
-          <p:sp>
-            <p:nvSpPr>
-              <p:cNvPr id="72" name="Oval 23"/>
-              <p:cNvSpPr>
-                <a:spLocks noChangeArrowheads="1"/>
-              </p:cNvSpPr>
-              <p:nvPr/>
-            </p:nvSpPr>
-            <p:spPr bwMode="auto">
-              <a:xfrm>
-                <a:off x="10012" y="3754"/>
-                <a:ext cx="218" cy="165"/>
-              </a:xfrm>
-              <a:prstGeom prst="ellipse">
-                <a:avLst/>
-              </a:prstGeom>
-              <a:gradFill rotWithShape="0">
-                <a:gsLst>
-                  <a:gs pos="0">
-                    <a:srgbClr val="FFFFFF"/>
-                  </a:gs>
-                  <a:gs pos="100000">
-                    <a:srgbClr val="999999"/>
-                  </a:gs>
-                </a:gsLst>
-                <a:lin ang="5400000" scaled="1"/>
-              </a:gradFill>
-              <a:ln w="12700">
-                <a:solidFill>
-                  <a:srgbClr val="666666"/>
-                </a:solidFill>
-                <a:round/>
-                <a:headEnd/>
-                <a:tailEnd/>
-              </a:ln>
-              <a:effectLst/>
-            </p:spPr>
-            <p:txBody>
-              <a:bodyPr vert="horz" wrap="square" lIns="91440" tIns="45720" rIns="91440" bIns="45720" numCol="1" anchor="t" anchorCtr="0" compatLnSpc="1">
-                <a:prstTxWarp prst="textNoShape">
-                  <a:avLst/>
-                </a:prstTxWarp>
-              </a:bodyPr>
-              <a:lstStyle/>
-              <a:p>
-                <a:endParaRPr lang="en-IN"/>
-              </a:p>
-            </p:txBody>
-          </p:sp>
-          <p:cxnSp>
-            <p:nvCxnSpPr>
-              <p:cNvPr id="73" name="AutoShape 24"/>
-              <p:cNvCxnSpPr>
-                <a:cxnSpLocks noChangeShapeType="1"/>
-              </p:cNvCxnSpPr>
-              <p:nvPr/>
-            </p:nvCxnSpPr>
-            <p:spPr bwMode="auto">
-              <a:xfrm flipH="1">
-                <a:off x="9202" y="3094"/>
-                <a:ext cx="218" cy="251"/>
-              </a:xfrm>
-              <a:prstGeom prst="straightConnector1">
-                <a:avLst/>
-              </a:prstGeom>
-              <a:noFill/>
-              <a:ln w="12700">
-                <a:solidFill>
-                  <a:srgbClr val="666666"/>
-                </a:solidFill>
-                <a:round/>
-                <a:headEnd/>
-                <a:tailEnd type="stealth" w="med" len="med"/>
-              </a:ln>
-              <a:effectLst/>
-            </p:spPr>
-          </p:cxnSp>
-          <p:cxnSp>
-            <p:nvCxnSpPr>
-              <p:cNvPr id="74" name="AutoShape 25"/>
-              <p:cNvCxnSpPr>
-                <a:cxnSpLocks noChangeShapeType="1"/>
-              </p:cNvCxnSpPr>
-              <p:nvPr/>
-            </p:nvCxnSpPr>
-            <p:spPr bwMode="auto">
-              <a:xfrm flipH="1">
-                <a:off x="8880" y="3503"/>
-                <a:ext cx="218" cy="251"/>
-              </a:xfrm>
-              <a:prstGeom prst="straightConnector1">
-                <a:avLst/>
-              </a:prstGeom>
-              <a:noFill/>
-              <a:ln w="12700">
-                <a:solidFill>
-                  <a:srgbClr val="666666"/>
-                </a:solidFill>
-                <a:round/>
-                <a:headEnd/>
-                <a:tailEnd type="stealth" w="med" len="med"/>
-              </a:ln>
-              <a:effectLst/>
-            </p:spPr>
-          </p:cxnSp>
-          <p:cxnSp>
-            <p:nvCxnSpPr>
-              <p:cNvPr id="75" name="AutoShape 26"/>
-              <p:cNvCxnSpPr>
-                <a:cxnSpLocks noChangeShapeType="1"/>
-              </p:cNvCxnSpPr>
-              <p:nvPr/>
-            </p:nvCxnSpPr>
-            <p:spPr bwMode="auto">
-              <a:xfrm>
-                <a:off x="9202" y="3529"/>
-                <a:ext cx="218" cy="251"/>
-              </a:xfrm>
-              <a:prstGeom prst="straightConnector1">
-                <a:avLst/>
-              </a:prstGeom>
-              <a:noFill/>
-              <a:ln w="12700">
-                <a:solidFill>
-                  <a:srgbClr val="666666"/>
-                </a:solidFill>
-                <a:round/>
-                <a:headEnd/>
-                <a:tailEnd type="stealth" w="med" len="med"/>
-              </a:ln>
-              <a:effectLst/>
-            </p:spPr>
-          </p:cxnSp>
-          <p:cxnSp>
-            <p:nvCxnSpPr>
-              <p:cNvPr id="76" name="AutoShape 27"/>
-              <p:cNvCxnSpPr>
-                <a:cxnSpLocks noChangeShapeType="1"/>
-              </p:cNvCxnSpPr>
-              <p:nvPr/>
-            </p:nvCxnSpPr>
-            <p:spPr bwMode="auto">
-              <a:xfrm>
-                <a:off x="9570" y="3105"/>
-                <a:ext cx="218" cy="251"/>
-              </a:xfrm>
-              <a:prstGeom prst="straightConnector1">
-                <a:avLst/>
-              </a:prstGeom>
-              <a:noFill/>
-              <a:ln w="12700">
-                <a:solidFill>
-                  <a:srgbClr val="666666"/>
-                </a:solidFill>
-                <a:round/>
-                <a:headEnd/>
-                <a:tailEnd type="stealth" w="med" len="med"/>
-              </a:ln>
-              <a:effectLst/>
-            </p:spPr>
-          </p:cxnSp>
-          <p:cxnSp>
-            <p:nvCxnSpPr>
-              <p:cNvPr id="77" name="AutoShape 28"/>
-              <p:cNvCxnSpPr>
-                <a:cxnSpLocks noChangeShapeType="1"/>
-              </p:cNvCxnSpPr>
-              <p:nvPr/>
-            </p:nvCxnSpPr>
-            <p:spPr bwMode="auto">
-              <a:xfrm>
-                <a:off x="9871" y="3503"/>
-                <a:ext cx="218" cy="251"/>
-              </a:xfrm>
-              <a:prstGeom prst="straightConnector1">
-                <a:avLst/>
-              </a:prstGeom>
-              <a:noFill/>
-              <a:ln w="12700">
-                <a:solidFill>
-                  <a:srgbClr val="666666"/>
-                </a:solidFill>
-                <a:round/>
-                <a:headEnd/>
-                <a:tailEnd type="stealth" w="med" len="med"/>
-              </a:ln>
-              <a:effectLst/>
-            </p:spPr>
-          </p:cxnSp>
-        </p:grpSp>
-        <p:grpSp>
-          <p:nvGrpSpPr>
-            <p:cNvPr id="10" name="Group 29"/>
-            <p:cNvGrpSpPr>
-              <a:grpSpLocks/>
-            </p:cNvGrpSpPr>
-            <p:nvPr/>
-          </p:nvGrpSpPr>
-          <p:grpSpPr bwMode="auto">
-            <a:xfrm>
-              <a:off x="5906584" y="3771899"/>
-              <a:ext cx="1313221" cy="265999"/>
-              <a:chOff x="4230" y="5790"/>
-              <a:chExt cx="4650" cy="510"/>
-            </a:xfrm>
-          </p:grpSpPr>
-          <p:sp>
-            <p:nvSpPr>
-              <p:cNvPr id="51" name="Rectangle 30"/>
-              <p:cNvSpPr>
-                <a:spLocks noChangeArrowheads="1"/>
-              </p:cNvSpPr>
-              <p:nvPr/>
-            </p:nvSpPr>
-            <p:spPr bwMode="auto">
-              <a:xfrm>
-                <a:off x="4230" y="5790"/>
-                <a:ext cx="4650" cy="510"/>
-              </a:xfrm>
-              <a:prstGeom prst="rect">
-                <a:avLst/>
-              </a:prstGeom>
-              <a:gradFill rotWithShape="0">
-                <a:gsLst>
-                  <a:gs pos="0">
-                    <a:srgbClr val="B2A1C7"/>
-                  </a:gs>
-                  <a:gs pos="50000">
-                    <a:srgbClr val="E5DFEC"/>
-                  </a:gs>
-                  <a:gs pos="100000">
-                    <a:srgbClr val="B2A1C7"/>
-                  </a:gs>
-                </a:gsLst>
-                <a:lin ang="18900000" scaled="1"/>
-              </a:gradFill>
-              <a:ln w="12700">
-                <a:solidFill>
-                  <a:srgbClr val="B2A1C7"/>
                 </a:solidFill>
                 <a:miter lim="800000"/>
                 <a:headEnd/>
@@ -4620,7 +5184,7 @@
           </p:sp>
           <p:cxnSp>
             <p:nvCxnSpPr>
-              <p:cNvPr id="52" name="AutoShape 31"/>
+              <p:cNvPr id="31" name="AutoShape 59"/>
               <p:cNvCxnSpPr>
                 <a:cxnSpLocks noChangeShapeType="1"/>
               </p:cNvCxnSpPr>
@@ -4628,8 +5192,8 @@
             </p:nvCxnSpPr>
             <p:spPr bwMode="auto">
               <a:xfrm>
-                <a:off x="4710" y="5790"/>
-                <a:ext cx="0" cy="510"/>
+                <a:off x="4425" y="495"/>
+                <a:ext cx="0" cy="1545"/>
               </a:xfrm>
               <a:prstGeom prst="straightConnector1">
                 <a:avLst/>
@@ -4637,7 +5201,7 @@
               <a:noFill/>
               <a:ln w="12700">
                 <a:solidFill>
-                  <a:srgbClr val="B2A1C7"/>
+                  <a:srgbClr val="666666"/>
                 </a:solidFill>
                 <a:round/>
                 <a:headEnd/>
@@ -4648,7 +5212,7 @@
           </p:cxnSp>
           <p:cxnSp>
             <p:nvCxnSpPr>
-              <p:cNvPr id="53" name="AutoShape 32"/>
+              <p:cNvPr id="32" name="AutoShape 60"/>
               <p:cNvCxnSpPr>
                 <a:cxnSpLocks noChangeShapeType="1"/>
               </p:cNvCxnSpPr>
@@ -4656,8 +5220,8 @@
             </p:nvCxnSpPr>
             <p:spPr bwMode="auto">
               <a:xfrm>
-                <a:off x="5640" y="5790"/>
-                <a:ext cx="0" cy="510"/>
+                <a:off x="3885" y="780"/>
+                <a:ext cx="1050" cy="0"/>
               </a:xfrm>
               <a:prstGeom prst="straightConnector1">
                 <a:avLst/>
@@ -4665,7 +5229,7 @@
               <a:noFill/>
               <a:ln w="12700">
                 <a:solidFill>
-                  <a:srgbClr val="B2A1C7"/>
+                  <a:srgbClr val="666666"/>
                 </a:solidFill>
                 <a:round/>
                 <a:headEnd/>
@@ -4676,7 +5240,7 @@
           </p:cxnSp>
           <p:cxnSp>
             <p:nvCxnSpPr>
-              <p:cNvPr id="54" name="AutoShape 33"/>
+              <p:cNvPr id="33" name="AutoShape 61"/>
               <p:cNvCxnSpPr>
                 <a:cxnSpLocks noChangeShapeType="1"/>
               </p:cNvCxnSpPr>
@@ -4684,8 +5248,8 @@
             </p:nvCxnSpPr>
             <p:spPr bwMode="auto">
               <a:xfrm>
-                <a:off x="6105" y="5790"/>
-                <a:ext cx="0" cy="510"/>
+                <a:off x="3885" y="1035"/>
+                <a:ext cx="1050" cy="0"/>
               </a:xfrm>
               <a:prstGeom prst="straightConnector1">
                 <a:avLst/>
@@ -4693,7 +5257,7 @@
               <a:noFill/>
               <a:ln w="12700">
                 <a:solidFill>
-                  <a:srgbClr val="B2A1C7"/>
+                  <a:srgbClr val="666666"/>
                 </a:solidFill>
                 <a:round/>
                 <a:headEnd/>
@@ -4704,7 +5268,7 @@
           </p:cxnSp>
           <p:cxnSp>
             <p:nvCxnSpPr>
-              <p:cNvPr id="55" name="AutoShape 34"/>
+              <p:cNvPr id="34" name="AutoShape 62"/>
               <p:cNvCxnSpPr>
                 <a:cxnSpLocks noChangeShapeType="1"/>
               </p:cNvCxnSpPr>
@@ -4712,8 +5276,8 @@
             </p:nvCxnSpPr>
             <p:spPr bwMode="auto">
               <a:xfrm>
-                <a:off x="6570" y="5790"/>
-                <a:ext cx="0" cy="510"/>
+                <a:off x="3885" y="1290"/>
+                <a:ext cx="1050" cy="0"/>
               </a:xfrm>
               <a:prstGeom prst="straightConnector1">
                 <a:avLst/>
@@ -4721,7 +5285,7 @@
               <a:noFill/>
               <a:ln w="12700">
                 <a:solidFill>
-                  <a:srgbClr val="B2A1C7"/>
+                  <a:srgbClr val="666666"/>
                 </a:solidFill>
                 <a:round/>
                 <a:headEnd/>
@@ -4732,7 +5296,7 @@
           </p:cxnSp>
           <p:cxnSp>
             <p:nvCxnSpPr>
-              <p:cNvPr id="56" name="AutoShape 35"/>
+              <p:cNvPr id="35" name="AutoShape 63"/>
               <p:cNvCxnSpPr>
                 <a:cxnSpLocks noChangeShapeType="1"/>
               </p:cNvCxnSpPr>
@@ -4740,8 +5304,8 @@
             </p:nvCxnSpPr>
             <p:spPr bwMode="auto">
               <a:xfrm>
-                <a:off x="7020" y="5790"/>
-                <a:ext cx="0" cy="510"/>
+                <a:off x="3885" y="1530"/>
+                <a:ext cx="1050" cy="0"/>
               </a:xfrm>
               <a:prstGeom prst="straightConnector1">
                 <a:avLst/>
@@ -4749,7 +5313,7 @@
               <a:noFill/>
               <a:ln w="12700">
                 <a:solidFill>
-                  <a:srgbClr val="B2A1C7"/>
+                  <a:srgbClr val="666666"/>
                 </a:solidFill>
                 <a:round/>
                 <a:headEnd/>
@@ -4760,7 +5324,7 @@
           </p:cxnSp>
           <p:cxnSp>
             <p:nvCxnSpPr>
-              <p:cNvPr id="57" name="AutoShape 36"/>
+              <p:cNvPr id="36" name="AutoShape 64"/>
               <p:cNvCxnSpPr>
                 <a:cxnSpLocks noChangeShapeType="1"/>
               </p:cNvCxnSpPr>
@@ -4768,8 +5332,8 @@
             </p:nvCxnSpPr>
             <p:spPr bwMode="auto">
               <a:xfrm>
-                <a:off x="7485" y="5790"/>
-                <a:ext cx="0" cy="510"/>
+                <a:off x="3885" y="1785"/>
+                <a:ext cx="1050" cy="0"/>
               </a:xfrm>
               <a:prstGeom prst="straightConnector1">
                 <a:avLst/>
@@ -4777,91 +5341,7 @@
               <a:noFill/>
               <a:ln w="12700">
                 <a:solidFill>
-                  <a:srgbClr val="B2A1C7"/>
-                </a:solidFill>
-                <a:round/>
-                <a:headEnd/>
-                <a:tailEnd/>
-              </a:ln>
-              <a:effectLst/>
-            </p:spPr>
-          </p:cxnSp>
-          <p:cxnSp>
-            <p:nvCxnSpPr>
-              <p:cNvPr id="58" name="AutoShape 37"/>
-              <p:cNvCxnSpPr>
-                <a:cxnSpLocks noChangeShapeType="1"/>
-              </p:cNvCxnSpPr>
-              <p:nvPr/>
-            </p:nvCxnSpPr>
-            <p:spPr bwMode="auto">
-              <a:xfrm>
-                <a:off x="5175" y="5790"/>
-                <a:ext cx="0" cy="510"/>
-              </a:xfrm>
-              <a:prstGeom prst="straightConnector1">
-                <a:avLst/>
-              </a:prstGeom>
-              <a:noFill/>
-              <a:ln w="12700">
-                <a:solidFill>
-                  <a:srgbClr val="B2A1C7"/>
-                </a:solidFill>
-                <a:round/>
-                <a:headEnd/>
-                <a:tailEnd/>
-              </a:ln>
-              <a:effectLst/>
-            </p:spPr>
-          </p:cxnSp>
-          <p:cxnSp>
-            <p:nvCxnSpPr>
-              <p:cNvPr id="59" name="AutoShape 38"/>
-              <p:cNvCxnSpPr>
-                <a:cxnSpLocks noChangeShapeType="1"/>
-              </p:cNvCxnSpPr>
-              <p:nvPr/>
-            </p:nvCxnSpPr>
-            <p:spPr bwMode="auto">
-              <a:xfrm>
-                <a:off x="7965" y="5790"/>
-                <a:ext cx="0" cy="510"/>
-              </a:xfrm>
-              <a:prstGeom prst="straightConnector1">
-                <a:avLst/>
-              </a:prstGeom>
-              <a:noFill/>
-              <a:ln w="12700">
-                <a:solidFill>
-                  <a:srgbClr val="B2A1C7"/>
-                </a:solidFill>
-                <a:round/>
-                <a:headEnd/>
-                <a:tailEnd/>
-              </a:ln>
-              <a:effectLst/>
-            </p:spPr>
-          </p:cxnSp>
-          <p:cxnSp>
-            <p:nvCxnSpPr>
-              <p:cNvPr id="60" name="AutoShape 39"/>
-              <p:cNvCxnSpPr>
-                <a:cxnSpLocks noChangeShapeType="1"/>
-              </p:cNvCxnSpPr>
-              <p:nvPr/>
-            </p:nvCxnSpPr>
-            <p:spPr bwMode="auto">
-              <a:xfrm>
-                <a:off x="8430" y="5790"/>
-                <a:ext cx="0" cy="510"/>
-              </a:xfrm>
-              <a:prstGeom prst="straightConnector1">
-                <a:avLst/>
-              </a:prstGeom>
-              <a:noFill/>
-              <a:ln w="12700">
-                <a:solidFill>
-                  <a:srgbClr val="B2A1C7"/>
+                  <a:srgbClr val="666666"/>
                 </a:solidFill>
                 <a:round/>
                 <a:headEnd/>
@@ -4871,788 +5351,57 @@
             </p:spPr>
           </p:cxnSp>
         </p:grpSp>
-        <p:grpSp>
-          <p:nvGrpSpPr>
-            <p:cNvPr id="11" name="Group 40"/>
-            <p:cNvGrpSpPr>
-              <a:grpSpLocks/>
-            </p:cNvGrpSpPr>
-            <p:nvPr/>
-          </p:nvGrpSpPr>
-          <p:grpSpPr bwMode="auto">
-            <a:xfrm>
-              <a:off x="4805358" y="3478545"/>
-              <a:ext cx="684948" cy="1007729"/>
-              <a:chOff x="3495" y="495"/>
-              <a:chExt cx="1365" cy="1845"/>
-            </a:xfrm>
-          </p:grpSpPr>
-          <p:grpSp>
-            <p:nvGrpSpPr>
-              <p:cNvPr id="27" name="Group 41"/>
-              <p:cNvGrpSpPr>
-                <a:grpSpLocks/>
-              </p:cNvGrpSpPr>
-              <p:nvPr/>
-            </p:nvGrpSpPr>
-            <p:grpSpPr bwMode="auto">
-              <a:xfrm>
-                <a:off x="3810" y="495"/>
-                <a:ext cx="1050" cy="1545"/>
-                <a:chOff x="3885" y="495"/>
-                <a:chExt cx="1050" cy="1545"/>
-              </a:xfrm>
-            </p:grpSpPr>
-            <p:sp>
-              <p:nvSpPr>
-                <p:cNvPr id="44" name="Rectangle 42"/>
-                <p:cNvSpPr>
-                  <a:spLocks noChangeArrowheads="1"/>
-                </p:cNvSpPr>
-                <p:nvPr/>
-              </p:nvSpPr>
-              <p:spPr bwMode="auto">
-                <a:xfrm>
-                  <a:off x="3885" y="495"/>
-                  <a:ext cx="1050" cy="1545"/>
-                </a:xfrm>
-                <a:prstGeom prst="rect">
-                  <a:avLst/>
-                </a:prstGeom>
-                <a:gradFill rotWithShape="0">
-                  <a:gsLst>
-                    <a:gs pos="0">
-                      <a:srgbClr val="FFFFFF"/>
-                    </a:gs>
-                    <a:gs pos="100000">
-                      <a:srgbClr val="999999"/>
-                    </a:gs>
-                  </a:gsLst>
-                  <a:lin ang="5400000" scaled="1"/>
-                </a:gradFill>
-                <a:ln w="12700">
-                  <a:solidFill>
-                    <a:srgbClr val="666666"/>
-                  </a:solidFill>
-                  <a:miter lim="800000"/>
-                  <a:headEnd/>
-                  <a:tailEnd/>
-                </a:ln>
-                <a:effectLst/>
-              </p:spPr>
-              <p:txBody>
-                <a:bodyPr vert="horz" wrap="square" lIns="91440" tIns="45720" rIns="91440" bIns="45720" numCol="1" anchor="t" anchorCtr="0" compatLnSpc="1">
-                  <a:prstTxWarp prst="textNoShape">
-                    <a:avLst/>
-                  </a:prstTxWarp>
-                </a:bodyPr>
-                <a:lstStyle/>
-                <a:p>
-                  <a:endParaRPr lang="en-IN"/>
-                </a:p>
-              </p:txBody>
-            </p:sp>
-            <p:cxnSp>
-              <p:nvCxnSpPr>
-                <p:cNvPr id="45" name="AutoShape 43"/>
-                <p:cNvCxnSpPr>
-                  <a:cxnSpLocks noChangeShapeType="1"/>
-                </p:cNvCxnSpPr>
-                <p:nvPr/>
-              </p:nvCxnSpPr>
-              <p:spPr bwMode="auto">
-                <a:xfrm>
-                  <a:off x="4425" y="495"/>
-                  <a:ext cx="0" cy="1545"/>
-                </a:xfrm>
-                <a:prstGeom prst="straightConnector1">
-                  <a:avLst/>
-                </a:prstGeom>
-                <a:noFill/>
-                <a:ln w="12700">
-                  <a:solidFill>
-                    <a:srgbClr val="666666"/>
-                  </a:solidFill>
-                  <a:round/>
-                  <a:headEnd/>
-                  <a:tailEnd/>
-                </a:ln>
-                <a:effectLst/>
-              </p:spPr>
-            </p:cxnSp>
-            <p:cxnSp>
-              <p:nvCxnSpPr>
-                <p:cNvPr id="46" name="AutoShape 44"/>
-                <p:cNvCxnSpPr>
-                  <a:cxnSpLocks noChangeShapeType="1"/>
-                </p:cNvCxnSpPr>
-                <p:nvPr/>
-              </p:nvCxnSpPr>
-              <p:spPr bwMode="auto">
-                <a:xfrm>
-                  <a:off x="3885" y="780"/>
-                  <a:ext cx="1050" cy="0"/>
-                </a:xfrm>
-                <a:prstGeom prst="straightConnector1">
-                  <a:avLst/>
-                </a:prstGeom>
-                <a:noFill/>
-                <a:ln w="12700">
-                  <a:solidFill>
-                    <a:srgbClr val="666666"/>
-                  </a:solidFill>
-                  <a:round/>
-                  <a:headEnd/>
-                  <a:tailEnd/>
-                </a:ln>
-                <a:effectLst/>
-              </p:spPr>
-            </p:cxnSp>
-            <p:cxnSp>
-              <p:nvCxnSpPr>
-                <p:cNvPr id="47" name="AutoShape 45"/>
-                <p:cNvCxnSpPr>
-                  <a:cxnSpLocks noChangeShapeType="1"/>
-                </p:cNvCxnSpPr>
-                <p:nvPr/>
-              </p:nvCxnSpPr>
-              <p:spPr bwMode="auto">
-                <a:xfrm>
-                  <a:off x="3885" y="1035"/>
-                  <a:ext cx="1050" cy="0"/>
-                </a:xfrm>
-                <a:prstGeom prst="straightConnector1">
-                  <a:avLst/>
-                </a:prstGeom>
-                <a:noFill/>
-                <a:ln w="12700">
-                  <a:solidFill>
-                    <a:srgbClr val="666666"/>
-                  </a:solidFill>
-                  <a:round/>
-                  <a:headEnd/>
-                  <a:tailEnd/>
-                </a:ln>
-                <a:effectLst/>
-              </p:spPr>
-            </p:cxnSp>
-            <p:cxnSp>
-              <p:nvCxnSpPr>
-                <p:cNvPr id="48" name="AutoShape 46"/>
-                <p:cNvCxnSpPr>
-                  <a:cxnSpLocks noChangeShapeType="1"/>
-                </p:cNvCxnSpPr>
-                <p:nvPr/>
-              </p:nvCxnSpPr>
-              <p:spPr bwMode="auto">
-                <a:xfrm>
-                  <a:off x="3885" y="1290"/>
-                  <a:ext cx="1050" cy="0"/>
-                </a:xfrm>
-                <a:prstGeom prst="straightConnector1">
-                  <a:avLst/>
-                </a:prstGeom>
-                <a:noFill/>
-                <a:ln w="12700">
-                  <a:solidFill>
-                    <a:srgbClr val="666666"/>
-                  </a:solidFill>
-                  <a:round/>
-                  <a:headEnd/>
-                  <a:tailEnd/>
-                </a:ln>
-                <a:effectLst/>
-              </p:spPr>
-            </p:cxnSp>
-            <p:cxnSp>
-              <p:nvCxnSpPr>
-                <p:cNvPr id="49" name="AutoShape 47"/>
-                <p:cNvCxnSpPr>
-                  <a:cxnSpLocks noChangeShapeType="1"/>
-                </p:cNvCxnSpPr>
-                <p:nvPr/>
-              </p:nvCxnSpPr>
-              <p:spPr bwMode="auto">
-                <a:xfrm>
-                  <a:off x="3885" y="1530"/>
-                  <a:ext cx="1050" cy="0"/>
-                </a:xfrm>
-                <a:prstGeom prst="straightConnector1">
-                  <a:avLst/>
-                </a:prstGeom>
-                <a:noFill/>
-                <a:ln w="12700">
-                  <a:solidFill>
-                    <a:srgbClr val="666666"/>
-                  </a:solidFill>
-                  <a:round/>
-                  <a:headEnd/>
-                  <a:tailEnd/>
-                </a:ln>
-                <a:effectLst/>
-              </p:spPr>
-            </p:cxnSp>
-            <p:cxnSp>
-              <p:nvCxnSpPr>
-                <p:cNvPr id="50" name="AutoShape 48"/>
-                <p:cNvCxnSpPr>
-                  <a:cxnSpLocks noChangeShapeType="1"/>
-                </p:cNvCxnSpPr>
-                <p:nvPr/>
-              </p:nvCxnSpPr>
-              <p:spPr bwMode="auto">
-                <a:xfrm>
-                  <a:off x="3885" y="1785"/>
-                  <a:ext cx="1050" cy="0"/>
-                </a:xfrm>
-                <a:prstGeom prst="straightConnector1">
-                  <a:avLst/>
-                </a:prstGeom>
-                <a:noFill/>
-                <a:ln w="12700">
-                  <a:solidFill>
-                    <a:srgbClr val="666666"/>
-                  </a:solidFill>
-                  <a:round/>
-                  <a:headEnd/>
-                  <a:tailEnd/>
-                </a:ln>
-                <a:effectLst/>
-              </p:spPr>
-            </p:cxnSp>
-          </p:grpSp>
-          <p:grpSp>
-            <p:nvGrpSpPr>
-              <p:cNvPr id="28" name="Group 49"/>
-              <p:cNvGrpSpPr>
-                <a:grpSpLocks/>
-              </p:cNvGrpSpPr>
-              <p:nvPr/>
-            </p:nvGrpSpPr>
-            <p:grpSpPr bwMode="auto">
-              <a:xfrm>
-                <a:off x="3660" y="660"/>
-                <a:ext cx="1050" cy="1545"/>
-                <a:chOff x="3885" y="495"/>
-                <a:chExt cx="1050" cy="1545"/>
-              </a:xfrm>
-            </p:grpSpPr>
-            <p:sp>
-              <p:nvSpPr>
-                <p:cNvPr id="37" name="Rectangle 50"/>
-                <p:cNvSpPr>
-                  <a:spLocks noChangeArrowheads="1"/>
-                </p:cNvSpPr>
-                <p:nvPr/>
-              </p:nvSpPr>
-              <p:spPr bwMode="auto">
-                <a:xfrm>
-                  <a:off x="3885" y="495"/>
-                  <a:ext cx="1050" cy="1545"/>
-                </a:xfrm>
-                <a:prstGeom prst="rect">
-                  <a:avLst/>
-                </a:prstGeom>
-                <a:gradFill rotWithShape="0">
-                  <a:gsLst>
-                    <a:gs pos="0">
-                      <a:srgbClr val="FFFFFF"/>
-                    </a:gs>
-                    <a:gs pos="100000">
-                      <a:srgbClr val="999999"/>
-                    </a:gs>
-                  </a:gsLst>
-                  <a:lin ang="5400000" scaled="1"/>
-                </a:gradFill>
-                <a:ln w="12700">
-                  <a:solidFill>
-                    <a:srgbClr val="666666"/>
-                  </a:solidFill>
-                  <a:miter lim="800000"/>
-                  <a:headEnd/>
-                  <a:tailEnd/>
-                </a:ln>
-                <a:effectLst/>
-              </p:spPr>
-              <p:txBody>
-                <a:bodyPr vert="horz" wrap="square" lIns="91440" tIns="45720" rIns="91440" bIns="45720" numCol="1" anchor="t" anchorCtr="0" compatLnSpc="1">
-                  <a:prstTxWarp prst="textNoShape">
-                    <a:avLst/>
-                  </a:prstTxWarp>
-                </a:bodyPr>
-                <a:lstStyle/>
-                <a:p>
-                  <a:endParaRPr lang="en-IN"/>
-                </a:p>
-              </p:txBody>
-            </p:sp>
-            <p:cxnSp>
-              <p:nvCxnSpPr>
-                <p:cNvPr id="38" name="AutoShape 51"/>
-                <p:cNvCxnSpPr>
-                  <a:cxnSpLocks noChangeShapeType="1"/>
-                </p:cNvCxnSpPr>
-                <p:nvPr/>
-              </p:nvCxnSpPr>
-              <p:spPr bwMode="auto">
-                <a:xfrm>
-                  <a:off x="4425" y="495"/>
-                  <a:ext cx="0" cy="1545"/>
-                </a:xfrm>
-                <a:prstGeom prst="straightConnector1">
-                  <a:avLst/>
-                </a:prstGeom>
-                <a:noFill/>
-                <a:ln w="12700">
-                  <a:solidFill>
-                    <a:srgbClr val="666666"/>
-                  </a:solidFill>
-                  <a:round/>
-                  <a:headEnd/>
-                  <a:tailEnd/>
-                </a:ln>
-                <a:effectLst/>
-              </p:spPr>
-            </p:cxnSp>
-            <p:cxnSp>
-              <p:nvCxnSpPr>
-                <p:cNvPr id="39" name="AutoShape 52"/>
-                <p:cNvCxnSpPr>
-                  <a:cxnSpLocks noChangeShapeType="1"/>
-                </p:cNvCxnSpPr>
-                <p:nvPr/>
-              </p:nvCxnSpPr>
-              <p:spPr bwMode="auto">
-                <a:xfrm>
-                  <a:off x="3885" y="780"/>
-                  <a:ext cx="1050" cy="0"/>
-                </a:xfrm>
-                <a:prstGeom prst="straightConnector1">
-                  <a:avLst/>
-                </a:prstGeom>
-                <a:noFill/>
-                <a:ln w="12700">
-                  <a:solidFill>
-                    <a:srgbClr val="666666"/>
-                  </a:solidFill>
-                  <a:round/>
-                  <a:headEnd/>
-                  <a:tailEnd/>
-                </a:ln>
-                <a:effectLst/>
-              </p:spPr>
-            </p:cxnSp>
-            <p:cxnSp>
-              <p:nvCxnSpPr>
-                <p:cNvPr id="40" name="AutoShape 53"/>
-                <p:cNvCxnSpPr>
-                  <a:cxnSpLocks noChangeShapeType="1"/>
-                </p:cNvCxnSpPr>
-                <p:nvPr/>
-              </p:nvCxnSpPr>
-              <p:spPr bwMode="auto">
-                <a:xfrm>
-                  <a:off x="3885" y="1035"/>
-                  <a:ext cx="1050" cy="0"/>
-                </a:xfrm>
-                <a:prstGeom prst="straightConnector1">
-                  <a:avLst/>
-                </a:prstGeom>
-                <a:noFill/>
-                <a:ln w="12700">
-                  <a:solidFill>
-                    <a:srgbClr val="666666"/>
-                  </a:solidFill>
-                  <a:round/>
-                  <a:headEnd/>
-                  <a:tailEnd/>
-                </a:ln>
-                <a:effectLst/>
-              </p:spPr>
-            </p:cxnSp>
-            <p:cxnSp>
-              <p:nvCxnSpPr>
-                <p:cNvPr id="41" name="AutoShape 54"/>
-                <p:cNvCxnSpPr>
-                  <a:cxnSpLocks noChangeShapeType="1"/>
-                </p:cNvCxnSpPr>
-                <p:nvPr/>
-              </p:nvCxnSpPr>
-              <p:spPr bwMode="auto">
-                <a:xfrm>
-                  <a:off x="3885" y="1290"/>
-                  <a:ext cx="1050" cy="0"/>
-                </a:xfrm>
-                <a:prstGeom prst="straightConnector1">
-                  <a:avLst/>
-                </a:prstGeom>
-                <a:noFill/>
-                <a:ln w="12700">
-                  <a:solidFill>
-                    <a:srgbClr val="666666"/>
-                  </a:solidFill>
-                  <a:round/>
-                  <a:headEnd/>
-                  <a:tailEnd/>
-                </a:ln>
-                <a:effectLst/>
-              </p:spPr>
-            </p:cxnSp>
-            <p:cxnSp>
-              <p:nvCxnSpPr>
-                <p:cNvPr id="42" name="AutoShape 55"/>
-                <p:cNvCxnSpPr>
-                  <a:cxnSpLocks noChangeShapeType="1"/>
-                </p:cNvCxnSpPr>
-                <p:nvPr/>
-              </p:nvCxnSpPr>
-              <p:spPr bwMode="auto">
-                <a:xfrm>
-                  <a:off x="3885" y="1530"/>
-                  <a:ext cx="1050" cy="0"/>
-                </a:xfrm>
-                <a:prstGeom prst="straightConnector1">
-                  <a:avLst/>
-                </a:prstGeom>
-                <a:noFill/>
-                <a:ln w="12700">
-                  <a:solidFill>
-                    <a:srgbClr val="666666"/>
-                  </a:solidFill>
-                  <a:round/>
-                  <a:headEnd/>
-                  <a:tailEnd/>
-                </a:ln>
-                <a:effectLst/>
-              </p:spPr>
-            </p:cxnSp>
-            <p:cxnSp>
-              <p:nvCxnSpPr>
-                <p:cNvPr id="43" name="AutoShape 56"/>
-                <p:cNvCxnSpPr>
-                  <a:cxnSpLocks noChangeShapeType="1"/>
-                </p:cNvCxnSpPr>
-                <p:nvPr/>
-              </p:nvCxnSpPr>
-              <p:spPr bwMode="auto">
-                <a:xfrm>
-                  <a:off x="3885" y="1785"/>
-                  <a:ext cx="1050" cy="0"/>
-                </a:xfrm>
-                <a:prstGeom prst="straightConnector1">
-                  <a:avLst/>
-                </a:prstGeom>
-                <a:noFill/>
-                <a:ln w="12700">
-                  <a:solidFill>
-                    <a:srgbClr val="666666"/>
-                  </a:solidFill>
-                  <a:round/>
-                  <a:headEnd/>
-                  <a:tailEnd/>
-                </a:ln>
-                <a:effectLst/>
-              </p:spPr>
-            </p:cxnSp>
-          </p:grpSp>
-          <p:grpSp>
-            <p:nvGrpSpPr>
-              <p:cNvPr id="29" name="Group 57"/>
-              <p:cNvGrpSpPr>
-                <a:grpSpLocks/>
-              </p:cNvGrpSpPr>
-              <p:nvPr/>
-            </p:nvGrpSpPr>
-            <p:grpSpPr bwMode="auto">
-              <a:xfrm>
-                <a:off x="3495" y="795"/>
-                <a:ext cx="1050" cy="1545"/>
-                <a:chOff x="3885" y="495"/>
-                <a:chExt cx="1050" cy="1545"/>
-              </a:xfrm>
-            </p:grpSpPr>
-            <p:sp>
-              <p:nvSpPr>
-                <p:cNvPr id="30" name="Rectangle 58"/>
-                <p:cNvSpPr>
-                  <a:spLocks noChangeArrowheads="1"/>
-                </p:cNvSpPr>
-                <p:nvPr/>
-              </p:nvSpPr>
-              <p:spPr bwMode="auto">
-                <a:xfrm>
-                  <a:off x="3885" y="495"/>
-                  <a:ext cx="1050" cy="1545"/>
-                </a:xfrm>
-                <a:prstGeom prst="rect">
-                  <a:avLst/>
-                </a:prstGeom>
-                <a:gradFill rotWithShape="0">
-                  <a:gsLst>
-                    <a:gs pos="0">
-                      <a:srgbClr val="FFFFFF"/>
-                    </a:gs>
-                    <a:gs pos="100000">
-                      <a:srgbClr val="999999"/>
-                    </a:gs>
-                  </a:gsLst>
-                  <a:lin ang="5400000" scaled="1"/>
-                </a:gradFill>
-                <a:ln w="12700">
-                  <a:solidFill>
-                    <a:srgbClr val="666666"/>
-                  </a:solidFill>
-                  <a:miter lim="800000"/>
-                  <a:headEnd/>
-                  <a:tailEnd/>
-                </a:ln>
-                <a:effectLst/>
-              </p:spPr>
-              <p:txBody>
-                <a:bodyPr vert="horz" wrap="square" lIns="91440" tIns="45720" rIns="91440" bIns="45720" numCol="1" anchor="t" anchorCtr="0" compatLnSpc="1">
-                  <a:prstTxWarp prst="textNoShape">
-                    <a:avLst/>
-                  </a:prstTxWarp>
-                </a:bodyPr>
-                <a:lstStyle/>
-                <a:p>
-                  <a:endParaRPr lang="en-IN"/>
-                </a:p>
-              </p:txBody>
-            </p:sp>
-            <p:cxnSp>
-              <p:nvCxnSpPr>
-                <p:cNvPr id="31" name="AutoShape 59"/>
-                <p:cNvCxnSpPr>
-                  <a:cxnSpLocks noChangeShapeType="1"/>
-                </p:cNvCxnSpPr>
-                <p:nvPr/>
-              </p:nvCxnSpPr>
-              <p:spPr bwMode="auto">
-                <a:xfrm>
-                  <a:off x="4425" y="495"/>
-                  <a:ext cx="0" cy="1545"/>
-                </a:xfrm>
-                <a:prstGeom prst="straightConnector1">
-                  <a:avLst/>
-                </a:prstGeom>
-                <a:noFill/>
-                <a:ln w="12700">
-                  <a:solidFill>
-                    <a:srgbClr val="666666"/>
-                  </a:solidFill>
-                  <a:round/>
-                  <a:headEnd/>
-                  <a:tailEnd/>
-                </a:ln>
-                <a:effectLst/>
-              </p:spPr>
-            </p:cxnSp>
-            <p:cxnSp>
-              <p:nvCxnSpPr>
-                <p:cNvPr id="32" name="AutoShape 60"/>
-                <p:cNvCxnSpPr>
-                  <a:cxnSpLocks noChangeShapeType="1"/>
-                </p:cNvCxnSpPr>
-                <p:nvPr/>
-              </p:nvCxnSpPr>
-              <p:spPr bwMode="auto">
-                <a:xfrm>
-                  <a:off x="3885" y="780"/>
-                  <a:ext cx="1050" cy="0"/>
-                </a:xfrm>
-                <a:prstGeom prst="straightConnector1">
-                  <a:avLst/>
-                </a:prstGeom>
-                <a:noFill/>
-                <a:ln w="12700">
-                  <a:solidFill>
-                    <a:srgbClr val="666666"/>
-                  </a:solidFill>
-                  <a:round/>
-                  <a:headEnd/>
-                  <a:tailEnd/>
-                </a:ln>
-                <a:effectLst/>
-              </p:spPr>
-            </p:cxnSp>
-            <p:cxnSp>
-              <p:nvCxnSpPr>
-                <p:cNvPr id="33" name="AutoShape 61"/>
-                <p:cNvCxnSpPr>
-                  <a:cxnSpLocks noChangeShapeType="1"/>
-                </p:cNvCxnSpPr>
-                <p:nvPr/>
-              </p:nvCxnSpPr>
-              <p:spPr bwMode="auto">
-                <a:xfrm>
-                  <a:off x="3885" y="1035"/>
-                  <a:ext cx="1050" cy="0"/>
-                </a:xfrm>
-                <a:prstGeom prst="straightConnector1">
-                  <a:avLst/>
-                </a:prstGeom>
-                <a:noFill/>
-                <a:ln w="12700">
-                  <a:solidFill>
-                    <a:srgbClr val="666666"/>
-                  </a:solidFill>
-                  <a:round/>
-                  <a:headEnd/>
-                  <a:tailEnd/>
-                </a:ln>
-                <a:effectLst/>
-              </p:spPr>
-            </p:cxnSp>
-            <p:cxnSp>
-              <p:nvCxnSpPr>
-                <p:cNvPr id="34" name="AutoShape 62"/>
-                <p:cNvCxnSpPr>
-                  <a:cxnSpLocks noChangeShapeType="1"/>
-                </p:cNvCxnSpPr>
-                <p:nvPr/>
-              </p:nvCxnSpPr>
-              <p:spPr bwMode="auto">
-                <a:xfrm>
-                  <a:off x="3885" y="1290"/>
-                  <a:ext cx="1050" cy="0"/>
-                </a:xfrm>
-                <a:prstGeom prst="straightConnector1">
-                  <a:avLst/>
-                </a:prstGeom>
-                <a:noFill/>
-                <a:ln w="12700">
-                  <a:solidFill>
-                    <a:srgbClr val="666666"/>
-                  </a:solidFill>
-                  <a:round/>
-                  <a:headEnd/>
-                  <a:tailEnd/>
-                </a:ln>
-                <a:effectLst/>
-              </p:spPr>
-            </p:cxnSp>
-            <p:cxnSp>
-              <p:nvCxnSpPr>
-                <p:cNvPr id="35" name="AutoShape 63"/>
-                <p:cNvCxnSpPr>
-                  <a:cxnSpLocks noChangeShapeType="1"/>
-                </p:cNvCxnSpPr>
-                <p:nvPr/>
-              </p:nvCxnSpPr>
-              <p:spPr bwMode="auto">
-                <a:xfrm>
-                  <a:off x="3885" y="1530"/>
-                  <a:ext cx="1050" cy="0"/>
-                </a:xfrm>
-                <a:prstGeom prst="straightConnector1">
-                  <a:avLst/>
-                </a:prstGeom>
-                <a:noFill/>
-                <a:ln w="12700">
-                  <a:solidFill>
-                    <a:srgbClr val="666666"/>
-                  </a:solidFill>
-                  <a:round/>
-                  <a:headEnd/>
-                  <a:tailEnd/>
-                </a:ln>
-                <a:effectLst/>
-              </p:spPr>
-            </p:cxnSp>
-            <p:cxnSp>
-              <p:nvCxnSpPr>
-                <p:cNvPr id="36" name="AutoShape 64"/>
-                <p:cNvCxnSpPr>
-                  <a:cxnSpLocks noChangeShapeType="1"/>
-                </p:cNvCxnSpPr>
-                <p:nvPr/>
-              </p:nvCxnSpPr>
-              <p:spPr bwMode="auto">
-                <a:xfrm>
-                  <a:off x="3885" y="1785"/>
-                  <a:ext cx="1050" cy="0"/>
-                </a:xfrm>
-                <a:prstGeom prst="straightConnector1">
-                  <a:avLst/>
-                </a:prstGeom>
-                <a:noFill/>
-                <a:ln w="12700">
-                  <a:solidFill>
-                    <a:srgbClr val="666666"/>
-                  </a:solidFill>
-                  <a:round/>
-                  <a:headEnd/>
-                  <a:tailEnd/>
-                </a:ln>
-                <a:effectLst/>
-              </p:spPr>
-            </p:cxnSp>
-          </p:grpSp>
-        </p:grpSp>
-        <p:sp>
-          <p:nvSpPr>
-            <p:cNvPr id="12" name="Text Box 65"/>
-            <p:cNvSpPr txBox="1">
-              <a:spLocks noChangeArrowheads="1"/>
-            </p:cNvSpPr>
-            <p:nvPr/>
-          </p:nvSpPr>
-          <p:spPr bwMode="auto">
-            <a:xfrm>
-              <a:off x="5152710" y="2970534"/>
-              <a:ext cx="724216" cy="322315"/>
-            </a:xfrm>
-            <a:prstGeom prst="rect">
+      </p:grpSp>
+      <p:sp>
+        <p:nvSpPr>
+          <p:cNvPr id="12" name="Text Box 65"/>
+          <p:cNvSpPr txBox="1">
+            <a:spLocks noChangeArrowheads="1"/>
+          </p:cNvSpPr>
+          <p:nvPr/>
+        </p:nvSpPr>
+        <p:spPr bwMode="auto">
+          <a:xfrm>
+            <a:off x="5260687" y="2362755"/>
+            <a:ext cx="1236863" cy="559859"/>
+          </a:xfrm>
+          <a:prstGeom prst="rect">
+            <a:avLst/>
+          </a:prstGeom>
+          <a:noFill/>
+          <a:ln w="9525">
+            <a:noFill/>
+            <a:miter lim="800000"/>
+            <a:headEnd/>
+            <a:tailEnd/>
+          </a:ln>
+        </p:spPr>
+        <p:txBody>
+          <a:bodyPr vert="horz" wrap="square" lIns="91440" tIns="45720" rIns="91440" bIns="45720" numCol="1" anchor="t" anchorCtr="0" compatLnSpc="1">
+            <a:prstTxWarp prst="textNoShape">
               <a:avLst/>
-            </a:prstGeom>
-            <a:noFill/>
-            <a:ln w="9525">
-              <a:noFill/>
-              <a:miter lim="800000"/>
-              <a:headEnd/>
-              <a:tailEnd/>
-            </a:ln>
-          </p:spPr>
-          <p:txBody>
-            <a:bodyPr vert="horz" wrap="square" lIns="91440" tIns="45720" rIns="91440" bIns="45720" numCol="1" anchor="t" anchorCtr="0" compatLnSpc="1">
-              <a:prstTxWarp prst="textNoShape">
-                <a:avLst/>
-              </a:prstTxWarp>
-            </a:bodyPr>
-            <a:lstStyle/>
-            <a:p>
-              <a:pPr marL="0" marR="0" lvl="0" indent="0" algn="ctr" defTabSz="914400" rtl="0" eaLnBrk="1" fontAlgn="base" latinLnBrk="0" hangingPunct="1">
-                <a:lnSpc>
-                  <a:spcPct val="100000"/>
-                </a:lnSpc>
-                <a:spcBef>
-                  <a:spcPct val="0"/>
-                </a:spcBef>
-                <a:spcAft>
-                  <a:spcPts val="500"/>
-                </a:spcAft>
-                <a:buClrTx/>
-                <a:buSzTx/>
-                <a:buFontTx/>
-                <a:buNone/>
-                <a:tabLst/>
-              </a:pPr>
-              <a:r>
-                <a:rPr kumimoji="0" lang="en-IN" sz="1000" b="1" i="0" u="none" strike="noStrike" cap="none" normalizeH="0" baseline="0" dirty="0" smtClean="0">
-                  <a:ln>
-                    <a:noFill/>
-                  </a:ln>
-                  <a:solidFill>
-                    <a:schemeClr val="tx1"/>
-                  </a:solidFill>
-                  <a:effectLst/>
-                  <a:latin typeface="Bodoni MT" pitchFamily="18" charset="0"/>
-                  <a:cs typeface="Arial" pitchFamily="34" charset="0"/>
-                </a:rPr>
-                <a:t>Method call stack</a:t>
-              </a:r>
-              <a:endParaRPr kumimoji="0" lang="en-US" sz="1000" b="1" i="0" u="none" strike="noStrike" cap="none" normalizeH="0" baseline="0" dirty="0" smtClean="0">
+            </a:prstTxWarp>
+          </a:bodyPr>
+          <a:lstStyle/>
+          <a:p>
+            <a:pPr marL="0" marR="0" lvl="0" indent="0" algn="ctr" defTabSz="914400" rtl="0" eaLnBrk="1" fontAlgn="base" latinLnBrk="0" hangingPunct="1">
+              <a:lnSpc>
+                <a:spcPct val="100000"/>
+              </a:lnSpc>
+              <a:spcBef>
+                <a:spcPct val="0"/>
+              </a:spcBef>
+              <a:spcAft>
+                <a:spcPts val="500"/>
+              </a:spcAft>
+              <a:buClrTx/>
+              <a:buSzTx/>
+              <a:buFontTx/>
+              <a:buNone/>
+              <a:tabLst/>
+            </a:pPr>
+            <a:r>
+              <a:rPr kumimoji="0" lang="en-IN" sz="2000" b="1" i="0" u="none" strike="noStrike" cap="none" normalizeH="0" baseline="0" dirty="0" smtClean="0">
                 <a:ln>
                   <a:noFill/>
                 </a:ln>
@@ -5660,118 +5409,116 @@
                   <a:schemeClr val="tx1"/>
                 </a:solidFill>
                 <a:effectLst/>
-                <a:latin typeface="Arial" pitchFamily="34" charset="0"/>
                 <a:cs typeface="Arial" pitchFamily="34" charset="0"/>
-              </a:endParaRPr>
-            </a:p>
-          </p:txBody>
-        </p:sp>
-        <p:sp>
-          <p:nvSpPr>
-            <p:cNvPr id="13" name="AutoShape 66"/>
-            <p:cNvSpPr>
-              <a:spLocks noChangeArrowheads="1"/>
-            </p:cNvSpPr>
-            <p:nvPr/>
-          </p:nvSpPr>
-          <p:spPr bwMode="auto">
-            <a:xfrm>
-              <a:off x="5772150" y="2551030"/>
-              <a:ext cx="252811" cy="115970"/>
-            </a:xfrm>
-            <a:prstGeom prst="rightArrow">
-              <a:avLst>
-                <a:gd name="adj1" fmla="val 50000"/>
-                <a:gd name="adj2" fmla="val 149272"/>
-              </a:avLst>
-            </a:prstGeom>
+              </a:rPr>
+              <a:t>Method call stack</a:t>
+            </a:r>
+            <a:endParaRPr kumimoji="0" lang="en-US" sz="2000" b="1" i="0" u="none" strike="noStrike" cap="none" normalizeH="0" baseline="0" dirty="0" smtClean="0">
+              <a:ln>
+                <a:noFill/>
+              </a:ln>
+              <a:solidFill>
+                <a:schemeClr val="tx1"/>
+              </a:solidFill>
+              <a:effectLst/>
+              <a:cs typeface="Arial" pitchFamily="34" charset="0"/>
+            </a:endParaRPr>
+          </a:p>
+        </p:txBody>
+      </p:sp>
+      <p:sp>
+        <p:nvSpPr>
+          <p:cNvPr id="13" name="AutoShape 66"/>
+          <p:cNvSpPr>
+            <a:spLocks noChangeArrowheads="1"/>
+          </p:cNvSpPr>
+          <p:nvPr/>
+        </p:nvSpPr>
+        <p:spPr bwMode="auto">
+          <a:xfrm>
+            <a:off x="6318607" y="1523007"/>
+            <a:ext cx="431767" cy="201439"/>
+          </a:xfrm>
+          <a:prstGeom prst="rightArrow">
+            <a:avLst>
+              <a:gd name="adj1" fmla="val 50000"/>
+              <a:gd name="adj2" fmla="val 149272"/>
+            </a:avLst>
+          </a:prstGeom>
+          <a:solidFill>
+            <a:srgbClr val="FFFFFF"/>
+          </a:solidFill>
+          <a:ln w="9525">
             <a:solidFill>
-              <a:srgbClr val="FFFFFF"/>
+              <a:srgbClr val="000000"/>
             </a:solidFill>
-            <a:ln w="9525">
-              <a:solidFill>
-                <a:srgbClr val="000000"/>
-              </a:solidFill>
-              <a:miter lim="800000"/>
-              <a:headEnd/>
-              <a:tailEnd/>
-            </a:ln>
-          </p:spPr>
-          <p:txBody>
-            <a:bodyPr vert="horz" wrap="square" lIns="91440" tIns="45720" rIns="91440" bIns="45720" numCol="1" anchor="t" anchorCtr="0" compatLnSpc="1">
-              <a:prstTxWarp prst="textNoShape">
-                <a:avLst/>
-              </a:prstTxWarp>
-            </a:bodyPr>
-            <a:lstStyle/>
-            <a:p>
-              <a:endParaRPr lang="en-IN"/>
-            </a:p>
-          </p:txBody>
-        </p:sp>
-        <p:sp>
-          <p:nvSpPr>
-            <p:cNvPr id="14" name="Text Box 67"/>
-            <p:cNvSpPr txBox="1">
-              <a:spLocks noChangeArrowheads="1"/>
-            </p:cNvSpPr>
-            <p:nvPr/>
-          </p:nvSpPr>
-          <p:spPr bwMode="auto">
-            <a:xfrm>
-              <a:off x="6105525" y="2991965"/>
-              <a:ext cx="857250" cy="274230"/>
-            </a:xfrm>
-            <a:prstGeom prst="rect">
+            <a:miter lim="800000"/>
+            <a:headEnd/>
+            <a:tailEnd/>
+          </a:ln>
+        </p:spPr>
+        <p:txBody>
+          <a:bodyPr vert="horz" wrap="square" lIns="91440" tIns="45720" rIns="91440" bIns="45720" numCol="1" anchor="t" anchorCtr="0" compatLnSpc="1">
+            <a:prstTxWarp prst="textNoShape">
               <a:avLst/>
-            </a:prstGeom>
+            </a:prstTxWarp>
+          </a:bodyPr>
+          <a:lstStyle/>
+          <a:p>
+            <a:endParaRPr lang="en-IN"/>
+          </a:p>
+        </p:txBody>
+      </p:sp>
+      <p:sp>
+        <p:nvSpPr>
+          <p:cNvPr id="14" name="Text Box 67"/>
+          <p:cNvSpPr txBox="1">
+            <a:spLocks noChangeArrowheads="1"/>
+          </p:cNvSpPr>
+          <p:nvPr/>
+        </p:nvSpPr>
+        <p:spPr bwMode="auto">
+          <a:xfrm>
+            <a:off x="6696219" y="2288908"/>
+            <a:ext cx="1722103" cy="476336"/>
+          </a:xfrm>
+          <a:prstGeom prst="rect">
+            <a:avLst/>
+          </a:prstGeom>
+          <a:noFill/>
+          <a:ln w="9525">
             <a:noFill/>
-            <a:ln w="9525">
-              <a:noFill/>
-              <a:miter lim="800000"/>
-              <a:headEnd/>
-              <a:tailEnd/>
-            </a:ln>
-          </p:spPr>
-          <p:txBody>
-            <a:bodyPr vert="horz" wrap="square" lIns="91440" tIns="45720" rIns="91440" bIns="45720" numCol="1" anchor="t" anchorCtr="0" compatLnSpc="1">
-              <a:prstTxWarp prst="textNoShape">
-                <a:avLst/>
-              </a:prstTxWarp>
-            </a:bodyPr>
-            <a:lstStyle/>
-            <a:p>
-              <a:pPr marL="0" marR="0" lvl="0" indent="0" algn="ctr" defTabSz="914400" rtl="0" eaLnBrk="1" fontAlgn="base" latinLnBrk="0" hangingPunct="1">
-                <a:lnSpc>
-                  <a:spcPct val="100000"/>
-                </a:lnSpc>
-                <a:spcBef>
-                  <a:spcPct val="0"/>
-                </a:spcBef>
-                <a:spcAft>
-                  <a:spcPts val="500"/>
-                </a:spcAft>
-                <a:buClrTx/>
-                <a:buSzTx/>
-                <a:buFontTx/>
-                <a:buNone/>
-                <a:tabLst/>
-              </a:pPr>
-              <a:r>
-                <a:rPr kumimoji="0" lang="en-IN" sz="1000" b="1" i="0" u="none" strike="noStrike" cap="none" normalizeH="0" baseline="0" dirty="0" smtClean="0">
-                  <a:ln>
-                    <a:noFill/>
-                  </a:ln>
-                  <a:solidFill>
-                    <a:schemeClr val="tx1"/>
-                  </a:solidFill>
-                  <a:effectLst/>
-                  <a:latin typeface="Bodoni MT" pitchFamily="18" charset="0"/>
-                  <a:cs typeface="Arial" pitchFamily="34" charset="0"/>
-                </a:rPr>
-                <a:t>Context Tree</a:t>
-              </a:r>
-              <a:endParaRPr kumimoji="0" lang="en-US" sz="1000" b="1" i="0" u="none" strike="noStrike" cap="none" normalizeH="0" baseline="0" dirty="0" smtClean="0">
+            <a:miter lim="800000"/>
+            <a:headEnd/>
+            <a:tailEnd/>
+          </a:ln>
+        </p:spPr>
+        <p:txBody>
+          <a:bodyPr vert="horz" wrap="square" lIns="91440" tIns="45720" rIns="91440" bIns="45720" numCol="1" anchor="t" anchorCtr="0" compatLnSpc="1">
+            <a:prstTxWarp prst="textNoShape">
+              <a:avLst/>
+            </a:prstTxWarp>
+          </a:bodyPr>
+          <a:lstStyle/>
+          <a:p>
+            <a:pPr marL="0" marR="0" lvl="0" indent="0" algn="ctr" defTabSz="914400" rtl="0" eaLnBrk="1" fontAlgn="base" latinLnBrk="0" hangingPunct="1">
+              <a:lnSpc>
+                <a:spcPct val="100000"/>
+              </a:lnSpc>
+              <a:spcBef>
+                <a:spcPct val="0"/>
+              </a:spcBef>
+              <a:spcAft>
+                <a:spcPts val="500"/>
+              </a:spcAft>
+              <a:buClrTx/>
+              <a:buSzTx/>
+              <a:buFontTx/>
+              <a:buNone/>
+              <a:tabLst/>
+            </a:pPr>
+            <a:r>
+              <a:rPr kumimoji="0" lang="en-IN" sz="2000" b="1" i="0" u="none" strike="noStrike" cap="none" normalizeH="0" baseline="0" dirty="0" smtClean="0">
                 <a:ln>
                   <a:noFill/>
                 </a:ln>
@@ -5779,75 +5526,73 @@
                   <a:schemeClr val="tx1"/>
                 </a:solidFill>
                 <a:effectLst/>
-                <a:latin typeface="Arial" pitchFamily="34" charset="0"/>
                 <a:cs typeface="Arial" pitchFamily="34" charset="0"/>
-              </a:endParaRPr>
-            </a:p>
-          </p:txBody>
-        </p:sp>
-        <p:sp>
-          <p:nvSpPr>
-            <p:cNvPr id="15" name="Text Box 68"/>
-            <p:cNvSpPr txBox="1">
-              <a:spLocks noChangeArrowheads="1"/>
-            </p:cNvSpPr>
-            <p:nvPr/>
-          </p:nvSpPr>
-          <p:spPr bwMode="auto">
-            <a:xfrm>
-              <a:off x="5320315" y="1990639"/>
-              <a:ext cx="1506353" cy="185651"/>
-            </a:xfrm>
-            <a:prstGeom prst="rect">
+              </a:rPr>
+              <a:t>Context Tree</a:t>
+            </a:r>
+            <a:endParaRPr kumimoji="0" lang="en-US" sz="2000" b="1" i="0" u="none" strike="noStrike" cap="none" normalizeH="0" baseline="0" dirty="0" smtClean="0">
+              <a:ln>
+                <a:noFill/>
+              </a:ln>
+              <a:solidFill>
+                <a:schemeClr val="tx1"/>
+              </a:solidFill>
+              <a:effectLst/>
+              <a:cs typeface="Arial" pitchFamily="34" charset="0"/>
+            </a:endParaRPr>
+          </a:p>
+        </p:txBody>
+      </p:sp>
+      <p:sp>
+        <p:nvSpPr>
+          <p:cNvPr id="15" name="Text Box 68"/>
+          <p:cNvSpPr txBox="1">
+            <a:spLocks noChangeArrowheads="1"/>
+          </p:cNvSpPr>
+          <p:nvPr/>
+        </p:nvSpPr>
+        <p:spPr bwMode="auto">
+          <a:xfrm>
+            <a:off x="5368467" y="535566"/>
+            <a:ext cx="3139867" cy="340053"/>
+          </a:xfrm>
+          <a:prstGeom prst="rect">
+            <a:avLst/>
+          </a:prstGeom>
+          <a:noFill/>
+          <a:ln w="9525">
+            <a:noFill/>
+            <a:miter lim="800000"/>
+            <a:headEnd/>
+            <a:tailEnd/>
+          </a:ln>
+        </p:spPr>
+        <p:txBody>
+          <a:bodyPr vert="horz" wrap="square" lIns="91440" tIns="45720" rIns="91440" bIns="45720" numCol="1" anchor="t" anchorCtr="0" compatLnSpc="1">
+            <a:prstTxWarp prst="textNoShape">
               <a:avLst/>
-            </a:prstGeom>
-            <a:noFill/>
-            <a:ln w="9525">
-              <a:noFill/>
-              <a:miter lim="800000"/>
-              <a:headEnd/>
-              <a:tailEnd/>
-            </a:ln>
-          </p:spPr>
-          <p:txBody>
-            <a:bodyPr vert="horz" wrap="square" lIns="91440" tIns="45720" rIns="91440" bIns="45720" numCol="1" anchor="t" anchorCtr="0" compatLnSpc="1">
-              <a:prstTxWarp prst="textNoShape">
-                <a:avLst/>
-              </a:prstTxWarp>
-            </a:bodyPr>
-            <a:lstStyle/>
-            <a:p>
-              <a:pPr marL="0" marR="0" lvl="0" indent="0" algn="ctr" defTabSz="914400" rtl="0" eaLnBrk="1" fontAlgn="base" latinLnBrk="0" hangingPunct="1">
-                <a:lnSpc>
-                  <a:spcPct val="100000"/>
-                </a:lnSpc>
-                <a:spcBef>
-                  <a:spcPct val="0"/>
-                </a:spcBef>
-                <a:spcAft>
-                  <a:spcPts val="500"/>
-                </a:spcAft>
-                <a:buClrTx/>
-                <a:buSzTx/>
-                <a:buFontTx/>
-                <a:buNone/>
-                <a:tabLst/>
-              </a:pPr>
-              <a:r>
-                <a:rPr kumimoji="0" lang="en-IN" sz="1000" b="1" i="0" u="none" strike="noStrike" cap="none" normalizeH="0" baseline="0" dirty="0" smtClean="0">
-                  <a:ln>
-                    <a:noFill/>
-                  </a:ln>
-                  <a:solidFill>
-                    <a:schemeClr val="tx1"/>
-                  </a:solidFill>
-                  <a:effectLst/>
-                  <a:latin typeface="Bodoni MT" pitchFamily="18" charset="0"/>
-                  <a:cs typeface="Arial" pitchFamily="34" charset="0"/>
-                </a:rPr>
-                <a:t>Content Matching Model</a:t>
-              </a:r>
-              <a:endParaRPr kumimoji="0" lang="en-US" sz="1000" b="0" i="0" u="none" strike="noStrike" cap="none" normalizeH="0" baseline="0" dirty="0" smtClean="0">
+            </a:prstTxWarp>
+          </a:bodyPr>
+          <a:lstStyle/>
+          <a:p>
+            <a:pPr marL="0" marR="0" lvl="0" indent="0" algn="ctr" defTabSz="914400" rtl="0" eaLnBrk="1" fontAlgn="base" latinLnBrk="0" hangingPunct="1">
+              <a:lnSpc>
+                <a:spcPct val="100000"/>
+              </a:lnSpc>
+              <a:spcBef>
+                <a:spcPct val="0"/>
+              </a:spcBef>
+              <a:spcAft>
+                <a:spcPts val="500"/>
+              </a:spcAft>
+              <a:buClrTx/>
+              <a:buSzTx/>
+              <a:buFontTx/>
+              <a:buNone/>
+              <a:tabLst/>
+            </a:pPr>
+            <a:r>
+              <a:rPr kumimoji="0" lang="en-IN" sz="2000" b="1" i="0" u="none" strike="noStrike" cap="none" normalizeH="0" baseline="0" dirty="0" smtClean="0">
                 <a:ln>
                   <a:noFill/>
                 </a:ln>
@@ -5855,82 +5600,12 @@
                   <a:schemeClr val="tx1"/>
                 </a:solidFill>
                 <a:effectLst/>
-                <a:latin typeface="Arial" pitchFamily="34" charset="0"/>
                 <a:cs typeface="Arial" pitchFamily="34" charset="0"/>
-              </a:endParaRPr>
-            </a:p>
-          </p:txBody>
-        </p:sp>
-        <p:sp>
-          <p:nvSpPr>
-            <p:cNvPr id="16" name="Text Box 71"/>
-            <p:cNvSpPr txBox="1">
-              <a:spLocks noChangeArrowheads="1"/>
-            </p:cNvSpPr>
-            <p:nvPr/>
-          </p:nvSpPr>
-          <p:spPr bwMode="auto">
-            <a:xfrm>
-              <a:off x="5885186" y="4088977"/>
-              <a:ext cx="1325239" cy="359198"/>
-            </a:xfrm>
-            <a:prstGeom prst="rect">
-              <a:avLst/>
-            </a:prstGeom>
-            <a:noFill/>
-            <a:ln w="9525">
-              <a:noFill/>
-              <a:miter lim="800000"/>
-              <a:headEnd/>
-              <a:tailEnd/>
-            </a:ln>
-          </p:spPr>
-          <p:txBody>
-            <a:bodyPr vert="horz" wrap="square" lIns="91440" tIns="45720" rIns="91440" bIns="45720" numCol="1" anchor="t" anchorCtr="0" compatLnSpc="1">
-              <a:prstTxWarp prst="textNoShape">
-                <a:avLst/>
-              </a:prstTxWarp>
-            </a:bodyPr>
-            <a:lstStyle/>
-            <a:p>
-              <a:pPr marL="0" marR="0" lvl="0" indent="0" algn="ctr" defTabSz="914400" rtl="0" eaLnBrk="1" fontAlgn="base" latinLnBrk="0" hangingPunct="1">
-                <a:lnSpc>
-                  <a:spcPct val="100000"/>
-                </a:lnSpc>
-                <a:spcBef>
-                  <a:spcPct val="0"/>
-                </a:spcBef>
-                <a:spcAft>
-                  <a:spcPts val="500"/>
-                </a:spcAft>
-                <a:buClrTx/>
-                <a:buSzTx/>
-                <a:buFontTx/>
-                <a:buNone/>
-                <a:tabLst/>
-              </a:pPr>
-              <a:r>
-                <a:rPr lang="en-IN" sz="1000" b="1" dirty="0" smtClean="0">
-                  <a:latin typeface="Bodoni MT" pitchFamily="18" charset="0"/>
-                  <a:cs typeface="Arial" pitchFamily="34" charset="0"/>
-                </a:rPr>
-                <a:t>Global </a:t>
-              </a:r>
-              <a:r>
-                <a:rPr kumimoji="0" lang="en-IN" sz="1000" b="1" i="0" u="none" strike="noStrike" cap="none" normalizeH="0" baseline="0" dirty="0" smtClean="0">
-                  <a:ln>
-                    <a:noFill/>
-                  </a:ln>
-                  <a:solidFill>
-                    <a:schemeClr val="tx1"/>
-                  </a:solidFill>
-                  <a:effectLst/>
-                  <a:latin typeface="Bodoni MT" pitchFamily="18" charset="0"/>
-                  <a:cs typeface="Arial" pitchFamily="34" charset="0"/>
-                </a:rPr>
-                <a:t>Monitor Pool of constant size</a:t>
-              </a:r>
-              <a:endParaRPr kumimoji="0" lang="en-US" sz="1000" b="0" i="0" u="none" strike="noStrike" cap="none" normalizeH="0" baseline="0" dirty="0" smtClean="0">
+              </a:rPr>
+              <a:t>Context </a:t>
+            </a:r>
+            <a:r>
+              <a:rPr kumimoji="0" lang="en-IN" sz="2000" b="1" i="0" u="none" strike="noStrike" cap="none" normalizeH="0" baseline="0" dirty="0" smtClean="0">
                 <a:ln>
                   <a:noFill/>
                 </a:ln>
@@ -5938,129 +5613,79 @@
                   <a:schemeClr val="tx1"/>
                 </a:solidFill>
                 <a:effectLst/>
-                <a:latin typeface="Arial" pitchFamily="34" charset="0"/>
                 <a:cs typeface="Arial" pitchFamily="34" charset="0"/>
-              </a:endParaRPr>
-            </a:p>
-          </p:txBody>
-        </p:sp>
-        <p:cxnSp>
-          <p:nvCxnSpPr>
-            <p:cNvPr id="17" name="AutoShape 73"/>
-            <p:cNvCxnSpPr>
-              <a:cxnSpLocks noChangeShapeType="1"/>
-            </p:cNvCxnSpPr>
-            <p:nvPr/>
-          </p:nvCxnSpPr>
-          <p:spPr bwMode="auto">
-            <a:xfrm rot="5400000">
-              <a:off x="6100278" y="3586896"/>
-              <a:ext cx="321931" cy="395"/>
-            </a:xfrm>
-            <a:prstGeom prst="straightConnector1">
+              </a:rPr>
+              <a:t>Matching Model</a:t>
+            </a:r>
+            <a:endParaRPr kumimoji="0" lang="en-US" sz="2000" b="1" i="0" u="none" strike="noStrike" cap="none" normalizeH="0" baseline="0" dirty="0" smtClean="0">
+              <a:ln>
+                <a:noFill/>
+              </a:ln>
+              <a:solidFill>
+                <a:schemeClr val="tx1"/>
+              </a:solidFill>
+              <a:effectLst/>
+              <a:cs typeface="Arial" pitchFamily="34" charset="0"/>
+            </a:endParaRPr>
+          </a:p>
+        </p:txBody>
+      </p:sp>
+      <p:sp>
+        <p:nvSpPr>
+          <p:cNvPr id="16" name="Text Box 71"/>
+          <p:cNvSpPr txBox="1">
+            <a:spLocks noChangeArrowheads="1"/>
+          </p:cNvSpPr>
+          <p:nvPr/>
+        </p:nvSpPr>
+        <p:spPr bwMode="auto">
+          <a:xfrm>
+            <a:off x="6548202" y="4194410"/>
+            <a:ext cx="2344398" cy="623924"/>
+          </a:xfrm>
+          <a:prstGeom prst="rect">
+            <a:avLst/>
+          </a:prstGeom>
+          <a:noFill/>
+          <a:ln w="9525">
+            <a:noFill/>
+            <a:miter lim="800000"/>
+            <a:headEnd/>
+            <a:tailEnd/>
+          </a:ln>
+        </p:spPr>
+        <p:txBody>
+          <a:bodyPr vert="horz" wrap="square" lIns="91440" tIns="45720" rIns="91440" bIns="45720" numCol="1" anchor="t" anchorCtr="0" compatLnSpc="1">
+            <a:prstTxWarp prst="textNoShape">
               <a:avLst/>
-            </a:prstGeom>
-            <a:noFill/>
-            <a:ln w="9525">
-              <a:solidFill>
-                <a:srgbClr val="000000"/>
-              </a:solidFill>
-              <a:round/>
-              <a:headEnd/>
-              <a:tailEnd type="stealth" w="med" len="med"/>
-            </a:ln>
-          </p:spPr>
-        </p:cxnSp>
-        <p:cxnSp>
-          <p:nvCxnSpPr>
-            <p:cNvPr id="18" name="AutoShape 75"/>
-            <p:cNvCxnSpPr>
-              <a:cxnSpLocks noChangeShapeType="1"/>
-            </p:cNvCxnSpPr>
-            <p:nvPr/>
-          </p:nvCxnSpPr>
-          <p:spPr bwMode="auto">
-            <a:xfrm>
-              <a:off x="5498020" y="3907573"/>
-              <a:ext cx="399039" cy="0"/>
-            </a:xfrm>
-            <a:prstGeom prst="straightConnector1">
-              <a:avLst/>
-            </a:prstGeom>
-            <a:noFill/>
-            <a:ln w="9525">
-              <a:solidFill>
-                <a:srgbClr val="000000"/>
-              </a:solidFill>
-              <a:round/>
-              <a:headEnd/>
-              <a:tailEnd type="stealth" w="med" len="med"/>
-            </a:ln>
-          </p:spPr>
-        </p:cxnSp>
-        <p:sp>
-          <p:nvSpPr>
-            <p:cNvPr id="19" name="Text Box 76"/>
-            <p:cNvSpPr txBox="1">
-              <a:spLocks noChangeArrowheads="1"/>
-            </p:cNvSpPr>
-            <p:nvPr/>
-          </p:nvSpPr>
-          <p:spPr bwMode="auto">
-            <a:xfrm>
-              <a:off x="4631536" y="4555350"/>
-              <a:ext cx="1262708" cy="368322"/>
-            </a:xfrm>
-            <a:prstGeom prst="rect">
-              <a:avLst/>
-            </a:prstGeom>
-            <a:noFill/>
-            <a:ln w="9525">
-              <a:noFill/>
-              <a:miter lim="800000"/>
-              <a:headEnd/>
-              <a:tailEnd/>
-            </a:ln>
-          </p:spPr>
-          <p:txBody>
-            <a:bodyPr vert="horz" wrap="square" lIns="91440" tIns="45720" rIns="91440" bIns="45720" numCol="1" anchor="t" anchorCtr="0" compatLnSpc="1">
-              <a:prstTxWarp prst="textNoShape">
-                <a:avLst/>
-              </a:prstTxWarp>
-            </a:bodyPr>
-            <a:lstStyle/>
-            <a:p>
-              <a:pPr marL="0" marR="0" lvl="0" indent="0" algn="ctr" defTabSz="914400" rtl="0" eaLnBrk="1" fontAlgn="base" latinLnBrk="0" hangingPunct="1">
-                <a:lnSpc>
-                  <a:spcPct val="100000"/>
-                </a:lnSpc>
-                <a:spcBef>
-                  <a:spcPct val="0"/>
-                </a:spcBef>
-                <a:spcAft>
-                  <a:spcPts val="500"/>
-                </a:spcAft>
-                <a:buClrTx/>
-                <a:buSzTx/>
-                <a:buFontTx/>
-                <a:buNone/>
-                <a:tabLst/>
-              </a:pPr>
-              <a:r>
-                <a:rPr kumimoji="0" lang="en-IN" sz="1000" b="1" i="0" u="none" strike="noStrike" cap="none" normalizeH="0" baseline="0" dirty="0" smtClean="0">
-                  <a:ln>
-                    <a:noFill/>
-                  </a:ln>
-                  <a:solidFill>
-                    <a:schemeClr val="tx1"/>
-                  </a:solidFill>
-                  <a:effectLst/>
-                  <a:latin typeface="Bodoni MT" pitchFamily="18" charset="0"/>
-                  <a:cs typeface="Arial" pitchFamily="34" charset="0"/>
-                </a:rPr>
-                <a:t>Maps with Local Monitor Pools</a:t>
-              </a:r>
-              <a:endParaRPr kumimoji="0" lang="en-US" sz="1000" b="0" i="0" u="none" strike="noStrike" cap="none" normalizeH="0" baseline="0" dirty="0" smtClean="0">
+            </a:prstTxWarp>
+          </a:bodyPr>
+          <a:lstStyle/>
+          <a:p>
+            <a:pPr marL="0" marR="0" lvl="0" indent="0" algn="ctr" defTabSz="914400" rtl="0" eaLnBrk="1" fontAlgn="base" latinLnBrk="0" hangingPunct="1">
+              <a:lnSpc>
+                <a:spcPct val="100000"/>
+              </a:lnSpc>
+              <a:spcBef>
+                <a:spcPct val="0"/>
+              </a:spcBef>
+              <a:spcAft>
+                <a:spcPts val="500"/>
+              </a:spcAft>
+              <a:buClrTx/>
+              <a:buSzTx/>
+              <a:buFontTx/>
+              <a:buNone/>
+              <a:tabLst/>
+            </a:pPr>
+            <a:r>
+              <a:rPr lang="en-IN" sz="2000" b="1" dirty="0" smtClean="0">
+                <a:cs typeface="Arial" pitchFamily="34" charset="0"/>
+              </a:rPr>
+              <a:t>Global </a:t>
+            </a:r>
+            <a:r>
+              <a:rPr kumimoji="0" lang="en-IN" sz="2000" b="1" i="0" u="none" strike="noStrike" cap="none" normalizeH="0" baseline="0" dirty="0" smtClean="0">
                 <a:ln>
                   <a:noFill/>
                 </a:ln>
@@ -6068,263 +5693,127 @@
                   <a:schemeClr val="tx1"/>
                 </a:solidFill>
                 <a:effectLst/>
-                <a:latin typeface="Arial" pitchFamily="34" charset="0"/>
                 <a:cs typeface="Arial" pitchFamily="34" charset="0"/>
-              </a:endParaRPr>
-            </a:p>
-          </p:txBody>
-        </p:sp>
-        <p:sp>
-          <p:nvSpPr>
-            <p:cNvPr id="20" name="AutoShape 77"/>
-            <p:cNvSpPr>
-              <a:spLocks noChangeArrowheads="1"/>
-            </p:cNvSpPr>
-            <p:nvPr/>
-          </p:nvSpPr>
-          <p:spPr bwMode="auto">
-            <a:xfrm rot="5400000">
-              <a:off x="5871235" y="5029113"/>
-              <a:ext cx="319924" cy="129606"/>
-            </a:xfrm>
-            <a:custGeom>
+              </a:rPr>
+              <a:t>Monitor Pool of constant size</a:t>
+            </a:r>
+            <a:endParaRPr kumimoji="0" lang="en-US" sz="2000" b="1" i="0" u="none" strike="noStrike" cap="none" normalizeH="0" baseline="0" dirty="0" smtClean="0">
+              <a:ln>
+                <a:noFill/>
+              </a:ln>
+              <a:solidFill>
+                <a:schemeClr val="tx1"/>
+              </a:solidFill>
+              <a:effectLst/>
+              <a:cs typeface="Arial" pitchFamily="34" charset="0"/>
+            </a:endParaRPr>
+          </a:p>
+        </p:txBody>
+      </p:sp>
+      <p:cxnSp>
+        <p:nvCxnSpPr>
+          <p:cNvPr id="17" name="AutoShape 73"/>
+          <p:cNvCxnSpPr>
+            <a:cxnSpLocks noChangeShapeType="1"/>
+          </p:cNvCxnSpPr>
+          <p:nvPr/>
+        </p:nvCxnSpPr>
+        <p:spPr bwMode="auto">
+          <a:xfrm rot="5400000">
+            <a:off x="6874317" y="3322304"/>
+            <a:ext cx="559192" cy="675"/>
+          </a:xfrm>
+          <a:prstGeom prst="straightConnector1">
+            <a:avLst/>
+          </a:prstGeom>
+          <a:noFill/>
+          <a:ln w="9525">
+            <a:solidFill>
+              <a:srgbClr val="000000"/>
+            </a:solidFill>
+            <a:round/>
+            <a:headEnd/>
+            <a:tailEnd type="stealth" w="med" len="med"/>
+          </a:ln>
+        </p:spPr>
+      </p:cxnSp>
+      <p:cxnSp>
+        <p:nvCxnSpPr>
+          <p:cNvPr id="18" name="AutoShape 75"/>
+          <p:cNvCxnSpPr>
+            <a:cxnSpLocks noChangeShapeType="1"/>
+          </p:cNvCxnSpPr>
+          <p:nvPr/>
+        </p:nvCxnSpPr>
+        <p:spPr bwMode="auto">
+          <a:xfrm>
+            <a:off x="5850430" y="3879312"/>
+            <a:ext cx="681505" cy="0"/>
+          </a:xfrm>
+          <a:prstGeom prst="straightConnector1">
+            <a:avLst/>
+          </a:prstGeom>
+          <a:noFill/>
+          <a:ln w="9525">
+            <a:solidFill>
+              <a:srgbClr val="000000"/>
+            </a:solidFill>
+            <a:round/>
+            <a:headEnd/>
+            <a:tailEnd type="stealth" w="med" len="med"/>
+          </a:ln>
+        </p:spPr>
+      </p:cxnSp>
+      <p:sp>
+        <p:nvSpPr>
+          <p:cNvPr id="19" name="Text Box 76"/>
+          <p:cNvSpPr txBox="1">
+            <a:spLocks noChangeArrowheads="1"/>
+          </p:cNvSpPr>
+          <p:nvPr/>
+        </p:nvSpPr>
+        <p:spPr bwMode="auto">
+          <a:xfrm>
+            <a:off x="4180514" y="4922444"/>
+            <a:ext cx="2156535" cy="639773"/>
+          </a:xfrm>
+          <a:prstGeom prst="rect">
+            <a:avLst/>
+          </a:prstGeom>
+          <a:noFill/>
+          <a:ln w="9525">
+            <a:noFill/>
+            <a:miter lim="800000"/>
+            <a:headEnd/>
+            <a:tailEnd/>
+          </a:ln>
+        </p:spPr>
+        <p:txBody>
+          <a:bodyPr vert="horz" wrap="square" lIns="91440" tIns="45720" rIns="91440" bIns="45720" numCol="1" anchor="t" anchorCtr="0" compatLnSpc="1">
+            <a:prstTxWarp prst="textNoShape">
               <a:avLst/>
-              <a:gdLst>
-                <a:gd name="G0" fmla="+- 16200 0 0"/>
-                <a:gd name="G1" fmla="+- 5400 0 0"/>
-                <a:gd name="G2" fmla="+- 21600 0 5400"/>
-                <a:gd name="G3" fmla="+- 10800 0 5400"/>
-                <a:gd name="G4" fmla="+- 21600 0 16200"/>
-                <a:gd name="G5" fmla="*/ G4 G3 10800"/>
-                <a:gd name="G6" fmla="+- 21600 0 G5"/>
-                <a:gd name="T0" fmla="*/ 16200 w 21600"/>
-                <a:gd name="T1" fmla="*/ 0 h 21600"/>
-                <a:gd name="T2" fmla="*/ 0 w 21600"/>
-                <a:gd name="T3" fmla="*/ 10800 h 21600"/>
-                <a:gd name="T4" fmla="*/ 16200 w 21600"/>
-                <a:gd name="T5" fmla="*/ 21600 h 21600"/>
-                <a:gd name="T6" fmla="*/ 21600 w 21600"/>
-                <a:gd name="T7" fmla="*/ 10800 h 21600"/>
-                <a:gd name="T8" fmla="*/ 17694720 60000 65536"/>
-                <a:gd name="T9" fmla="*/ 11796480 60000 65536"/>
-                <a:gd name="T10" fmla="*/ 5898240 60000 65536"/>
-                <a:gd name="T11" fmla="*/ 0 60000 65536"/>
-                <a:gd name="T12" fmla="*/ 3375 w 21600"/>
-                <a:gd name="T13" fmla="*/ G1 h 21600"/>
-                <a:gd name="T14" fmla="*/ G6 w 21600"/>
-                <a:gd name="T15" fmla="*/ G2 h 21600"/>
-              </a:gdLst>
-              <a:ahLst/>
-              <a:cxnLst>
-                <a:cxn ang="T8">
-                  <a:pos x="T0" y="T1"/>
-                </a:cxn>
-                <a:cxn ang="T9">
-                  <a:pos x="T2" y="T3"/>
-                </a:cxn>
-                <a:cxn ang="T10">
-                  <a:pos x="T4" y="T5"/>
-                </a:cxn>
-                <a:cxn ang="T11">
-                  <a:pos x="T6" y="T7"/>
-                </a:cxn>
-              </a:cxnLst>
-              <a:rect l="T12" t="T13" r="T14" b="T15"/>
-              <a:pathLst>
-                <a:path w="21600" h="21600">
-                  <a:moveTo>
-                    <a:pt x="16200" y="0"/>
-                  </a:moveTo>
-                  <a:lnTo>
-                    <a:pt x="16200" y="5400"/>
-                  </a:lnTo>
-                  <a:lnTo>
-                    <a:pt x="3375" y="5400"/>
-                  </a:lnTo>
-                  <a:lnTo>
-                    <a:pt x="3375" y="16200"/>
-                  </a:lnTo>
-                  <a:lnTo>
-                    <a:pt x="16200" y="16200"/>
-                  </a:lnTo>
-                  <a:lnTo>
-                    <a:pt x="16200" y="21600"/>
-                  </a:lnTo>
-                  <a:lnTo>
-                    <a:pt x="21600" y="10800"/>
-                  </a:lnTo>
-                  <a:close/>
-                </a:path>
-                <a:path w="21600" h="21600">
-                  <a:moveTo>
-                    <a:pt x="1350" y="5400"/>
-                  </a:moveTo>
-                  <a:lnTo>
-                    <a:pt x="1350" y="16200"/>
-                  </a:lnTo>
-                  <a:lnTo>
-                    <a:pt x="2700" y="16200"/>
-                  </a:lnTo>
-                  <a:lnTo>
-                    <a:pt x="2700" y="5400"/>
-                  </a:lnTo>
-                  <a:close/>
-                </a:path>
-                <a:path w="21600" h="21600">
-                  <a:moveTo>
-                    <a:pt x="0" y="5400"/>
-                  </a:moveTo>
-                  <a:lnTo>
-                    <a:pt x="0" y="16200"/>
-                  </a:lnTo>
-                  <a:lnTo>
-                    <a:pt x="675" y="16200"/>
-                  </a:lnTo>
-                  <a:lnTo>
-                    <a:pt x="675" y="5400"/>
-                  </a:lnTo>
-                  <a:close/>
-                </a:path>
-              </a:pathLst>
-            </a:custGeom>
-            <a:gradFill rotWithShape="0">
-              <a:gsLst>
-                <a:gs pos="0">
-                  <a:srgbClr val="666666"/>
-                </a:gs>
-                <a:gs pos="50000">
-                  <a:srgbClr val="CCCCCC"/>
-                </a:gs>
-                <a:gs pos="100000">
-                  <a:srgbClr val="666666"/>
-                </a:gs>
-              </a:gsLst>
-              <a:lin ang="18900000" scaled="1"/>
-            </a:gradFill>
-            <a:ln w="12700">
-              <a:solidFill>
-                <a:srgbClr val="666666"/>
-              </a:solidFill>
-              <a:miter lim="800000"/>
-              <a:headEnd/>
-              <a:tailEnd/>
-            </a:ln>
-            <a:effectLst>
-              <a:outerShdw dist="28398" dir="3806097" algn="ctr" rotWithShape="0">
-                <a:srgbClr val="7F7F7F">
-                  <a:alpha val="50000"/>
-                </a:srgbClr>
-              </a:outerShdw>
-            </a:effectLst>
-          </p:spPr>
-          <p:txBody>
-            <a:bodyPr vert="horz" wrap="square" lIns="91440" tIns="45720" rIns="91440" bIns="45720" numCol="1" anchor="t" anchorCtr="0" compatLnSpc="1">
-              <a:prstTxWarp prst="textNoShape">
-                <a:avLst/>
-              </a:prstTxWarp>
-            </a:bodyPr>
-            <a:lstStyle/>
-            <a:p>
-              <a:endParaRPr lang="en-IN"/>
-            </a:p>
-          </p:txBody>
-        </p:sp>
-        <p:sp>
-          <p:nvSpPr>
-            <p:cNvPr id="21" name="AutoShape 78"/>
-            <p:cNvSpPr>
-              <a:spLocks noChangeArrowheads="1"/>
-            </p:cNvSpPr>
-            <p:nvPr/>
-          </p:nvSpPr>
-          <p:spPr bwMode="auto">
-            <a:xfrm>
-              <a:off x="5490992" y="5291737"/>
-              <a:ext cx="1098899" cy="337551"/>
-            </a:xfrm>
-            <a:prstGeom prst="roundRect">
-              <a:avLst>
-                <a:gd name="adj" fmla="val 16667"/>
-              </a:avLst>
-            </a:prstGeom>
-            <a:gradFill rotWithShape="0">
-              <a:gsLst>
-                <a:gs pos="0">
-                  <a:srgbClr val="95B3D7"/>
-                </a:gs>
-                <a:gs pos="50000">
-                  <a:srgbClr val="DBE5F1"/>
-                </a:gs>
-                <a:gs pos="100000">
-                  <a:srgbClr val="95B3D7"/>
-                </a:gs>
-              </a:gsLst>
-              <a:lin ang="18900000" scaled="1"/>
-            </a:gradFill>
-            <a:ln w="12700">
-              <a:solidFill>
-                <a:srgbClr val="95B3D7"/>
-              </a:solidFill>
-              <a:round/>
-              <a:headEnd/>
-              <a:tailEnd/>
-            </a:ln>
-            <a:effectLst>
-              <a:outerShdw dist="28398" dir="3806097" algn="ctr" rotWithShape="0">
-                <a:srgbClr val="243F60">
-                  <a:alpha val="50000"/>
-                </a:srgbClr>
-              </a:outerShdw>
-            </a:effectLst>
-          </p:spPr>
-          <p:txBody>
-            <a:bodyPr vert="horz" wrap="square" lIns="91440" tIns="45720" rIns="91440" bIns="45720" numCol="1" anchor="t" anchorCtr="0" compatLnSpc="1">
-              <a:prstTxWarp prst="textNoShape">
-                <a:avLst/>
-              </a:prstTxWarp>
-            </a:bodyPr>
-            <a:lstStyle/>
-            <a:p>
-              <a:pPr marL="0" marR="0" lvl="0" indent="0" algn="ctr" defTabSz="914400" rtl="0" eaLnBrk="1" fontAlgn="base" latinLnBrk="0" hangingPunct="1">
-                <a:lnSpc>
-                  <a:spcPct val="100000"/>
-                </a:lnSpc>
-                <a:spcBef>
-                  <a:spcPct val="0"/>
-                </a:spcBef>
-                <a:buClrTx/>
-                <a:buSzTx/>
-                <a:buFontTx/>
-                <a:buNone/>
-                <a:tabLst/>
-              </a:pPr>
-              <a:endParaRPr lang="en-IN" sz="300" dirty="0" smtClean="0">
-                <a:latin typeface="Arial Black" pitchFamily="34" charset="0"/>
-                <a:cs typeface="Arial" pitchFamily="34" charset="0"/>
-              </a:endParaRPr>
-            </a:p>
-            <a:p>
-              <a:pPr marL="0" marR="0" lvl="0" indent="0" algn="ctr" defTabSz="914400" rtl="0" eaLnBrk="1" fontAlgn="base" latinLnBrk="0" hangingPunct="1">
-                <a:lnSpc>
-                  <a:spcPct val="100000"/>
-                </a:lnSpc>
-                <a:spcBef>
-                  <a:spcPct val="0"/>
-                </a:spcBef>
-                <a:buClrTx/>
-                <a:buSzTx/>
-                <a:buFontTx/>
-                <a:buNone/>
-                <a:tabLst/>
-              </a:pPr>
-              <a:r>
-                <a:rPr lang="en-IN" sz="800" dirty="0" smtClean="0">
-                  <a:latin typeface="Arial Black" pitchFamily="34" charset="0"/>
-                  <a:cs typeface="Arial" pitchFamily="34" charset="0"/>
-                </a:rPr>
-                <a:t>Error Report</a:t>
-              </a:r>
-              <a:endParaRPr kumimoji="0" lang="en-US" sz="800" b="0" i="0" u="none" strike="noStrike" cap="none" normalizeH="0" baseline="0" dirty="0" smtClean="0">
+            </a:prstTxWarp>
+          </a:bodyPr>
+          <a:lstStyle/>
+          <a:p>
+            <a:pPr marL="0" marR="0" lvl="0" indent="0" algn="ctr" defTabSz="914400" rtl="0" eaLnBrk="1" fontAlgn="base" latinLnBrk="0" hangingPunct="1">
+              <a:lnSpc>
+                <a:spcPct val="100000"/>
+              </a:lnSpc>
+              <a:spcBef>
+                <a:spcPct val="0"/>
+              </a:spcBef>
+              <a:spcAft>
+                <a:spcPts val="500"/>
+              </a:spcAft>
+              <a:buClrTx/>
+              <a:buSzTx/>
+              <a:buFontTx/>
+              <a:buNone/>
+              <a:tabLst/>
+            </a:pPr>
+            <a:r>
+              <a:rPr kumimoji="0" lang="en-IN" sz="2000" b="1" i="0" u="none" strike="noStrike" cap="none" normalizeH="0" baseline="0" dirty="0" smtClean="0">
                 <a:ln>
                   <a:noFill/>
                 </a:ln>
@@ -6332,284 +5821,218 @@
                   <a:schemeClr val="tx1"/>
                 </a:solidFill>
                 <a:effectLst/>
-                <a:latin typeface="Arial" pitchFamily="34" charset="0"/>
                 <a:cs typeface="Arial" pitchFamily="34" charset="0"/>
-              </a:endParaRPr>
-            </a:p>
-          </p:txBody>
-        </p:sp>
-        <p:sp>
-          <p:nvSpPr>
-            <p:cNvPr id="22" name="AutoShape 79"/>
-            <p:cNvSpPr>
-              <a:spLocks noChangeArrowheads="1"/>
-            </p:cNvSpPr>
-            <p:nvPr/>
-          </p:nvSpPr>
-          <p:spPr bwMode="auto">
-            <a:xfrm>
-              <a:off x="4161769" y="4401382"/>
-              <a:ext cx="437092" cy="146399"/>
-            </a:xfrm>
-            <a:custGeom>
+              </a:rPr>
+              <a:t>Maps with Local Monitor Pools</a:t>
+            </a:r>
+            <a:endParaRPr kumimoji="0" lang="en-US" sz="2000" b="1" i="0" u="none" strike="noStrike" cap="none" normalizeH="0" baseline="0" dirty="0" smtClean="0">
+              <a:ln>
+                <a:noFill/>
+              </a:ln>
+              <a:solidFill>
+                <a:schemeClr val="tx1"/>
+              </a:solidFill>
+              <a:effectLst/>
+              <a:cs typeface="Arial" pitchFamily="34" charset="0"/>
+            </a:endParaRPr>
+          </a:p>
+        </p:txBody>
+      </p:sp>
+      <p:sp>
+        <p:nvSpPr>
+          <p:cNvPr id="21" name="AutoShape 78"/>
+          <p:cNvSpPr>
+            <a:spLocks noChangeArrowheads="1"/>
+          </p:cNvSpPr>
+          <p:nvPr/>
+        </p:nvSpPr>
+        <p:spPr bwMode="auto">
+          <a:xfrm>
+            <a:off x="5884164" y="6085033"/>
+            <a:ext cx="1876771" cy="586324"/>
+          </a:xfrm>
+          <a:prstGeom prst="roundRect">
+            <a:avLst>
+              <a:gd name="adj" fmla="val 16667"/>
+            </a:avLst>
+          </a:prstGeom>
+          <a:ln>
+            <a:headEnd/>
+            <a:tailEnd/>
+          </a:ln>
+        </p:spPr>
+        <p:style>
+          <a:lnRef idx="2">
+            <a:schemeClr val="dk1"/>
+          </a:lnRef>
+          <a:fillRef idx="1">
+            <a:schemeClr val="lt1"/>
+          </a:fillRef>
+          <a:effectRef idx="0">
+            <a:schemeClr val="dk1"/>
+          </a:effectRef>
+          <a:fontRef idx="minor">
+            <a:schemeClr val="dk1"/>
+          </a:fontRef>
+        </p:style>
+        <p:txBody>
+          <a:bodyPr vert="horz" wrap="square" lIns="91440" tIns="45720" rIns="91440" bIns="45720" numCol="1" anchor="t" anchorCtr="0" compatLnSpc="1">
+            <a:prstTxWarp prst="textNoShape">
               <a:avLst/>
-              <a:gdLst>
-                <a:gd name="G0" fmla="+- 16200 0 0"/>
-                <a:gd name="G1" fmla="+- 5400 0 0"/>
-                <a:gd name="G2" fmla="+- 21600 0 5400"/>
-                <a:gd name="G3" fmla="+- 10800 0 5400"/>
-                <a:gd name="G4" fmla="+- 21600 0 16200"/>
-                <a:gd name="G5" fmla="*/ G4 G3 10800"/>
-                <a:gd name="G6" fmla="+- 21600 0 G5"/>
-                <a:gd name="T0" fmla="*/ 16200 w 21600"/>
-                <a:gd name="T1" fmla="*/ 0 h 21600"/>
-                <a:gd name="T2" fmla="*/ 0 w 21600"/>
-                <a:gd name="T3" fmla="*/ 10800 h 21600"/>
-                <a:gd name="T4" fmla="*/ 16200 w 21600"/>
-                <a:gd name="T5" fmla="*/ 21600 h 21600"/>
-                <a:gd name="T6" fmla="*/ 21600 w 21600"/>
-                <a:gd name="T7" fmla="*/ 10800 h 21600"/>
-                <a:gd name="T8" fmla="*/ 17694720 60000 65536"/>
-                <a:gd name="T9" fmla="*/ 11796480 60000 65536"/>
-                <a:gd name="T10" fmla="*/ 5898240 60000 65536"/>
-                <a:gd name="T11" fmla="*/ 0 60000 65536"/>
-                <a:gd name="T12" fmla="*/ 3375 w 21600"/>
-                <a:gd name="T13" fmla="*/ G1 h 21600"/>
-                <a:gd name="T14" fmla="*/ G6 w 21600"/>
-                <a:gd name="T15" fmla="*/ G2 h 21600"/>
-              </a:gdLst>
-              <a:ahLst/>
-              <a:cxnLst>
-                <a:cxn ang="T8">
-                  <a:pos x="T0" y="T1"/>
-                </a:cxn>
-                <a:cxn ang="T9">
-                  <a:pos x="T2" y="T3"/>
-                </a:cxn>
-                <a:cxn ang="T10">
-                  <a:pos x="T4" y="T5"/>
-                </a:cxn>
-                <a:cxn ang="T11">
-                  <a:pos x="T6" y="T7"/>
-                </a:cxn>
-              </a:cxnLst>
-              <a:rect l="T12" t="T13" r="T14" b="T15"/>
-              <a:pathLst>
-                <a:path w="21600" h="21600">
-                  <a:moveTo>
-                    <a:pt x="16200" y="0"/>
-                  </a:moveTo>
-                  <a:lnTo>
-                    <a:pt x="16200" y="5400"/>
-                  </a:lnTo>
-                  <a:lnTo>
-                    <a:pt x="3375" y="5400"/>
-                  </a:lnTo>
-                  <a:lnTo>
-                    <a:pt x="3375" y="16200"/>
-                  </a:lnTo>
-                  <a:lnTo>
-                    <a:pt x="16200" y="16200"/>
-                  </a:lnTo>
-                  <a:lnTo>
-                    <a:pt x="16200" y="21600"/>
-                  </a:lnTo>
-                  <a:lnTo>
-                    <a:pt x="21600" y="10800"/>
-                  </a:lnTo>
-                  <a:close/>
-                </a:path>
-                <a:path w="21600" h="21600">
-                  <a:moveTo>
-                    <a:pt x="1350" y="5400"/>
-                  </a:moveTo>
-                  <a:lnTo>
-                    <a:pt x="1350" y="16200"/>
-                  </a:lnTo>
-                  <a:lnTo>
-                    <a:pt x="2700" y="16200"/>
-                  </a:lnTo>
-                  <a:lnTo>
-                    <a:pt x="2700" y="5400"/>
-                  </a:lnTo>
-                  <a:close/>
-                </a:path>
-                <a:path w="21600" h="21600">
-                  <a:moveTo>
-                    <a:pt x="0" y="5400"/>
-                  </a:moveTo>
-                  <a:lnTo>
-                    <a:pt x="0" y="16200"/>
-                  </a:lnTo>
-                  <a:lnTo>
-                    <a:pt x="675" y="16200"/>
-                  </a:lnTo>
-                  <a:lnTo>
-                    <a:pt x="675" y="5400"/>
-                  </a:lnTo>
-                  <a:close/>
-                </a:path>
-              </a:pathLst>
-            </a:custGeom>
-            <a:gradFill rotWithShape="0">
-              <a:gsLst>
-                <a:gs pos="0">
-                  <a:srgbClr val="666666"/>
-                </a:gs>
-                <a:gs pos="50000">
-                  <a:srgbClr val="CCCCCC"/>
-                </a:gs>
-                <a:gs pos="100000">
-                  <a:srgbClr val="666666"/>
-                </a:gs>
-              </a:gsLst>
-              <a:lin ang="18900000" scaled="1"/>
-            </a:gradFill>
-            <a:ln w="12700">
+            </a:prstTxWarp>
+          </a:bodyPr>
+          <a:lstStyle/>
+          <a:p>
+            <a:pPr marL="0" marR="0" lvl="0" indent="0" algn="ctr" defTabSz="914400" rtl="0" eaLnBrk="1" fontAlgn="base" latinLnBrk="0" hangingPunct="1">
+              <a:lnSpc>
+                <a:spcPct val="100000"/>
+              </a:lnSpc>
+              <a:spcBef>
+                <a:spcPct val="0"/>
+              </a:spcBef>
+              <a:buClrTx/>
+              <a:buSzTx/>
+              <a:buFontTx/>
+              <a:buNone/>
+              <a:tabLst/>
+            </a:pPr>
+            <a:endParaRPr lang="en-IN" sz="300" dirty="0" smtClean="0">
+              <a:latin typeface="Arial Black" pitchFamily="34" charset="0"/>
+              <a:cs typeface="Arial" pitchFamily="34" charset="0"/>
+            </a:endParaRPr>
+          </a:p>
+          <a:p>
+            <a:pPr marL="0" marR="0" lvl="0" indent="0" algn="ctr" defTabSz="914400" rtl="0" eaLnBrk="1" fontAlgn="base" latinLnBrk="0" hangingPunct="1">
+              <a:lnSpc>
+                <a:spcPct val="100000"/>
+              </a:lnSpc>
+              <a:spcBef>
+                <a:spcPct val="0"/>
+              </a:spcBef>
+              <a:buClrTx/>
+              <a:buSzTx/>
+              <a:buFontTx/>
+              <a:buNone/>
+              <a:tabLst/>
+            </a:pPr>
+            <a:r>
+              <a:rPr lang="en-IN" sz="2400" b="1" dirty="0" smtClean="0">
+                <a:cs typeface="Arial" pitchFamily="34" charset="0"/>
+              </a:rPr>
+              <a:t>Error Report</a:t>
+            </a:r>
+            <a:endParaRPr kumimoji="0" lang="en-US" sz="2400" b="1" i="0" u="none" strike="noStrike" cap="none" normalizeH="0" baseline="0" dirty="0" smtClean="0">
+              <a:ln>
+                <a:noFill/>
+              </a:ln>
               <a:solidFill>
-                <a:srgbClr val="666666"/>
+                <a:schemeClr val="tx1"/>
               </a:solidFill>
-              <a:miter lim="800000"/>
-              <a:headEnd/>
-              <a:tailEnd/>
-            </a:ln>
-            <a:effectLst>
-              <a:outerShdw dist="28398" dir="3806097" algn="ctr" rotWithShape="0">
-                <a:srgbClr val="7F7F7F">
-                  <a:alpha val="50000"/>
-                </a:srgbClr>
-              </a:outerShdw>
-            </a:effectLst>
-          </p:spPr>
-          <p:txBody>
-            <a:bodyPr vert="horz" wrap="square" lIns="91440" tIns="45720" rIns="91440" bIns="45720" numCol="1" anchor="t" anchorCtr="0" compatLnSpc="1">
-              <a:prstTxWarp prst="textNoShape">
-                <a:avLst/>
-              </a:prstTxWarp>
-            </a:bodyPr>
-            <a:lstStyle/>
-            <a:p>
-              <a:endParaRPr lang="en-IN"/>
-            </a:p>
-          </p:txBody>
-        </p:sp>
-        <p:sp>
-          <p:nvSpPr>
-            <p:cNvPr id="23" name="Text Box 68"/>
-            <p:cNvSpPr txBox="1">
-              <a:spLocks noChangeArrowheads="1"/>
-            </p:cNvSpPr>
-            <p:nvPr/>
-          </p:nvSpPr>
-          <p:spPr bwMode="auto">
-            <a:xfrm>
-              <a:off x="5090140" y="1714501"/>
-              <a:ext cx="1996714" cy="235646"/>
-            </a:xfrm>
-            <a:prstGeom prst="rect">
+              <a:effectLst/>
+              <a:cs typeface="Arial" pitchFamily="34" charset="0"/>
+            </a:endParaRPr>
+          </a:p>
+        </p:txBody>
+      </p:sp>
+      <p:sp>
+        <p:nvSpPr>
+          <p:cNvPr id="23" name="Text Box 68"/>
+          <p:cNvSpPr txBox="1">
+            <a:spLocks noChangeArrowheads="1"/>
+          </p:cNvSpPr>
+          <p:nvPr/>
+        </p:nvSpPr>
+        <p:spPr bwMode="auto">
+          <a:xfrm>
+            <a:off x="5045315" y="84985"/>
+            <a:ext cx="3410118" cy="409315"/>
+          </a:xfrm>
+          <a:prstGeom prst="rect">
+            <a:avLst/>
+          </a:prstGeom>
+          <a:noFill/>
+          <a:ln w="9525">
+            <a:noFill/>
+            <a:miter lim="800000"/>
+            <a:headEnd/>
+            <a:tailEnd/>
+          </a:ln>
+        </p:spPr>
+        <p:txBody>
+          <a:bodyPr vert="horz" wrap="square" lIns="91440" tIns="45720" rIns="91440" bIns="45720" numCol="1" anchor="t" anchorCtr="0" compatLnSpc="1">
+            <a:prstTxWarp prst="textNoShape">
               <a:avLst/>
-            </a:prstGeom>
+            </a:prstTxWarp>
+          </a:bodyPr>
+          <a:lstStyle/>
+          <a:p>
+            <a:pPr algn="ctr" fontAlgn="base">
+              <a:spcBef>
+                <a:spcPct val="0"/>
+              </a:spcBef>
+              <a:spcAft>
+                <a:spcPts val="500"/>
+              </a:spcAft>
+            </a:pPr>
+            <a:r>
+              <a:rPr lang="en-US" sz="2000" b="1" dirty="0" smtClean="0">
+                <a:cs typeface="Arial" pitchFamily="34" charset="0"/>
+              </a:rPr>
+              <a:t>Monitoring System</a:t>
+            </a:r>
+          </a:p>
+        </p:txBody>
+      </p:sp>
+      <p:sp>
+        <p:nvSpPr>
+          <p:cNvPr id="24" name="Text Box 74"/>
+          <p:cNvSpPr txBox="1">
+            <a:spLocks noChangeArrowheads="1"/>
+          </p:cNvSpPr>
+          <p:nvPr/>
+        </p:nvSpPr>
+        <p:spPr bwMode="auto">
+          <a:xfrm>
+            <a:off x="157469" y="292410"/>
+            <a:ext cx="1401652" cy="423409"/>
+          </a:xfrm>
+          <a:prstGeom prst="rect">
+            <a:avLst/>
+          </a:prstGeom>
+          <a:noFill/>
+          <a:ln w="9525">
             <a:noFill/>
-            <a:ln w="9525">
-              <a:noFill/>
-              <a:miter lim="800000"/>
-              <a:headEnd/>
-              <a:tailEnd/>
-            </a:ln>
-          </p:spPr>
-          <p:txBody>
-            <a:bodyPr vert="horz" wrap="square" lIns="91440" tIns="45720" rIns="91440" bIns="45720" numCol="1" anchor="t" anchorCtr="0" compatLnSpc="1">
-              <a:prstTxWarp prst="textNoShape">
-                <a:avLst/>
-              </a:prstTxWarp>
-            </a:bodyPr>
-            <a:lstStyle/>
-            <a:p>
-              <a:pPr algn="ctr" fontAlgn="base">
-                <a:spcBef>
-                  <a:spcPct val="0"/>
-                </a:spcBef>
-                <a:spcAft>
-                  <a:spcPts val="500"/>
-                </a:spcAft>
-              </a:pPr>
-              <a:r>
-                <a:rPr lang="en-US" sz="1200" b="1" dirty="0" smtClean="0">
-                  <a:latin typeface="Bodoni MT" pitchFamily="18" charset="0"/>
-                  <a:cs typeface="Arial" pitchFamily="34" charset="0"/>
-                </a:rPr>
-                <a:t>Monitoring System</a:t>
-              </a:r>
-              <a:endParaRPr lang="en-US" sz="1200" b="1" dirty="0" smtClean="0">
-                <a:latin typeface="Bodoni MT" pitchFamily="18" charset="0"/>
-                <a:cs typeface="Arial" pitchFamily="34" charset="0"/>
-              </a:endParaRPr>
-            </a:p>
-          </p:txBody>
-        </p:sp>
-        <p:sp>
-          <p:nvSpPr>
-            <p:cNvPr id="24" name="Text Box 74"/>
-            <p:cNvSpPr txBox="1">
-              <a:spLocks noChangeArrowheads="1"/>
-            </p:cNvSpPr>
-            <p:nvPr/>
-          </p:nvSpPr>
-          <p:spPr bwMode="auto">
-            <a:xfrm>
-              <a:off x="3333028" y="1689596"/>
-              <a:ext cx="820704" cy="243760"/>
-            </a:xfrm>
-            <a:prstGeom prst="rect">
+            <a:miter lim="800000"/>
+            <a:headEnd/>
+            <a:tailEnd/>
+          </a:ln>
+        </p:spPr>
+        <p:txBody>
+          <a:bodyPr vert="horz" wrap="square" lIns="91440" tIns="45720" rIns="91440" bIns="45720" numCol="1" anchor="t" anchorCtr="0" compatLnSpc="1">
+            <a:prstTxWarp prst="textNoShape">
               <a:avLst/>
-            </a:prstGeom>
-            <a:noFill/>
-            <a:ln w="9525">
-              <a:noFill/>
-              <a:miter lim="800000"/>
-              <a:headEnd/>
-              <a:tailEnd/>
-            </a:ln>
-          </p:spPr>
-          <p:txBody>
-            <a:bodyPr vert="horz" wrap="square" lIns="91440" tIns="45720" rIns="91440" bIns="45720" numCol="1" anchor="t" anchorCtr="0" compatLnSpc="1">
-              <a:prstTxWarp prst="textNoShape">
-                <a:avLst/>
-              </a:prstTxWarp>
-            </a:bodyPr>
-            <a:lstStyle/>
-            <a:p>
-              <a:pPr marL="0" marR="0" lvl="0" indent="0" algn="ctr" defTabSz="914400" rtl="0" eaLnBrk="1" fontAlgn="base" latinLnBrk="0" hangingPunct="1">
-                <a:lnSpc>
-                  <a:spcPct val="100000"/>
-                </a:lnSpc>
-                <a:spcBef>
-                  <a:spcPct val="0"/>
-                </a:spcBef>
-                <a:spcAft>
-                  <a:spcPts val="500"/>
-                </a:spcAft>
-                <a:buClrTx/>
-                <a:buSzTx/>
-                <a:buFontTx/>
-                <a:buNone/>
-                <a:tabLst/>
-              </a:pPr>
-              <a:r>
-                <a:rPr kumimoji="0" lang="en-IN" sz="1200" b="1" i="0" u="none" strike="noStrike" cap="none" normalizeH="0" baseline="0" dirty="0" smtClean="0">
-                  <a:ln>
-                    <a:noFill/>
-                  </a:ln>
-                  <a:solidFill>
-                    <a:schemeClr val="tx1"/>
-                  </a:solidFill>
-                  <a:effectLst/>
-                  <a:latin typeface="Bodoni MT" pitchFamily="18" charset="0"/>
-                  <a:cs typeface="Arial" pitchFamily="34" charset="0"/>
-                </a:rPr>
-                <a:t>Program</a:t>
-              </a:r>
-              <a:endParaRPr kumimoji="0" lang="en-US" sz="1800" b="0" i="0" u="none" strike="noStrike" cap="none" normalizeH="0" baseline="0" dirty="0" smtClean="0">
+            </a:prstTxWarp>
+          </a:bodyPr>
+          <a:lstStyle/>
+          <a:p>
+            <a:pPr marL="0" marR="0" lvl="0" indent="0" algn="ctr" defTabSz="914400" rtl="0" eaLnBrk="1" fontAlgn="base" latinLnBrk="0" hangingPunct="1">
+              <a:lnSpc>
+                <a:spcPct val="100000"/>
+              </a:lnSpc>
+              <a:spcBef>
+                <a:spcPct val="0"/>
+              </a:spcBef>
+              <a:spcAft>
+                <a:spcPts val="500"/>
+              </a:spcAft>
+              <a:buClrTx/>
+              <a:buSzTx/>
+              <a:buFontTx/>
+              <a:buNone/>
+              <a:tabLst/>
+            </a:pPr>
+            <a:r>
+              <a:rPr kumimoji="0" lang="en-IN" sz="2000" b="1" i="0" u="none" strike="noStrike" cap="none" normalizeH="0" baseline="0" dirty="0" smtClean="0">
                 <a:ln>
                   <a:noFill/>
                 </a:ln>
@@ -6617,93 +6040,73 @@
                   <a:schemeClr val="tx1"/>
                 </a:solidFill>
                 <a:effectLst/>
-                <a:latin typeface="Arial" pitchFamily="34" charset="0"/>
                 <a:cs typeface="Arial" pitchFamily="34" charset="0"/>
-              </a:endParaRPr>
-            </a:p>
-          </p:txBody>
-        </p:sp>
-        <p:sp>
-          <p:nvSpPr>
-            <p:cNvPr id="25" name="Text Box 74"/>
-            <p:cNvSpPr txBox="1">
-              <a:spLocks noChangeArrowheads="1"/>
-            </p:cNvSpPr>
-            <p:nvPr/>
-          </p:nvSpPr>
-          <p:spPr bwMode="auto">
-            <a:xfrm>
-              <a:off x="3218728" y="4023221"/>
-              <a:ext cx="820704" cy="243760"/>
-            </a:xfrm>
-            <a:prstGeom prst="rect">
+              </a:rPr>
+              <a:t>Program</a:t>
+            </a:r>
+            <a:endParaRPr kumimoji="0" lang="en-US" sz="3200" b="1" i="0" u="none" strike="noStrike" cap="none" normalizeH="0" baseline="0" dirty="0" smtClean="0">
+              <a:ln>
+                <a:noFill/>
+              </a:ln>
+              <a:solidFill>
+                <a:schemeClr val="tx1"/>
+              </a:solidFill>
+              <a:effectLst/>
+              <a:cs typeface="Arial" pitchFamily="34" charset="0"/>
+            </a:endParaRPr>
+          </a:p>
+        </p:txBody>
+      </p:sp>
+      <p:sp>
+        <p:nvSpPr>
+          <p:cNvPr id="25" name="Text Box 74"/>
+          <p:cNvSpPr txBox="1">
+            <a:spLocks noChangeArrowheads="1"/>
+          </p:cNvSpPr>
+          <p:nvPr/>
+        </p:nvSpPr>
+        <p:spPr bwMode="auto">
+          <a:xfrm>
+            <a:off x="1331882" y="4105686"/>
+            <a:ext cx="1401652" cy="423409"/>
+          </a:xfrm>
+          <a:prstGeom prst="rect">
+            <a:avLst/>
+          </a:prstGeom>
+          <a:noFill/>
+          <a:ln w="9525">
+            <a:noFill/>
+            <a:miter lim="800000"/>
+            <a:headEnd/>
+            <a:tailEnd/>
+          </a:ln>
+        </p:spPr>
+        <p:txBody>
+          <a:bodyPr vert="horz" wrap="square" lIns="91440" tIns="45720" rIns="91440" bIns="45720" numCol="1" anchor="t" anchorCtr="0" compatLnSpc="1">
+            <a:prstTxWarp prst="textNoShape">
               <a:avLst/>
-            </a:prstGeom>
-            <a:noFill/>
-            <a:ln w="9525">
-              <a:noFill/>
-              <a:miter lim="800000"/>
-              <a:headEnd/>
-              <a:tailEnd/>
-            </a:ln>
-          </p:spPr>
-          <p:txBody>
-            <a:bodyPr vert="horz" wrap="square" lIns="91440" tIns="45720" rIns="91440" bIns="45720" numCol="1" anchor="t" anchorCtr="0" compatLnSpc="1">
-              <a:prstTxWarp prst="textNoShape">
-                <a:avLst/>
-              </a:prstTxWarp>
-            </a:bodyPr>
-            <a:lstStyle/>
-            <a:p>
-              <a:pPr marL="0" marR="0" lvl="0" indent="0" algn="ctr" defTabSz="914400" rtl="0" eaLnBrk="1" fontAlgn="base" latinLnBrk="0" hangingPunct="1">
-                <a:lnSpc>
-                  <a:spcPct val="100000"/>
-                </a:lnSpc>
-                <a:spcBef>
-                  <a:spcPct val="0"/>
-                </a:spcBef>
-                <a:spcAft>
-                  <a:spcPts val="500"/>
-                </a:spcAft>
-                <a:buClrTx/>
-                <a:buSzTx/>
-                <a:buFontTx/>
-                <a:buNone/>
-                <a:tabLst/>
-              </a:pPr>
-              <a:r>
-                <a:rPr kumimoji="0" lang="en-IN" sz="1200" b="1" i="0" u="none" strike="noStrike" cap="none" normalizeH="0" baseline="0" dirty="0" smtClean="0">
-                  <a:ln>
-                    <a:noFill/>
-                  </a:ln>
-                  <a:solidFill>
-                    <a:schemeClr val="tx1"/>
-                  </a:solidFill>
-                  <a:effectLst/>
-                  <a:latin typeface="Bodoni MT" pitchFamily="18" charset="0"/>
-                  <a:cs typeface="Arial" pitchFamily="34" charset="0"/>
-                </a:rPr>
-                <a:t>Property</a:t>
-              </a:r>
-            </a:p>
-            <a:p>
-              <a:pPr marL="0" marR="0" lvl="0" indent="0" algn="ctr" defTabSz="914400" rtl="0" eaLnBrk="1" fontAlgn="base" latinLnBrk="0" hangingPunct="1">
-                <a:lnSpc>
-                  <a:spcPct val="100000"/>
-                </a:lnSpc>
-                <a:spcBef>
-                  <a:spcPct val="0"/>
-                </a:spcBef>
-                <a:spcAft>
-                  <a:spcPts val="500"/>
-                </a:spcAft>
-                <a:buClrTx/>
-                <a:buSzTx/>
-                <a:buFontTx/>
-                <a:buNone/>
-                <a:tabLst/>
-              </a:pPr>
-              <a:endParaRPr kumimoji="0" lang="en-US" sz="1800" b="0" i="0" u="none" strike="noStrike" cap="none" normalizeH="0" baseline="0" dirty="0" smtClean="0">
+            </a:prstTxWarp>
+          </a:bodyPr>
+          <a:lstStyle/>
+          <a:p>
+            <a:pPr marL="0" marR="0" lvl="0" indent="0" algn="ctr" defTabSz="914400" rtl="0" eaLnBrk="1" fontAlgn="base" latinLnBrk="0" hangingPunct="1">
+              <a:lnSpc>
+                <a:spcPct val="100000"/>
+              </a:lnSpc>
+              <a:spcBef>
+                <a:spcPct val="0"/>
+              </a:spcBef>
+              <a:spcAft>
+                <a:spcPts val="500"/>
+              </a:spcAft>
+              <a:buClrTx/>
+              <a:buSzTx/>
+              <a:buFontTx/>
+              <a:buNone/>
+              <a:tabLst/>
+            </a:pPr>
+            <a:r>
+              <a:rPr kumimoji="0" lang="en-IN" b="1" i="0" u="none" strike="noStrike" cap="none" normalizeH="0" baseline="0" dirty="0" smtClean="0">
                 <a:ln>
                   <a:noFill/>
                 </a:ln>
@@ -6711,68 +6114,945 @@
                   <a:schemeClr val="tx1"/>
                 </a:solidFill>
                 <a:effectLst/>
-                <a:latin typeface="Arial" pitchFamily="34" charset="0"/>
                 <a:cs typeface="Arial" pitchFamily="34" charset="0"/>
+              </a:rPr>
+              <a:t>Property</a:t>
+            </a:r>
+          </a:p>
+          <a:p>
+            <a:pPr marL="0" marR="0" lvl="0" indent="0" algn="ctr" defTabSz="914400" rtl="0" eaLnBrk="1" fontAlgn="base" latinLnBrk="0" hangingPunct="1">
+              <a:lnSpc>
+                <a:spcPct val="100000"/>
+              </a:lnSpc>
+              <a:spcBef>
+                <a:spcPct val="0"/>
+              </a:spcBef>
+              <a:spcAft>
+                <a:spcPts val="500"/>
+              </a:spcAft>
+              <a:buClrTx/>
+              <a:buSzTx/>
+              <a:buFontTx/>
+              <a:buNone/>
+              <a:tabLst/>
+            </a:pPr>
+            <a:endParaRPr kumimoji="0" lang="en-US" b="1" i="0" u="none" strike="noStrike" cap="none" normalizeH="0" baseline="0" dirty="0" smtClean="0">
+              <a:ln>
+                <a:noFill/>
+              </a:ln>
+              <a:solidFill>
+                <a:schemeClr val="tx1"/>
+              </a:solidFill>
+              <a:effectLst/>
+              <a:cs typeface="Arial" pitchFamily="34" charset="0"/>
+            </a:endParaRPr>
+          </a:p>
+        </p:txBody>
+      </p:sp>
+      <p:sp>
+        <p:nvSpPr>
+          <p:cNvPr id="26" name="Rectangle 25"/>
+          <p:cNvSpPr/>
+          <p:nvPr/>
+        </p:nvSpPr>
+        <p:spPr>
+          <a:xfrm>
+            <a:off x="1112535" y="4537072"/>
+            <a:ext cx="1708079" cy="661794"/>
+          </a:xfrm>
+          <a:prstGeom prst="rect">
+            <a:avLst/>
+          </a:prstGeom>
+        </p:spPr>
+        <p:style>
+          <a:lnRef idx="2">
+            <a:schemeClr val="dk1"/>
+          </a:lnRef>
+          <a:fillRef idx="1">
+            <a:schemeClr val="lt1"/>
+          </a:fillRef>
+          <a:effectRef idx="0">
+            <a:schemeClr val="dk1"/>
+          </a:effectRef>
+          <a:fontRef idx="minor">
+            <a:schemeClr val="dk1"/>
+          </a:fontRef>
+        </p:style>
+        <p:txBody>
+          <a:bodyPr rtlCol="0" anchor="ctr"/>
+          <a:lstStyle/>
+          <a:p>
+            <a:pPr algn="ctr" fontAlgn="base">
+              <a:spcBef>
+                <a:spcPct val="0"/>
+              </a:spcBef>
+            </a:pPr>
+            <a:r>
+              <a:rPr lang="en-US" sz="2000" dirty="0" err="1" smtClean="0">
+                <a:solidFill>
+                  <a:schemeClr val="tx1"/>
+                </a:solidFill>
+                <a:cs typeface="Arial" pitchFamily="34" charset="0"/>
+              </a:rPr>
+              <a:t>UnsafeIterator</a:t>
+            </a:r>
+            <a:endParaRPr lang="en-US" sz="2000" dirty="0" smtClean="0">
+              <a:solidFill>
+                <a:schemeClr val="tx1"/>
+              </a:solidFill>
+              <a:cs typeface="Arial" pitchFamily="34" charset="0"/>
+            </a:endParaRPr>
+          </a:p>
+        </p:txBody>
+      </p:sp>
+      <p:sp>
+        <p:nvSpPr>
+          <p:cNvPr id="2" name="Right Arrow 1"/>
+          <p:cNvSpPr/>
+          <p:nvPr/>
+        </p:nvSpPr>
+        <p:spPr>
+          <a:xfrm>
+            <a:off x="1966408" y="2137375"/>
+            <a:ext cx="167654" cy="303066"/>
+          </a:xfrm>
+          <a:prstGeom prst="rightArrow">
+            <a:avLst/>
+          </a:prstGeom>
+        </p:spPr>
+        <p:style>
+          <a:lnRef idx="2">
+            <a:schemeClr val="dk1">
+              <a:shade val="50000"/>
+            </a:schemeClr>
+          </a:lnRef>
+          <a:fillRef idx="1">
+            <a:schemeClr val="dk1"/>
+          </a:fillRef>
+          <a:effectRef idx="0">
+            <a:schemeClr val="dk1"/>
+          </a:effectRef>
+          <a:fontRef idx="minor">
+            <a:schemeClr val="lt1"/>
+          </a:fontRef>
+        </p:style>
+        <p:txBody>
+          <a:bodyPr rtlCol="0" anchor="ctr"/>
+          <a:lstStyle/>
+          <a:p>
+            <a:pPr algn="ctr"/>
+            <a:endParaRPr lang="en-US"/>
+          </a:p>
+        </p:txBody>
+      </p:sp>
+      <p:sp>
+        <p:nvSpPr>
+          <p:cNvPr id="81" name="Right Arrow 80"/>
+          <p:cNvSpPr/>
+          <p:nvPr/>
+        </p:nvSpPr>
+        <p:spPr>
+          <a:xfrm>
+            <a:off x="3110142" y="4770212"/>
+            <a:ext cx="685800" cy="228600"/>
+          </a:xfrm>
+          <a:prstGeom prst="rightArrow">
+            <a:avLst/>
+          </a:prstGeom>
+        </p:spPr>
+        <p:style>
+          <a:lnRef idx="2">
+            <a:schemeClr val="dk1">
+              <a:shade val="50000"/>
+            </a:schemeClr>
+          </a:lnRef>
+          <a:fillRef idx="1">
+            <a:schemeClr val="dk1"/>
+          </a:fillRef>
+          <a:effectRef idx="0">
+            <a:schemeClr val="dk1"/>
+          </a:effectRef>
+          <a:fontRef idx="minor">
+            <a:schemeClr val="lt1"/>
+          </a:fontRef>
+        </p:style>
+        <p:txBody>
+          <a:bodyPr rtlCol="0" anchor="ctr"/>
+          <a:lstStyle/>
+          <a:p>
+            <a:pPr algn="ctr"/>
+            <a:endParaRPr lang="en-US"/>
+          </a:p>
+        </p:txBody>
+      </p:sp>
+      <p:sp>
+        <p:nvSpPr>
+          <p:cNvPr id="82" name="Right Arrow 81"/>
+          <p:cNvSpPr/>
+          <p:nvPr/>
+        </p:nvSpPr>
+        <p:spPr>
+          <a:xfrm rot="5400000">
+            <a:off x="6634705" y="5683578"/>
+            <a:ext cx="328778" cy="314720"/>
+          </a:xfrm>
+          <a:prstGeom prst="rightArrow">
+            <a:avLst/>
+          </a:prstGeom>
+        </p:spPr>
+        <p:style>
+          <a:lnRef idx="2">
+            <a:schemeClr val="dk1">
+              <a:shade val="50000"/>
+            </a:schemeClr>
+          </a:lnRef>
+          <a:fillRef idx="1">
+            <a:schemeClr val="dk1"/>
+          </a:fillRef>
+          <a:effectRef idx="0">
+            <a:schemeClr val="dk1"/>
+          </a:effectRef>
+          <a:fontRef idx="minor">
+            <a:schemeClr val="lt1"/>
+          </a:fontRef>
+        </p:style>
+        <p:txBody>
+          <a:bodyPr rtlCol="0" anchor="ctr"/>
+          <a:lstStyle/>
+          <a:p>
+            <a:pPr algn="ctr"/>
+            <a:endParaRPr lang="en-US"/>
+          </a:p>
+        </p:txBody>
+      </p:sp>
+      <p:sp>
+        <p:nvSpPr>
+          <p:cNvPr id="83" name="Rectangle 7"/>
+          <p:cNvSpPr>
+            <a:spLocks noChangeArrowheads="1"/>
+          </p:cNvSpPr>
+          <p:nvPr/>
+        </p:nvSpPr>
+        <p:spPr bwMode="auto">
+          <a:xfrm>
+            <a:off x="2181231" y="897222"/>
+            <a:ext cx="1868075" cy="2969770"/>
+          </a:xfrm>
+          <a:prstGeom prst="rect">
+            <a:avLst/>
+          </a:prstGeom>
+          <a:ln>
+            <a:headEnd/>
+            <a:tailEnd/>
+          </a:ln>
+        </p:spPr>
+        <p:style>
+          <a:lnRef idx="2">
+            <a:schemeClr val="dk1"/>
+          </a:lnRef>
+          <a:fillRef idx="1">
+            <a:schemeClr val="lt1"/>
+          </a:fillRef>
+          <a:effectRef idx="0">
+            <a:schemeClr val="dk1"/>
+          </a:effectRef>
+          <a:fontRef idx="minor">
+            <a:schemeClr val="dk1"/>
+          </a:fontRef>
+        </p:style>
+        <p:txBody>
+          <a:bodyPr vert="horz" wrap="square" lIns="91440" tIns="45720" rIns="91440" bIns="45720" numCol="1" anchor="t" anchorCtr="0" compatLnSpc="1">
+            <a:prstTxWarp prst="textNoShape">
+              <a:avLst/>
+            </a:prstTxWarp>
+          </a:bodyPr>
+          <a:lstStyle/>
+          <a:p>
+            <a:pPr marL="0" marR="0" lvl="0" indent="0" algn="l" defTabSz="914400" rtl="0" eaLnBrk="1" fontAlgn="base" latinLnBrk="0" hangingPunct="1">
+              <a:lnSpc>
+                <a:spcPct val="100000"/>
+              </a:lnSpc>
+              <a:spcBef>
+                <a:spcPct val="0"/>
+              </a:spcBef>
+              <a:spcAft>
+                <a:spcPts val="500"/>
+              </a:spcAft>
+              <a:buClrTx/>
+              <a:buSzTx/>
+              <a:buFontTx/>
+              <a:buNone/>
+              <a:tabLst/>
+            </a:pPr>
+            <a:r>
+              <a:rPr kumimoji="0" lang="en-IN" sz="1600" b="1" i="0" u="none" strike="noStrike" cap="none" normalizeH="0" baseline="0" dirty="0" smtClean="0">
+                <a:ln>
+                  <a:noFill/>
+                </a:ln>
+                <a:solidFill>
+                  <a:schemeClr val="tx1"/>
+                </a:solidFill>
+                <a:effectLst/>
+                <a:latin typeface="Consolas" panose="020B0609020204030204" pitchFamily="49" charset="0"/>
+                <a:cs typeface="Consolas" panose="020B0609020204030204" pitchFamily="49" charset="0"/>
+              </a:rPr>
+              <a:t>Public bar</a:t>
+            </a:r>
+            <a:r>
+              <a:rPr kumimoji="0" lang="en-IN" sz="1600" b="1" i="0" u="none" strike="noStrike" cap="none" normalizeH="0" baseline="0" dirty="0" smtClean="0">
+                <a:ln>
+                  <a:noFill/>
+                </a:ln>
+                <a:solidFill>
+                  <a:schemeClr val="tx1"/>
+                </a:solidFill>
+                <a:effectLst/>
+                <a:latin typeface="Consolas" panose="020B0609020204030204" pitchFamily="49" charset="0"/>
+                <a:cs typeface="Consolas" panose="020B0609020204030204" pitchFamily="49" charset="0"/>
+              </a:rPr>
+              <a:t>() {</a:t>
+            </a:r>
+          </a:p>
+          <a:p>
+            <a:pPr marL="0" marR="0" lvl="0" indent="0" algn="l" defTabSz="914400" rtl="0" eaLnBrk="1" fontAlgn="base" latinLnBrk="0" hangingPunct="1">
+              <a:lnSpc>
+                <a:spcPct val="100000"/>
+              </a:lnSpc>
+              <a:spcBef>
+                <a:spcPct val="0"/>
+              </a:spcBef>
+              <a:spcAft>
+                <a:spcPts val="500"/>
+              </a:spcAft>
+              <a:buClrTx/>
+              <a:buSzTx/>
+              <a:buFontTx/>
+              <a:buNone/>
+              <a:tabLst/>
+            </a:pPr>
+            <a:r>
+              <a:rPr kumimoji="0" lang="en-IN" sz="1600" b="1" i="0" u="none" strike="noStrike" cap="none" normalizeH="0" baseline="0" dirty="0" smtClean="0">
+                <a:ln>
+                  <a:noFill/>
+                </a:ln>
+                <a:solidFill>
+                  <a:schemeClr val="tx1"/>
+                </a:solidFill>
+                <a:effectLst/>
+                <a:latin typeface="Consolas" panose="020B0609020204030204" pitchFamily="49" charset="0"/>
+                <a:cs typeface="Consolas" panose="020B0609020204030204" pitchFamily="49" charset="0"/>
+              </a:rPr>
+              <a:t>...</a:t>
+            </a:r>
+          </a:p>
+          <a:p>
+            <a:pPr marL="0" marR="0" lvl="0" indent="0" algn="l" defTabSz="914400" rtl="0" eaLnBrk="1" fontAlgn="base" latinLnBrk="0" hangingPunct="1">
+              <a:lnSpc>
+                <a:spcPct val="100000"/>
+              </a:lnSpc>
+              <a:spcBef>
+                <a:spcPct val="0"/>
+              </a:spcBef>
+              <a:spcAft>
+                <a:spcPts val="500"/>
+              </a:spcAft>
+              <a:buClrTx/>
+              <a:buSzTx/>
+              <a:buFontTx/>
+              <a:buNone/>
+              <a:tabLst/>
+            </a:pPr>
+            <a:r>
+              <a:rPr lang="en-IN" sz="1600" b="1" dirty="0" err="1" smtClean="0">
+                <a:solidFill>
+                  <a:srgbClr val="FF0000"/>
+                </a:solidFill>
+                <a:latin typeface="Consolas" panose="020B0609020204030204" pitchFamily="49" charset="0"/>
+                <a:cs typeface="Consolas" panose="020B0609020204030204" pitchFamily="49" charset="0"/>
+              </a:rPr>
+              <a:t>addTrace</a:t>
+            </a:r>
+            <a:r>
+              <a:rPr lang="en-IN" sz="1600" b="1" dirty="0" smtClean="0">
+                <a:solidFill>
+                  <a:srgbClr val="FF0000"/>
+                </a:solidFill>
+                <a:latin typeface="Consolas" panose="020B0609020204030204" pitchFamily="49" charset="0"/>
+                <a:cs typeface="Consolas" panose="020B0609020204030204" pitchFamily="49" charset="0"/>
+              </a:rPr>
+              <a:t>(0xff);</a:t>
+            </a:r>
+            <a:endParaRPr kumimoji="0" lang="en-IN" sz="1600" b="1" i="0" u="none" strike="noStrike" cap="none" normalizeH="0" baseline="0" dirty="0" smtClean="0">
+              <a:ln>
+                <a:noFill/>
+              </a:ln>
+              <a:solidFill>
+                <a:srgbClr val="FF0000"/>
+              </a:solidFill>
+              <a:effectLst/>
+              <a:latin typeface="Consolas" panose="020B0609020204030204" pitchFamily="49" charset="0"/>
+              <a:cs typeface="Consolas" panose="020B0609020204030204" pitchFamily="49" charset="0"/>
+            </a:endParaRPr>
+          </a:p>
+          <a:p>
+            <a:pPr marL="0" marR="0" lvl="0" indent="0" algn="l" defTabSz="914400" rtl="0" eaLnBrk="1" fontAlgn="base" latinLnBrk="0" hangingPunct="1">
+              <a:lnSpc>
+                <a:spcPct val="100000"/>
+              </a:lnSpc>
+              <a:spcBef>
+                <a:spcPct val="0"/>
+              </a:spcBef>
+              <a:spcAft>
+                <a:spcPts val="500"/>
+              </a:spcAft>
+              <a:buClrTx/>
+              <a:buSzTx/>
+              <a:buFontTx/>
+              <a:buNone/>
+              <a:tabLst/>
+            </a:pPr>
+            <a:r>
+              <a:rPr kumimoji="0" lang="en-IN" sz="1600" b="1" i="0" u="none" strike="noStrike" cap="none" normalizeH="0" baseline="0" dirty="0" err="1" smtClean="0">
+                <a:ln>
+                  <a:noFill/>
+                </a:ln>
+                <a:solidFill>
+                  <a:schemeClr val="tx1"/>
+                </a:solidFill>
+                <a:effectLst/>
+                <a:latin typeface="Consolas" panose="020B0609020204030204" pitchFamily="49" charset="0"/>
+                <a:cs typeface="Consolas" panose="020B0609020204030204" pitchFamily="49" charset="0"/>
+              </a:rPr>
+              <a:t>i</a:t>
+            </a:r>
+            <a:r>
+              <a:rPr kumimoji="0" lang="en-IN" sz="1600" b="1" i="0" u="none" strike="noStrike" cap="none" normalizeH="0" baseline="0" dirty="0" smtClean="0">
+                <a:ln>
+                  <a:noFill/>
+                </a:ln>
+                <a:solidFill>
+                  <a:schemeClr val="tx1"/>
+                </a:solidFill>
+                <a:effectLst/>
+                <a:latin typeface="Consolas" panose="020B0609020204030204" pitchFamily="49" charset="0"/>
+                <a:cs typeface="Consolas" panose="020B0609020204030204" pitchFamily="49" charset="0"/>
+              </a:rPr>
+              <a:t> = </a:t>
+            </a:r>
+            <a:r>
+              <a:rPr kumimoji="0" lang="en-IN" sz="1600" b="1" i="0" u="none" strike="noStrike" cap="none" normalizeH="0" baseline="0" dirty="0" err="1" smtClean="0">
+                <a:ln>
+                  <a:noFill/>
+                </a:ln>
+                <a:solidFill>
+                  <a:schemeClr val="tx1"/>
+                </a:solidFill>
+                <a:effectLst/>
+                <a:latin typeface="Consolas" panose="020B0609020204030204" pitchFamily="49" charset="0"/>
+                <a:cs typeface="Consolas" panose="020B0609020204030204" pitchFamily="49" charset="0"/>
+              </a:rPr>
+              <a:t>c.iterator</a:t>
+            </a:r>
+            <a:r>
+              <a:rPr kumimoji="0" lang="en-IN" sz="1600" b="1" i="0" u="none" strike="noStrike" cap="none" normalizeH="0" baseline="0" dirty="0" smtClean="0">
+                <a:ln>
+                  <a:noFill/>
+                </a:ln>
+                <a:solidFill>
+                  <a:schemeClr val="tx1"/>
+                </a:solidFill>
+                <a:effectLst/>
+                <a:latin typeface="Consolas" panose="020B0609020204030204" pitchFamily="49" charset="0"/>
+                <a:cs typeface="Consolas" panose="020B0609020204030204" pitchFamily="49" charset="0"/>
+              </a:rPr>
+              <a:t>();</a:t>
+            </a:r>
+          </a:p>
+          <a:p>
+            <a:pPr marL="0" marR="0" lvl="0" indent="0" algn="l" defTabSz="914400" rtl="0" eaLnBrk="1" fontAlgn="base" latinLnBrk="0" hangingPunct="1">
+              <a:lnSpc>
+                <a:spcPct val="100000"/>
+              </a:lnSpc>
+              <a:spcBef>
+                <a:spcPct val="0"/>
+              </a:spcBef>
+              <a:spcAft>
+                <a:spcPts val="500"/>
+              </a:spcAft>
+              <a:buClrTx/>
+              <a:buSzTx/>
+              <a:buFontTx/>
+              <a:buNone/>
+              <a:tabLst/>
+            </a:pPr>
+            <a:r>
+              <a:rPr kumimoji="0" lang="en-IN" sz="1600" b="1" i="0" u="none" strike="noStrike" cap="none" normalizeH="0" baseline="0" dirty="0" smtClean="0">
+                <a:ln>
+                  <a:noFill/>
+                </a:ln>
+                <a:solidFill>
+                  <a:schemeClr val="tx1"/>
+                </a:solidFill>
+                <a:effectLst/>
+                <a:latin typeface="Consolas" panose="020B0609020204030204" pitchFamily="49" charset="0"/>
+                <a:cs typeface="Consolas" panose="020B0609020204030204" pitchFamily="49" charset="0"/>
+              </a:rPr>
+              <a:t>...</a:t>
+            </a:r>
+          </a:p>
+          <a:p>
+            <a:pPr marL="0" marR="0" lvl="0" indent="0" algn="l" defTabSz="914400" rtl="0" eaLnBrk="1" fontAlgn="base" latinLnBrk="0" hangingPunct="1">
+              <a:lnSpc>
+                <a:spcPct val="100000"/>
+              </a:lnSpc>
+              <a:spcBef>
+                <a:spcPct val="0"/>
+              </a:spcBef>
+              <a:spcAft>
+                <a:spcPts val="500"/>
+              </a:spcAft>
+              <a:buClrTx/>
+              <a:buSzTx/>
+              <a:buFontTx/>
+              <a:buNone/>
+              <a:tabLst/>
+            </a:pPr>
+            <a:r>
+              <a:rPr kumimoji="0" lang="en-IN" sz="1600" b="1" i="0" u="none" strike="noStrike" cap="none" normalizeH="0" baseline="0" dirty="0" err="1" smtClean="0">
+                <a:ln>
+                  <a:noFill/>
+                </a:ln>
+                <a:solidFill>
+                  <a:schemeClr val="tx1"/>
+                </a:solidFill>
+                <a:effectLst/>
+                <a:latin typeface="Consolas" panose="020B0609020204030204" pitchFamily="49" charset="0"/>
+                <a:cs typeface="Consolas" panose="020B0609020204030204" pitchFamily="49" charset="0"/>
+              </a:rPr>
+              <a:t>i.next</a:t>
+            </a:r>
+            <a:r>
+              <a:rPr kumimoji="0" lang="en-IN" sz="1600" b="1" i="0" u="none" strike="noStrike" cap="none" normalizeH="0" baseline="0" dirty="0" smtClean="0">
+                <a:ln>
+                  <a:noFill/>
+                </a:ln>
+                <a:solidFill>
+                  <a:schemeClr val="tx1"/>
+                </a:solidFill>
+                <a:effectLst/>
+                <a:latin typeface="Consolas" panose="020B0609020204030204" pitchFamily="49" charset="0"/>
+                <a:cs typeface="Consolas" panose="020B0609020204030204" pitchFamily="49" charset="0"/>
+              </a:rPr>
+              <a:t>()</a:t>
+            </a:r>
+          </a:p>
+          <a:p>
+            <a:pPr marL="0" marR="0" lvl="0" indent="0" algn="l" defTabSz="914400" rtl="0" eaLnBrk="1" fontAlgn="base" latinLnBrk="0" hangingPunct="1">
+              <a:lnSpc>
+                <a:spcPct val="100000"/>
+              </a:lnSpc>
+              <a:spcBef>
+                <a:spcPct val="0"/>
+              </a:spcBef>
+              <a:spcAft>
+                <a:spcPts val="500"/>
+              </a:spcAft>
+              <a:buClrTx/>
+              <a:buSzTx/>
+              <a:buFontTx/>
+              <a:buNone/>
+              <a:tabLst/>
+            </a:pPr>
+            <a:r>
+              <a:rPr kumimoji="0" lang="en-IN" sz="1600" b="1" i="0" u="none" strike="noStrike" cap="none" normalizeH="0" baseline="0" dirty="0" smtClean="0">
+                <a:ln>
+                  <a:noFill/>
+                </a:ln>
+                <a:solidFill>
+                  <a:schemeClr val="tx1"/>
+                </a:solidFill>
+                <a:effectLst/>
+                <a:latin typeface="Consolas" panose="020B0609020204030204" pitchFamily="49" charset="0"/>
+                <a:cs typeface="Consolas" panose="020B0609020204030204" pitchFamily="49" charset="0"/>
+              </a:rPr>
+              <a:t>...</a:t>
+            </a:r>
+          </a:p>
+          <a:p>
+            <a:pPr marL="0" marR="0" lvl="0" indent="0" algn="l" defTabSz="914400" rtl="0" eaLnBrk="1" fontAlgn="base" latinLnBrk="0" hangingPunct="1">
+              <a:lnSpc>
+                <a:spcPct val="100000"/>
+              </a:lnSpc>
+              <a:spcBef>
+                <a:spcPct val="0"/>
+              </a:spcBef>
+              <a:spcAft>
+                <a:spcPts val="500"/>
+              </a:spcAft>
+              <a:buClrTx/>
+              <a:buSzTx/>
+              <a:buFontTx/>
+              <a:buNone/>
+              <a:tabLst/>
+            </a:pPr>
+            <a:r>
+              <a:rPr kumimoji="0" lang="en-IN" sz="1600" b="1" i="0" u="none" strike="noStrike" cap="none" normalizeH="0" baseline="0" dirty="0" smtClean="0">
+                <a:ln>
+                  <a:noFill/>
+                </a:ln>
+                <a:solidFill>
+                  <a:schemeClr val="tx1"/>
+                </a:solidFill>
+                <a:effectLst/>
+                <a:latin typeface="Consolas" panose="020B0609020204030204" pitchFamily="49" charset="0"/>
+                <a:cs typeface="Consolas" panose="020B0609020204030204" pitchFamily="49" charset="0"/>
+              </a:rPr>
+              <a:t>}</a:t>
+            </a:r>
+          </a:p>
+          <a:p>
+            <a:pPr marL="0" marR="0" lvl="0" indent="0" algn="l" defTabSz="914400" rtl="0" eaLnBrk="1" fontAlgn="base" latinLnBrk="0" hangingPunct="1">
+              <a:lnSpc>
+                <a:spcPct val="100000"/>
+              </a:lnSpc>
+              <a:spcBef>
+                <a:spcPct val="0"/>
+              </a:spcBef>
+              <a:spcAft>
+                <a:spcPts val="1000"/>
+              </a:spcAft>
+              <a:buClrTx/>
+              <a:buSzTx/>
+              <a:buFontTx/>
+              <a:buNone/>
+              <a:tabLst/>
+            </a:pPr>
+            <a:endParaRPr kumimoji="0" lang="en-IN" sz="1000" b="1" i="0" u="none" strike="noStrike" cap="none" normalizeH="0" baseline="0" dirty="0" smtClean="0">
+              <a:ln>
+                <a:noFill/>
+              </a:ln>
+              <a:solidFill>
+                <a:schemeClr val="tx1"/>
+              </a:solidFill>
+              <a:effectLst/>
+              <a:latin typeface="Times New Roman" pitchFamily="18" charset="0"/>
+              <a:cs typeface="Arial" pitchFamily="34" charset="0"/>
+            </a:endParaRPr>
+          </a:p>
+          <a:p>
+            <a:pPr marL="0" marR="0" lvl="0" indent="0" algn="l" defTabSz="914400" rtl="0" eaLnBrk="1" fontAlgn="base" latinLnBrk="0" hangingPunct="1">
+              <a:lnSpc>
+                <a:spcPct val="100000"/>
+              </a:lnSpc>
+              <a:spcBef>
+                <a:spcPct val="0"/>
+              </a:spcBef>
+              <a:spcAft>
+                <a:spcPct val="0"/>
+              </a:spcAft>
+              <a:buClrTx/>
+              <a:buSzTx/>
+              <a:buFontTx/>
+              <a:buNone/>
+              <a:tabLst/>
+            </a:pPr>
+            <a:endParaRPr kumimoji="0" lang="en-US" sz="1800" b="1" i="0" u="none" strike="noStrike" cap="none" normalizeH="0" baseline="0" dirty="0" smtClean="0">
+              <a:ln>
+                <a:noFill/>
+              </a:ln>
+              <a:solidFill>
+                <a:schemeClr val="tx1"/>
+              </a:solidFill>
+              <a:effectLst/>
+              <a:latin typeface="Arial" pitchFamily="34" charset="0"/>
+              <a:cs typeface="Arial" pitchFamily="34" charset="0"/>
+            </a:endParaRPr>
+          </a:p>
+        </p:txBody>
+      </p:sp>
+      <p:sp>
+        <p:nvSpPr>
+          <p:cNvPr id="84" name="Text Box 74"/>
+          <p:cNvSpPr txBox="1">
+            <a:spLocks noChangeArrowheads="1"/>
+          </p:cNvSpPr>
+          <p:nvPr/>
+        </p:nvSpPr>
+        <p:spPr bwMode="auto">
+          <a:xfrm>
+            <a:off x="2252226" y="178942"/>
+            <a:ext cx="1678933" cy="718280"/>
+          </a:xfrm>
+          <a:prstGeom prst="rect">
+            <a:avLst/>
+          </a:prstGeom>
+          <a:noFill/>
+          <a:ln w="9525">
+            <a:noFill/>
+            <a:miter lim="800000"/>
+            <a:headEnd/>
+            <a:tailEnd/>
+          </a:ln>
+        </p:spPr>
+        <p:txBody>
+          <a:bodyPr vert="horz" wrap="square" lIns="91440" tIns="45720" rIns="91440" bIns="45720" numCol="1" anchor="t" anchorCtr="0" compatLnSpc="1">
+            <a:prstTxWarp prst="textNoShape">
+              <a:avLst/>
+            </a:prstTxWarp>
+          </a:bodyPr>
+          <a:lstStyle/>
+          <a:p>
+            <a:pPr marL="0" marR="0" lvl="0" indent="0" algn="ctr" defTabSz="914400" rtl="0" eaLnBrk="1" fontAlgn="base" latinLnBrk="0" hangingPunct="1">
+              <a:lnSpc>
+                <a:spcPct val="100000"/>
+              </a:lnSpc>
+              <a:spcBef>
+                <a:spcPct val="0"/>
+              </a:spcBef>
+              <a:spcAft>
+                <a:spcPts val="500"/>
+              </a:spcAft>
+              <a:buClrTx/>
+              <a:buSzTx/>
+              <a:buFontTx/>
+              <a:buNone/>
+              <a:tabLst/>
+            </a:pPr>
+            <a:r>
+              <a:rPr kumimoji="0" lang="en-IN" sz="2000" b="1" i="0" u="none" strike="noStrike" cap="none" normalizeH="0" baseline="0" dirty="0" smtClean="0">
+                <a:ln>
+                  <a:noFill/>
+                </a:ln>
+                <a:solidFill>
+                  <a:schemeClr val="tx1"/>
+                </a:solidFill>
+                <a:effectLst/>
+                <a:cs typeface="Arial" pitchFamily="34" charset="0"/>
+              </a:rPr>
+              <a:t>Instrumented Program</a:t>
+            </a:r>
+            <a:endParaRPr kumimoji="0" lang="en-US" sz="3200" b="1" i="0" u="none" strike="noStrike" cap="none" normalizeH="0" baseline="0" dirty="0" smtClean="0">
+              <a:ln>
+                <a:noFill/>
+              </a:ln>
+              <a:solidFill>
+                <a:schemeClr val="tx1"/>
+              </a:solidFill>
+              <a:effectLst/>
+              <a:cs typeface="Arial" pitchFamily="34" charset="0"/>
+            </a:endParaRPr>
+          </a:p>
+        </p:txBody>
+      </p:sp>
+      <p:sp>
+        <p:nvSpPr>
+          <p:cNvPr id="85" name="Right Arrow 84"/>
+          <p:cNvSpPr/>
+          <p:nvPr/>
+        </p:nvSpPr>
+        <p:spPr>
+          <a:xfrm>
+            <a:off x="4120008" y="2137375"/>
+            <a:ext cx="167654" cy="303066"/>
+          </a:xfrm>
+          <a:prstGeom prst="rightArrow">
+            <a:avLst/>
+          </a:prstGeom>
+        </p:spPr>
+        <p:style>
+          <a:lnRef idx="2">
+            <a:schemeClr val="dk1">
+              <a:shade val="50000"/>
+            </a:schemeClr>
+          </a:lnRef>
+          <a:fillRef idx="1">
+            <a:schemeClr val="dk1"/>
+          </a:fillRef>
+          <a:effectRef idx="0">
+            <a:schemeClr val="dk1"/>
+          </a:effectRef>
+          <a:fontRef idx="minor">
+            <a:schemeClr val="lt1"/>
+          </a:fontRef>
+        </p:style>
+        <p:txBody>
+          <a:bodyPr rtlCol="0" anchor="ctr"/>
+          <a:lstStyle/>
+          <a:p>
+            <a:pPr algn="ctr"/>
+            <a:endParaRPr lang="en-US"/>
+          </a:p>
+        </p:txBody>
+      </p:sp>
+      <p:cxnSp>
+        <p:nvCxnSpPr>
+          <p:cNvPr id="89" name="Straight Arrow Connector 88"/>
+          <p:cNvCxnSpPr/>
+          <p:nvPr/>
+        </p:nvCxnSpPr>
+        <p:spPr>
+          <a:xfrm>
+            <a:off x="3968700" y="1676400"/>
+            <a:ext cx="1517700" cy="0"/>
+          </a:xfrm>
+          <a:prstGeom prst="straightConnector1">
+            <a:avLst/>
+          </a:prstGeom>
+          <a:ln w="38100">
+            <a:tailEnd type="triangle"/>
+          </a:ln>
+        </p:spPr>
+        <p:style>
+          <a:lnRef idx="1">
+            <a:schemeClr val="dk1"/>
+          </a:lnRef>
+          <a:fillRef idx="0">
+            <a:schemeClr val="dk1"/>
+          </a:fillRef>
+          <a:effectRef idx="0">
+            <a:schemeClr val="dk1"/>
+          </a:effectRef>
+          <a:fontRef idx="minor">
+            <a:schemeClr val="tx1"/>
+          </a:fontRef>
+        </p:style>
+      </p:cxnSp>
+      <p:grpSp>
+        <p:nvGrpSpPr>
+          <p:cNvPr id="94" name="Group 93"/>
+          <p:cNvGrpSpPr/>
+          <p:nvPr/>
+        </p:nvGrpSpPr>
+        <p:grpSpPr>
+          <a:xfrm>
+            <a:off x="5523562" y="1456340"/>
+            <a:ext cx="700543" cy="883196"/>
+            <a:chOff x="4338261" y="684515"/>
+            <a:chExt cx="700543" cy="883196"/>
+          </a:xfrm>
+        </p:grpSpPr>
+        <p:sp>
+          <p:nvSpPr>
+            <p:cNvPr id="91" name="TextBox 90"/>
+            <p:cNvSpPr txBox="1"/>
+            <p:nvPr/>
+          </p:nvSpPr>
+          <p:spPr>
+            <a:xfrm>
+              <a:off x="4347589" y="684515"/>
+              <a:ext cx="691215" cy="369332"/>
+            </a:xfrm>
+            <a:prstGeom prst="rect">
+              <a:avLst/>
+            </a:prstGeom>
+            <a:noFill/>
+          </p:spPr>
+          <p:txBody>
+            <a:bodyPr wrap="none" rtlCol="0">
+              <a:spAutoFit/>
+            </a:bodyPr>
+            <a:lstStyle/>
+            <a:p>
+              <a:r>
+                <a:rPr lang="en-US" b="1" dirty="0" smtClean="0">
+                  <a:solidFill>
+                    <a:srgbClr val="FF0000"/>
+                  </a:solidFill>
+                  <a:latin typeface="Consolas" panose="020B0609020204030204" pitchFamily="49" charset="0"/>
+                  <a:cs typeface="Consolas" panose="020B0609020204030204" pitchFamily="49" charset="0"/>
+                </a:rPr>
+                <a:t>0xff</a:t>
+              </a:r>
+              <a:endParaRPr lang="en-US" b="1" dirty="0">
+                <a:solidFill>
+                  <a:srgbClr val="FF0000"/>
+                </a:solidFill>
+                <a:latin typeface="Consolas" panose="020B0609020204030204" pitchFamily="49" charset="0"/>
+                <a:cs typeface="Consolas" panose="020B0609020204030204" pitchFamily="49" charset="0"/>
               </a:endParaRPr>
             </a:p>
           </p:txBody>
         </p:sp>
         <p:sp>
           <p:nvSpPr>
-            <p:cNvPr id="26" name="Rectangle 25"/>
-            <p:cNvSpPr/>
+            <p:cNvPr id="92" name="TextBox 91"/>
+            <p:cNvSpPr txBox="1"/>
             <p:nvPr/>
           </p:nvSpPr>
           <p:spPr>
             <a:xfrm>
-              <a:off x="3143250" y="4286250"/>
-              <a:ext cx="1000125" cy="381000"/>
+              <a:off x="4338261" y="941749"/>
+              <a:ext cx="691215" cy="369332"/>
             </a:xfrm>
             <a:prstGeom prst="rect">
               <a:avLst/>
             </a:prstGeom>
+            <a:noFill/>
           </p:spPr>
-          <p:style>
-            <a:lnRef idx="2">
-              <a:schemeClr val="accent1">
-                <a:shade val="50000"/>
-              </a:schemeClr>
-            </a:lnRef>
-            <a:fillRef idx="1">
-              <a:schemeClr val="accent1"/>
-            </a:fillRef>
-            <a:effectRef idx="0">
-              <a:schemeClr val="accent1"/>
-            </a:effectRef>
-            <a:fontRef idx="minor">
-              <a:schemeClr val="lt1"/>
-            </a:fontRef>
-          </p:style>
           <p:txBody>
-            <a:bodyPr rtlCol="0" anchor="ctr"/>
+            <a:bodyPr wrap="none" rtlCol="0">
+              <a:spAutoFit/>
+            </a:bodyPr>
             <a:lstStyle/>
             <a:p>
-              <a:pPr algn="ctr" fontAlgn="base">
-                <a:spcBef>
-                  <a:spcPct val="0"/>
-                </a:spcBef>
-              </a:pPr>
               <a:r>
-                <a:rPr lang="en-US" sz="800" dirty="0" err="1" smtClean="0">
+                <a:rPr lang="en-US" b="1" dirty="0" smtClean="0">
                   <a:solidFill>
-                    <a:schemeClr val="tx1"/>
+                    <a:srgbClr val="FF0000"/>
                   </a:solidFill>
-                  <a:latin typeface="Arial Black" pitchFamily="34" charset="0"/>
-                  <a:cs typeface="Arial" pitchFamily="34" charset="0"/>
+                  <a:latin typeface="Consolas" panose="020B0609020204030204" pitchFamily="49" charset="0"/>
+                  <a:cs typeface="Consolas" panose="020B0609020204030204" pitchFamily="49" charset="0"/>
                 </a:rPr>
-                <a:t>UnsafeIterator</a:t>
+                <a:t>0xfe</a:t>
               </a:r>
-              <a:endParaRPr lang="en-US" sz="800" dirty="0" smtClean="0">
+              <a:endParaRPr lang="en-US" b="1" dirty="0">
                 <a:solidFill>
-                  <a:schemeClr val="tx1"/>
+                  <a:srgbClr val="FF0000"/>
                 </a:solidFill>
-                <a:latin typeface="Arial Black" pitchFamily="34" charset="0"/>
-                <a:cs typeface="Arial" pitchFamily="34" charset="0"/>
+                <a:latin typeface="Consolas" panose="020B0609020204030204" pitchFamily="49" charset="0"/>
+                <a:cs typeface="Consolas" panose="020B0609020204030204" pitchFamily="49" charset="0"/>
+              </a:endParaRPr>
+            </a:p>
+          </p:txBody>
+        </p:sp>
+        <p:sp>
+          <p:nvSpPr>
+            <p:cNvPr id="93" name="TextBox 92"/>
+            <p:cNvSpPr txBox="1"/>
+            <p:nvPr/>
+          </p:nvSpPr>
+          <p:spPr>
+            <a:xfrm>
+              <a:off x="4347589" y="1198379"/>
+              <a:ext cx="691215" cy="369332"/>
+            </a:xfrm>
+            <a:prstGeom prst="rect">
+              <a:avLst/>
+            </a:prstGeom>
+            <a:noFill/>
+          </p:spPr>
+          <p:txBody>
+            <a:bodyPr wrap="none" rtlCol="0">
+              <a:spAutoFit/>
+            </a:bodyPr>
+            <a:lstStyle/>
+            <a:p>
+              <a:r>
+                <a:rPr lang="en-US" b="1" dirty="0" smtClean="0">
+                  <a:solidFill>
+                    <a:srgbClr val="FF0000"/>
+                  </a:solidFill>
+                  <a:latin typeface="Consolas" panose="020B0609020204030204" pitchFamily="49" charset="0"/>
+                  <a:cs typeface="Consolas" panose="020B0609020204030204" pitchFamily="49" charset="0"/>
+                </a:rPr>
+                <a:t>0xfd</a:t>
+              </a:r>
+              <a:endParaRPr lang="en-US" b="1" dirty="0">
+                <a:solidFill>
+                  <a:srgbClr val="FF0000"/>
+                </a:solidFill>
+                <a:latin typeface="Consolas" panose="020B0609020204030204" pitchFamily="49" charset="0"/>
+                <a:cs typeface="Consolas" panose="020B0609020204030204" pitchFamily="49" charset="0"/>
               </a:endParaRPr>
             </a:p>
           </p:txBody>
@@ -6783,6 +7063,13 @@
   <p:clrMapOvr>
     <a:masterClrMapping/>
   </p:clrMapOvr>
+  <p:timing>
+    <p:tnLst>
+      <p:par>
+        <p:cTn id="1" dur="indefinite" restart="never" nodeType="tmRoot"/>
+      </p:par>
+    </p:tnLst>
+  </p:timing>
 </p:sld>
 </file>
 

--- a/images/block diagram.pptx
+++ b/images/block diagram.pptx
@@ -305,7 +305,7 @@
           <a:p>
             <a:fld id="{3923F695-8220-455C-801B-EC33B821CEC8}" type="datetimeFigureOut">
               <a:rPr lang="en-US" smtClean="0"/>
-              <a:t>1/27/2016</a:t>
+              <a:t>1/28/2016</a:t>
             </a:fld>
             <a:endParaRPr lang="en-US"/>
           </a:p>
@@ -470,7 +470,7 @@
           <a:p>
             <a:fld id="{3923F695-8220-455C-801B-EC33B821CEC8}" type="datetimeFigureOut">
               <a:rPr lang="en-US" smtClean="0"/>
-              <a:t>1/27/2016</a:t>
+              <a:t>1/28/2016</a:t>
             </a:fld>
             <a:endParaRPr lang="en-US"/>
           </a:p>
@@ -645,7 +645,7 @@
           <a:p>
             <a:fld id="{3923F695-8220-455C-801B-EC33B821CEC8}" type="datetimeFigureOut">
               <a:rPr lang="en-US" smtClean="0"/>
-              <a:t>1/27/2016</a:t>
+              <a:t>1/28/2016</a:t>
             </a:fld>
             <a:endParaRPr lang="en-US"/>
           </a:p>
@@ -810,7 +810,7 @@
           <a:p>
             <a:fld id="{3923F695-8220-455C-801B-EC33B821CEC8}" type="datetimeFigureOut">
               <a:rPr lang="en-US" smtClean="0"/>
-              <a:t>1/27/2016</a:t>
+              <a:t>1/28/2016</a:t>
             </a:fld>
             <a:endParaRPr lang="en-US"/>
           </a:p>
@@ -1051,7 +1051,7 @@
           <a:p>
             <a:fld id="{3923F695-8220-455C-801B-EC33B821CEC8}" type="datetimeFigureOut">
               <a:rPr lang="en-US" smtClean="0"/>
-              <a:t>1/27/2016</a:t>
+              <a:t>1/28/2016</a:t>
             </a:fld>
             <a:endParaRPr lang="en-US"/>
           </a:p>
@@ -1334,7 +1334,7 @@
           <a:p>
             <a:fld id="{3923F695-8220-455C-801B-EC33B821CEC8}" type="datetimeFigureOut">
               <a:rPr lang="en-US" smtClean="0"/>
-              <a:t>1/27/2016</a:t>
+              <a:t>1/28/2016</a:t>
             </a:fld>
             <a:endParaRPr lang="en-US"/>
           </a:p>
@@ -1751,7 +1751,7 @@
           <a:p>
             <a:fld id="{3923F695-8220-455C-801B-EC33B821CEC8}" type="datetimeFigureOut">
               <a:rPr lang="en-US" smtClean="0"/>
-              <a:t>1/27/2016</a:t>
+              <a:t>1/28/2016</a:t>
             </a:fld>
             <a:endParaRPr lang="en-US"/>
           </a:p>
@@ -1864,7 +1864,7 @@
           <a:p>
             <a:fld id="{3923F695-8220-455C-801B-EC33B821CEC8}" type="datetimeFigureOut">
               <a:rPr lang="en-US" smtClean="0"/>
-              <a:t>1/27/2016</a:t>
+              <a:t>1/28/2016</a:t>
             </a:fld>
             <a:endParaRPr lang="en-US"/>
           </a:p>
@@ -1954,7 +1954,7 @@
           <a:p>
             <a:fld id="{3923F695-8220-455C-801B-EC33B821CEC8}" type="datetimeFigureOut">
               <a:rPr lang="en-US" smtClean="0"/>
-              <a:t>1/27/2016</a:t>
+              <a:t>1/28/2016</a:t>
             </a:fld>
             <a:endParaRPr lang="en-US"/>
           </a:p>
@@ -2226,7 +2226,7 @@
           <a:p>
             <a:fld id="{3923F695-8220-455C-801B-EC33B821CEC8}" type="datetimeFigureOut">
               <a:rPr lang="en-US" smtClean="0"/>
-              <a:t>1/27/2016</a:t>
+              <a:t>1/28/2016</a:t>
             </a:fld>
             <a:endParaRPr lang="en-US"/>
           </a:p>
@@ -2474,7 +2474,7 @@
           <a:p>
             <a:fld id="{3923F695-8220-455C-801B-EC33B821CEC8}" type="datetimeFigureOut">
               <a:rPr lang="en-US" smtClean="0"/>
-              <a:t>1/27/2016</a:t>
+              <a:t>1/28/2016</a:t>
             </a:fld>
             <a:endParaRPr lang="en-US"/>
           </a:p>
@@ -2682,7 +2682,7 @@
           <a:p>
             <a:fld id="{3923F695-8220-455C-801B-EC33B821CEC8}" type="datetimeFigureOut">
               <a:rPr lang="en-US" smtClean="0"/>
-              <a:t>1/27/2016</a:t>
+              <a:t>1/28/2016</a:t>
             </a:fld>
             <a:endParaRPr lang="en-US"/>
           </a:p>
@@ -3170,21 +3170,7 @@
                 <a:latin typeface="Consolas" panose="020B0609020204030204" pitchFamily="49" charset="0"/>
                 <a:cs typeface="Consolas" panose="020B0609020204030204" pitchFamily="49" charset="0"/>
               </a:rPr>
-              <a:t>Public bar</a:t>
-            </a:r>
-            <a:r>
-              <a:rPr kumimoji="0" lang="en-IN" sz="1600" b="1" i="0" u="none" strike="noStrike" cap="none" normalizeH="0" baseline="0" dirty="0" smtClean="0">
-                <a:ln>
-                  <a:noFill/>
-                </a:ln>
-                <a:solidFill>
-                  <a:schemeClr val="tx1"/>
-                </a:solidFill>
-                <a:effectLst/>
-                <a:latin typeface="Consolas" panose="020B0609020204030204" pitchFamily="49" charset="0"/>
-                <a:cs typeface="Consolas" panose="020B0609020204030204" pitchFamily="49" charset="0"/>
-              </a:rPr>
-              <a:t>() {</a:t>
+              <a:t>Public bar() {</a:t>
             </a:r>
           </a:p>
           <a:p>
@@ -3519,8 +3505,8 @@
         </p:nvSpPr>
         <p:spPr bwMode="auto">
           <a:xfrm>
-            <a:off x="5311924" y="946588"/>
-            <a:ext cx="3252954" cy="2068357"/>
+            <a:off x="4686506" y="936025"/>
+            <a:ext cx="4225144" cy="2068357"/>
           </a:xfrm>
           <a:prstGeom prst="rect">
             <a:avLst/>
@@ -3556,695 +3542,6 @@
           </a:p>
         </p:txBody>
       </p:sp>
-      <p:grpSp>
-        <p:nvGrpSpPr>
-          <p:cNvPr id="9" name="Group 11"/>
-          <p:cNvGrpSpPr>
-            <a:grpSpLocks/>
-          </p:cNvGrpSpPr>
-          <p:nvPr/>
-        </p:nvGrpSpPr>
-        <p:grpSpPr bwMode="auto">
-          <a:xfrm>
-            <a:off x="5516550" y="992868"/>
-            <a:ext cx="2776958" cy="1277556"/>
-            <a:chOff x="7080" y="2790"/>
-            <a:chExt cx="3240" cy="1455"/>
-          </a:xfrm>
-        </p:grpSpPr>
-        <p:sp>
-          <p:nvSpPr>
-            <p:cNvPr id="61" name="Rectangle 12"/>
-            <p:cNvSpPr>
-              <a:spLocks noChangeArrowheads="1"/>
-            </p:cNvSpPr>
-            <p:nvPr/>
-          </p:nvSpPr>
-          <p:spPr bwMode="auto">
-            <a:xfrm>
-              <a:off x="7080" y="2790"/>
-              <a:ext cx="840" cy="1455"/>
-            </a:xfrm>
-            <a:prstGeom prst="rect">
-              <a:avLst/>
-            </a:prstGeom>
-            <a:ln>
-              <a:headEnd/>
-              <a:tailEnd/>
-            </a:ln>
-          </p:spPr>
-          <p:style>
-            <a:lnRef idx="2">
-              <a:schemeClr val="dk1"/>
-            </a:lnRef>
-            <a:fillRef idx="1">
-              <a:schemeClr val="lt1"/>
-            </a:fillRef>
-            <a:effectRef idx="0">
-              <a:schemeClr val="dk1"/>
-            </a:effectRef>
-            <a:fontRef idx="minor">
-              <a:schemeClr val="dk1"/>
-            </a:fontRef>
-          </p:style>
-          <p:txBody>
-            <a:bodyPr vert="horz" wrap="square" lIns="91440" tIns="45720" rIns="91440" bIns="45720" numCol="1" anchor="t" anchorCtr="0" compatLnSpc="1">
-              <a:prstTxWarp prst="textNoShape">
-                <a:avLst/>
-              </a:prstTxWarp>
-            </a:bodyPr>
-            <a:lstStyle/>
-            <a:p>
-              <a:endParaRPr lang="en-IN"/>
-            </a:p>
-          </p:txBody>
-        </p:sp>
-        <p:cxnSp>
-          <p:nvCxnSpPr>
-            <p:cNvPr id="62" name="AutoShape 13"/>
-            <p:cNvCxnSpPr>
-              <a:cxnSpLocks noChangeShapeType="1"/>
-            </p:cNvCxnSpPr>
-            <p:nvPr/>
-          </p:nvCxnSpPr>
-          <p:spPr bwMode="auto">
-            <a:xfrm>
-              <a:off x="7080" y="3090"/>
-              <a:ext cx="840" cy="0"/>
-            </a:xfrm>
-            <a:prstGeom prst="straightConnector1">
-              <a:avLst/>
-            </a:prstGeom>
-            <a:ln>
-              <a:headEnd/>
-              <a:tailEnd/>
-            </a:ln>
-          </p:spPr>
-          <p:style>
-            <a:lnRef idx="1">
-              <a:schemeClr val="dk1"/>
-            </a:lnRef>
-            <a:fillRef idx="0">
-              <a:schemeClr val="dk1"/>
-            </a:fillRef>
-            <a:effectRef idx="0">
-              <a:schemeClr val="dk1"/>
-            </a:effectRef>
-            <a:fontRef idx="minor">
-              <a:schemeClr val="tx1"/>
-            </a:fontRef>
-          </p:style>
-        </p:cxnSp>
-        <p:cxnSp>
-          <p:nvCxnSpPr>
-            <p:cNvPr id="63" name="AutoShape 14"/>
-            <p:cNvCxnSpPr>
-              <a:cxnSpLocks noChangeShapeType="1"/>
-            </p:cNvCxnSpPr>
-            <p:nvPr/>
-          </p:nvCxnSpPr>
-          <p:spPr bwMode="auto">
-            <a:xfrm>
-              <a:off x="7080" y="3375"/>
-              <a:ext cx="840" cy="0"/>
-            </a:xfrm>
-            <a:prstGeom prst="straightConnector1">
-              <a:avLst/>
-            </a:prstGeom>
-            <a:ln>
-              <a:headEnd/>
-              <a:tailEnd/>
-            </a:ln>
-          </p:spPr>
-          <p:style>
-            <a:lnRef idx="1">
-              <a:schemeClr val="dk1"/>
-            </a:lnRef>
-            <a:fillRef idx="0">
-              <a:schemeClr val="dk1"/>
-            </a:fillRef>
-            <a:effectRef idx="0">
-              <a:schemeClr val="dk1"/>
-            </a:effectRef>
-            <a:fontRef idx="minor">
-              <a:schemeClr val="tx1"/>
-            </a:fontRef>
-          </p:style>
-        </p:cxnSp>
-        <p:cxnSp>
-          <p:nvCxnSpPr>
-            <p:cNvPr id="64" name="AutoShape 15"/>
-            <p:cNvCxnSpPr>
-              <a:cxnSpLocks noChangeShapeType="1"/>
-            </p:cNvCxnSpPr>
-            <p:nvPr/>
-          </p:nvCxnSpPr>
-          <p:spPr bwMode="auto">
-            <a:xfrm>
-              <a:off x="7080" y="3675"/>
-              <a:ext cx="840" cy="0"/>
-            </a:xfrm>
-            <a:prstGeom prst="straightConnector1">
-              <a:avLst/>
-            </a:prstGeom>
-            <a:ln>
-              <a:headEnd/>
-              <a:tailEnd/>
-            </a:ln>
-          </p:spPr>
-          <p:style>
-            <a:lnRef idx="1">
-              <a:schemeClr val="dk1"/>
-            </a:lnRef>
-            <a:fillRef idx="0">
-              <a:schemeClr val="dk1"/>
-            </a:fillRef>
-            <a:effectRef idx="0">
-              <a:schemeClr val="dk1"/>
-            </a:effectRef>
-            <a:fontRef idx="minor">
-              <a:schemeClr val="tx1"/>
-            </a:fontRef>
-          </p:style>
-        </p:cxnSp>
-        <p:cxnSp>
-          <p:nvCxnSpPr>
-            <p:cNvPr id="65" name="AutoShape 16"/>
-            <p:cNvCxnSpPr>
-              <a:cxnSpLocks noChangeShapeType="1"/>
-            </p:cNvCxnSpPr>
-            <p:nvPr/>
-          </p:nvCxnSpPr>
-          <p:spPr bwMode="auto">
-            <a:xfrm>
-              <a:off x="7080" y="3975"/>
-              <a:ext cx="840" cy="0"/>
-            </a:xfrm>
-            <a:prstGeom prst="straightConnector1">
-              <a:avLst/>
-            </a:prstGeom>
-            <a:ln>
-              <a:headEnd/>
-              <a:tailEnd/>
-            </a:ln>
-          </p:spPr>
-          <p:style>
-            <a:lnRef idx="1">
-              <a:schemeClr val="dk1"/>
-            </a:lnRef>
-            <a:fillRef idx="0">
-              <a:schemeClr val="dk1"/>
-            </a:fillRef>
-            <a:effectRef idx="0">
-              <a:schemeClr val="dk1"/>
-            </a:effectRef>
-            <a:fontRef idx="minor">
-              <a:schemeClr val="tx1"/>
-            </a:fontRef>
-          </p:style>
-        </p:cxnSp>
-        <p:sp>
-          <p:nvSpPr>
-            <p:cNvPr id="66" name="Rectangle 17"/>
-            <p:cNvSpPr>
-              <a:spLocks noChangeArrowheads="1"/>
-            </p:cNvSpPr>
-            <p:nvPr/>
-          </p:nvSpPr>
-          <p:spPr bwMode="auto">
-            <a:xfrm>
-              <a:off x="8625" y="2790"/>
-              <a:ext cx="1695" cy="1455"/>
-            </a:xfrm>
-            <a:prstGeom prst="rect">
-              <a:avLst/>
-            </a:prstGeom>
-            <a:ln>
-              <a:headEnd/>
-              <a:tailEnd/>
-            </a:ln>
-          </p:spPr>
-          <p:style>
-            <a:lnRef idx="2">
-              <a:schemeClr val="dk1"/>
-            </a:lnRef>
-            <a:fillRef idx="1">
-              <a:schemeClr val="lt1"/>
-            </a:fillRef>
-            <a:effectRef idx="0">
-              <a:schemeClr val="dk1"/>
-            </a:effectRef>
-            <a:fontRef idx="minor">
-              <a:schemeClr val="dk1"/>
-            </a:fontRef>
-          </p:style>
-          <p:txBody>
-            <a:bodyPr vert="horz" wrap="square" lIns="91440" tIns="45720" rIns="91440" bIns="45720" numCol="1" anchor="t" anchorCtr="0" compatLnSpc="1">
-              <a:prstTxWarp prst="textNoShape">
-                <a:avLst/>
-              </a:prstTxWarp>
-            </a:bodyPr>
-            <a:lstStyle/>
-            <a:p>
-              <a:endParaRPr lang="en-IN"/>
-            </a:p>
-          </p:txBody>
-        </p:sp>
-        <p:sp>
-          <p:nvSpPr>
-            <p:cNvPr id="67" name="Oval 18"/>
-            <p:cNvSpPr>
-              <a:spLocks noChangeArrowheads="1"/>
-            </p:cNvSpPr>
-            <p:nvPr/>
-          </p:nvSpPr>
-          <p:spPr bwMode="auto">
-            <a:xfrm>
-              <a:off x="9390" y="2940"/>
-              <a:ext cx="218" cy="165"/>
-            </a:xfrm>
-            <a:prstGeom prst="ellipse">
-              <a:avLst/>
-            </a:prstGeom>
-            <a:gradFill rotWithShape="0">
-              <a:gsLst>
-                <a:gs pos="0">
-                  <a:srgbClr val="FFFFFF"/>
-                </a:gs>
-                <a:gs pos="100000">
-                  <a:srgbClr val="999999"/>
-                </a:gs>
-              </a:gsLst>
-              <a:lin ang="5400000" scaled="1"/>
-            </a:gradFill>
-            <a:ln w="12700">
-              <a:solidFill>
-                <a:srgbClr val="666666"/>
-              </a:solidFill>
-              <a:round/>
-              <a:headEnd/>
-              <a:tailEnd/>
-            </a:ln>
-            <a:effectLst/>
-          </p:spPr>
-          <p:txBody>
-            <a:bodyPr vert="horz" wrap="square" lIns="91440" tIns="45720" rIns="91440" bIns="45720" numCol="1" anchor="t" anchorCtr="0" compatLnSpc="1">
-              <a:prstTxWarp prst="textNoShape">
-                <a:avLst/>
-              </a:prstTxWarp>
-            </a:bodyPr>
-            <a:lstStyle/>
-            <a:p>
-              <a:endParaRPr lang="en-IN"/>
-            </a:p>
-          </p:txBody>
-        </p:sp>
-        <p:sp>
-          <p:nvSpPr>
-            <p:cNvPr id="68" name="Oval 19"/>
-            <p:cNvSpPr>
-              <a:spLocks noChangeArrowheads="1"/>
-            </p:cNvSpPr>
-            <p:nvPr/>
-          </p:nvSpPr>
-          <p:spPr bwMode="auto">
-            <a:xfrm>
-              <a:off x="9083" y="3353"/>
-              <a:ext cx="218" cy="165"/>
-            </a:xfrm>
-            <a:prstGeom prst="ellipse">
-              <a:avLst/>
-            </a:prstGeom>
-            <a:gradFill rotWithShape="0">
-              <a:gsLst>
-                <a:gs pos="0">
-                  <a:srgbClr val="FFFFFF"/>
-                </a:gs>
-                <a:gs pos="100000">
-                  <a:srgbClr val="999999"/>
-                </a:gs>
-              </a:gsLst>
-              <a:lin ang="5400000" scaled="1"/>
-            </a:gradFill>
-            <a:ln w="12700">
-              <a:solidFill>
-                <a:srgbClr val="666666"/>
-              </a:solidFill>
-              <a:round/>
-              <a:headEnd/>
-              <a:tailEnd/>
-            </a:ln>
-            <a:effectLst/>
-          </p:spPr>
-          <p:txBody>
-            <a:bodyPr vert="horz" wrap="square" lIns="91440" tIns="45720" rIns="91440" bIns="45720" numCol="1" anchor="t" anchorCtr="0" compatLnSpc="1">
-              <a:prstTxWarp prst="textNoShape">
-                <a:avLst/>
-              </a:prstTxWarp>
-            </a:bodyPr>
-            <a:lstStyle/>
-            <a:p>
-              <a:endParaRPr lang="en-IN"/>
-            </a:p>
-          </p:txBody>
-        </p:sp>
-        <p:sp>
-          <p:nvSpPr>
-            <p:cNvPr id="69" name="Oval 20"/>
-            <p:cNvSpPr>
-              <a:spLocks noChangeArrowheads="1"/>
-            </p:cNvSpPr>
-            <p:nvPr/>
-          </p:nvSpPr>
-          <p:spPr bwMode="auto">
-            <a:xfrm>
-              <a:off x="8760" y="3754"/>
-              <a:ext cx="218" cy="165"/>
-            </a:xfrm>
-            <a:prstGeom prst="ellipse">
-              <a:avLst/>
-            </a:prstGeom>
-            <a:gradFill rotWithShape="0">
-              <a:gsLst>
-                <a:gs pos="0">
-                  <a:srgbClr val="FFFFFF"/>
-                </a:gs>
-                <a:gs pos="100000">
-                  <a:srgbClr val="999999"/>
-                </a:gs>
-              </a:gsLst>
-              <a:lin ang="5400000" scaled="1"/>
-            </a:gradFill>
-            <a:ln w="12700">
-              <a:solidFill>
-                <a:srgbClr val="666666"/>
-              </a:solidFill>
-              <a:round/>
-              <a:headEnd/>
-              <a:tailEnd/>
-            </a:ln>
-            <a:effectLst/>
-          </p:spPr>
-          <p:txBody>
-            <a:bodyPr vert="horz" wrap="square" lIns="91440" tIns="45720" rIns="91440" bIns="45720" numCol="1" anchor="t" anchorCtr="0" compatLnSpc="1">
-              <a:prstTxWarp prst="textNoShape">
-                <a:avLst/>
-              </a:prstTxWarp>
-            </a:bodyPr>
-            <a:lstStyle/>
-            <a:p>
-              <a:endParaRPr lang="en-IN"/>
-            </a:p>
-          </p:txBody>
-        </p:sp>
-        <p:sp>
-          <p:nvSpPr>
-            <p:cNvPr id="70" name="Oval 21"/>
-            <p:cNvSpPr>
-              <a:spLocks noChangeArrowheads="1"/>
-            </p:cNvSpPr>
-            <p:nvPr/>
-          </p:nvSpPr>
-          <p:spPr bwMode="auto">
-            <a:xfrm>
-              <a:off x="9352" y="3780"/>
-              <a:ext cx="218" cy="165"/>
-            </a:xfrm>
-            <a:prstGeom prst="ellipse">
-              <a:avLst/>
-            </a:prstGeom>
-            <a:gradFill rotWithShape="0">
-              <a:gsLst>
-                <a:gs pos="0">
-                  <a:srgbClr val="FFFFFF"/>
-                </a:gs>
-                <a:gs pos="100000">
-                  <a:srgbClr val="999999"/>
-                </a:gs>
-              </a:gsLst>
-              <a:lin ang="5400000" scaled="1"/>
-            </a:gradFill>
-            <a:ln w="12700">
-              <a:solidFill>
-                <a:srgbClr val="666666"/>
-              </a:solidFill>
-              <a:round/>
-              <a:headEnd/>
-              <a:tailEnd/>
-            </a:ln>
-            <a:effectLst/>
-          </p:spPr>
-          <p:txBody>
-            <a:bodyPr vert="horz" wrap="square" lIns="91440" tIns="45720" rIns="91440" bIns="45720" numCol="1" anchor="t" anchorCtr="0" compatLnSpc="1">
-              <a:prstTxWarp prst="textNoShape">
-                <a:avLst/>
-              </a:prstTxWarp>
-            </a:bodyPr>
-            <a:lstStyle/>
-            <a:p>
-              <a:endParaRPr lang="en-IN"/>
-            </a:p>
-          </p:txBody>
-        </p:sp>
-        <p:sp>
-          <p:nvSpPr>
-            <p:cNvPr id="71" name="Oval 22"/>
-            <p:cNvSpPr>
-              <a:spLocks noChangeArrowheads="1"/>
-            </p:cNvSpPr>
-            <p:nvPr/>
-          </p:nvSpPr>
-          <p:spPr bwMode="auto">
-            <a:xfrm>
-              <a:off x="9713" y="3353"/>
-              <a:ext cx="218" cy="165"/>
-            </a:xfrm>
-            <a:prstGeom prst="ellipse">
-              <a:avLst/>
-            </a:prstGeom>
-            <a:gradFill rotWithShape="0">
-              <a:gsLst>
-                <a:gs pos="0">
-                  <a:srgbClr val="FFFFFF"/>
-                </a:gs>
-                <a:gs pos="100000">
-                  <a:srgbClr val="999999"/>
-                </a:gs>
-              </a:gsLst>
-              <a:lin ang="5400000" scaled="1"/>
-            </a:gradFill>
-            <a:ln w="12700">
-              <a:solidFill>
-                <a:srgbClr val="666666"/>
-              </a:solidFill>
-              <a:round/>
-              <a:headEnd/>
-              <a:tailEnd/>
-            </a:ln>
-            <a:effectLst/>
-          </p:spPr>
-          <p:txBody>
-            <a:bodyPr vert="horz" wrap="square" lIns="91440" tIns="45720" rIns="91440" bIns="45720" numCol="1" anchor="t" anchorCtr="0" compatLnSpc="1">
-              <a:prstTxWarp prst="textNoShape">
-                <a:avLst/>
-              </a:prstTxWarp>
-            </a:bodyPr>
-            <a:lstStyle/>
-            <a:p>
-              <a:endParaRPr lang="en-IN"/>
-            </a:p>
-          </p:txBody>
-        </p:sp>
-        <p:sp>
-          <p:nvSpPr>
-            <p:cNvPr id="72" name="Oval 23"/>
-            <p:cNvSpPr>
-              <a:spLocks noChangeArrowheads="1"/>
-            </p:cNvSpPr>
-            <p:nvPr/>
-          </p:nvSpPr>
-          <p:spPr bwMode="auto">
-            <a:xfrm>
-              <a:off x="10012" y="3754"/>
-              <a:ext cx="218" cy="165"/>
-            </a:xfrm>
-            <a:prstGeom prst="ellipse">
-              <a:avLst/>
-            </a:prstGeom>
-            <a:gradFill rotWithShape="0">
-              <a:gsLst>
-                <a:gs pos="0">
-                  <a:srgbClr val="FFFFFF"/>
-                </a:gs>
-                <a:gs pos="100000">
-                  <a:srgbClr val="999999"/>
-                </a:gs>
-              </a:gsLst>
-              <a:lin ang="5400000" scaled="1"/>
-            </a:gradFill>
-            <a:ln w="12700">
-              <a:solidFill>
-                <a:srgbClr val="666666"/>
-              </a:solidFill>
-              <a:round/>
-              <a:headEnd/>
-              <a:tailEnd/>
-            </a:ln>
-            <a:effectLst/>
-          </p:spPr>
-          <p:txBody>
-            <a:bodyPr vert="horz" wrap="square" lIns="91440" tIns="45720" rIns="91440" bIns="45720" numCol="1" anchor="t" anchorCtr="0" compatLnSpc="1">
-              <a:prstTxWarp prst="textNoShape">
-                <a:avLst/>
-              </a:prstTxWarp>
-            </a:bodyPr>
-            <a:lstStyle/>
-            <a:p>
-              <a:endParaRPr lang="en-IN"/>
-            </a:p>
-          </p:txBody>
-        </p:sp>
-        <p:cxnSp>
-          <p:nvCxnSpPr>
-            <p:cNvPr id="73" name="AutoShape 24"/>
-            <p:cNvCxnSpPr>
-              <a:cxnSpLocks noChangeShapeType="1"/>
-            </p:cNvCxnSpPr>
-            <p:nvPr/>
-          </p:nvCxnSpPr>
-          <p:spPr bwMode="auto">
-            <a:xfrm flipH="1">
-              <a:off x="9202" y="3094"/>
-              <a:ext cx="218" cy="251"/>
-            </a:xfrm>
-            <a:prstGeom prst="straightConnector1">
-              <a:avLst/>
-            </a:prstGeom>
-            <a:noFill/>
-            <a:ln w="12700">
-              <a:solidFill>
-                <a:srgbClr val="666666"/>
-              </a:solidFill>
-              <a:round/>
-              <a:headEnd/>
-              <a:tailEnd type="stealth" w="med" len="med"/>
-            </a:ln>
-            <a:effectLst/>
-          </p:spPr>
-        </p:cxnSp>
-        <p:cxnSp>
-          <p:nvCxnSpPr>
-            <p:cNvPr id="74" name="AutoShape 25"/>
-            <p:cNvCxnSpPr>
-              <a:cxnSpLocks noChangeShapeType="1"/>
-            </p:cNvCxnSpPr>
-            <p:nvPr/>
-          </p:nvCxnSpPr>
-          <p:spPr bwMode="auto">
-            <a:xfrm flipH="1">
-              <a:off x="8880" y="3503"/>
-              <a:ext cx="218" cy="251"/>
-            </a:xfrm>
-            <a:prstGeom prst="straightConnector1">
-              <a:avLst/>
-            </a:prstGeom>
-            <a:noFill/>
-            <a:ln w="12700">
-              <a:solidFill>
-                <a:srgbClr val="666666"/>
-              </a:solidFill>
-              <a:round/>
-              <a:headEnd/>
-              <a:tailEnd type="stealth" w="med" len="med"/>
-            </a:ln>
-            <a:effectLst/>
-          </p:spPr>
-        </p:cxnSp>
-        <p:cxnSp>
-          <p:nvCxnSpPr>
-            <p:cNvPr id="75" name="AutoShape 26"/>
-            <p:cNvCxnSpPr>
-              <a:cxnSpLocks noChangeShapeType="1"/>
-            </p:cNvCxnSpPr>
-            <p:nvPr/>
-          </p:nvCxnSpPr>
-          <p:spPr bwMode="auto">
-            <a:xfrm>
-              <a:off x="9202" y="3529"/>
-              <a:ext cx="218" cy="251"/>
-            </a:xfrm>
-            <a:prstGeom prst="straightConnector1">
-              <a:avLst/>
-            </a:prstGeom>
-            <a:noFill/>
-            <a:ln w="12700">
-              <a:solidFill>
-                <a:srgbClr val="666666"/>
-              </a:solidFill>
-              <a:round/>
-              <a:headEnd/>
-              <a:tailEnd type="stealth" w="med" len="med"/>
-            </a:ln>
-            <a:effectLst/>
-          </p:spPr>
-        </p:cxnSp>
-        <p:cxnSp>
-          <p:nvCxnSpPr>
-            <p:cNvPr id="76" name="AutoShape 27"/>
-            <p:cNvCxnSpPr>
-              <a:cxnSpLocks noChangeShapeType="1"/>
-            </p:cNvCxnSpPr>
-            <p:nvPr/>
-          </p:nvCxnSpPr>
-          <p:spPr bwMode="auto">
-            <a:xfrm>
-              <a:off x="9570" y="3105"/>
-              <a:ext cx="218" cy="251"/>
-            </a:xfrm>
-            <a:prstGeom prst="straightConnector1">
-              <a:avLst/>
-            </a:prstGeom>
-            <a:noFill/>
-            <a:ln w="12700">
-              <a:solidFill>
-                <a:srgbClr val="666666"/>
-              </a:solidFill>
-              <a:round/>
-              <a:headEnd/>
-              <a:tailEnd type="stealth" w="med" len="med"/>
-            </a:ln>
-            <a:effectLst/>
-          </p:spPr>
-        </p:cxnSp>
-        <p:cxnSp>
-          <p:nvCxnSpPr>
-            <p:cNvPr id="77" name="AutoShape 28"/>
-            <p:cNvCxnSpPr>
-              <a:cxnSpLocks noChangeShapeType="1"/>
-            </p:cNvCxnSpPr>
-            <p:nvPr/>
-          </p:nvCxnSpPr>
-          <p:spPr bwMode="auto">
-            <a:xfrm>
-              <a:off x="9871" y="3503"/>
-              <a:ext cx="218" cy="251"/>
-            </a:xfrm>
-            <a:prstGeom prst="straightConnector1">
-              <a:avLst/>
-            </a:prstGeom>
-            <a:noFill/>
-            <a:ln w="12700">
-              <a:solidFill>
-                <a:srgbClr val="666666"/>
-              </a:solidFill>
-              <a:round/>
-              <a:headEnd/>
-              <a:tailEnd type="stealth" w="med" len="med"/>
-            </a:ln>
-            <a:effectLst/>
-          </p:spPr>
-        </p:cxnSp>
-      </p:grpSp>
       <p:grpSp>
         <p:nvGrpSpPr>
           <p:cNvPr id="10" name="Group 29"/>
@@ -5362,7 +4659,7 @@
         </p:nvSpPr>
         <p:spPr bwMode="auto">
           <a:xfrm>
-            <a:off x="5260687" y="2362755"/>
+            <a:off x="4864643" y="2362755"/>
             <a:ext cx="1236863" cy="559859"/>
           </a:xfrm>
           <a:prstGeom prst="rect">
@@ -5436,7 +4733,7 @@
         </p:nvSpPr>
         <p:spPr bwMode="auto">
           <a:xfrm>
-            <a:off x="6318607" y="1523007"/>
+            <a:off x="6045105" y="1562654"/>
             <a:ext cx="431767" cy="201439"/>
           </a:xfrm>
           <a:prstGeom prst="rightArrow">
@@ -5446,7 +4743,7 @@
             </a:avLst>
           </a:prstGeom>
           <a:solidFill>
-            <a:srgbClr val="FFFFFF"/>
+            <a:schemeClr val="tx1"/>
           </a:solidFill>
           <a:ln w="9525">
             <a:solidFill>
@@ -5466,80 +4763,6 @@
           <a:lstStyle/>
           <a:p>
             <a:endParaRPr lang="en-IN"/>
-          </a:p>
-        </p:txBody>
-      </p:sp>
-      <p:sp>
-        <p:nvSpPr>
-          <p:cNvPr id="14" name="Text Box 67"/>
-          <p:cNvSpPr txBox="1">
-            <a:spLocks noChangeArrowheads="1"/>
-          </p:cNvSpPr>
-          <p:nvPr/>
-        </p:nvSpPr>
-        <p:spPr bwMode="auto">
-          <a:xfrm>
-            <a:off x="6696219" y="2288908"/>
-            <a:ext cx="1722103" cy="476336"/>
-          </a:xfrm>
-          <a:prstGeom prst="rect">
-            <a:avLst/>
-          </a:prstGeom>
-          <a:noFill/>
-          <a:ln w="9525">
-            <a:noFill/>
-            <a:miter lim="800000"/>
-            <a:headEnd/>
-            <a:tailEnd/>
-          </a:ln>
-        </p:spPr>
-        <p:txBody>
-          <a:bodyPr vert="horz" wrap="square" lIns="91440" tIns="45720" rIns="91440" bIns="45720" numCol="1" anchor="t" anchorCtr="0" compatLnSpc="1">
-            <a:prstTxWarp prst="textNoShape">
-              <a:avLst/>
-            </a:prstTxWarp>
-          </a:bodyPr>
-          <a:lstStyle/>
-          <a:p>
-            <a:pPr marL="0" marR="0" lvl="0" indent="0" algn="ctr" defTabSz="914400" rtl="0" eaLnBrk="1" fontAlgn="base" latinLnBrk="0" hangingPunct="1">
-              <a:lnSpc>
-                <a:spcPct val="100000"/>
-              </a:lnSpc>
-              <a:spcBef>
-                <a:spcPct val="0"/>
-              </a:spcBef>
-              <a:spcAft>
-                <a:spcPts val="500"/>
-              </a:spcAft>
-              <a:buClrTx/>
-              <a:buSzTx/>
-              <a:buFontTx/>
-              <a:buNone/>
-              <a:tabLst/>
-            </a:pPr>
-            <a:r>
-              <a:rPr kumimoji="0" lang="en-IN" sz="2000" b="1" i="0" u="none" strike="noStrike" cap="none" normalizeH="0" baseline="0" dirty="0" smtClean="0">
-                <a:ln>
-                  <a:noFill/>
-                </a:ln>
-                <a:solidFill>
-                  <a:schemeClr val="tx1"/>
-                </a:solidFill>
-                <a:effectLst/>
-                <a:cs typeface="Arial" pitchFamily="34" charset="0"/>
-              </a:rPr>
-              <a:t>Context Tree</a:t>
-            </a:r>
-            <a:endParaRPr kumimoji="0" lang="en-US" sz="2000" b="1" i="0" u="none" strike="noStrike" cap="none" normalizeH="0" baseline="0" dirty="0" smtClean="0">
-              <a:ln>
-                <a:noFill/>
-              </a:ln>
-              <a:solidFill>
-                <a:schemeClr val="tx1"/>
-              </a:solidFill>
-              <a:effectLst/>
-              <a:cs typeface="Arial" pitchFamily="34" charset="0"/>
-            </a:endParaRPr>
           </a:p>
         </p:txBody>
       </p:sp>
@@ -5602,20 +4825,7 @@
                 <a:effectLst/>
                 <a:cs typeface="Arial" pitchFamily="34" charset="0"/>
               </a:rPr>
-              <a:t>Context </a:t>
-            </a:r>
-            <a:r>
-              <a:rPr kumimoji="0" lang="en-IN" sz="2000" b="1" i="0" u="none" strike="noStrike" cap="none" normalizeH="0" baseline="0" dirty="0" smtClean="0">
-                <a:ln>
-                  <a:noFill/>
-                </a:ln>
-                <a:solidFill>
-                  <a:schemeClr val="tx1"/>
-                </a:solidFill>
-                <a:effectLst/>
-                <a:cs typeface="Arial" pitchFamily="34" charset="0"/>
-              </a:rPr>
-              <a:t>Matching Model</a:t>
+              <a:t>Context Matching Model</a:t>
             </a:r>
             <a:endParaRPr kumimoji="0" lang="en-US" sz="2000" b="1" i="0" u="none" strike="noStrike" cap="none" normalizeH="0" baseline="0" dirty="0" smtClean="0">
               <a:ln>
@@ -6396,21 +5606,7 @@
                 <a:latin typeface="Consolas" panose="020B0609020204030204" pitchFamily="49" charset="0"/>
                 <a:cs typeface="Consolas" panose="020B0609020204030204" pitchFamily="49" charset="0"/>
               </a:rPr>
-              <a:t>Public bar</a:t>
-            </a:r>
-            <a:r>
-              <a:rPr kumimoji="0" lang="en-IN" sz="1600" b="1" i="0" u="none" strike="noStrike" cap="none" normalizeH="0" baseline="0" dirty="0" smtClean="0">
-                <a:ln>
-                  <a:noFill/>
-                </a:ln>
-                <a:solidFill>
-                  <a:schemeClr val="tx1"/>
-                </a:solidFill>
-                <a:effectLst/>
-                <a:latin typeface="Consolas" panose="020B0609020204030204" pitchFamily="49" charset="0"/>
-                <a:cs typeface="Consolas" panose="020B0609020204030204" pitchFamily="49" charset="0"/>
-              </a:rPr>
-              <a:t>() {</a:t>
+              <a:t>Public bar() {</a:t>
             </a:r>
           </a:p>
           <a:p>
@@ -6893,7 +6089,7 @@
         <p:spPr>
           <a:xfrm>
             <a:off x="3968700" y="1676400"/>
-            <a:ext cx="1517700" cy="0"/>
+            <a:ext cx="1161533" cy="0"/>
           </a:xfrm>
           <a:prstGeom prst="straightConnector1">
             <a:avLst/>
@@ -6919,145 +6115,798 @@
       </p:cxnSp>
       <p:grpSp>
         <p:nvGrpSpPr>
-          <p:cNvPr id="94" name="Group 93"/>
+          <p:cNvPr id="20" name="Group 19"/>
           <p:cNvGrpSpPr/>
           <p:nvPr/>
         </p:nvGrpSpPr>
         <p:grpSpPr>
           <a:xfrm>
-            <a:off x="5523562" y="1456340"/>
-            <a:ext cx="700543" cy="883196"/>
-            <a:chOff x="4338261" y="684515"/>
-            <a:chExt cx="700543" cy="883196"/>
+            <a:off x="5128140" y="992868"/>
+            <a:ext cx="734388" cy="1334310"/>
+            <a:chOff x="5128140" y="992868"/>
+            <a:chExt cx="734388" cy="1334310"/>
           </a:xfrm>
         </p:grpSpPr>
-        <p:sp>
-          <p:nvSpPr>
-            <p:cNvPr id="91" name="TextBox 90"/>
-            <p:cNvSpPr txBox="1"/>
+        <p:grpSp>
+          <p:nvGrpSpPr>
+            <p:cNvPr id="7" name="Group 6"/>
+            <p:cNvGrpSpPr/>
             <p:nvPr/>
-          </p:nvSpPr>
-          <p:spPr>
+          </p:nvGrpSpPr>
+          <p:grpSpPr>
             <a:xfrm>
-              <a:off x="4347589" y="684515"/>
-              <a:ext cx="691215" cy="369332"/>
+              <a:off x="5142576" y="992868"/>
+              <a:ext cx="719952" cy="1277556"/>
+              <a:chOff x="5142576" y="992868"/>
+              <a:chExt cx="719952" cy="1277556"/>
             </a:xfrm>
-            <a:prstGeom prst="rect">
-              <a:avLst/>
-            </a:prstGeom>
-            <a:noFill/>
-          </p:spPr>
-          <p:txBody>
-            <a:bodyPr wrap="none" rtlCol="0">
-              <a:spAutoFit/>
-            </a:bodyPr>
-            <a:lstStyle/>
-            <a:p>
-              <a:r>
-                <a:rPr lang="en-US" b="1" dirty="0" smtClean="0">
+          </p:grpSpPr>
+          <p:sp>
+            <p:nvSpPr>
+              <p:cNvPr id="61" name="Rectangle 12"/>
+              <p:cNvSpPr>
+                <a:spLocks noChangeArrowheads="1"/>
+              </p:cNvSpPr>
+              <p:nvPr/>
+            </p:nvSpPr>
+            <p:spPr bwMode="auto">
+              <a:xfrm>
+                <a:off x="5142576" y="992868"/>
+                <a:ext cx="719952" cy="1277556"/>
+              </a:xfrm>
+              <a:prstGeom prst="rect">
+                <a:avLst/>
+              </a:prstGeom>
+              <a:ln>
+                <a:headEnd/>
+                <a:tailEnd/>
+              </a:ln>
+            </p:spPr>
+            <p:style>
+              <a:lnRef idx="2">
+                <a:schemeClr val="dk1"/>
+              </a:lnRef>
+              <a:fillRef idx="1">
+                <a:schemeClr val="lt1"/>
+              </a:fillRef>
+              <a:effectRef idx="0">
+                <a:schemeClr val="dk1"/>
+              </a:effectRef>
+              <a:fontRef idx="minor">
+                <a:schemeClr val="dk1"/>
+              </a:fontRef>
+            </p:style>
+            <p:txBody>
+              <a:bodyPr vert="horz" wrap="square" lIns="91440" tIns="45720" rIns="91440" bIns="45720" numCol="1" anchor="t" anchorCtr="0" compatLnSpc="1">
+                <a:prstTxWarp prst="textNoShape">
+                  <a:avLst/>
+                </a:prstTxWarp>
+              </a:bodyPr>
+              <a:lstStyle/>
+              <a:p>
+                <a:endParaRPr lang="en-IN"/>
+              </a:p>
+            </p:txBody>
+          </p:sp>
+          <p:cxnSp>
+            <p:nvCxnSpPr>
+              <p:cNvPr id="62" name="AutoShape 13"/>
+              <p:cNvCxnSpPr>
+                <a:cxnSpLocks noChangeShapeType="1"/>
+              </p:cNvCxnSpPr>
+              <p:nvPr/>
+            </p:nvCxnSpPr>
+            <p:spPr bwMode="auto">
+              <a:xfrm>
+                <a:off x="5142576" y="1256282"/>
+                <a:ext cx="719952" cy="0"/>
+              </a:xfrm>
+              <a:prstGeom prst="straightConnector1">
+                <a:avLst/>
+              </a:prstGeom>
+              <a:ln>
+                <a:headEnd/>
+                <a:tailEnd/>
+              </a:ln>
+            </p:spPr>
+            <p:style>
+              <a:lnRef idx="1">
+                <a:schemeClr val="dk1"/>
+              </a:lnRef>
+              <a:fillRef idx="0">
+                <a:schemeClr val="dk1"/>
+              </a:fillRef>
+              <a:effectRef idx="0">
+                <a:schemeClr val="dk1"/>
+              </a:effectRef>
+              <a:fontRef idx="minor">
+                <a:schemeClr val="tx1"/>
+              </a:fontRef>
+            </p:style>
+          </p:cxnSp>
+          <p:cxnSp>
+            <p:nvCxnSpPr>
+              <p:cNvPr id="63" name="AutoShape 14"/>
+              <p:cNvCxnSpPr>
+                <a:cxnSpLocks noChangeShapeType="1"/>
+              </p:cNvCxnSpPr>
+              <p:nvPr/>
+            </p:nvCxnSpPr>
+            <p:spPr bwMode="auto">
+              <a:xfrm>
+                <a:off x="5142576" y="1506525"/>
+                <a:ext cx="719952" cy="0"/>
+              </a:xfrm>
+              <a:prstGeom prst="straightConnector1">
+                <a:avLst/>
+              </a:prstGeom>
+              <a:ln>
+                <a:headEnd/>
+                <a:tailEnd/>
+              </a:ln>
+            </p:spPr>
+            <p:style>
+              <a:lnRef idx="1">
+                <a:schemeClr val="dk1"/>
+              </a:lnRef>
+              <a:fillRef idx="0">
+                <a:schemeClr val="dk1"/>
+              </a:fillRef>
+              <a:effectRef idx="0">
+                <a:schemeClr val="dk1"/>
+              </a:effectRef>
+              <a:fontRef idx="minor">
+                <a:schemeClr val="tx1"/>
+              </a:fontRef>
+            </p:style>
+          </p:cxnSp>
+          <p:cxnSp>
+            <p:nvCxnSpPr>
+              <p:cNvPr id="64" name="AutoShape 15"/>
+              <p:cNvCxnSpPr>
+                <a:cxnSpLocks noChangeShapeType="1"/>
+              </p:cNvCxnSpPr>
+              <p:nvPr/>
+            </p:nvCxnSpPr>
+            <p:spPr bwMode="auto">
+              <a:xfrm>
+                <a:off x="5142576" y="1769938"/>
+                <a:ext cx="719952" cy="0"/>
+              </a:xfrm>
+              <a:prstGeom prst="straightConnector1">
+                <a:avLst/>
+              </a:prstGeom>
+              <a:ln>
+                <a:headEnd/>
+                <a:tailEnd/>
+              </a:ln>
+            </p:spPr>
+            <p:style>
+              <a:lnRef idx="1">
+                <a:schemeClr val="dk1"/>
+              </a:lnRef>
+              <a:fillRef idx="0">
+                <a:schemeClr val="dk1"/>
+              </a:fillRef>
+              <a:effectRef idx="0">
+                <a:schemeClr val="dk1"/>
+              </a:effectRef>
+              <a:fontRef idx="minor">
+                <a:schemeClr val="tx1"/>
+              </a:fontRef>
+            </p:style>
+          </p:cxnSp>
+          <p:cxnSp>
+            <p:nvCxnSpPr>
+              <p:cNvPr id="65" name="AutoShape 16"/>
+              <p:cNvCxnSpPr>
+                <a:cxnSpLocks noChangeShapeType="1"/>
+              </p:cNvCxnSpPr>
+              <p:nvPr/>
+            </p:nvCxnSpPr>
+            <p:spPr bwMode="auto">
+              <a:xfrm>
+                <a:off x="5142576" y="2033352"/>
+                <a:ext cx="719952" cy="0"/>
+              </a:xfrm>
+              <a:prstGeom prst="straightConnector1">
+                <a:avLst/>
+              </a:prstGeom>
+              <a:ln>
+                <a:headEnd/>
+                <a:tailEnd/>
+              </a:ln>
+            </p:spPr>
+            <p:style>
+              <a:lnRef idx="1">
+                <a:schemeClr val="dk1"/>
+              </a:lnRef>
+              <a:fillRef idx="0">
+                <a:schemeClr val="dk1"/>
+              </a:fillRef>
+              <a:effectRef idx="0">
+                <a:schemeClr val="dk1"/>
+              </a:effectRef>
+              <a:fontRef idx="minor">
+                <a:schemeClr val="tx1"/>
+              </a:fontRef>
+            </p:style>
+          </p:cxnSp>
+        </p:grpSp>
+        <p:grpSp>
+          <p:nvGrpSpPr>
+            <p:cNvPr id="94" name="Group 93"/>
+            <p:cNvGrpSpPr/>
+            <p:nvPr/>
+          </p:nvGrpSpPr>
+          <p:grpSpPr>
+            <a:xfrm>
+              <a:off x="5128140" y="1443982"/>
+              <a:ext cx="700543" cy="883196"/>
+              <a:chOff x="4338261" y="684515"/>
+              <a:chExt cx="700543" cy="883196"/>
+            </a:xfrm>
+          </p:grpSpPr>
+          <p:sp>
+            <p:nvSpPr>
+              <p:cNvPr id="91" name="TextBox 90"/>
+              <p:cNvSpPr txBox="1"/>
+              <p:nvPr/>
+            </p:nvSpPr>
+            <p:spPr>
+              <a:xfrm>
+                <a:off x="4347589" y="684515"/>
+                <a:ext cx="691215" cy="369332"/>
+              </a:xfrm>
+              <a:prstGeom prst="rect">
+                <a:avLst/>
+              </a:prstGeom>
+              <a:noFill/>
+            </p:spPr>
+            <p:txBody>
+              <a:bodyPr wrap="none" rtlCol="0">
+                <a:spAutoFit/>
+              </a:bodyPr>
+              <a:lstStyle/>
+              <a:p>
+                <a:r>
+                  <a:rPr lang="en-US" b="1" dirty="0" smtClean="0">
+                    <a:solidFill>
+                      <a:srgbClr val="FF0000"/>
+                    </a:solidFill>
+                    <a:latin typeface="Consolas" panose="020B0609020204030204" pitchFamily="49" charset="0"/>
+                    <a:cs typeface="Consolas" panose="020B0609020204030204" pitchFamily="49" charset="0"/>
+                  </a:rPr>
+                  <a:t>0xff</a:t>
+                </a:r>
+                <a:endParaRPr lang="en-US" b="1" dirty="0">
                   <a:solidFill>
                     <a:srgbClr val="FF0000"/>
                   </a:solidFill>
                   <a:latin typeface="Consolas" panose="020B0609020204030204" pitchFamily="49" charset="0"/>
                   <a:cs typeface="Consolas" panose="020B0609020204030204" pitchFamily="49" charset="0"/>
-                </a:rPr>
-                <a:t>0xff</a:t>
-              </a:r>
-              <a:endParaRPr lang="en-US" b="1" dirty="0">
+                </a:endParaRPr>
+              </a:p>
+            </p:txBody>
+          </p:sp>
+          <p:sp>
+            <p:nvSpPr>
+              <p:cNvPr id="92" name="TextBox 91"/>
+              <p:cNvSpPr txBox="1"/>
+              <p:nvPr/>
+            </p:nvSpPr>
+            <p:spPr>
+              <a:xfrm>
+                <a:off x="4338261" y="941749"/>
+                <a:ext cx="691215" cy="369332"/>
+              </a:xfrm>
+              <a:prstGeom prst="rect">
+                <a:avLst/>
+              </a:prstGeom>
+              <a:noFill/>
+            </p:spPr>
+            <p:txBody>
+              <a:bodyPr wrap="none" rtlCol="0">
+                <a:spAutoFit/>
+              </a:bodyPr>
+              <a:lstStyle/>
+              <a:p>
+                <a:r>
+                  <a:rPr lang="en-US" b="1" dirty="0" smtClean="0">
+                    <a:solidFill>
+                      <a:srgbClr val="FF0000"/>
+                    </a:solidFill>
+                    <a:latin typeface="Consolas" panose="020B0609020204030204" pitchFamily="49" charset="0"/>
+                    <a:cs typeface="Consolas" panose="020B0609020204030204" pitchFamily="49" charset="0"/>
+                  </a:rPr>
+                  <a:t>0xfe</a:t>
+                </a:r>
+                <a:endParaRPr lang="en-US" b="1" dirty="0">
+                  <a:solidFill>
+                    <a:srgbClr val="FF0000"/>
+                  </a:solidFill>
+                  <a:latin typeface="Consolas" panose="020B0609020204030204" pitchFamily="49" charset="0"/>
+                  <a:cs typeface="Consolas" panose="020B0609020204030204" pitchFamily="49" charset="0"/>
+                </a:endParaRPr>
+              </a:p>
+            </p:txBody>
+          </p:sp>
+          <p:sp>
+            <p:nvSpPr>
+              <p:cNvPr id="93" name="TextBox 92"/>
+              <p:cNvSpPr txBox="1"/>
+              <p:nvPr/>
+            </p:nvSpPr>
+            <p:spPr>
+              <a:xfrm>
+                <a:off x="4347589" y="1198379"/>
+                <a:ext cx="691215" cy="369332"/>
+              </a:xfrm>
+              <a:prstGeom prst="rect">
+                <a:avLst/>
+              </a:prstGeom>
+              <a:noFill/>
+            </p:spPr>
+            <p:txBody>
+              <a:bodyPr wrap="none" rtlCol="0">
+                <a:spAutoFit/>
+              </a:bodyPr>
+              <a:lstStyle/>
+              <a:p>
+                <a:r>
+                  <a:rPr lang="en-US" b="1" dirty="0" smtClean="0">
+                    <a:solidFill>
+                      <a:srgbClr val="FF0000"/>
+                    </a:solidFill>
+                    <a:latin typeface="Consolas" panose="020B0609020204030204" pitchFamily="49" charset="0"/>
+                    <a:cs typeface="Consolas" panose="020B0609020204030204" pitchFamily="49" charset="0"/>
+                  </a:rPr>
+                  <a:t>0xfd</a:t>
+                </a:r>
+                <a:endParaRPr lang="en-US" b="1" dirty="0">
+                  <a:solidFill>
+                    <a:srgbClr val="FF0000"/>
+                  </a:solidFill>
+                  <a:latin typeface="Consolas" panose="020B0609020204030204" pitchFamily="49" charset="0"/>
+                  <a:cs typeface="Consolas" panose="020B0609020204030204" pitchFamily="49" charset="0"/>
+                </a:endParaRPr>
+              </a:p>
+            </p:txBody>
+          </p:sp>
+        </p:grpSp>
+      </p:grpSp>
+      <p:sp>
+        <p:nvSpPr>
+          <p:cNvPr id="117" name="Text Box 65"/>
+          <p:cNvSpPr txBox="1">
+            <a:spLocks noChangeArrowheads="1"/>
+          </p:cNvSpPr>
+          <p:nvPr/>
+        </p:nvSpPr>
+        <p:spPr bwMode="auto">
+          <a:xfrm>
+            <a:off x="6641734" y="2351153"/>
+            <a:ext cx="2052523" cy="559859"/>
+          </a:xfrm>
+          <a:prstGeom prst="rect">
+            <a:avLst/>
+          </a:prstGeom>
+          <a:noFill/>
+          <a:ln w="9525">
+            <a:noFill/>
+            <a:miter lim="800000"/>
+            <a:headEnd/>
+            <a:tailEnd/>
+          </a:ln>
+        </p:spPr>
+        <p:txBody>
+          <a:bodyPr vert="horz" wrap="square" lIns="91440" tIns="45720" rIns="91440" bIns="45720" numCol="1" anchor="t" anchorCtr="0" compatLnSpc="1">
+            <a:prstTxWarp prst="textNoShape">
+              <a:avLst/>
+            </a:prstTxWarp>
+          </a:bodyPr>
+          <a:lstStyle/>
+          <a:p>
+            <a:pPr marR="0" lvl="0" indent="0" algn="ctr" defTabSz="914400" rtl="0" eaLnBrk="1" fontAlgn="base" latinLnBrk="0" hangingPunct="1">
+              <a:lnSpc>
+                <a:spcPct val="100000"/>
+              </a:lnSpc>
+              <a:spcBef>
+                <a:spcPct val="0"/>
+              </a:spcBef>
+              <a:buClrTx/>
+              <a:buSzTx/>
+              <a:buFontTx/>
+              <a:buNone/>
+              <a:tabLst/>
+            </a:pPr>
+            <a:r>
+              <a:rPr kumimoji="0" lang="en-IN" sz="2000" b="1" i="0" u="none" strike="noStrike" cap="none" normalizeH="0" baseline="0" dirty="0" smtClean="0">
+                <a:ln>
+                  <a:noFill/>
+                </a:ln>
+                <a:solidFill>
+                  <a:schemeClr val="tx1"/>
+                </a:solidFill>
+                <a:effectLst/>
+                <a:cs typeface="Arial" pitchFamily="34" charset="0"/>
+              </a:rPr>
+              <a:t>Context</a:t>
+            </a:r>
+            <a:r>
+              <a:rPr kumimoji="0" lang="en-IN" sz="2000" b="1" i="0" u="none" strike="noStrike" cap="none" normalizeH="0" dirty="0" smtClean="0">
+                <a:ln>
+                  <a:noFill/>
+                </a:ln>
+                <a:solidFill>
+                  <a:schemeClr val="tx1"/>
+                </a:solidFill>
+                <a:effectLst/>
+                <a:cs typeface="Arial" pitchFamily="34" charset="0"/>
+              </a:rPr>
+              <a:t> </a:t>
+            </a:r>
+            <a:r>
+              <a:rPr kumimoji="0" lang="en-IN" sz="2000" b="1" i="0" u="none" strike="noStrike" cap="none" normalizeH="0" baseline="0" dirty="0" smtClean="0">
+                <a:ln>
+                  <a:noFill/>
+                </a:ln>
+                <a:solidFill>
+                  <a:schemeClr val="tx1"/>
+                </a:solidFill>
+                <a:effectLst/>
+                <a:cs typeface="Arial" pitchFamily="34" charset="0"/>
+              </a:rPr>
+              <a:t>monitor</a:t>
+            </a:r>
+            <a:r>
+              <a:rPr kumimoji="0" lang="en-IN" sz="2000" b="1" i="0" u="none" strike="noStrike" cap="none" normalizeH="0" dirty="0" smtClean="0">
+                <a:ln>
+                  <a:noFill/>
+                </a:ln>
+                <a:solidFill>
+                  <a:schemeClr val="tx1"/>
+                </a:solidFill>
+                <a:effectLst/>
+                <a:cs typeface="Arial" pitchFamily="34" charset="0"/>
+              </a:rPr>
+              <a:t> map</a:t>
+            </a:r>
+            <a:endParaRPr kumimoji="0" lang="en-US" sz="2000" b="1" i="0" u="none" strike="noStrike" cap="none" normalizeH="0" baseline="0" dirty="0" smtClean="0">
+              <a:ln>
+                <a:noFill/>
+              </a:ln>
+              <a:solidFill>
+                <a:schemeClr val="tx1"/>
+              </a:solidFill>
+              <a:effectLst/>
+              <a:cs typeface="Arial" pitchFamily="34" charset="0"/>
+            </a:endParaRPr>
+          </a:p>
+        </p:txBody>
+      </p:sp>
+      <p:sp>
+        <p:nvSpPr>
+          <p:cNvPr id="4" name="Rectangle 3"/>
+          <p:cNvSpPr/>
+          <p:nvPr/>
+        </p:nvSpPr>
+        <p:spPr>
+          <a:xfrm>
+            <a:off x="6563166" y="1372698"/>
+            <a:ext cx="1070379" cy="207049"/>
+          </a:xfrm>
+          <a:prstGeom prst="rect">
+            <a:avLst/>
+          </a:prstGeom>
+        </p:spPr>
+        <p:style>
+          <a:lnRef idx="2">
+            <a:schemeClr val="dk1"/>
+          </a:lnRef>
+          <a:fillRef idx="1">
+            <a:schemeClr val="lt1"/>
+          </a:fillRef>
+          <a:effectRef idx="0">
+            <a:schemeClr val="dk1"/>
+          </a:effectRef>
+          <a:fontRef idx="minor">
+            <a:schemeClr val="dk1"/>
+          </a:fontRef>
+        </p:style>
+        <p:txBody>
+          <a:bodyPr rtlCol="0" anchor="ctr"/>
+          <a:lstStyle/>
+          <a:p>
+            <a:pPr algn="ctr"/>
+            <a:r>
+              <a:rPr lang="en-US" dirty="0" smtClean="0">
+                <a:latin typeface="Consolas" panose="020B0609020204030204" pitchFamily="49" charset="0"/>
+                <a:cs typeface="Consolas" panose="020B0609020204030204" pitchFamily="49" charset="0"/>
+              </a:rPr>
+              <a:t>context</a:t>
+            </a:r>
+            <a:endParaRPr lang="en-US" dirty="0">
+              <a:latin typeface="Consolas" panose="020B0609020204030204" pitchFamily="49" charset="0"/>
+              <a:cs typeface="Consolas" panose="020B0609020204030204" pitchFamily="49" charset="0"/>
+            </a:endParaRPr>
+          </a:p>
+        </p:txBody>
+      </p:sp>
+      <p:sp>
+        <p:nvSpPr>
+          <p:cNvPr id="123" name="Rectangle 122"/>
+          <p:cNvSpPr/>
+          <p:nvPr/>
+        </p:nvSpPr>
+        <p:spPr>
+          <a:xfrm>
+            <a:off x="7643043" y="1372698"/>
+            <a:ext cx="1190257" cy="207049"/>
+          </a:xfrm>
+          <a:prstGeom prst="rect">
+            <a:avLst/>
+          </a:prstGeom>
+        </p:spPr>
+        <p:style>
+          <a:lnRef idx="2">
+            <a:schemeClr val="dk1"/>
+          </a:lnRef>
+          <a:fillRef idx="1">
+            <a:schemeClr val="lt1"/>
+          </a:fillRef>
+          <a:effectRef idx="0">
+            <a:schemeClr val="dk1"/>
+          </a:effectRef>
+          <a:fontRef idx="minor">
+            <a:schemeClr val="dk1"/>
+          </a:fontRef>
+        </p:style>
+        <p:txBody>
+          <a:bodyPr rtlCol="0" anchor="ctr"/>
+          <a:lstStyle/>
+          <a:p>
+            <a:pPr algn="ctr"/>
+            <a:r>
+              <a:rPr lang="en-US" dirty="0" smtClean="0">
+                <a:latin typeface="Consolas" panose="020B0609020204030204" pitchFamily="49" charset="0"/>
+                <a:cs typeface="Consolas" panose="020B0609020204030204" pitchFamily="49" charset="0"/>
+              </a:rPr>
+              <a:t>monitors</a:t>
+            </a:r>
+            <a:endParaRPr lang="en-US" dirty="0">
+              <a:latin typeface="Consolas" panose="020B0609020204030204" pitchFamily="49" charset="0"/>
+              <a:cs typeface="Consolas" panose="020B0609020204030204" pitchFamily="49" charset="0"/>
+            </a:endParaRPr>
+          </a:p>
+        </p:txBody>
+      </p:sp>
+      <p:sp>
+        <p:nvSpPr>
+          <p:cNvPr id="124" name="Rectangle 123"/>
+          <p:cNvSpPr/>
+          <p:nvPr/>
+        </p:nvSpPr>
+        <p:spPr>
+          <a:xfrm>
+            <a:off x="6563166" y="1588806"/>
+            <a:ext cx="1070379" cy="207049"/>
+          </a:xfrm>
+          <a:prstGeom prst="rect">
+            <a:avLst/>
+          </a:prstGeom>
+        </p:spPr>
+        <p:style>
+          <a:lnRef idx="2">
+            <a:schemeClr val="dk1"/>
+          </a:lnRef>
+          <a:fillRef idx="1">
+            <a:schemeClr val="lt1"/>
+          </a:fillRef>
+          <a:effectRef idx="0">
+            <a:schemeClr val="dk1"/>
+          </a:effectRef>
+          <a:fontRef idx="minor">
+            <a:schemeClr val="dk1"/>
+          </a:fontRef>
+        </p:style>
+        <p:txBody>
+          <a:bodyPr rtlCol="0" anchor="ctr"/>
+          <a:lstStyle/>
+          <a:p>
+            <a:pPr algn="ctr"/>
+            <a:r>
+              <a:rPr lang="en-US" dirty="0" smtClean="0">
                 <a:solidFill>
                   <a:srgbClr val="FF0000"/>
                 </a:solidFill>
                 <a:latin typeface="Consolas" panose="020B0609020204030204" pitchFamily="49" charset="0"/>
                 <a:cs typeface="Consolas" panose="020B0609020204030204" pitchFamily="49" charset="0"/>
-              </a:endParaRPr>
-            </a:p>
-          </p:txBody>
-        </p:sp>
-        <p:sp>
-          <p:nvSpPr>
-            <p:cNvPr id="92" name="TextBox 91"/>
-            <p:cNvSpPr txBox="1"/>
-            <p:nvPr/>
-          </p:nvSpPr>
-          <p:spPr>
-            <a:xfrm>
-              <a:off x="4338261" y="941749"/>
-              <a:ext cx="691215" cy="369332"/>
-            </a:xfrm>
-            <a:prstGeom prst="rect">
-              <a:avLst/>
-            </a:prstGeom>
-            <a:noFill/>
-          </p:spPr>
-          <p:txBody>
-            <a:bodyPr wrap="none" rtlCol="0">
-              <a:spAutoFit/>
-            </a:bodyPr>
-            <a:lstStyle/>
-            <a:p>
-              <a:r>
-                <a:rPr lang="en-US" b="1" dirty="0" smtClean="0">
-                  <a:solidFill>
-                    <a:srgbClr val="FF0000"/>
-                  </a:solidFill>
-                  <a:latin typeface="Consolas" panose="020B0609020204030204" pitchFamily="49" charset="0"/>
-                  <a:cs typeface="Consolas" panose="020B0609020204030204" pitchFamily="49" charset="0"/>
-                </a:rPr>
-                <a:t>0xfe</a:t>
-              </a:r>
-              <a:endParaRPr lang="en-US" b="1" dirty="0">
+              </a:rPr>
+              <a:t>0x12</a:t>
+            </a:r>
+            <a:endParaRPr lang="en-US" dirty="0">
+              <a:solidFill>
+                <a:srgbClr val="FF0000"/>
+              </a:solidFill>
+              <a:latin typeface="Consolas" panose="020B0609020204030204" pitchFamily="49" charset="0"/>
+              <a:cs typeface="Consolas" panose="020B0609020204030204" pitchFamily="49" charset="0"/>
+            </a:endParaRPr>
+          </a:p>
+        </p:txBody>
+      </p:sp>
+      <p:sp>
+        <p:nvSpPr>
+          <p:cNvPr id="125" name="Rectangle 124"/>
+          <p:cNvSpPr/>
+          <p:nvPr/>
+        </p:nvSpPr>
+        <p:spPr>
+          <a:xfrm>
+            <a:off x="7643043" y="1588806"/>
+            <a:ext cx="1190257" cy="207049"/>
+          </a:xfrm>
+          <a:prstGeom prst="rect">
+            <a:avLst/>
+          </a:prstGeom>
+        </p:spPr>
+        <p:style>
+          <a:lnRef idx="2">
+            <a:schemeClr val="dk1"/>
+          </a:lnRef>
+          <a:fillRef idx="1">
+            <a:schemeClr val="lt1"/>
+          </a:fillRef>
+          <a:effectRef idx="0">
+            <a:schemeClr val="dk1"/>
+          </a:effectRef>
+          <a:fontRef idx="minor">
+            <a:schemeClr val="dk1"/>
+          </a:fontRef>
+        </p:style>
+        <p:txBody>
+          <a:bodyPr rtlCol="0" anchor="ctr"/>
+          <a:lstStyle/>
+          <a:p>
+            <a:pPr algn="ctr"/>
+            <a:r>
+              <a:rPr lang="en-US" dirty="0">
                 <a:solidFill>
                   <a:srgbClr val="FF0000"/>
                 </a:solidFill>
                 <a:latin typeface="Consolas" panose="020B0609020204030204" pitchFamily="49" charset="0"/>
                 <a:cs typeface="Consolas" panose="020B0609020204030204" pitchFamily="49" charset="0"/>
-              </a:endParaRPr>
-            </a:p>
-          </p:txBody>
-        </p:sp>
-        <p:sp>
-          <p:nvSpPr>
-            <p:cNvPr id="93" name="TextBox 92"/>
-            <p:cNvSpPr txBox="1"/>
-            <p:nvPr/>
-          </p:nvSpPr>
-          <p:spPr>
-            <a:xfrm>
-              <a:off x="4347589" y="1198379"/>
-              <a:ext cx="691215" cy="369332"/>
-            </a:xfrm>
-            <a:prstGeom prst="rect">
-              <a:avLst/>
-            </a:prstGeom>
-            <a:noFill/>
-          </p:spPr>
-          <p:txBody>
-            <a:bodyPr wrap="none" rtlCol="0">
-              <a:spAutoFit/>
-            </a:bodyPr>
-            <a:lstStyle/>
-            <a:p>
-              <a:r>
-                <a:rPr lang="en-US" b="1" dirty="0" smtClean="0">
-                  <a:solidFill>
-                    <a:srgbClr val="FF0000"/>
-                  </a:solidFill>
-                  <a:latin typeface="Consolas" panose="020B0609020204030204" pitchFamily="49" charset="0"/>
-                  <a:cs typeface="Consolas" panose="020B0609020204030204" pitchFamily="49" charset="0"/>
-                </a:rPr>
-                <a:t>0xfd</a:t>
-              </a:r>
-              <a:endParaRPr lang="en-US" b="1" dirty="0">
+              </a:rPr>
+              <a:t>m</a:t>
+            </a:r>
+            <a:r>
+              <a:rPr lang="en-US" dirty="0" smtClean="0">
                 <a:solidFill>
                   <a:srgbClr val="FF0000"/>
                 </a:solidFill>
                 <a:latin typeface="Consolas" panose="020B0609020204030204" pitchFamily="49" charset="0"/>
                 <a:cs typeface="Consolas" panose="020B0609020204030204" pitchFamily="49" charset="0"/>
-              </a:endParaRPr>
-            </a:p>
-          </p:txBody>
-        </p:sp>
-      </p:grpSp>
+              </a:rPr>
+              <a:t>1,m2,..</a:t>
+            </a:r>
+            <a:endParaRPr lang="en-US" dirty="0">
+              <a:solidFill>
+                <a:srgbClr val="FF0000"/>
+              </a:solidFill>
+              <a:latin typeface="Consolas" panose="020B0609020204030204" pitchFamily="49" charset="0"/>
+              <a:cs typeface="Consolas" panose="020B0609020204030204" pitchFamily="49" charset="0"/>
+            </a:endParaRPr>
+          </a:p>
+        </p:txBody>
+      </p:sp>
+      <p:sp>
+        <p:nvSpPr>
+          <p:cNvPr id="126" name="Rectangle 125"/>
+          <p:cNvSpPr/>
+          <p:nvPr/>
+        </p:nvSpPr>
+        <p:spPr>
+          <a:xfrm>
+            <a:off x="6563166" y="1795972"/>
+            <a:ext cx="1070379" cy="207049"/>
+          </a:xfrm>
+          <a:prstGeom prst="rect">
+            <a:avLst/>
+          </a:prstGeom>
+        </p:spPr>
+        <p:style>
+          <a:lnRef idx="2">
+            <a:schemeClr val="dk1"/>
+          </a:lnRef>
+          <a:fillRef idx="1">
+            <a:schemeClr val="lt1"/>
+          </a:fillRef>
+          <a:effectRef idx="0">
+            <a:schemeClr val="dk1"/>
+          </a:effectRef>
+          <a:fontRef idx="minor">
+            <a:schemeClr val="dk1"/>
+          </a:fontRef>
+        </p:style>
+        <p:txBody>
+          <a:bodyPr rtlCol="0" anchor="ctr"/>
+          <a:lstStyle/>
+          <a:p>
+            <a:pPr algn="ctr"/>
+            <a:r>
+              <a:rPr lang="en-US" dirty="0" smtClean="0">
+                <a:solidFill>
+                  <a:srgbClr val="FF0000"/>
+                </a:solidFill>
+                <a:latin typeface="Consolas" panose="020B0609020204030204" pitchFamily="49" charset="0"/>
+                <a:cs typeface="Consolas" panose="020B0609020204030204" pitchFamily="49" charset="0"/>
+              </a:rPr>
+              <a:t>0x1f</a:t>
+            </a:r>
+            <a:endParaRPr lang="en-US" dirty="0">
+              <a:solidFill>
+                <a:srgbClr val="FF0000"/>
+              </a:solidFill>
+              <a:latin typeface="Consolas" panose="020B0609020204030204" pitchFamily="49" charset="0"/>
+              <a:cs typeface="Consolas" panose="020B0609020204030204" pitchFamily="49" charset="0"/>
+            </a:endParaRPr>
+          </a:p>
+        </p:txBody>
+      </p:sp>
+      <p:sp>
+        <p:nvSpPr>
+          <p:cNvPr id="127" name="Rectangle 126"/>
+          <p:cNvSpPr/>
+          <p:nvPr/>
+        </p:nvSpPr>
+        <p:spPr>
+          <a:xfrm>
+            <a:off x="7643043" y="1795972"/>
+            <a:ext cx="1190257" cy="207049"/>
+          </a:xfrm>
+          <a:prstGeom prst="rect">
+            <a:avLst/>
+          </a:prstGeom>
+        </p:spPr>
+        <p:style>
+          <a:lnRef idx="2">
+            <a:schemeClr val="dk1"/>
+          </a:lnRef>
+          <a:fillRef idx="1">
+            <a:schemeClr val="lt1"/>
+          </a:fillRef>
+          <a:effectRef idx="0">
+            <a:schemeClr val="dk1"/>
+          </a:effectRef>
+          <a:fontRef idx="minor">
+            <a:schemeClr val="dk1"/>
+          </a:fontRef>
+        </p:style>
+        <p:txBody>
+          <a:bodyPr rtlCol="0" anchor="ctr"/>
+          <a:lstStyle/>
+          <a:p>
+            <a:pPr algn="ctr"/>
+            <a:r>
+              <a:rPr lang="en-US" dirty="0" smtClean="0">
+                <a:solidFill>
+                  <a:srgbClr val="FF0000"/>
+                </a:solidFill>
+                <a:latin typeface="Consolas" panose="020B0609020204030204" pitchFamily="49" charset="0"/>
+                <a:cs typeface="Consolas" panose="020B0609020204030204" pitchFamily="49" charset="0"/>
+              </a:rPr>
+              <a:t>m4,m8,..</a:t>
+            </a:r>
+            <a:endParaRPr lang="en-US" dirty="0">
+              <a:solidFill>
+                <a:srgbClr val="FF0000"/>
+              </a:solidFill>
+              <a:latin typeface="Consolas" panose="020B0609020204030204" pitchFamily="49" charset="0"/>
+              <a:cs typeface="Consolas" panose="020B0609020204030204" pitchFamily="49" charset="0"/>
+            </a:endParaRPr>
+          </a:p>
+        </p:txBody>
+      </p:sp>
     </p:spTree>
   </p:cSld>
   <p:clrMapOvr>

--- a/images/block diagram.pptx
+++ b/images/block diagram.pptx
@@ -6,7 +6,6 @@
   </p:sldMasterIdLst>
   <p:sldIdLst>
     <p:sldId id="256" r:id="rId2"/>
-    <p:sldId id="257" r:id="rId3"/>
   </p:sldIdLst>
   <p:sldSz cx="9144000" cy="6858000" type="screen4x3"/>
   <p:notesSz cx="6858000" cy="9144000"/>
@@ -305,7 +304,7 @@
           <a:p>
             <a:fld id="{3923F695-8220-455C-801B-EC33B821CEC8}" type="datetimeFigureOut">
               <a:rPr lang="en-US" smtClean="0"/>
-              <a:t>1/28/2016</a:t>
+              <a:t>1/29/2016</a:t>
             </a:fld>
             <a:endParaRPr lang="en-US"/>
           </a:p>
@@ -470,7 +469,7 @@
           <a:p>
             <a:fld id="{3923F695-8220-455C-801B-EC33B821CEC8}" type="datetimeFigureOut">
               <a:rPr lang="en-US" smtClean="0"/>
-              <a:t>1/28/2016</a:t>
+              <a:t>1/29/2016</a:t>
             </a:fld>
             <a:endParaRPr lang="en-US"/>
           </a:p>
@@ -645,7 +644,7 @@
           <a:p>
             <a:fld id="{3923F695-8220-455C-801B-EC33B821CEC8}" type="datetimeFigureOut">
               <a:rPr lang="en-US" smtClean="0"/>
-              <a:t>1/28/2016</a:t>
+              <a:t>1/29/2016</a:t>
             </a:fld>
             <a:endParaRPr lang="en-US"/>
           </a:p>
@@ -810,7 +809,7 @@
           <a:p>
             <a:fld id="{3923F695-8220-455C-801B-EC33B821CEC8}" type="datetimeFigureOut">
               <a:rPr lang="en-US" smtClean="0"/>
-              <a:t>1/28/2016</a:t>
+              <a:t>1/29/2016</a:t>
             </a:fld>
             <a:endParaRPr lang="en-US"/>
           </a:p>
@@ -1051,7 +1050,7 @@
           <a:p>
             <a:fld id="{3923F695-8220-455C-801B-EC33B821CEC8}" type="datetimeFigureOut">
               <a:rPr lang="en-US" smtClean="0"/>
-              <a:t>1/28/2016</a:t>
+              <a:t>1/29/2016</a:t>
             </a:fld>
             <a:endParaRPr lang="en-US"/>
           </a:p>
@@ -1334,7 +1333,7 @@
           <a:p>
             <a:fld id="{3923F695-8220-455C-801B-EC33B821CEC8}" type="datetimeFigureOut">
               <a:rPr lang="en-US" smtClean="0"/>
-              <a:t>1/28/2016</a:t>
+              <a:t>1/29/2016</a:t>
             </a:fld>
             <a:endParaRPr lang="en-US"/>
           </a:p>
@@ -1751,7 +1750,7 @@
           <a:p>
             <a:fld id="{3923F695-8220-455C-801B-EC33B821CEC8}" type="datetimeFigureOut">
               <a:rPr lang="en-US" smtClean="0"/>
-              <a:t>1/28/2016</a:t>
+              <a:t>1/29/2016</a:t>
             </a:fld>
             <a:endParaRPr lang="en-US"/>
           </a:p>
@@ -1864,7 +1863,7 @@
           <a:p>
             <a:fld id="{3923F695-8220-455C-801B-EC33B821CEC8}" type="datetimeFigureOut">
               <a:rPr lang="en-US" smtClean="0"/>
-              <a:t>1/28/2016</a:t>
+              <a:t>1/29/2016</a:t>
             </a:fld>
             <a:endParaRPr lang="en-US"/>
           </a:p>
@@ -1954,7 +1953,7 @@
           <a:p>
             <a:fld id="{3923F695-8220-455C-801B-EC33B821CEC8}" type="datetimeFigureOut">
               <a:rPr lang="en-US" smtClean="0"/>
-              <a:t>1/28/2016</a:t>
+              <a:t>1/29/2016</a:t>
             </a:fld>
             <a:endParaRPr lang="en-US"/>
           </a:p>
@@ -2226,7 +2225,7 @@
           <a:p>
             <a:fld id="{3923F695-8220-455C-801B-EC33B821CEC8}" type="datetimeFigureOut">
               <a:rPr lang="en-US" smtClean="0"/>
-              <a:t>1/28/2016</a:t>
+              <a:t>1/29/2016</a:t>
             </a:fld>
             <a:endParaRPr lang="en-US"/>
           </a:p>
@@ -2474,7 +2473,7 @@
           <a:p>
             <a:fld id="{3923F695-8220-455C-801B-EC33B821CEC8}" type="datetimeFigureOut">
               <a:rPr lang="en-US" smtClean="0"/>
-              <a:t>1/28/2016</a:t>
+              <a:t>1/29/2016</a:t>
             </a:fld>
             <a:endParaRPr lang="en-US"/>
           </a:p>
@@ -2682,7 +2681,7 @@
           <a:p>
             <a:fld id="{3923F695-8220-455C-801B-EC33B821CEC8}" type="datetimeFigureOut">
               <a:rPr lang="en-US" smtClean="0"/>
-              <a:t>1/28/2016</a:t>
+              <a:t>1/29/2016</a:t>
             </a:fld>
             <a:endParaRPr lang="en-US"/>
           </a:p>
@@ -6922,3255 +6921,6 @@
 </p:sld>
 </file>
 
-<file path=ppt/slides/slide2.xml><?xml version="1.0" encoding="utf-8"?>
-<p:sld xmlns:a="http://schemas.openxmlformats.org/drawingml/2006/main" xmlns:r="http://schemas.openxmlformats.org/officeDocument/2006/relationships" xmlns:p="http://schemas.openxmlformats.org/presentationml/2006/main">
-  <p:cSld>
-    <p:spTree>
-      <p:nvGrpSpPr>
-        <p:cNvPr id="1" name=""/>
-        <p:cNvGrpSpPr/>
-        <p:nvPr/>
-      </p:nvGrpSpPr>
-      <p:grpSpPr>
-        <a:xfrm>
-          <a:off x="0" y="0"/>
-          <a:ext cx="0" cy="0"/>
-          <a:chOff x="0" y="0"/>
-          <a:chExt cx="0" cy="0"/>
-        </a:xfrm>
-      </p:grpSpPr>
-      <p:sp>
-        <p:nvSpPr>
-          <p:cNvPr id="2" name="Title 1"/>
-          <p:cNvSpPr>
-            <a:spLocks noGrp="1"/>
-          </p:cNvSpPr>
-          <p:nvPr>
-            <p:ph type="title"/>
-          </p:nvPr>
-        </p:nvSpPr>
-        <p:spPr/>
-        <p:txBody>
-          <a:bodyPr/>
-          <a:lstStyle/>
-          <a:p>
-            <a:endParaRPr lang="en-US"/>
-          </a:p>
-        </p:txBody>
-      </p:sp>
-      <p:sp>
-        <p:nvSpPr>
-          <p:cNvPr id="82" name="Rectangle 3"/>
-          <p:cNvSpPr>
-            <a:spLocks noChangeArrowheads="1"/>
-          </p:cNvSpPr>
-          <p:nvPr/>
-        </p:nvSpPr>
-        <p:spPr bwMode="auto">
-          <a:xfrm>
-            <a:off x="3304393" y="2021943"/>
-            <a:ext cx="4087007" cy="3661424"/>
-          </a:xfrm>
-          <a:prstGeom prst="rect">
-            <a:avLst/>
-          </a:prstGeom>
-          <a:gradFill rotWithShape="0">
-            <a:gsLst>
-              <a:gs pos="0">
-                <a:srgbClr val="C2D69B"/>
-              </a:gs>
-              <a:gs pos="50000">
-                <a:srgbClr val="EAF1DD"/>
-              </a:gs>
-              <a:gs pos="100000">
-                <a:srgbClr val="C2D69B"/>
-              </a:gs>
-            </a:gsLst>
-            <a:lin ang="18900000" scaled="1"/>
-          </a:gradFill>
-          <a:ln w="12700">
-            <a:solidFill>
-              <a:srgbClr val="C2D69B"/>
-            </a:solidFill>
-            <a:miter lim="800000"/>
-            <a:headEnd/>
-            <a:tailEnd/>
-          </a:ln>
-          <a:effectLst>
-            <a:outerShdw dist="28398" dir="3806097" algn="ctr" rotWithShape="0">
-              <a:srgbClr val="4E6128">
-                <a:alpha val="50000"/>
-              </a:srgbClr>
-            </a:outerShdw>
-          </a:effectLst>
-        </p:spPr>
-        <p:txBody>
-          <a:bodyPr vert="horz" wrap="square" lIns="91440" tIns="45720" rIns="91440" bIns="45720" numCol="1" anchor="t" anchorCtr="0" compatLnSpc="1">
-            <a:prstTxWarp prst="textNoShape">
-              <a:avLst/>
-            </a:prstTxWarp>
-          </a:bodyPr>
-          <a:lstStyle/>
-          <a:p>
-            <a:pPr marL="0" marR="0" lvl="0" indent="0" defTabSz="914400" eaLnBrk="1" fontAlgn="auto" latinLnBrk="0" hangingPunct="1">
-              <a:lnSpc>
-                <a:spcPct val="100000"/>
-              </a:lnSpc>
-              <a:spcBef>
-                <a:spcPts val="0"/>
-              </a:spcBef>
-              <a:spcAft>
-                <a:spcPts val="0"/>
-              </a:spcAft>
-              <a:buClrTx/>
-              <a:buSzTx/>
-              <a:buFontTx/>
-              <a:buNone/>
-              <a:tabLst/>
-              <a:defRPr/>
-            </a:pPr>
-            <a:endParaRPr kumimoji="0" lang="en-IN" sz="1800" b="0" i="0" u="none" strike="noStrike" kern="0" cap="none" spc="0" normalizeH="0" baseline="0" noProof="0">
-              <a:ln>
-                <a:noFill/>
-              </a:ln>
-              <a:solidFill>
-                <a:sysClr val="windowText" lastClr="000000"/>
-              </a:solidFill>
-              <a:effectLst/>
-              <a:uLnTx/>
-              <a:uFillTx/>
-            </a:endParaRPr>
-          </a:p>
-        </p:txBody>
-      </p:sp>
-      <p:grpSp>
-        <p:nvGrpSpPr>
-          <p:cNvPr id="83" name="Group 4"/>
-          <p:cNvGrpSpPr>
-            <a:grpSpLocks/>
-          </p:cNvGrpSpPr>
-          <p:nvPr/>
-        </p:nvGrpSpPr>
-        <p:grpSpPr bwMode="auto">
-          <a:xfrm>
-            <a:off x="1143000" y="2007081"/>
-            <a:ext cx="1462470" cy="2191405"/>
-            <a:chOff x="900" y="2145"/>
-            <a:chExt cx="2040" cy="2970"/>
-          </a:xfrm>
-        </p:grpSpPr>
-        <p:sp>
-          <p:nvSpPr>
-            <p:cNvPr id="155" name="Rectangle 5"/>
-            <p:cNvSpPr>
-              <a:spLocks noChangeArrowheads="1"/>
-            </p:cNvSpPr>
-            <p:nvPr/>
-          </p:nvSpPr>
-          <p:spPr bwMode="auto">
-            <a:xfrm>
-              <a:off x="1305" y="2145"/>
-              <a:ext cx="1635" cy="2490"/>
-            </a:xfrm>
-            <a:prstGeom prst="rect">
-              <a:avLst/>
-            </a:prstGeom>
-            <a:gradFill rotWithShape="0">
-              <a:gsLst>
-                <a:gs pos="0">
-                  <a:srgbClr val="95B3D7"/>
-                </a:gs>
-                <a:gs pos="50000">
-                  <a:srgbClr val="DBE5F1"/>
-                </a:gs>
-                <a:gs pos="100000">
-                  <a:srgbClr val="95B3D7"/>
-                </a:gs>
-              </a:gsLst>
-              <a:lin ang="18900000" scaled="1"/>
-            </a:gradFill>
-            <a:ln w="12700">
-              <a:solidFill>
-                <a:srgbClr val="95B3D7"/>
-              </a:solidFill>
-              <a:miter lim="800000"/>
-              <a:headEnd/>
-              <a:tailEnd/>
-            </a:ln>
-            <a:effectLst>
-              <a:outerShdw dist="28398" dir="3806097" algn="ctr" rotWithShape="0">
-                <a:srgbClr val="243F60">
-                  <a:alpha val="50000"/>
-                </a:srgbClr>
-              </a:outerShdw>
-            </a:effectLst>
-          </p:spPr>
-          <p:txBody>
-            <a:bodyPr vert="horz" wrap="square" lIns="91440" tIns="45720" rIns="91440" bIns="45720" numCol="1" anchor="t" anchorCtr="0" compatLnSpc="1">
-              <a:prstTxWarp prst="textNoShape">
-                <a:avLst/>
-              </a:prstTxWarp>
-            </a:bodyPr>
-            <a:lstStyle/>
-            <a:p>
-              <a:pPr marL="0" marR="0" lvl="0" indent="0" defTabSz="914400" eaLnBrk="1" fontAlgn="auto" latinLnBrk="0" hangingPunct="1">
-                <a:lnSpc>
-                  <a:spcPct val="100000"/>
-                </a:lnSpc>
-                <a:spcBef>
-                  <a:spcPts val="0"/>
-                </a:spcBef>
-                <a:spcAft>
-                  <a:spcPts val="0"/>
-                </a:spcAft>
-                <a:buClrTx/>
-                <a:buSzTx/>
-                <a:buFontTx/>
-                <a:buNone/>
-                <a:tabLst/>
-                <a:defRPr/>
-              </a:pPr>
-              <a:endParaRPr kumimoji="0" lang="en-IN" sz="1800" b="0" i="0" u="none" strike="noStrike" kern="0" cap="none" spc="0" normalizeH="0" baseline="0" noProof="0">
-                <a:ln>
-                  <a:noFill/>
-                </a:ln>
-                <a:solidFill>
-                  <a:sysClr val="windowText" lastClr="000000"/>
-                </a:solidFill>
-                <a:effectLst/>
-                <a:uLnTx/>
-                <a:uFillTx/>
-              </a:endParaRPr>
-            </a:p>
-          </p:txBody>
-        </p:sp>
-        <p:sp>
-          <p:nvSpPr>
-            <p:cNvPr id="156" name="Rectangle 6"/>
-            <p:cNvSpPr>
-              <a:spLocks noChangeArrowheads="1"/>
-            </p:cNvSpPr>
-            <p:nvPr/>
-          </p:nvSpPr>
-          <p:spPr bwMode="auto">
-            <a:xfrm>
-              <a:off x="1095" y="2385"/>
-              <a:ext cx="1635" cy="2490"/>
-            </a:xfrm>
-            <a:prstGeom prst="rect">
-              <a:avLst/>
-            </a:prstGeom>
-            <a:gradFill rotWithShape="0">
-              <a:gsLst>
-                <a:gs pos="0">
-                  <a:srgbClr val="95B3D7"/>
-                </a:gs>
-                <a:gs pos="50000">
-                  <a:srgbClr val="DBE5F1"/>
-                </a:gs>
-                <a:gs pos="100000">
-                  <a:srgbClr val="95B3D7"/>
-                </a:gs>
-              </a:gsLst>
-              <a:lin ang="18900000" scaled="1"/>
-            </a:gradFill>
-            <a:ln w="12700">
-              <a:solidFill>
-                <a:srgbClr val="95B3D7"/>
-              </a:solidFill>
-              <a:miter lim="800000"/>
-              <a:headEnd/>
-              <a:tailEnd/>
-            </a:ln>
-            <a:effectLst>
-              <a:outerShdw dist="28398" dir="3806097" algn="ctr" rotWithShape="0">
-                <a:srgbClr val="243F60">
-                  <a:alpha val="50000"/>
-                </a:srgbClr>
-              </a:outerShdw>
-            </a:effectLst>
-          </p:spPr>
-          <p:txBody>
-            <a:bodyPr vert="horz" wrap="square" lIns="91440" tIns="45720" rIns="91440" bIns="45720" numCol="1" anchor="t" anchorCtr="0" compatLnSpc="1">
-              <a:prstTxWarp prst="textNoShape">
-                <a:avLst/>
-              </a:prstTxWarp>
-            </a:bodyPr>
-            <a:lstStyle/>
-            <a:p>
-              <a:pPr marL="0" marR="0" lvl="0" indent="0" defTabSz="914400" eaLnBrk="1" fontAlgn="auto" latinLnBrk="0" hangingPunct="1">
-                <a:lnSpc>
-                  <a:spcPct val="100000"/>
-                </a:lnSpc>
-                <a:spcBef>
-                  <a:spcPts val="0"/>
-                </a:spcBef>
-                <a:spcAft>
-                  <a:spcPts val="0"/>
-                </a:spcAft>
-                <a:buClrTx/>
-                <a:buSzTx/>
-                <a:buFontTx/>
-                <a:buNone/>
-                <a:tabLst/>
-                <a:defRPr/>
-              </a:pPr>
-              <a:endParaRPr kumimoji="0" lang="en-IN" sz="1800" b="0" i="0" u="none" strike="noStrike" kern="0" cap="none" spc="0" normalizeH="0" baseline="0" noProof="0">
-                <a:ln>
-                  <a:noFill/>
-                </a:ln>
-                <a:solidFill>
-                  <a:sysClr val="windowText" lastClr="000000"/>
-                </a:solidFill>
-                <a:effectLst/>
-                <a:uLnTx/>
-                <a:uFillTx/>
-              </a:endParaRPr>
-            </a:p>
-          </p:txBody>
-        </p:sp>
-        <p:sp>
-          <p:nvSpPr>
-            <p:cNvPr id="157" name="Rectangle 7"/>
-            <p:cNvSpPr>
-              <a:spLocks noChangeArrowheads="1"/>
-            </p:cNvSpPr>
-            <p:nvPr/>
-          </p:nvSpPr>
-          <p:spPr bwMode="auto">
-            <a:xfrm>
-              <a:off x="900" y="2625"/>
-              <a:ext cx="1635" cy="2490"/>
-            </a:xfrm>
-            <a:prstGeom prst="rect">
-              <a:avLst/>
-            </a:prstGeom>
-            <a:gradFill rotWithShape="0">
-              <a:gsLst>
-                <a:gs pos="0">
-                  <a:srgbClr val="95B3D7"/>
-                </a:gs>
-                <a:gs pos="50000">
-                  <a:srgbClr val="DBE5F1"/>
-                </a:gs>
-                <a:gs pos="100000">
-                  <a:srgbClr val="95B3D7"/>
-                </a:gs>
-              </a:gsLst>
-              <a:lin ang="18900000" scaled="1"/>
-            </a:gradFill>
-            <a:ln w="12700">
-              <a:solidFill>
-                <a:srgbClr val="95B3D7"/>
-              </a:solidFill>
-              <a:miter lim="800000"/>
-              <a:headEnd/>
-              <a:tailEnd/>
-            </a:ln>
-            <a:effectLst>
-              <a:outerShdw dist="28398" dir="3806097" algn="ctr" rotWithShape="0">
-                <a:srgbClr val="243F60">
-                  <a:alpha val="50000"/>
-                </a:srgbClr>
-              </a:outerShdw>
-            </a:effectLst>
-          </p:spPr>
-          <p:txBody>
-            <a:bodyPr vert="horz" wrap="square" lIns="91440" tIns="45720" rIns="91440" bIns="45720" numCol="1" anchor="t" anchorCtr="0" compatLnSpc="1">
-              <a:prstTxWarp prst="textNoShape">
-                <a:avLst/>
-              </a:prstTxWarp>
-            </a:bodyPr>
-            <a:lstStyle/>
-            <a:p>
-              <a:pPr marL="0" marR="0" lvl="0" indent="0" algn="l" defTabSz="914400" rtl="0" eaLnBrk="1" fontAlgn="base" latinLnBrk="0" hangingPunct="1">
-                <a:lnSpc>
-                  <a:spcPct val="100000"/>
-                </a:lnSpc>
-                <a:spcBef>
-                  <a:spcPct val="0"/>
-                </a:spcBef>
-                <a:spcAft>
-                  <a:spcPts val="500"/>
-                </a:spcAft>
-                <a:buClrTx/>
-                <a:buSzTx/>
-                <a:buFontTx/>
-                <a:buNone/>
-                <a:tabLst/>
-                <a:defRPr/>
-              </a:pPr>
-              <a:r>
-                <a:rPr kumimoji="0" lang="en-IN" sz="800" b="1" i="0" u="none" strike="noStrike" kern="0" cap="none" spc="0" normalizeH="0" baseline="0" noProof="0" dirty="0" smtClean="0">
-                  <a:ln>
-                    <a:noFill/>
-                  </a:ln>
-                  <a:solidFill>
-                    <a:srgbClr val="404040"/>
-                  </a:solidFill>
-                  <a:effectLst/>
-                  <a:uLnTx/>
-                  <a:uFillTx/>
-                  <a:latin typeface="Calibri" pitchFamily="34" charset="0"/>
-                  <a:cs typeface="Arial" pitchFamily="34" charset="0"/>
-                </a:rPr>
-                <a:t>public </a:t>
-              </a:r>
-              <a:r>
-                <a:rPr kumimoji="0" lang="en-IN" sz="800" b="1" i="0" u="none" strike="noStrike" kern="0" cap="none" spc="0" normalizeH="0" baseline="0" noProof="0" dirty="0" err="1" smtClean="0">
-                  <a:ln>
-                    <a:noFill/>
-                  </a:ln>
-                  <a:solidFill>
-                    <a:srgbClr val="404040"/>
-                  </a:solidFill>
-                  <a:effectLst/>
-                  <a:uLnTx/>
-                  <a:uFillTx/>
-                  <a:latin typeface="Calibri" pitchFamily="34" charset="0"/>
-                  <a:cs typeface="Arial" pitchFamily="34" charset="0"/>
-                </a:rPr>
-                <a:t>int</a:t>
-              </a:r>
-              <a:r>
-                <a:rPr kumimoji="0" lang="en-IN" sz="800" b="1" i="0" u="none" strike="noStrike" kern="0" cap="none" spc="0" normalizeH="0" baseline="0" noProof="0" dirty="0" smtClean="0">
-                  <a:ln>
-                    <a:noFill/>
-                  </a:ln>
-                  <a:solidFill>
-                    <a:srgbClr val="404040"/>
-                  </a:solidFill>
-                  <a:effectLst/>
-                  <a:uLnTx/>
-                  <a:uFillTx/>
-                  <a:latin typeface="Calibri" pitchFamily="34" charset="0"/>
-                  <a:cs typeface="Arial" pitchFamily="34" charset="0"/>
-                </a:rPr>
-                <a:t> bar() </a:t>
-              </a:r>
-              <a:r>
-                <a:rPr kumimoji="0" lang="en-IN" sz="800" b="1" i="0" u="none" strike="noStrike" kern="0" cap="none" spc="0" normalizeH="0" baseline="0" noProof="0" dirty="0" smtClean="0">
-                  <a:ln>
-                    <a:noFill/>
-                  </a:ln>
-                  <a:solidFill>
-                    <a:srgbClr val="404040"/>
-                  </a:solidFill>
-                  <a:effectLst/>
-                  <a:uLnTx/>
-                  <a:uFillTx/>
-                  <a:latin typeface="Times New Roman" pitchFamily="18" charset="0"/>
-                  <a:cs typeface="Arial" pitchFamily="34" charset="0"/>
-                </a:rPr>
-                <a:t>{</a:t>
-              </a:r>
-            </a:p>
-            <a:p>
-              <a:pPr marL="0" marR="0" lvl="0" indent="0" algn="l" defTabSz="914400" rtl="0" eaLnBrk="1" fontAlgn="base" latinLnBrk="0" hangingPunct="1">
-                <a:lnSpc>
-                  <a:spcPct val="100000"/>
-                </a:lnSpc>
-                <a:spcBef>
-                  <a:spcPct val="0"/>
-                </a:spcBef>
-                <a:spcAft>
-                  <a:spcPts val="500"/>
-                </a:spcAft>
-                <a:buClrTx/>
-                <a:buSzTx/>
-                <a:buFontTx/>
-                <a:buNone/>
-                <a:tabLst/>
-                <a:defRPr/>
-              </a:pPr>
-              <a:r>
-                <a:rPr kumimoji="0" lang="en-IN" sz="800" b="1" i="0" u="none" strike="noStrike" kern="0" cap="none" spc="0" normalizeH="0" baseline="0" noProof="0" dirty="0" smtClean="0">
-                  <a:ln>
-                    <a:noFill/>
-                  </a:ln>
-                  <a:solidFill>
-                    <a:srgbClr val="404040"/>
-                  </a:solidFill>
-                  <a:effectLst/>
-                  <a:uLnTx/>
-                  <a:uFillTx/>
-                  <a:latin typeface="Times New Roman" pitchFamily="18" charset="0"/>
-                  <a:cs typeface="Arial" pitchFamily="34" charset="0"/>
-                </a:rPr>
-                <a:t>...</a:t>
-              </a:r>
-            </a:p>
-            <a:p>
-              <a:pPr marL="0" marR="0" lvl="0" indent="0" algn="l" defTabSz="914400" rtl="0" eaLnBrk="1" fontAlgn="base" latinLnBrk="0" hangingPunct="1">
-                <a:lnSpc>
-                  <a:spcPct val="100000"/>
-                </a:lnSpc>
-                <a:spcBef>
-                  <a:spcPct val="0"/>
-                </a:spcBef>
-                <a:spcAft>
-                  <a:spcPts val="500"/>
-                </a:spcAft>
-                <a:buClrTx/>
-                <a:buSzTx/>
-                <a:buFontTx/>
-                <a:buNone/>
-                <a:tabLst/>
-                <a:defRPr/>
-              </a:pPr>
-              <a:r>
-                <a:rPr kumimoji="0" lang="en-IN" sz="800" b="1" i="0" u="none" strike="noStrike" kern="0" cap="none" spc="0" normalizeH="0" baseline="0" noProof="0" dirty="0" err="1" smtClean="0">
-                  <a:ln>
-                    <a:noFill/>
-                  </a:ln>
-                  <a:solidFill>
-                    <a:srgbClr val="404040"/>
-                  </a:solidFill>
-                  <a:effectLst/>
-                  <a:uLnTx/>
-                  <a:uFillTx/>
-                  <a:latin typeface="Calibri" pitchFamily="34" charset="0"/>
-                  <a:cs typeface="Arial" pitchFamily="34" charset="0"/>
-                </a:rPr>
-                <a:t>i</a:t>
-              </a:r>
-              <a:r>
-                <a:rPr kumimoji="0" lang="en-IN" sz="800" b="1" i="0" u="none" strike="noStrike" kern="0" cap="none" spc="0" normalizeH="0" baseline="0" noProof="0" dirty="0" smtClean="0">
-                  <a:ln>
-                    <a:noFill/>
-                  </a:ln>
-                  <a:solidFill>
-                    <a:srgbClr val="404040"/>
-                  </a:solidFill>
-                  <a:effectLst/>
-                  <a:uLnTx/>
-                  <a:uFillTx/>
-                  <a:latin typeface="Calibri" pitchFamily="34" charset="0"/>
-                  <a:cs typeface="Arial" pitchFamily="34" charset="0"/>
-                </a:rPr>
-                <a:t> = </a:t>
-              </a:r>
-              <a:r>
-                <a:rPr kumimoji="0" lang="en-IN" sz="800" b="1" i="0" u="none" strike="noStrike" kern="0" cap="none" spc="0" normalizeH="0" baseline="0" noProof="0" dirty="0" err="1" smtClean="0">
-                  <a:ln>
-                    <a:noFill/>
-                  </a:ln>
-                  <a:solidFill>
-                    <a:srgbClr val="404040"/>
-                  </a:solidFill>
-                  <a:effectLst/>
-                  <a:uLnTx/>
-                  <a:uFillTx/>
-                  <a:latin typeface="Calibri" pitchFamily="34" charset="0"/>
-                  <a:cs typeface="Arial" pitchFamily="34" charset="0"/>
-                </a:rPr>
-                <a:t>c.iterator</a:t>
-              </a:r>
-              <a:r>
-                <a:rPr kumimoji="0" lang="en-IN" sz="800" b="1" i="0" u="none" strike="noStrike" kern="0" cap="none" spc="0" normalizeH="0" baseline="0" noProof="0" dirty="0" smtClean="0">
-                  <a:ln>
-                    <a:noFill/>
-                  </a:ln>
-                  <a:solidFill>
-                    <a:srgbClr val="404040"/>
-                  </a:solidFill>
-                  <a:effectLst/>
-                  <a:uLnTx/>
-                  <a:uFillTx/>
-                  <a:latin typeface="Calibri" pitchFamily="34" charset="0"/>
-                  <a:cs typeface="Arial" pitchFamily="34" charset="0"/>
-                </a:rPr>
-                <a:t>();</a:t>
-              </a:r>
-            </a:p>
-            <a:p>
-              <a:pPr marL="0" marR="0" lvl="0" indent="0" algn="l" defTabSz="914400" rtl="0" eaLnBrk="1" fontAlgn="base" latinLnBrk="0" hangingPunct="1">
-                <a:lnSpc>
-                  <a:spcPct val="100000"/>
-                </a:lnSpc>
-                <a:spcBef>
-                  <a:spcPct val="0"/>
-                </a:spcBef>
-                <a:spcAft>
-                  <a:spcPts val="500"/>
-                </a:spcAft>
-                <a:buClrTx/>
-                <a:buSzTx/>
-                <a:buFontTx/>
-                <a:buNone/>
-                <a:tabLst/>
-                <a:defRPr/>
-              </a:pPr>
-              <a:r>
-                <a:rPr kumimoji="0" lang="en-IN" sz="800" b="1" i="0" u="none" strike="noStrike" kern="0" cap="none" spc="0" normalizeH="0" baseline="0" noProof="0" dirty="0" smtClean="0">
-                  <a:ln>
-                    <a:noFill/>
-                  </a:ln>
-                  <a:solidFill>
-                    <a:srgbClr val="404040"/>
-                  </a:solidFill>
-                  <a:effectLst/>
-                  <a:uLnTx/>
-                  <a:uFillTx/>
-                  <a:latin typeface="Calibri" pitchFamily="34" charset="0"/>
-                  <a:cs typeface="Arial" pitchFamily="34" charset="0"/>
-                </a:rPr>
-                <a:t>...</a:t>
-              </a:r>
-            </a:p>
-            <a:p>
-              <a:pPr marL="0" marR="0" lvl="0" indent="0" algn="l" defTabSz="914400" rtl="0" eaLnBrk="1" fontAlgn="base" latinLnBrk="0" hangingPunct="1">
-                <a:lnSpc>
-                  <a:spcPct val="100000"/>
-                </a:lnSpc>
-                <a:spcBef>
-                  <a:spcPct val="0"/>
-                </a:spcBef>
-                <a:spcAft>
-                  <a:spcPts val="500"/>
-                </a:spcAft>
-                <a:buClrTx/>
-                <a:buSzTx/>
-                <a:buFontTx/>
-                <a:buNone/>
-                <a:tabLst/>
-                <a:defRPr/>
-              </a:pPr>
-              <a:r>
-                <a:rPr kumimoji="0" lang="en-IN" sz="800" b="1" i="0" u="none" strike="noStrike" kern="0" cap="none" spc="0" normalizeH="0" baseline="0" noProof="0" dirty="0" err="1" smtClean="0">
-                  <a:ln>
-                    <a:noFill/>
-                  </a:ln>
-                  <a:solidFill>
-                    <a:srgbClr val="404040"/>
-                  </a:solidFill>
-                  <a:effectLst/>
-                  <a:uLnTx/>
-                  <a:uFillTx/>
-                  <a:latin typeface="Calibri" pitchFamily="34" charset="0"/>
-                  <a:cs typeface="Arial" pitchFamily="34" charset="0"/>
-                </a:rPr>
-                <a:t>i.next</a:t>
-              </a:r>
-              <a:r>
-                <a:rPr kumimoji="0" lang="en-IN" sz="800" b="1" i="0" u="none" strike="noStrike" kern="0" cap="none" spc="0" normalizeH="0" baseline="0" noProof="0" dirty="0" smtClean="0">
-                  <a:ln>
-                    <a:noFill/>
-                  </a:ln>
-                  <a:solidFill>
-                    <a:srgbClr val="404040"/>
-                  </a:solidFill>
-                  <a:effectLst/>
-                  <a:uLnTx/>
-                  <a:uFillTx/>
-                  <a:latin typeface="Calibri" pitchFamily="34" charset="0"/>
-                  <a:cs typeface="Arial" pitchFamily="34" charset="0"/>
-                </a:rPr>
-                <a:t>()</a:t>
-              </a:r>
-            </a:p>
-            <a:p>
-              <a:pPr marL="0" marR="0" lvl="0" indent="0" algn="l" defTabSz="914400" rtl="0" eaLnBrk="1" fontAlgn="base" latinLnBrk="0" hangingPunct="1">
-                <a:lnSpc>
-                  <a:spcPct val="100000"/>
-                </a:lnSpc>
-                <a:spcBef>
-                  <a:spcPct val="0"/>
-                </a:spcBef>
-                <a:spcAft>
-                  <a:spcPts val="500"/>
-                </a:spcAft>
-                <a:buClrTx/>
-                <a:buSzTx/>
-                <a:buFontTx/>
-                <a:buNone/>
-                <a:tabLst/>
-                <a:defRPr/>
-              </a:pPr>
-              <a:r>
-                <a:rPr kumimoji="0" lang="en-IN" sz="800" b="1" i="0" u="none" strike="noStrike" kern="0" cap="none" spc="0" normalizeH="0" baseline="0" noProof="0" dirty="0" smtClean="0">
-                  <a:ln>
-                    <a:noFill/>
-                  </a:ln>
-                  <a:solidFill>
-                    <a:srgbClr val="404040"/>
-                  </a:solidFill>
-                  <a:effectLst/>
-                  <a:uLnTx/>
-                  <a:uFillTx/>
-                  <a:latin typeface="Calibri" pitchFamily="34" charset="0"/>
-                  <a:cs typeface="Arial" pitchFamily="34" charset="0"/>
-                </a:rPr>
-                <a:t>...</a:t>
-              </a:r>
-            </a:p>
-            <a:p>
-              <a:pPr marL="0" marR="0" lvl="0" indent="0" algn="l" defTabSz="914400" rtl="0" eaLnBrk="1" fontAlgn="base" latinLnBrk="0" hangingPunct="1">
-                <a:lnSpc>
-                  <a:spcPct val="100000"/>
-                </a:lnSpc>
-                <a:spcBef>
-                  <a:spcPct val="0"/>
-                </a:spcBef>
-                <a:spcAft>
-                  <a:spcPts val="500"/>
-                </a:spcAft>
-                <a:buClrTx/>
-                <a:buSzTx/>
-                <a:buFontTx/>
-                <a:buNone/>
-                <a:tabLst/>
-                <a:defRPr/>
-              </a:pPr>
-              <a:r>
-                <a:rPr kumimoji="0" lang="en-IN" sz="800" b="1" i="0" u="none" strike="noStrike" kern="0" cap="none" spc="0" normalizeH="0" baseline="0" noProof="0" dirty="0" smtClean="0">
-                  <a:ln>
-                    <a:noFill/>
-                  </a:ln>
-                  <a:solidFill>
-                    <a:srgbClr val="404040"/>
-                  </a:solidFill>
-                  <a:effectLst/>
-                  <a:uLnTx/>
-                  <a:uFillTx/>
-                  <a:latin typeface="Times New Roman" pitchFamily="18" charset="0"/>
-                  <a:cs typeface="Arial" pitchFamily="34" charset="0"/>
-                </a:rPr>
-                <a:t>}</a:t>
-              </a:r>
-            </a:p>
-            <a:p>
-              <a:pPr marL="0" marR="0" lvl="0" indent="0" algn="l" defTabSz="914400" rtl="0" eaLnBrk="1" fontAlgn="base" latinLnBrk="0" hangingPunct="1">
-                <a:lnSpc>
-                  <a:spcPct val="100000"/>
-                </a:lnSpc>
-                <a:spcBef>
-                  <a:spcPct val="0"/>
-                </a:spcBef>
-                <a:spcAft>
-                  <a:spcPts val="1000"/>
-                </a:spcAft>
-                <a:buClrTx/>
-                <a:buSzTx/>
-                <a:buFontTx/>
-                <a:buNone/>
-                <a:tabLst/>
-                <a:defRPr/>
-              </a:pPr>
-              <a:endParaRPr kumimoji="0" lang="en-IN" sz="1000" b="1" i="0" u="none" strike="noStrike" kern="0" cap="none" spc="0" normalizeH="0" baseline="0" noProof="0" dirty="0" smtClean="0">
-                <a:ln>
-                  <a:noFill/>
-                </a:ln>
-                <a:solidFill>
-                  <a:srgbClr val="404040"/>
-                </a:solidFill>
-                <a:effectLst/>
-                <a:uLnTx/>
-                <a:uFillTx/>
-                <a:latin typeface="Times New Roman" pitchFamily="18" charset="0"/>
-                <a:cs typeface="Arial" pitchFamily="34" charset="0"/>
-              </a:endParaRPr>
-            </a:p>
-            <a:p>
-              <a:pPr marL="0" marR="0" lvl="0" indent="0" algn="l" defTabSz="914400" rtl="0" eaLnBrk="1" fontAlgn="base" latinLnBrk="0" hangingPunct="1">
-                <a:lnSpc>
-                  <a:spcPct val="100000"/>
-                </a:lnSpc>
-                <a:spcBef>
-                  <a:spcPct val="0"/>
-                </a:spcBef>
-                <a:spcAft>
-                  <a:spcPct val="0"/>
-                </a:spcAft>
-                <a:buClrTx/>
-                <a:buSzTx/>
-                <a:buFontTx/>
-                <a:buNone/>
-                <a:tabLst/>
-                <a:defRPr/>
-              </a:pPr>
-              <a:endParaRPr kumimoji="0" lang="en-US" sz="1800" b="0" i="0" u="none" strike="noStrike" kern="0" cap="none" spc="0" normalizeH="0" baseline="0" noProof="0" dirty="0" smtClean="0">
-                <a:ln>
-                  <a:noFill/>
-                </a:ln>
-                <a:solidFill>
-                  <a:sysClr val="windowText" lastClr="000000"/>
-                </a:solidFill>
-                <a:effectLst/>
-                <a:uLnTx/>
-                <a:uFillTx/>
-                <a:latin typeface="Arial" pitchFamily="34" charset="0"/>
-                <a:cs typeface="Arial" pitchFamily="34" charset="0"/>
-              </a:endParaRPr>
-            </a:p>
-          </p:txBody>
-        </p:sp>
-      </p:grpSp>
-      <p:sp>
-        <p:nvSpPr>
-          <p:cNvPr id="84" name="AutoShape 8"/>
-          <p:cNvSpPr>
-            <a:spLocks noChangeArrowheads="1"/>
-          </p:cNvSpPr>
-          <p:nvPr/>
-        </p:nvSpPr>
-        <p:spPr bwMode="auto">
-          <a:xfrm>
-            <a:off x="2650195" y="2953095"/>
-            <a:ext cx="643583" cy="172565"/>
-          </a:xfrm>
-          <a:custGeom>
-            <a:avLst/>
-            <a:gdLst>
-              <a:gd name="G0" fmla="+- 16200 0 0"/>
-              <a:gd name="G1" fmla="+- 5400 0 0"/>
-              <a:gd name="G2" fmla="+- 21600 0 5400"/>
-              <a:gd name="G3" fmla="+- 10800 0 5400"/>
-              <a:gd name="G4" fmla="+- 21600 0 16200"/>
-              <a:gd name="G5" fmla="*/ G4 G3 10800"/>
-              <a:gd name="G6" fmla="+- 21600 0 G5"/>
-              <a:gd name="T0" fmla="*/ 16200 w 21600"/>
-              <a:gd name="T1" fmla="*/ 0 h 21600"/>
-              <a:gd name="T2" fmla="*/ 0 w 21600"/>
-              <a:gd name="T3" fmla="*/ 10800 h 21600"/>
-              <a:gd name="T4" fmla="*/ 16200 w 21600"/>
-              <a:gd name="T5" fmla="*/ 21600 h 21600"/>
-              <a:gd name="T6" fmla="*/ 21600 w 21600"/>
-              <a:gd name="T7" fmla="*/ 10800 h 21600"/>
-              <a:gd name="T8" fmla="*/ 17694720 60000 65536"/>
-              <a:gd name="T9" fmla="*/ 11796480 60000 65536"/>
-              <a:gd name="T10" fmla="*/ 5898240 60000 65536"/>
-              <a:gd name="T11" fmla="*/ 0 60000 65536"/>
-              <a:gd name="T12" fmla="*/ 3375 w 21600"/>
-              <a:gd name="T13" fmla="*/ G1 h 21600"/>
-              <a:gd name="T14" fmla="*/ G6 w 21600"/>
-              <a:gd name="T15" fmla="*/ G2 h 21600"/>
-            </a:gdLst>
-            <a:ahLst/>
-            <a:cxnLst>
-              <a:cxn ang="T8">
-                <a:pos x="T0" y="T1"/>
-              </a:cxn>
-              <a:cxn ang="T9">
-                <a:pos x="T2" y="T3"/>
-              </a:cxn>
-              <a:cxn ang="T10">
-                <a:pos x="T4" y="T5"/>
-              </a:cxn>
-              <a:cxn ang="T11">
-                <a:pos x="T6" y="T7"/>
-              </a:cxn>
-            </a:cxnLst>
-            <a:rect l="T12" t="T13" r="T14" b="T15"/>
-            <a:pathLst>
-              <a:path w="21600" h="21600">
-                <a:moveTo>
-                  <a:pt x="16200" y="0"/>
-                </a:moveTo>
-                <a:lnTo>
-                  <a:pt x="16200" y="5400"/>
-                </a:lnTo>
-                <a:lnTo>
-                  <a:pt x="3375" y="5400"/>
-                </a:lnTo>
-                <a:lnTo>
-                  <a:pt x="3375" y="16200"/>
-                </a:lnTo>
-                <a:lnTo>
-                  <a:pt x="16200" y="16200"/>
-                </a:lnTo>
-                <a:lnTo>
-                  <a:pt x="16200" y="21600"/>
-                </a:lnTo>
-                <a:lnTo>
-                  <a:pt x="21600" y="10800"/>
-                </a:lnTo>
-                <a:close/>
-              </a:path>
-              <a:path w="21600" h="21600">
-                <a:moveTo>
-                  <a:pt x="1350" y="5400"/>
-                </a:moveTo>
-                <a:lnTo>
-                  <a:pt x="1350" y="16200"/>
-                </a:lnTo>
-                <a:lnTo>
-                  <a:pt x="2700" y="16200"/>
-                </a:lnTo>
-                <a:lnTo>
-                  <a:pt x="2700" y="5400"/>
-                </a:lnTo>
-                <a:close/>
-              </a:path>
-              <a:path w="21600" h="21600">
-                <a:moveTo>
-                  <a:pt x="0" y="5400"/>
-                </a:moveTo>
-                <a:lnTo>
-                  <a:pt x="0" y="16200"/>
-                </a:lnTo>
-                <a:lnTo>
-                  <a:pt x="675" y="16200"/>
-                </a:lnTo>
-                <a:lnTo>
-                  <a:pt x="675" y="5400"/>
-                </a:lnTo>
-                <a:close/>
-              </a:path>
-            </a:pathLst>
-          </a:custGeom>
-          <a:gradFill rotWithShape="0">
-            <a:gsLst>
-              <a:gs pos="0">
-                <a:srgbClr val="666666"/>
-              </a:gs>
-              <a:gs pos="50000">
-                <a:srgbClr val="CCCCCC"/>
-              </a:gs>
-              <a:gs pos="100000">
-                <a:srgbClr val="666666"/>
-              </a:gs>
-            </a:gsLst>
-            <a:lin ang="18900000" scaled="1"/>
-          </a:gradFill>
-          <a:ln w="12700">
-            <a:solidFill>
-              <a:srgbClr val="666666"/>
-            </a:solidFill>
-            <a:miter lim="800000"/>
-            <a:headEnd/>
-            <a:tailEnd/>
-          </a:ln>
-          <a:effectLst>
-            <a:outerShdw dist="28398" dir="3806097" algn="ctr" rotWithShape="0">
-              <a:srgbClr val="7F7F7F">
-                <a:alpha val="50000"/>
-              </a:srgbClr>
-            </a:outerShdw>
-          </a:effectLst>
-        </p:spPr>
-        <p:txBody>
-          <a:bodyPr vert="horz" wrap="square" lIns="91440" tIns="45720" rIns="91440" bIns="45720" numCol="1" anchor="t" anchorCtr="0" compatLnSpc="1">
-            <a:prstTxWarp prst="textNoShape">
-              <a:avLst/>
-            </a:prstTxWarp>
-          </a:bodyPr>
-          <a:lstStyle/>
-          <a:p>
-            <a:pPr marL="0" marR="0" lvl="0" indent="0" defTabSz="914400" eaLnBrk="1" fontAlgn="auto" latinLnBrk="0" hangingPunct="1">
-              <a:lnSpc>
-                <a:spcPct val="100000"/>
-              </a:lnSpc>
-              <a:spcBef>
-                <a:spcPts val="0"/>
-              </a:spcBef>
-              <a:spcAft>
-                <a:spcPts val="0"/>
-              </a:spcAft>
-              <a:buClrTx/>
-              <a:buSzTx/>
-              <a:buFontTx/>
-              <a:buNone/>
-              <a:tabLst/>
-              <a:defRPr/>
-            </a:pPr>
-            <a:endParaRPr kumimoji="0" lang="en-IN" sz="1800" b="0" i="0" u="none" strike="noStrike" kern="0" cap="none" spc="0" normalizeH="0" baseline="0" noProof="0">
-              <a:ln>
-                <a:noFill/>
-              </a:ln>
-              <a:solidFill>
-                <a:sysClr val="windowText" lastClr="000000"/>
-              </a:solidFill>
-              <a:effectLst/>
-              <a:uLnTx/>
-              <a:uFillTx/>
-            </a:endParaRPr>
-          </a:p>
-        </p:txBody>
-      </p:sp>
-      <p:sp>
-        <p:nvSpPr>
-          <p:cNvPr id="85" name="Rectangle 9"/>
-          <p:cNvSpPr>
-            <a:spLocks noChangeArrowheads="1"/>
-          </p:cNvSpPr>
-          <p:nvPr/>
-        </p:nvSpPr>
-        <p:spPr bwMode="auto">
-          <a:xfrm>
-            <a:off x="4724400" y="2514600"/>
-            <a:ext cx="2503013" cy="1497041"/>
-          </a:xfrm>
-          <a:prstGeom prst="rect">
-            <a:avLst/>
-          </a:prstGeom>
-          <a:gradFill rotWithShape="0">
-            <a:gsLst>
-              <a:gs pos="0">
-                <a:srgbClr val="D99594"/>
-              </a:gs>
-              <a:gs pos="50000">
-                <a:srgbClr val="F2DBDB"/>
-              </a:gs>
-              <a:gs pos="100000">
-                <a:srgbClr val="D99594"/>
-              </a:gs>
-            </a:gsLst>
-            <a:lin ang="18900000" scaled="1"/>
-          </a:gradFill>
-          <a:ln w="12700">
-            <a:solidFill>
-              <a:srgbClr val="D99594"/>
-            </a:solidFill>
-            <a:miter lim="800000"/>
-            <a:headEnd/>
-            <a:tailEnd/>
-          </a:ln>
-          <a:effectLst>
-            <a:outerShdw dist="28398" dir="3806097" algn="ctr" rotWithShape="0">
-              <a:srgbClr val="622423">
-                <a:alpha val="50000"/>
-              </a:srgbClr>
-            </a:outerShdw>
-          </a:effectLst>
-        </p:spPr>
-        <p:txBody>
-          <a:bodyPr vert="horz" wrap="square" lIns="91440" tIns="45720" rIns="91440" bIns="45720" numCol="1" anchor="t" anchorCtr="0" compatLnSpc="1">
-            <a:prstTxWarp prst="textNoShape">
-              <a:avLst/>
-            </a:prstTxWarp>
-          </a:bodyPr>
-          <a:lstStyle/>
-          <a:p>
-            <a:pPr marL="0" marR="0" lvl="0" indent="0" defTabSz="914400" eaLnBrk="1" fontAlgn="auto" latinLnBrk="0" hangingPunct="1">
-              <a:lnSpc>
-                <a:spcPct val="100000"/>
-              </a:lnSpc>
-              <a:spcBef>
-                <a:spcPts val="0"/>
-              </a:spcBef>
-              <a:spcAft>
-                <a:spcPts val="0"/>
-              </a:spcAft>
-              <a:buClrTx/>
-              <a:buSzTx/>
-              <a:buFontTx/>
-              <a:buNone/>
-              <a:tabLst/>
-              <a:defRPr/>
-            </a:pPr>
-            <a:endParaRPr kumimoji="0" lang="en-IN" sz="1800" b="0" i="0" u="none" strike="noStrike" kern="0" cap="none" spc="0" normalizeH="0" baseline="0" noProof="0">
-              <a:ln>
-                <a:noFill/>
-              </a:ln>
-              <a:solidFill>
-                <a:sysClr val="windowText" lastClr="000000"/>
-              </a:solidFill>
-              <a:effectLst/>
-              <a:uLnTx/>
-              <a:uFillTx/>
-            </a:endParaRPr>
-          </a:p>
-        </p:txBody>
-      </p:sp>
-      <p:grpSp>
-        <p:nvGrpSpPr>
-          <p:cNvPr id="158" name="Group 157"/>
-          <p:cNvGrpSpPr/>
-          <p:nvPr/>
-        </p:nvGrpSpPr>
-        <p:grpSpPr>
-          <a:xfrm>
-            <a:off x="5088111" y="2732927"/>
-            <a:ext cx="626889" cy="924673"/>
-            <a:chOff x="4326111" y="2375694"/>
-            <a:chExt cx="626889" cy="924673"/>
-          </a:xfrm>
-        </p:grpSpPr>
-        <p:sp>
-          <p:nvSpPr>
-            <p:cNvPr id="138" name="Rectangle 12"/>
-            <p:cNvSpPr>
-              <a:spLocks noChangeArrowheads="1"/>
-            </p:cNvSpPr>
-            <p:nvPr/>
-          </p:nvSpPr>
-          <p:spPr bwMode="auto">
-            <a:xfrm>
-              <a:off x="4331568" y="2375694"/>
-              <a:ext cx="621432" cy="924673"/>
-            </a:xfrm>
-            <a:prstGeom prst="rect">
-              <a:avLst/>
-            </a:prstGeom>
-            <a:gradFill rotWithShape="0">
-              <a:gsLst>
-                <a:gs pos="0">
-                  <a:srgbClr val="FFFFFF"/>
-                </a:gs>
-                <a:gs pos="100000">
-                  <a:srgbClr val="999999"/>
-                </a:gs>
-              </a:gsLst>
-              <a:lin ang="5400000" scaled="1"/>
-            </a:gradFill>
-            <a:ln w="12700">
-              <a:solidFill>
-                <a:srgbClr val="666666"/>
-              </a:solidFill>
-              <a:miter lim="800000"/>
-              <a:headEnd/>
-              <a:tailEnd/>
-            </a:ln>
-            <a:effectLst/>
-          </p:spPr>
-          <p:txBody>
-            <a:bodyPr vert="horz" wrap="square" lIns="91440" tIns="45720" rIns="91440" bIns="45720" numCol="1" anchor="t" anchorCtr="0" compatLnSpc="1">
-              <a:prstTxWarp prst="textNoShape">
-                <a:avLst/>
-              </a:prstTxWarp>
-            </a:bodyPr>
-            <a:lstStyle/>
-            <a:p>
-              <a:pPr marL="0" marR="0" lvl="0" indent="0" defTabSz="914400" eaLnBrk="1" fontAlgn="auto" latinLnBrk="0" hangingPunct="1">
-                <a:lnSpc>
-                  <a:spcPct val="100000"/>
-                </a:lnSpc>
-                <a:spcBef>
-                  <a:spcPts val="0"/>
-                </a:spcBef>
-                <a:spcAft>
-                  <a:spcPts val="0"/>
-                </a:spcAft>
-                <a:buClrTx/>
-                <a:buSzTx/>
-                <a:buFontTx/>
-                <a:buNone/>
-                <a:tabLst/>
-                <a:defRPr/>
-              </a:pPr>
-              <a:endParaRPr kumimoji="0" lang="en-IN" sz="1800" b="0" i="0" u="none" strike="noStrike" kern="0" cap="none" spc="0" normalizeH="0" baseline="0" noProof="0">
-                <a:ln>
-                  <a:noFill/>
-                </a:ln>
-                <a:solidFill>
-                  <a:sysClr val="windowText" lastClr="000000"/>
-                </a:solidFill>
-                <a:effectLst/>
-                <a:uLnTx/>
-                <a:uFillTx/>
-              </a:endParaRPr>
-            </a:p>
-          </p:txBody>
-        </p:sp>
-        <p:cxnSp>
-          <p:nvCxnSpPr>
-            <p:cNvPr id="139" name="AutoShape 13"/>
-            <p:cNvCxnSpPr>
-              <a:cxnSpLocks noChangeShapeType="1"/>
-            </p:cNvCxnSpPr>
-            <p:nvPr/>
-          </p:nvCxnSpPr>
-          <p:spPr bwMode="auto">
-            <a:xfrm>
-              <a:off x="4326111" y="2566348"/>
-              <a:ext cx="621432" cy="0"/>
-            </a:xfrm>
-            <a:prstGeom prst="straightConnector1">
-              <a:avLst/>
-            </a:prstGeom>
-            <a:noFill/>
-            <a:ln w="12700">
-              <a:solidFill>
-                <a:srgbClr val="666666"/>
-              </a:solidFill>
-              <a:round/>
-              <a:headEnd/>
-              <a:tailEnd/>
-            </a:ln>
-            <a:effectLst/>
-          </p:spPr>
-        </p:cxnSp>
-        <p:cxnSp>
-          <p:nvCxnSpPr>
-            <p:cNvPr id="140" name="AutoShape 14"/>
-            <p:cNvCxnSpPr>
-              <a:cxnSpLocks noChangeShapeType="1"/>
-            </p:cNvCxnSpPr>
-            <p:nvPr/>
-          </p:nvCxnSpPr>
-          <p:spPr bwMode="auto">
-            <a:xfrm>
-              <a:off x="4326111" y="2747470"/>
-              <a:ext cx="621432" cy="0"/>
-            </a:xfrm>
-            <a:prstGeom prst="straightConnector1">
-              <a:avLst/>
-            </a:prstGeom>
-            <a:noFill/>
-            <a:ln w="12700">
-              <a:solidFill>
-                <a:srgbClr val="666666"/>
-              </a:solidFill>
-              <a:round/>
-              <a:headEnd/>
-              <a:tailEnd/>
-            </a:ln>
-            <a:effectLst/>
-          </p:spPr>
-        </p:cxnSp>
-        <p:cxnSp>
-          <p:nvCxnSpPr>
-            <p:cNvPr id="141" name="AutoShape 15"/>
-            <p:cNvCxnSpPr>
-              <a:cxnSpLocks noChangeShapeType="1"/>
-            </p:cNvCxnSpPr>
-            <p:nvPr/>
-          </p:nvCxnSpPr>
-          <p:spPr bwMode="auto">
-            <a:xfrm>
-              <a:off x="4326111" y="2938124"/>
-              <a:ext cx="621432" cy="0"/>
-            </a:xfrm>
-            <a:prstGeom prst="straightConnector1">
-              <a:avLst/>
-            </a:prstGeom>
-            <a:noFill/>
-            <a:ln w="12700">
-              <a:solidFill>
-                <a:srgbClr val="666666"/>
-              </a:solidFill>
-              <a:round/>
-              <a:headEnd/>
-              <a:tailEnd/>
-            </a:ln>
-            <a:effectLst/>
-          </p:spPr>
-        </p:cxnSp>
-        <p:cxnSp>
-          <p:nvCxnSpPr>
-            <p:cNvPr id="142" name="AutoShape 16"/>
-            <p:cNvCxnSpPr>
-              <a:cxnSpLocks noChangeShapeType="1"/>
-            </p:cNvCxnSpPr>
-            <p:nvPr/>
-          </p:nvCxnSpPr>
-          <p:spPr bwMode="auto">
-            <a:xfrm>
-              <a:off x="4326111" y="3128778"/>
-              <a:ext cx="621432" cy="0"/>
-            </a:xfrm>
-            <a:prstGeom prst="straightConnector1">
-              <a:avLst/>
-            </a:prstGeom>
-            <a:noFill/>
-            <a:ln w="12700">
-              <a:solidFill>
-                <a:srgbClr val="666666"/>
-              </a:solidFill>
-              <a:round/>
-              <a:headEnd/>
-              <a:tailEnd/>
-            </a:ln>
-            <a:effectLst/>
-          </p:spPr>
-        </p:cxnSp>
-      </p:grpSp>
-      <p:sp>
-        <p:nvSpPr>
-          <p:cNvPr id="143" name="Rectangle 17"/>
-          <p:cNvSpPr>
-            <a:spLocks noChangeArrowheads="1"/>
-          </p:cNvSpPr>
-          <p:nvPr/>
-        </p:nvSpPr>
-        <p:spPr bwMode="auto">
-          <a:xfrm>
-            <a:off x="6172200" y="2732927"/>
-            <a:ext cx="762000" cy="924673"/>
-          </a:xfrm>
-          <a:prstGeom prst="rect">
-            <a:avLst/>
-          </a:prstGeom>
-          <a:gradFill rotWithShape="0">
-            <a:gsLst>
-              <a:gs pos="0">
-                <a:srgbClr val="FFFFFF"/>
-              </a:gs>
-              <a:gs pos="100000">
-                <a:srgbClr val="999999"/>
-              </a:gs>
-            </a:gsLst>
-            <a:lin ang="5400000" scaled="1"/>
-          </a:gradFill>
-          <a:ln w="12700">
-            <a:solidFill>
-              <a:srgbClr val="666666"/>
-            </a:solidFill>
-            <a:miter lim="800000"/>
-            <a:headEnd/>
-            <a:tailEnd/>
-          </a:ln>
-          <a:effectLst/>
-        </p:spPr>
-        <p:txBody>
-          <a:bodyPr vert="horz" wrap="square" lIns="91440" tIns="45720" rIns="91440" bIns="45720" numCol="1" anchor="t" anchorCtr="0" compatLnSpc="1">
-            <a:prstTxWarp prst="textNoShape">
-              <a:avLst/>
-            </a:prstTxWarp>
-          </a:bodyPr>
-          <a:lstStyle/>
-          <a:p>
-            <a:pPr marL="0" marR="0" lvl="0" indent="0" defTabSz="914400" eaLnBrk="1" fontAlgn="auto" latinLnBrk="0" hangingPunct="1">
-              <a:lnSpc>
-                <a:spcPct val="100000"/>
-              </a:lnSpc>
-              <a:spcBef>
-                <a:spcPts val="0"/>
-              </a:spcBef>
-              <a:spcAft>
-                <a:spcPts val="0"/>
-              </a:spcAft>
-              <a:buClrTx/>
-              <a:buSzTx/>
-              <a:buFontTx/>
-              <a:buNone/>
-              <a:tabLst/>
-              <a:defRPr/>
-            </a:pPr>
-            <a:endParaRPr kumimoji="0" lang="en-IN" sz="1800" b="0" i="0" u="none" strike="noStrike" kern="0" cap="none" spc="0" normalizeH="0" baseline="0" noProof="0">
-              <a:ln>
-                <a:noFill/>
-              </a:ln>
-              <a:solidFill>
-                <a:sysClr val="windowText" lastClr="000000"/>
-              </a:solidFill>
-              <a:effectLst/>
-              <a:uLnTx/>
-              <a:uFillTx/>
-            </a:endParaRPr>
-          </a:p>
-        </p:txBody>
-      </p:sp>
-      <p:grpSp>
-        <p:nvGrpSpPr>
-          <p:cNvPr id="87" name="Group 29"/>
-          <p:cNvGrpSpPr>
-            <a:grpSpLocks/>
-          </p:cNvGrpSpPr>
-          <p:nvPr/>
-        </p:nvGrpSpPr>
-        <p:grpSpPr bwMode="auto">
-          <a:xfrm>
-            <a:off x="4845906" y="4847185"/>
-            <a:ext cx="1935894" cy="334415"/>
-            <a:chOff x="4230" y="5790"/>
-            <a:chExt cx="4650" cy="510"/>
-          </a:xfrm>
-        </p:grpSpPr>
-        <p:sp>
-          <p:nvSpPr>
-            <p:cNvPr id="128" name="Rectangle 30"/>
-            <p:cNvSpPr>
-              <a:spLocks noChangeArrowheads="1"/>
-            </p:cNvSpPr>
-            <p:nvPr/>
-          </p:nvSpPr>
-          <p:spPr bwMode="auto">
-            <a:xfrm>
-              <a:off x="4230" y="5790"/>
-              <a:ext cx="4650" cy="510"/>
-            </a:xfrm>
-            <a:prstGeom prst="rect">
-              <a:avLst/>
-            </a:prstGeom>
-            <a:gradFill rotWithShape="0">
-              <a:gsLst>
-                <a:gs pos="0">
-                  <a:srgbClr val="B2A1C7"/>
-                </a:gs>
-                <a:gs pos="50000">
-                  <a:srgbClr val="E5DFEC"/>
-                </a:gs>
-                <a:gs pos="100000">
-                  <a:srgbClr val="B2A1C7"/>
-                </a:gs>
-              </a:gsLst>
-              <a:lin ang="18900000" scaled="1"/>
-            </a:gradFill>
-            <a:ln w="12700">
-              <a:solidFill>
-                <a:srgbClr val="B2A1C7"/>
-              </a:solidFill>
-              <a:miter lim="800000"/>
-              <a:headEnd/>
-              <a:tailEnd/>
-            </a:ln>
-            <a:effectLst/>
-          </p:spPr>
-          <p:txBody>
-            <a:bodyPr vert="horz" wrap="square" lIns="91440" tIns="45720" rIns="91440" bIns="45720" numCol="1" anchor="t" anchorCtr="0" compatLnSpc="1">
-              <a:prstTxWarp prst="textNoShape">
-                <a:avLst/>
-              </a:prstTxWarp>
-            </a:bodyPr>
-            <a:lstStyle/>
-            <a:p>
-              <a:pPr marL="0" marR="0" lvl="0" indent="0" defTabSz="914400" eaLnBrk="1" fontAlgn="auto" latinLnBrk="0" hangingPunct="1">
-                <a:lnSpc>
-                  <a:spcPct val="100000"/>
-                </a:lnSpc>
-                <a:spcBef>
-                  <a:spcPts val="0"/>
-                </a:spcBef>
-                <a:spcAft>
-                  <a:spcPts val="0"/>
-                </a:spcAft>
-                <a:buClrTx/>
-                <a:buSzTx/>
-                <a:buFontTx/>
-                <a:buNone/>
-                <a:tabLst/>
-                <a:defRPr/>
-              </a:pPr>
-              <a:endParaRPr kumimoji="0" lang="en-IN" sz="1800" b="0" i="0" u="none" strike="noStrike" kern="0" cap="none" spc="0" normalizeH="0" baseline="0" noProof="0">
-                <a:ln>
-                  <a:noFill/>
-                </a:ln>
-                <a:solidFill>
-                  <a:sysClr val="windowText" lastClr="000000"/>
-                </a:solidFill>
-                <a:effectLst/>
-                <a:uLnTx/>
-                <a:uFillTx/>
-              </a:endParaRPr>
-            </a:p>
-          </p:txBody>
-        </p:sp>
-        <p:cxnSp>
-          <p:nvCxnSpPr>
-            <p:cNvPr id="129" name="AutoShape 31"/>
-            <p:cNvCxnSpPr>
-              <a:cxnSpLocks noChangeShapeType="1"/>
-            </p:cNvCxnSpPr>
-            <p:nvPr/>
-          </p:nvCxnSpPr>
-          <p:spPr bwMode="auto">
-            <a:xfrm>
-              <a:off x="4710" y="5790"/>
-              <a:ext cx="0" cy="510"/>
-            </a:xfrm>
-            <a:prstGeom prst="straightConnector1">
-              <a:avLst/>
-            </a:prstGeom>
-            <a:noFill/>
-            <a:ln w="12700">
-              <a:solidFill>
-                <a:srgbClr val="B2A1C7"/>
-              </a:solidFill>
-              <a:round/>
-              <a:headEnd/>
-              <a:tailEnd/>
-            </a:ln>
-            <a:effectLst/>
-          </p:spPr>
-        </p:cxnSp>
-        <p:cxnSp>
-          <p:nvCxnSpPr>
-            <p:cNvPr id="130" name="AutoShape 32"/>
-            <p:cNvCxnSpPr>
-              <a:cxnSpLocks noChangeShapeType="1"/>
-            </p:cNvCxnSpPr>
-            <p:nvPr/>
-          </p:nvCxnSpPr>
-          <p:spPr bwMode="auto">
-            <a:xfrm>
-              <a:off x="5640" y="5790"/>
-              <a:ext cx="0" cy="510"/>
-            </a:xfrm>
-            <a:prstGeom prst="straightConnector1">
-              <a:avLst/>
-            </a:prstGeom>
-            <a:noFill/>
-            <a:ln w="12700">
-              <a:solidFill>
-                <a:srgbClr val="B2A1C7"/>
-              </a:solidFill>
-              <a:round/>
-              <a:headEnd/>
-              <a:tailEnd/>
-            </a:ln>
-            <a:effectLst/>
-          </p:spPr>
-        </p:cxnSp>
-        <p:cxnSp>
-          <p:nvCxnSpPr>
-            <p:cNvPr id="131" name="AutoShape 33"/>
-            <p:cNvCxnSpPr>
-              <a:cxnSpLocks noChangeShapeType="1"/>
-            </p:cNvCxnSpPr>
-            <p:nvPr/>
-          </p:nvCxnSpPr>
-          <p:spPr bwMode="auto">
-            <a:xfrm>
-              <a:off x="6105" y="5790"/>
-              <a:ext cx="0" cy="510"/>
-            </a:xfrm>
-            <a:prstGeom prst="straightConnector1">
-              <a:avLst/>
-            </a:prstGeom>
-            <a:noFill/>
-            <a:ln w="12700">
-              <a:solidFill>
-                <a:srgbClr val="B2A1C7"/>
-              </a:solidFill>
-              <a:round/>
-              <a:headEnd/>
-              <a:tailEnd/>
-            </a:ln>
-            <a:effectLst/>
-          </p:spPr>
-        </p:cxnSp>
-        <p:cxnSp>
-          <p:nvCxnSpPr>
-            <p:cNvPr id="132" name="AutoShape 34"/>
-            <p:cNvCxnSpPr>
-              <a:cxnSpLocks noChangeShapeType="1"/>
-            </p:cNvCxnSpPr>
-            <p:nvPr/>
-          </p:nvCxnSpPr>
-          <p:spPr bwMode="auto">
-            <a:xfrm>
-              <a:off x="6570" y="5790"/>
-              <a:ext cx="0" cy="510"/>
-            </a:xfrm>
-            <a:prstGeom prst="straightConnector1">
-              <a:avLst/>
-            </a:prstGeom>
-            <a:noFill/>
-            <a:ln w="12700">
-              <a:solidFill>
-                <a:srgbClr val="B2A1C7"/>
-              </a:solidFill>
-              <a:round/>
-              <a:headEnd/>
-              <a:tailEnd/>
-            </a:ln>
-            <a:effectLst/>
-          </p:spPr>
-        </p:cxnSp>
-        <p:cxnSp>
-          <p:nvCxnSpPr>
-            <p:cNvPr id="133" name="AutoShape 35"/>
-            <p:cNvCxnSpPr>
-              <a:cxnSpLocks noChangeShapeType="1"/>
-            </p:cNvCxnSpPr>
-            <p:nvPr/>
-          </p:nvCxnSpPr>
-          <p:spPr bwMode="auto">
-            <a:xfrm>
-              <a:off x="7020" y="5790"/>
-              <a:ext cx="0" cy="510"/>
-            </a:xfrm>
-            <a:prstGeom prst="straightConnector1">
-              <a:avLst/>
-            </a:prstGeom>
-            <a:noFill/>
-            <a:ln w="12700">
-              <a:solidFill>
-                <a:srgbClr val="B2A1C7"/>
-              </a:solidFill>
-              <a:round/>
-              <a:headEnd/>
-              <a:tailEnd/>
-            </a:ln>
-            <a:effectLst/>
-          </p:spPr>
-        </p:cxnSp>
-        <p:cxnSp>
-          <p:nvCxnSpPr>
-            <p:cNvPr id="134" name="AutoShape 36"/>
-            <p:cNvCxnSpPr>
-              <a:cxnSpLocks noChangeShapeType="1"/>
-            </p:cNvCxnSpPr>
-            <p:nvPr/>
-          </p:nvCxnSpPr>
-          <p:spPr bwMode="auto">
-            <a:xfrm>
-              <a:off x="7485" y="5790"/>
-              <a:ext cx="0" cy="510"/>
-            </a:xfrm>
-            <a:prstGeom prst="straightConnector1">
-              <a:avLst/>
-            </a:prstGeom>
-            <a:noFill/>
-            <a:ln w="12700">
-              <a:solidFill>
-                <a:srgbClr val="B2A1C7"/>
-              </a:solidFill>
-              <a:round/>
-              <a:headEnd/>
-              <a:tailEnd/>
-            </a:ln>
-            <a:effectLst/>
-          </p:spPr>
-        </p:cxnSp>
-        <p:cxnSp>
-          <p:nvCxnSpPr>
-            <p:cNvPr id="135" name="AutoShape 37"/>
-            <p:cNvCxnSpPr>
-              <a:cxnSpLocks noChangeShapeType="1"/>
-            </p:cNvCxnSpPr>
-            <p:nvPr/>
-          </p:nvCxnSpPr>
-          <p:spPr bwMode="auto">
-            <a:xfrm>
-              <a:off x="5175" y="5790"/>
-              <a:ext cx="0" cy="510"/>
-            </a:xfrm>
-            <a:prstGeom prst="straightConnector1">
-              <a:avLst/>
-            </a:prstGeom>
-            <a:noFill/>
-            <a:ln w="12700">
-              <a:solidFill>
-                <a:srgbClr val="B2A1C7"/>
-              </a:solidFill>
-              <a:round/>
-              <a:headEnd/>
-              <a:tailEnd/>
-            </a:ln>
-            <a:effectLst/>
-          </p:spPr>
-        </p:cxnSp>
-        <p:cxnSp>
-          <p:nvCxnSpPr>
-            <p:cNvPr id="136" name="AutoShape 38"/>
-            <p:cNvCxnSpPr>
-              <a:cxnSpLocks noChangeShapeType="1"/>
-            </p:cNvCxnSpPr>
-            <p:nvPr/>
-          </p:nvCxnSpPr>
-          <p:spPr bwMode="auto">
-            <a:xfrm>
-              <a:off x="7965" y="5790"/>
-              <a:ext cx="0" cy="510"/>
-            </a:xfrm>
-            <a:prstGeom prst="straightConnector1">
-              <a:avLst/>
-            </a:prstGeom>
-            <a:noFill/>
-            <a:ln w="12700">
-              <a:solidFill>
-                <a:srgbClr val="B2A1C7"/>
-              </a:solidFill>
-              <a:round/>
-              <a:headEnd/>
-              <a:tailEnd/>
-            </a:ln>
-            <a:effectLst/>
-          </p:spPr>
-        </p:cxnSp>
-        <p:cxnSp>
-          <p:nvCxnSpPr>
-            <p:cNvPr id="137" name="AutoShape 39"/>
-            <p:cNvCxnSpPr>
-              <a:cxnSpLocks noChangeShapeType="1"/>
-            </p:cNvCxnSpPr>
-            <p:nvPr/>
-          </p:nvCxnSpPr>
-          <p:spPr bwMode="auto">
-            <a:xfrm>
-              <a:off x="8430" y="5790"/>
-              <a:ext cx="0" cy="510"/>
-            </a:xfrm>
-            <a:prstGeom prst="straightConnector1">
-              <a:avLst/>
-            </a:prstGeom>
-            <a:noFill/>
-            <a:ln w="12700">
-              <a:solidFill>
-                <a:srgbClr val="B2A1C7"/>
-              </a:solidFill>
-              <a:round/>
-              <a:headEnd/>
-              <a:tailEnd/>
-            </a:ln>
-            <a:effectLst/>
-          </p:spPr>
-        </p:cxnSp>
-      </p:grpSp>
-      <p:sp>
-        <p:nvSpPr>
-          <p:cNvPr id="89" name="Text Box 65"/>
-          <p:cNvSpPr txBox="1">
-            <a:spLocks noChangeArrowheads="1"/>
-          </p:cNvSpPr>
-          <p:nvPr/>
-        </p:nvSpPr>
-        <p:spPr bwMode="auto">
-          <a:xfrm>
-            <a:off x="4953000" y="3657600"/>
-            <a:ext cx="838200" cy="405216"/>
-          </a:xfrm>
-          <a:prstGeom prst="rect">
-            <a:avLst/>
-          </a:prstGeom>
-          <a:noFill/>
-          <a:ln w="9525">
-            <a:noFill/>
-            <a:miter lim="800000"/>
-            <a:headEnd/>
-            <a:tailEnd/>
-          </a:ln>
-        </p:spPr>
-        <p:txBody>
-          <a:bodyPr vert="horz" wrap="square" lIns="91440" tIns="45720" rIns="91440" bIns="45720" numCol="1" anchor="t" anchorCtr="0" compatLnSpc="1">
-            <a:prstTxWarp prst="textNoShape">
-              <a:avLst/>
-            </a:prstTxWarp>
-          </a:bodyPr>
-          <a:lstStyle/>
-          <a:p>
-            <a:pPr marL="0" marR="0" lvl="0" indent="0" algn="ctr" defTabSz="914400" rtl="0" eaLnBrk="1" fontAlgn="base" latinLnBrk="0" hangingPunct="1">
-              <a:lnSpc>
-                <a:spcPct val="100000"/>
-              </a:lnSpc>
-              <a:spcBef>
-                <a:spcPct val="0"/>
-              </a:spcBef>
-              <a:spcAft>
-                <a:spcPts val="500"/>
-              </a:spcAft>
-              <a:buClrTx/>
-              <a:buSzTx/>
-              <a:buFontTx/>
-              <a:buNone/>
-              <a:tabLst/>
-              <a:defRPr/>
-            </a:pPr>
-            <a:r>
-              <a:rPr kumimoji="0" lang="en-IN" sz="1000" b="1" i="0" u="none" strike="noStrike" kern="0" cap="none" spc="0" normalizeH="0" baseline="0" noProof="0" dirty="0" smtClean="0">
-                <a:ln>
-                  <a:noFill/>
-                </a:ln>
-                <a:solidFill>
-                  <a:sysClr val="windowText" lastClr="000000"/>
-                </a:solidFill>
-                <a:effectLst/>
-                <a:uLnTx/>
-                <a:uFillTx/>
-                <a:latin typeface="Bodoni MT" pitchFamily="18" charset="0"/>
-                <a:cs typeface="Arial" pitchFamily="34" charset="0"/>
-              </a:rPr>
-              <a:t>Method call stack</a:t>
-            </a:r>
-            <a:endParaRPr kumimoji="0" lang="en-US" sz="1000" b="1" i="0" u="none" strike="noStrike" kern="0" cap="none" spc="0" normalizeH="0" baseline="0" noProof="0" dirty="0" smtClean="0">
-              <a:ln>
-                <a:noFill/>
-              </a:ln>
-              <a:solidFill>
-                <a:sysClr val="windowText" lastClr="000000"/>
-              </a:solidFill>
-              <a:effectLst/>
-              <a:uLnTx/>
-              <a:uFillTx/>
-              <a:latin typeface="Arial" pitchFamily="34" charset="0"/>
-              <a:cs typeface="Arial" pitchFamily="34" charset="0"/>
-            </a:endParaRPr>
-          </a:p>
-        </p:txBody>
-      </p:sp>
-      <p:sp>
-        <p:nvSpPr>
-          <p:cNvPr id="91" name="Text Box 67"/>
-          <p:cNvSpPr txBox="1">
-            <a:spLocks noChangeArrowheads="1"/>
-          </p:cNvSpPr>
-          <p:nvPr/>
-        </p:nvSpPr>
-        <p:spPr bwMode="auto">
-          <a:xfrm>
-            <a:off x="6119459" y="2971800"/>
-            <a:ext cx="890941" cy="457200"/>
-          </a:xfrm>
-          <a:prstGeom prst="rect">
-            <a:avLst/>
-          </a:prstGeom>
-          <a:noFill/>
-          <a:ln w="9525">
-            <a:noFill/>
-            <a:miter lim="800000"/>
-            <a:headEnd/>
-            <a:tailEnd/>
-          </a:ln>
-        </p:spPr>
-        <p:txBody>
-          <a:bodyPr vert="horz" wrap="square" lIns="91440" tIns="45720" rIns="91440" bIns="45720" numCol="1" anchor="t" anchorCtr="0" compatLnSpc="1">
-            <a:prstTxWarp prst="textNoShape">
-              <a:avLst/>
-            </a:prstTxWarp>
-          </a:bodyPr>
-          <a:lstStyle/>
-          <a:p>
-            <a:pPr marL="0" marR="0" lvl="0" indent="0" algn="ctr" defTabSz="914400" rtl="0" eaLnBrk="1" fontAlgn="base" latinLnBrk="0" hangingPunct="1">
-              <a:lnSpc>
-                <a:spcPct val="100000"/>
-              </a:lnSpc>
-              <a:spcBef>
-                <a:spcPct val="0"/>
-              </a:spcBef>
-              <a:spcAft>
-                <a:spcPts val="500"/>
-              </a:spcAft>
-              <a:buClrTx/>
-              <a:buSzTx/>
-              <a:buFontTx/>
-              <a:buNone/>
-              <a:tabLst/>
-              <a:defRPr/>
-            </a:pPr>
-            <a:r>
-              <a:rPr lang="en-IN" sz="1000" b="1" kern="0" dirty="0" smtClean="0">
-                <a:solidFill>
-                  <a:sysClr val="windowText" lastClr="000000"/>
-                </a:solidFill>
-                <a:latin typeface="Bodoni MT" pitchFamily="18" charset="0"/>
-                <a:cs typeface="Arial" pitchFamily="34" charset="0"/>
-              </a:rPr>
-              <a:t>Probability Setter</a:t>
-            </a:r>
-            <a:endParaRPr kumimoji="0" lang="en-US" sz="1000" b="1" i="0" u="none" strike="noStrike" kern="0" cap="none" spc="0" normalizeH="0" baseline="0" noProof="0" dirty="0" smtClean="0">
-              <a:ln>
-                <a:noFill/>
-              </a:ln>
-              <a:solidFill>
-                <a:sysClr val="windowText" lastClr="000000"/>
-              </a:solidFill>
-              <a:effectLst/>
-              <a:uLnTx/>
-              <a:uFillTx/>
-              <a:latin typeface="Arial" pitchFamily="34" charset="0"/>
-              <a:cs typeface="Arial" pitchFamily="34" charset="0"/>
-            </a:endParaRPr>
-          </a:p>
-        </p:txBody>
-      </p:sp>
-      <p:sp>
-        <p:nvSpPr>
-          <p:cNvPr id="92" name="Text Box 68"/>
-          <p:cNvSpPr txBox="1">
-            <a:spLocks noChangeArrowheads="1"/>
-          </p:cNvSpPr>
-          <p:nvPr/>
-        </p:nvSpPr>
-        <p:spPr bwMode="auto">
-          <a:xfrm>
-            <a:off x="5085663" y="2283473"/>
-            <a:ext cx="1619937" cy="231127"/>
-          </a:xfrm>
-          <a:prstGeom prst="rect">
-            <a:avLst/>
-          </a:prstGeom>
-          <a:noFill/>
-          <a:ln w="9525">
-            <a:noFill/>
-            <a:miter lim="800000"/>
-            <a:headEnd/>
-            <a:tailEnd/>
-          </a:ln>
-        </p:spPr>
-        <p:txBody>
-          <a:bodyPr vert="horz" wrap="square" lIns="91440" tIns="45720" rIns="91440" bIns="45720" numCol="1" anchor="t" anchorCtr="0" compatLnSpc="1">
-            <a:prstTxWarp prst="textNoShape">
-              <a:avLst/>
-            </a:prstTxWarp>
-          </a:bodyPr>
-          <a:lstStyle/>
-          <a:p>
-            <a:pPr marL="0" marR="0" lvl="0" indent="0" algn="ctr" defTabSz="914400" rtl="0" eaLnBrk="1" fontAlgn="base" latinLnBrk="0" hangingPunct="1">
-              <a:lnSpc>
-                <a:spcPct val="100000"/>
-              </a:lnSpc>
-              <a:spcBef>
-                <a:spcPct val="0"/>
-              </a:spcBef>
-              <a:spcAft>
-                <a:spcPts val="500"/>
-              </a:spcAft>
-              <a:buClrTx/>
-              <a:buSzTx/>
-              <a:buFontTx/>
-              <a:buNone/>
-              <a:tabLst/>
-              <a:defRPr/>
-            </a:pPr>
-            <a:r>
-              <a:rPr lang="en-IN" sz="1000" b="1" kern="0" dirty="0" smtClean="0">
-                <a:solidFill>
-                  <a:sysClr val="windowText" lastClr="000000"/>
-                </a:solidFill>
-                <a:latin typeface="Bodoni MT" pitchFamily="18" charset="0"/>
-                <a:cs typeface="Arial" pitchFamily="34" charset="0"/>
-              </a:rPr>
-              <a:t>Monitor creation Model</a:t>
-            </a:r>
-            <a:endParaRPr kumimoji="0" lang="en-US" sz="1000" b="0" i="0" u="none" strike="noStrike" kern="0" cap="none" spc="0" normalizeH="0" baseline="0" noProof="0" dirty="0" smtClean="0">
-              <a:ln>
-                <a:noFill/>
-              </a:ln>
-              <a:solidFill>
-                <a:sysClr val="windowText" lastClr="000000"/>
-              </a:solidFill>
-              <a:effectLst/>
-              <a:uLnTx/>
-              <a:uFillTx/>
-              <a:latin typeface="Arial" pitchFamily="34" charset="0"/>
-              <a:cs typeface="Arial" pitchFamily="34" charset="0"/>
-            </a:endParaRPr>
-          </a:p>
-        </p:txBody>
-      </p:sp>
-      <p:sp>
-        <p:nvSpPr>
-          <p:cNvPr id="93" name="Text Box 71"/>
-          <p:cNvSpPr txBox="1">
-            <a:spLocks noChangeArrowheads="1"/>
-          </p:cNvSpPr>
-          <p:nvPr/>
-        </p:nvSpPr>
-        <p:spPr bwMode="auto">
-          <a:xfrm>
-            <a:off x="4876800" y="5187215"/>
-            <a:ext cx="1953611" cy="451585"/>
-          </a:xfrm>
-          <a:prstGeom prst="rect">
-            <a:avLst/>
-          </a:prstGeom>
-          <a:noFill/>
-          <a:ln w="9525">
-            <a:noFill/>
-            <a:miter lim="800000"/>
-            <a:headEnd/>
-            <a:tailEnd/>
-          </a:ln>
-        </p:spPr>
-        <p:txBody>
-          <a:bodyPr vert="horz" wrap="square" lIns="91440" tIns="45720" rIns="91440" bIns="45720" numCol="1" anchor="t" anchorCtr="0" compatLnSpc="1">
-            <a:prstTxWarp prst="textNoShape">
-              <a:avLst/>
-            </a:prstTxWarp>
-          </a:bodyPr>
-          <a:lstStyle/>
-          <a:p>
-            <a:pPr marL="0" marR="0" lvl="0" indent="0" algn="ctr" defTabSz="914400" rtl="0" eaLnBrk="1" fontAlgn="base" latinLnBrk="0" hangingPunct="1">
-              <a:lnSpc>
-                <a:spcPct val="100000"/>
-              </a:lnSpc>
-              <a:spcBef>
-                <a:spcPct val="0"/>
-              </a:spcBef>
-              <a:spcAft>
-                <a:spcPts val="500"/>
-              </a:spcAft>
-              <a:buClrTx/>
-              <a:buSzTx/>
-              <a:buFontTx/>
-              <a:buNone/>
-              <a:tabLst/>
-              <a:defRPr/>
-            </a:pPr>
-            <a:r>
-              <a:rPr kumimoji="0" lang="en-IN" sz="1000" b="1" i="0" u="none" strike="noStrike" kern="0" cap="none" spc="0" normalizeH="0" baseline="0" noProof="0" dirty="0" smtClean="0">
-                <a:ln>
-                  <a:noFill/>
-                </a:ln>
-                <a:solidFill>
-                  <a:sysClr val="windowText" lastClr="000000"/>
-                </a:solidFill>
-                <a:effectLst/>
-                <a:uLnTx/>
-                <a:uFillTx/>
-                <a:latin typeface="Bodoni MT" pitchFamily="18" charset="0"/>
-                <a:cs typeface="Arial" pitchFamily="34" charset="0"/>
-              </a:rPr>
-              <a:t>Global Monitor Pool of constant size</a:t>
-            </a:r>
-            <a:endParaRPr kumimoji="0" lang="en-US" sz="1000" b="0" i="0" u="none" strike="noStrike" kern="0" cap="none" spc="0" normalizeH="0" baseline="0" noProof="0" dirty="0" smtClean="0">
-              <a:ln>
-                <a:noFill/>
-              </a:ln>
-              <a:solidFill>
-                <a:sysClr val="windowText" lastClr="000000"/>
-              </a:solidFill>
-              <a:effectLst/>
-              <a:uLnTx/>
-              <a:uFillTx/>
-              <a:latin typeface="Arial" pitchFamily="34" charset="0"/>
-              <a:cs typeface="Arial" pitchFamily="34" charset="0"/>
-            </a:endParaRPr>
-          </a:p>
-        </p:txBody>
-      </p:sp>
-      <p:sp>
-        <p:nvSpPr>
-          <p:cNvPr id="97" name="AutoShape 77"/>
-          <p:cNvSpPr>
-            <a:spLocks noChangeArrowheads="1"/>
-          </p:cNvSpPr>
-          <p:nvPr/>
-        </p:nvSpPr>
-        <p:spPr bwMode="auto">
-          <a:xfrm rot="5400000">
-            <a:off x="5199183" y="5860798"/>
-            <a:ext cx="402210" cy="191060"/>
-          </a:xfrm>
-          <a:custGeom>
-            <a:avLst/>
-            <a:gdLst>
-              <a:gd name="G0" fmla="+- 16200 0 0"/>
-              <a:gd name="G1" fmla="+- 5400 0 0"/>
-              <a:gd name="G2" fmla="+- 21600 0 5400"/>
-              <a:gd name="G3" fmla="+- 10800 0 5400"/>
-              <a:gd name="G4" fmla="+- 21600 0 16200"/>
-              <a:gd name="G5" fmla="*/ G4 G3 10800"/>
-              <a:gd name="G6" fmla="+- 21600 0 G5"/>
-              <a:gd name="T0" fmla="*/ 16200 w 21600"/>
-              <a:gd name="T1" fmla="*/ 0 h 21600"/>
-              <a:gd name="T2" fmla="*/ 0 w 21600"/>
-              <a:gd name="T3" fmla="*/ 10800 h 21600"/>
-              <a:gd name="T4" fmla="*/ 16200 w 21600"/>
-              <a:gd name="T5" fmla="*/ 21600 h 21600"/>
-              <a:gd name="T6" fmla="*/ 21600 w 21600"/>
-              <a:gd name="T7" fmla="*/ 10800 h 21600"/>
-              <a:gd name="T8" fmla="*/ 17694720 60000 65536"/>
-              <a:gd name="T9" fmla="*/ 11796480 60000 65536"/>
-              <a:gd name="T10" fmla="*/ 5898240 60000 65536"/>
-              <a:gd name="T11" fmla="*/ 0 60000 65536"/>
-              <a:gd name="T12" fmla="*/ 3375 w 21600"/>
-              <a:gd name="T13" fmla="*/ G1 h 21600"/>
-              <a:gd name="T14" fmla="*/ G6 w 21600"/>
-              <a:gd name="T15" fmla="*/ G2 h 21600"/>
-            </a:gdLst>
-            <a:ahLst/>
-            <a:cxnLst>
-              <a:cxn ang="T8">
-                <a:pos x="T0" y="T1"/>
-              </a:cxn>
-              <a:cxn ang="T9">
-                <a:pos x="T2" y="T3"/>
-              </a:cxn>
-              <a:cxn ang="T10">
-                <a:pos x="T4" y="T5"/>
-              </a:cxn>
-              <a:cxn ang="T11">
-                <a:pos x="T6" y="T7"/>
-              </a:cxn>
-            </a:cxnLst>
-            <a:rect l="T12" t="T13" r="T14" b="T15"/>
-            <a:pathLst>
-              <a:path w="21600" h="21600">
-                <a:moveTo>
-                  <a:pt x="16200" y="0"/>
-                </a:moveTo>
-                <a:lnTo>
-                  <a:pt x="16200" y="5400"/>
-                </a:lnTo>
-                <a:lnTo>
-                  <a:pt x="3375" y="5400"/>
-                </a:lnTo>
-                <a:lnTo>
-                  <a:pt x="3375" y="16200"/>
-                </a:lnTo>
-                <a:lnTo>
-                  <a:pt x="16200" y="16200"/>
-                </a:lnTo>
-                <a:lnTo>
-                  <a:pt x="16200" y="21600"/>
-                </a:lnTo>
-                <a:lnTo>
-                  <a:pt x="21600" y="10800"/>
-                </a:lnTo>
-                <a:close/>
-              </a:path>
-              <a:path w="21600" h="21600">
-                <a:moveTo>
-                  <a:pt x="1350" y="5400"/>
-                </a:moveTo>
-                <a:lnTo>
-                  <a:pt x="1350" y="16200"/>
-                </a:lnTo>
-                <a:lnTo>
-                  <a:pt x="2700" y="16200"/>
-                </a:lnTo>
-                <a:lnTo>
-                  <a:pt x="2700" y="5400"/>
-                </a:lnTo>
-                <a:close/>
-              </a:path>
-              <a:path w="21600" h="21600">
-                <a:moveTo>
-                  <a:pt x="0" y="5400"/>
-                </a:moveTo>
-                <a:lnTo>
-                  <a:pt x="0" y="16200"/>
-                </a:lnTo>
-                <a:lnTo>
-                  <a:pt x="675" y="16200"/>
-                </a:lnTo>
-                <a:lnTo>
-                  <a:pt x="675" y="5400"/>
-                </a:lnTo>
-                <a:close/>
-              </a:path>
-            </a:pathLst>
-          </a:custGeom>
-          <a:gradFill rotWithShape="0">
-            <a:gsLst>
-              <a:gs pos="0">
-                <a:srgbClr val="666666"/>
-              </a:gs>
-              <a:gs pos="50000">
-                <a:srgbClr val="CCCCCC"/>
-              </a:gs>
-              <a:gs pos="100000">
-                <a:srgbClr val="666666"/>
-              </a:gs>
-            </a:gsLst>
-            <a:lin ang="18900000" scaled="1"/>
-          </a:gradFill>
-          <a:ln w="12700">
-            <a:solidFill>
-              <a:srgbClr val="666666"/>
-            </a:solidFill>
-            <a:miter lim="800000"/>
-            <a:headEnd/>
-            <a:tailEnd/>
-          </a:ln>
-          <a:effectLst>
-            <a:outerShdw dist="28398" dir="3806097" algn="ctr" rotWithShape="0">
-              <a:srgbClr val="7F7F7F">
-                <a:alpha val="50000"/>
-              </a:srgbClr>
-            </a:outerShdw>
-          </a:effectLst>
-        </p:spPr>
-        <p:txBody>
-          <a:bodyPr vert="horz" wrap="square" lIns="91440" tIns="45720" rIns="91440" bIns="45720" numCol="1" anchor="t" anchorCtr="0" compatLnSpc="1">
-            <a:prstTxWarp prst="textNoShape">
-              <a:avLst/>
-            </a:prstTxWarp>
-          </a:bodyPr>
-          <a:lstStyle/>
-          <a:p>
-            <a:pPr marL="0" marR="0" lvl="0" indent="0" defTabSz="914400" eaLnBrk="1" fontAlgn="auto" latinLnBrk="0" hangingPunct="1">
-              <a:lnSpc>
-                <a:spcPct val="100000"/>
-              </a:lnSpc>
-              <a:spcBef>
-                <a:spcPts val="0"/>
-              </a:spcBef>
-              <a:spcAft>
-                <a:spcPts val="0"/>
-              </a:spcAft>
-              <a:buClrTx/>
-              <a:buSzTx/>
-              <a:buFontTx/>
-              <a:buNone/>
-              <a:tabLst/>
-              <a:defRPr/>
-            </a:pPr>
-            <a:endParaRPr kumimoji="0" lang="en-IN" sz="1800" b="0" i="0" u="none" strike="noStrike" kern="0" cap="none" spc="0" normalizeH="0" baseline="0" noProof="0">
-              <a:ln>
-                <a:noFill/>
-              </a:ln>
-              <a:solidFill>
-                <a:sysClr val="windowText" lastClr="000000"/>
-              </a:solidFill>
-              <a:effectLst/>
-              <a:uLnTx/>
-              <a:uFillTx/>
-            </a:endParaRPr>
-          </a:p>
-        </p:txBody>
-      </p:sp>
-      <p:sp>
-        <p:nvSpPr>
-          <p:cNvPr id="98" name="AutoShape 78"/>
-          <p:cNvSpPr>
-            <a:spLocks noChangeArrowheads="1"/>
-          </p:cNvSpPr>
-          <p:nvPr/>
-        </p:nvSpPr>
-        <p:spPr bwMode="auto">
-          <a:xfrm>
-            <a:off x="4603941" y="6205029"/>
-            <a:ext cx="1619950" cy="424371"/>
-          </a:xfrm>
-          <a:prstGeom prst="roundRect">
-            <a:avLst>
-              <a:gd name="adj" fmla="val 16667"/>
-            </a:avLst>
-          </a:prstGeom>
-          <a:gradFill rotWithShape="0">
-            <a:gsLst>
-              <a:gs pos="0">
-                <a:srgbClr val="95B3D7"/>
-              </a:gs>
-              <a:gs pos="50000">
-                <a:srgbClr val="DBE5F1"/>
-              </a:gs>
-              <a:gs pos="100000">
-                <a:srgbClr val="95B3D7"/>
-              </a:gs>
-            </a:gsLst>
-            <a:lin ang="18900000" scaled="1"/>
-          </a:gradFill>
-          <a:ln w="12700">
-            <a:solidFill>
-              <a:srgbClr val="95B3D7"/>
-            </a:solidFill>
-            <a:round/>
-            <a:headEnd/>
-            <a:tailEnd/>
-          </a:ln>
-          <a:effectLst>
-            <a:outerShdw dist="28398" dir="3806097" algn="ctr" rotWithShape="0">
-              <a:srgbClr val="243F60">
-                <a:alpha val="50000"/>
-              </a:srgbClr>
-            </a:outerShdw>
-          </a:effectLst>
-        </p:spPr>
-        <p:txBody>
-          <a:bodyPr vert="horz" wrap="square" lIns="91440" tIns="45720" rIns="91440" bIns="45720" numCol="1" anchor="t" anchorCtr="0" compatLnSpc="1">
-            <a:prstTxWarp prst="textNoShape">
-              <a:avLst/>
-            </a:prstTxWarp>
-          </a:bodyPr>
-          <a:lstStyle/>
-          <a:p>
-            <a:pPr marL="0" marR="0" lvl="0" indent="0" algn="ctr" defTabSz="914400" rtl="0" eaLnBrk="1" fontAlgn="base" latinLnBrk="0" hangingPunct="1">
-              <a:lnSpc>
-                <a:spcPct val="100000"/>
-              </a:lnSpc>
-              <a:spcBef>
-                <a:spcPct val="0"/>
-              </a:spcBef>
-              <a:spcAft>
-                <a:spcPts val="0"/>
-              </a:spcAft>
-              <a:buClrTx/>
-              <a:buSzTx/>
-              <a:buFontTx/>
-              <a:buNone/>
-              <a:tabLst/>
-              <a:defRPr/>
-            </a:pPr>
-            <a:endParaRPr kumimoji="0" lang="en-IN" sz="300" b="0" i="0" u="none" strike="noStrike" kern="0" cap="none" spc="0" normalizeH="0" baseline="0" noProof="0" dirty="0" smtClean="0">
-              <a:ln>
-                <a:noFill/>
-              </a:ln>
-              <a:solidFill>
-                <a:sysClr val="windowText" lastClr="000000"/>
-              </a:solidFill>
-              <a:effectLst/>
-              <a:uLnTx/>
-              <a:uFillTx/>
-              <a:latin typeface="Arial Black" pitchFamily="34" charset="0"/>
-              <a:cs typeface="Arial" pitchFamily="34" charset="0"/>
-            </a:endParaRPr>
-          </a:p>
-          <a:p>
-            <a:pPr marL="0" marR="0" lvl="0" indent="0" algn="ctr" defTabSz="914400" rtl="0" eaLnBrk="1" fontAlgn="base" latinLnBrk="0" hangingPunct="1">
-              <a:lnSpc>
-                <a:spcPct val="100000"/>
-              </a:lnSpc>
-              <a:spcBef>
-                <a:spcPct val="0"/>
-              </a:spcBef>
-              <a:spcAft>
-                <a:spcPts val="0"/>
-              </a:spcAft>
-              <a:buClrTx/>
-              <a:buSzTx/>
-              <a:buFontTx/>
-              <a:buNone/>
-              <a:tabLst/>
-              <a:defRPr/>
-            </a:pPr>
-            <a:r>
-              <a:rPr kumimoji="0" lang="en-IN" sz="800" b="0" i="0" u="none" strike="noStrike" kern="0" cap="none" spc="0" normalizeH="0" baseline="0" noProof="0" dirty="0" smtClean="0">
-                <a:ln>
-                  <a:noFill/>
-                </a:ln>
-                <a:solidFill>
-                  <a:sysClr val="windowText" lastClr="000000"/>
-                </a:solidFill>
-                <a:effectLst/>
-                <a:uLnTx/>
-                <a:uFillTx/>
-                <a:latin typeface="Arial Black" pitchFamily="34" charset="0"/>
-                <a:cs typeface="Arial" pitchFamily="34" charset="0"/>
-              </a:rPr>
-              <a:t>Error Report</a:t>
-            </a:r>
-            <a:endParaRPr kumimoji="0" lang="en-US" sz="800" b="0" i="0" u="none" strike="noStrike" kern="0" cap="none" spc="0" normalizeH="0" baseline="0" noProof="0" dirty="0" smtClean="0">
-              <a:ln>
-                <a:noFill/>
-              </a:ln>
-              <a:solidFill>
-                <a:sysClr val="windowText" lastClr="000000"/>
-              </a:solidFill>
-              <a:effectLst/>
-              <a:uLnTx/>
-              <a:uFillTx/>
-              <a:latin typeface="Arial" pitchFamily="34" charset="0"/>
-              <a:cs typeface="Arial" pitchFamily="34" charset="0"/>
-            </a:endParaRPr>
-          </a:p>
-        </p:txBody>
-      </p:sp>
-      <p:sp>
-        <p:nvSpPr>
-          <p:cNvPr id="99" name="AutoShape 79"/>
-          <p:cNvSpPr>
-            <a:spLocks noChangeArrowheads="1"/>
-          </p:cNvSpPr>
-          <p:nvPr/>
-        </p:nvSpPr>
-        <p:spPr bwMode="auto">
-          <a:xfrm>
-            <a:off x="2644457" y="5085671"/>
-            <a:ext cx="644342" cy="184054"/>
-          </a:xfrm>
-          <a:custGeom>
-            <a:avLst/>
-            <a:gdLst>
-              <a:gd name="G0" fmla="+- 16200 0 0"/>
-              <a:gd name="G1" fmla="+- 5400 0 0"/>
-              <a:gd name="G2" fmla="+- 21600 0 5400"/>
-              <a:gd name="G3" fmla="+- 10800 0 5400"/>
-              <a:gd name="G4" fmla="+- 21600 0 16200"/>
-              <a:gd name="G5" fmla="*/ G4 G3 10800"/>
-              <a:gd name="G6" fmla="+- 21600 0 G5"/>
-              <a:gd name="T0" fmla="*/ 16200 w 21600"/>
-              <a:gd name="T1" fmla="*/ 0 h 21600"/>
-              <a:gd name="T2" fmla="*/ 0 w 21600"/>
-              <a:gd name="T3" fmla="*/ 10800 h 21600"/>
-              <a:gd name="T4" fmla="*/ 16200 w 21600"/>
-              <a:gd name="T5" fmla="*/ 21600 h 21600"/>
-              <a:gd name="T6" fmla="*/ 21600 w 21600"/>
-              <a:gd name="T7" fmla="*/ 10800 h 21600"/>
-              <a:gd name="T8" fmla="*/ 17694720 60000 65536"/>
-              <a:gd name="T9" fmla="*/ 11796480 60000 65536"/>
-              <a:gd name="T10" fmla="*/ 5898240 60000 65536"/>
-              <a:gd name="T11" fmla="*/ 0 60000 65536"/>
-              <a:gd name="T12" fmla="*/ 3375 w 21600"/>
-              <a:gd name="T13" fmla="*/ G1 h 21600"/>
-              <a:gd name="T14" fmla="*/ G6 w 21600"/>
-              <a:gd name="T15" fmla="*/ G2 h 21600"/>
-            </a:gdLst>
-            <a:ahLst/>
-            <a:cxnLst>
-              <a:cxn ang="T8">
-                <a:pos x="T0" y="T1"/>
-              </a:cxn>
-              <a:cxn ang="T9">
-                <a:pos x="T2" y="T3"/>
-              </a:cxn>
-              <a:cxn ang="T10">
-                <a:pos x="T4" y="T5"/>
-              </a:cxn>
-              <a:cxn ang="T11">
-                <a:pos x="T6" y="T7"/>
-              </a:cxn>
-            </a:cxnLst>
-            <a:rect l="T12" t="T13" r="T14" b="T15"/>
-            <a:pathLst>
-              <a:path w="21600" h="21600">
-                <a:moveTo>
-                  <a:pt x="16200" y="0"/>
-                </a:moveTo>
-                <a:lnTo>
-                  <a:pt x="16200" y="5400"/>
-                </a:lnTo>
-                <a:lnTo>
-                  <a:pt x="3375" y="5400"/>
-                </a:lnTo>
-                <a:lnTo>
-                  <a:pt x="3375" y="16200"/>
-                </a:lnTo>
-                <a:lnTo>
-                  <a:pt x="16200" y="16200"/>
-                </a:lnTo>
-                <a:lnTo>
-                  <a:pt x="16200" y="21600"/>
-                </a:lnTo>
-                <a:lnTo>
-                  <a:pt x="21600" y="10800"/>
-                </a:lnTo>
-                <a:close/>
-              </a:path>
-              <a:path w="21600" h="21600">
-                <a:moveTo>
-                  <a:pt x="1350" y="5400"/>
-                </a:moveTo>
-                <a:lnTo>
-                  <a:pt x="1350" y="16200"/>
-                </a:lnTo>
-                <a:lnTo>
-                  <a:pt x="2700" y="16200"/>
-                </a:lnTo>
-                <a:lnTo>
-                  <a:pt x="2700" y="5400"/>
-                </a:lnTo>
-                <a:close/>
-              </a:path>
-              <a:path w="21600" h="21600">
-                <a:moveTo>
-                  <a:pt x="0" y="5400"/>
-                </a:moveTo>
-                <a:lnTo>
-                  <a:pt x="0" y="16200"/>
-                </a:lnTo>
-                <a:lnTo>
-                  <a:pt x="675" y="16200"/>
-                </a:lnTo>
-                <a:lnTo>
-                  <a:pt x="675" y="5400"/>
-                </a:lnTo>
-                <a:close/>
-              </a:path>
-            </a:pathLst>
-          </a:custGeom>
-          <a:gradFill rotWithShape="0">
-            <a:gsLst>
-              <a:gs pos="0">
-                <a:srgbClr val="666666"/>
-              </a:gs>
-              <a:gs pos="50000">
-                <a:srgbClr val="CCCCCC"/>
-              </a:gs>
-              <a:gs pos="100000">
-                <a:srgbClr val="666666"/>
-              </a:gs>
-            </a:gsLst>
-            <a:lin ang="18900000" scaled="1"/>
-          </a:gradFill>
-          <a:ln w="12700">
-            <a:solidFill>
-              <a:srgbClr val="666666"/>
-            </a:solidFill>
-            <a:miter lim="800000"/>
-            <a:headEnd/>
-            <a:tailEnd/>
-          </a:ln>
-          <a:effectLst>
-            <a:outerShdw dist="28398" dir="3806097" algn="ctr" rotWithShape="0">
-              <a:srgbClr val="7F7F7F">
-                <a:alpha val="50000"/>
-              </a:srgbClr>
-            </a:outerShdw>
-          </a:effectLst>
-        </p:spPr>
-        <p:txBody>
-          <a:bodyPr vert="horz" wrap="square" lIns="91440" tIns="45720" rIns="91440" bIns="45720" numCol="1" anchor="t" anchorCtr="0" compatLnSpc="1">
-            <a:prstTxWarp prst="textNoShape">
-              <a:avLst/>
-            </a:prstTxWarp>
-          </a:bodyPr>
-          <a:lstStyle/>
-          <a:p>
-            <a:pPr marL="0" marR="0" lvl="0" indent="0" defTabSz="914400" eaLnBrk="1" fontAlgn="auto" latinLnBrk="0" hangingPunct="1">
-              <a:lnSpc>
-                <a:spcPct val="100000"/>
-              </a:lnSpc>
-              <a:spcBef>
-                <a:spcPts val="0"/>
-              </a:spcBef>
-              <a:spcAft>
-                <a:spcPts val="0"/>
-              </a:spcAft>
-              <a:buClrTx/>
-              <a:buSzTx/>
-              <a:buFontTx/>
-              <a:buNone/>
-              <a:tabLst/>
-              <a:defRPr/>
-            </a:pPr>
-            <a:endParaRPr kumimoji="0" lang="en-IN" sz="1800" b="0" i="0" u="none" strike="noStrike" kern="0" cap="none" spc="0" normalizeH="0" baseline="0" noProof="0">
-              <a:ln>
-                <a:noFill/>
-              </a:ln>
-              <a:solidFill>
-                <a:sysClr val="windowText" lastClr="000000"/>
-              </a:solidFill>
-              <a:effectLst/>
-              <a:uLnTx/>
-              <a:uFillTx/>
-            </a:endParaRPr>
-          </a:p>
-        </p:txBody>
-      </p:sp>
-      <p:sp>
-        <p:nvSpPr>
-          <p:cNvPr id="100" name="Text Box 68"/>
-          <p:cNvSpPr txBox="1">
-            <a:spLocks noChangeArrowheads="1"/>
-          </p:cNvSpPr>
-          <p:nvPr/>
-        </p:nvSpPr>
-        <p:spPr bwMode="auto">
-          <a:xfrm>
-            <a:off x="4013022" y="1707711"/>
-            <a:ext cx="2943471" cy="296255"/>
-          </a:xfrm>
-          <a:prstGeom prst="rect">
-            <a:avLst/>
-          </a:prstGeom>
-          <a:noFill/>
-          <a:ln w="9525">
-            <a:noFill/>
-            <a:miter lim="800000"/>
-            <a:headEnd/>
-            <a:tailEnd/>
-          </a:ln>
-        </p:spPr>
-        <p:txBody>
-          <a:bodyPr vert="horz" wrap="square" lIns="91440" tIns="45720" rIns="91440" bIns="45720" numCol="1" anchor="t" anchorCtr="0" compatLnSpc="1">
-            <a:prstTxWarp prst="textNoShape">
-              <a:avLst/>
-            </a:prstTxWarp>
-          </a:bodyPr>
-          <a:lstStyle/>
-          <a:p>
-            <a:pPr marL="0" marR="0" lvl="0" indent="0" algn="ctr" defTabSz="914400" eaLnBrk="1" fontAlgn="base" latinLnBrk="0" hangingPunct="1">
-              <a:lnSpc>
-                <a:spcPct val="100000"/>
-              </a:lnSpc>
-              <a:spcBef>
-                <a:spcPct val="0"/>
-              </a:spcBef>
-              <a:spcAft>
-                <a:spcPts val="500"/>
-              </a:spcAft>
-              <a:buClrTx/>
-              <a:buSzTx/>
-              <a:buFontTx/>
-              <a:buNone/>
-              <a:tabLst/>
-              <a:defRPr/>
-            </a:pPr>
-            <a:r>
-              <a:rPr kumimoji="0" lang="en-US" sz="1200" b="1" i="0" u="none" strike="noStrike" kern="0" cap="none" spc="0" normalizeH="0" baseline="0" noProof="0" dirty="0" smtClean="0">
-                <a:ln>
-                  <a:noFill/>
-                </a:ln>
-                <a:solidFill>
-                  <a:sysClr val="windowText" lastClr="000000"/>
-                </a:solidFill>
-                <a:effectLst/>
-                <a:uLnTx/>
-                <a:uFillTx/>
-                <a:latin typeface="Bodoni MT" pitchFamily="18" charset="0"/>
-                <a:cs typeface="Arial" pitchFamily="34" charset="0"/>
-              </a:rPr>
-              <a:t>Monitoring System</a:t>
-            </a:r>
-          </a:p>
-        </p:txBody>
-      </p:sp>
-      <p:sp>
-        <p:nvSpPr>
-          <p:cNvPr id="101" name="Text Box 74"/>
-          <p:cNvSpPr txBox="1">
-            <a:spLocks noChangeArrowheads="1"/>
-          </p:cNvSpPr>
-          <p:nvPr/>
-        </p:nvSpPr>
-        <p:spPr bwMode="auto">
-          <a:xfrm>
-            <a:off x="1422763" y="1676400"/>
-            <a:ext cx="1209847" cy="306456"/>
-          </a:xfrm>
-          <a:prstGeom prst="rect">
-            <a:avLst/>
-          </a:prstGeom>
-          <a:noFill/>
-          <a:ln w="9525">
-            <a:noFill/>
-            <a:miter lim="800000"/>
-            <a:headEnd/>
-            <a:tailEnd/>
-          </a:ln>
-        </p:spPr>
-        <p:txBody>
-          <a:bodyPr vert="horz" wrap="square" lIns="91440" tIns="45720" rIns="91440" bIns="45720" numCol="1" anchor="t" anchorCtr="0" compatLnSpc="1">
-            <a:prstTxWarp prst="textNoShape">
-              <a:avLst/>
-            </a:prstTxWarp>
-          </a:bodyPr>
-          <a:lstStyle/>
-          <a:p>
-            <a:pPr marL="0" marR="0" lvl="0" indent="0" algn="ctr" defTabSz="914400" rtl="0" eaLnBrk="1" fontAlgn="base" latinLnBrk="0" hangingPunct="1">
-              <a:lnSpc>
-                <a:spcPct val="100000"/>
-              </a:lnSpc>
-              <a:spcBef>
-                <a:spcPct val="0"/>
-              </a:spcBef>
-              <a:spcAft>
-                <a:spcPts val="500"/>
-              </a:spcAft>
-              <a:buClrTx/>
-              <a:buSzTx/>
-              <a:buFontTx/>
-              <a:buNone/>
-              <a:tabLst/>
-              <a:defRPr/>
-            </a:pPr>
-            <a:r>
-              <a:rPr kumimoji="0" lang="en-IN" sz="1200" b="1" i="0" u="none" strike="noStrike" kern="0" cap="none" spc="0" normalizeH="0" baseline="0" noProof="0" dirty="0" smtClean="0">
-                <a:ln>
-                  <a:noFill/>
-                </a:ln>
-                <a:solidFill>
-                  <a:sysClr val="windowText" lastClr="000000"/>
-                </a:solidFill>
-                <a:effectLst/>
-                <a:uLnTx/>
-                <a:uFillTx/>
-                <a:latin typeface="Bodoni MT" pitchFamily="18" charset="0"/>
-                <a:cs typeface="Arial" pitchFamily="34" charset="0"/>
-              </a:rPr>
-              <a:t>Program</a:t>
-            </a:r>
-            <a:endParaRPr kumimoji="0" lang="en-US" sz="1800" b="0" i="0" u="none" strike="noStrike" kern="0" cap="none" spc="0" normalizeH="0" baseline="0" noProof="0" dirty="0" smtClean="0">
-              <a:ln>
-                <a:noFill/>
-              </a:ln>
-              <a:solidFill>
-                <a:sysClr val="windowText" lastClr="000000"/>
-              </a:solidFill>
-              <a:effectLst/>
-              <a:uLnTx/>
-              <a:uFillTx/>
-              <a:latin typeface="Arial" pitchFamily="34" charset="0"/>
-              <a:cs typeface="Arial" pitchFamily="34" charset="0"/>
-            </a:endParaRPr>
-          </a:p>
-        </p:txBody>
-      </p:sp>
-      <p:sp>
-        <p:nvSpPr>
-          <p:cNvPr id="102" name="Text Box 74"/>
-          <p:cNvSpPr txBox="1">
-            <a:spLocks noChangeArrowheads="1"/>
-          </p:cNvSpPr>
-          <p:nvPr/>
-        </p:nvSpPr>
-        <p:spPr bwMode="auto">
-          <a:xfrm>
-            <a:off x="1254266" y="4610245"/>
-            <a:ext cx="1209847" cy="306456"/>
-          </a:xfrm>
-          <a:prstGeom prst="rect">
-            <a:avLst/>
-          </a:prstGeom>
-          <a:noFill/>
-          <a:ln w="9525">
-            <a:noFill/>
-            <a:miter lim="800000"/>
-            <a:headEnd/>
-            <a:tailEnd/>
-          </a:ln>
-        </p:spPr>
-        <p:txBody>
-          <a:bodyPr vert="horz" wrap="square" lIns="91440" tIns="45720" rIns="91440" bIns="45720" numCol="1" anchor="t" anchorCtr="0" compatLnSpc="1">
-            <a:prstTxWarp prst="textNoShape">
-              <a:avLst/>
-            </a:prstTxWarp>
-          </a:bodyPr>
-          <a:lstStyle/>
-          <a:p>
-            <a:pPr marL="0" marR="0" lvl="0" indent="0" algn="ctr" defTabSz="914400" rtl="0" eaLnBrk="1" fontAlgn="base" latinLnBrk="0" hangingPunct="1">
-              <a:lnSpc>
-                <a:spcPct val="100000"/>
-              </a:lnSpc>
-              <a:spcBef>
-                <a:spcPct val="0"/>
-              </a:spcBef>
-              <a:spcAft>
-                <a:spcPts val="500"/>
-              </a:spcAft>
-              <a:buClrTx/>
-              <a:buSzTx/>
-              <a:buFontTx/>
-              <a:buNone/>
-              <a:tabLst/>
-              <a:defRPr/>
-            </a:pPr>
-            <a:r>
-              <a:rPr kumimoji="0" lang="en-IN" sz="1200" b="1" i="0" u="none" strike="noStrike" kern="0" cap="none" spc="0" normalizeH="0" baseline="0" noProof="0" dirty="0" smtClean="0">
-                <a:ln>
-                  <a:noFill/>
-                </a:ln>
-                <a:solidFill>
-                  <a:sysClr val="windowText" lastClr="000000"/>
-                </a:solidFill>
-                <a:effectLst/>
-                <a:uLnTx/>
-                <a:uFillTx/>
-                <a:latin typeface="Bodoni MT" pitchFamily="18" charset="0"/>
-                <a:cs typeface="Arial" pitchFamily="34" charset="0"/>
-              </a:rPr>
-              <a:t>Property</a:t>
-            </a:r>
-          </a:p>
-          <a:p>
-            <a:pPr marL="0" marR="0" lvl="0" indent="0" algn="ctr" defTabSz="914400" rtl="0" eaLnBrk="1" fontAlgn="base" latinLnBrk="0" hangingPunct="1">
-              <a:lnSpc>
-                <a:spcPct val="100000"/>
-              </a:lnSpc>
-              <a:spcBef>
-                <a:spcPct val="0"/>
-              </a:spcBef>
-              <a:spcAft>
-                <a:spcPts val="500"/>
-              </a:spcAft>
-              <a:buClrTx/>
-              <a:buSzTx/>
-              <a:buFontTx/>
-              <a:buNone/>
-              <a:tabLst/>
-              <a:defRPr/>
-            </a:pPr>
-            <a:endParaRPr kumimoji="0" lang="en-US" sz="1800" b="0" i="0" u="none" strike="noStrike" kern="0" cap="none" spc="0" normalizeH="0" baseline="0" noProof="0" dirty="0" smtClean="0">
-              <a:ln>
-                <a:noFill/>
-              </a:ln>
-              <a:solidFill>
-                <a:sysClr val="windowText" lastClr="000000"/>
-              </a:solidFill>
-              <a:effectLst/>
-              <a:uLnTx/>
-              <a:uFillTx/>
-              <a:latin typeface="Arial" pitchFamily="34" charset="0"/>
-              <a:cs typeface="Arial" pitchFamily="34" charset="0"/>
-            </a:endParaRPr>
-          </a:p>
-        </p:txBody>
-      </p:sp>
-      <p:sp>
-        <p:nvSpPr>
-          <p:cNvPr id="103" name="Rectangle 102"/>
-          <p:cNvSpPr/>
-          <p:nvPr/>
-        </p:nvSpPr>
-        <p:spPr>
-          <a:xfrm>
-            <a:off x="1143000" y="4940926"/>
-            <a:ext cx="1474342" cy="478995"/>
-          </a:xfrm>
-          <a:prstGeom prst="rect">
-            <a:avLst/>
-          </a:prstGeom>
-          <a:solidFill>
-            <a:srgbClr val="5B9BD5"/>
-          </a:solidFill>
-          <a:ln w="12700" cap="flat" cmpd="sng" algn="ctr">
-            <a:solidFill>
-              <a:srgbClr val="5B9BD5">
-                <a:shade val="50000"/>
-              </a:srgbClr>
-            </a:solidFill>
-            <a:prstDash val="solid"/>
-          </a:ln>
-          <a:effectLst/>
-        </p:spPr>
-        <p:txBody>
-          <a:bodyPr rtlCol="0" anchor="ctr"/>
-          <a:lstStyle/>
-          <a:p>
-            <a:pPr marL="0" marR="0" lvl="0" indent="0" algn="ctr" defTabSz="914400" eaLnBrk="1" fontAlgn="base" latinLnBrk="0" hangingPunct="1">
-              <a:lnSpc>
-                <a:spcPct val="100000"/>
-              </a:lnSpc>
-              <a:spcBef>
-                <a:spcPct val="0"/>
-              </a:spcBef>
-              <a:spcAft>
-                <a:spcPts val="0"/>
-              </a:spcAft>
-              <a:buClrTx/>
-              <a:buSzTx/>
-              <a:buFontTx/>
-              <a:buNone/>
-              <a:tabLst/>
-              <a:defRPr/>
-            </a:pPr>
-            <a:r>
-              <a:rPr kumimoji="0" lang="en-US" sz="800" b="0" i="0" u="none" strike="noStrike" kern="0" cap="none" spc="0" normalizeH="0" baseline="0" noProof="0" dirty="0" err="1" smtClean="0">
-                <a:ln>
-                  <a:noFill/>
-                </a:ln>
-                <a:solidFill>
-                  <a:sysClr val="windowText" lastClr="000000"/>
-                </a:solidFill>
-                <a:effectLst/>
-                <a:uLnTx/>
-                <a:uFillTx/>
-                <a:latin typeface="Arial Black" pitchFamily="34" charset="0"/>
-                <a:ea typeface="+mn-ea"/>
-                <a:cs typeface="Arial" pitchFamily="34" charset="0"/>
-              </a:rPr>
-              <a:t>UnsafeIterator</a:t>
-            </a:r>
-            <a:endParaRPr kumimoji="0" lang="en-US" sz="800" b="0" i="0" u="none" strike="noStrike" kern="0" cap="none" spc="0" normalizeH="0" baseline="0" noProof="0" dirty="0" smtClean="0">
-              <a:ln>
-                <a:noFill/>
-              </a:ln>
-              <a:solidFill>
-                <a:sysClr val="windowText" lastClr="000000"/>
-              </a:solidFill>
-              <a:effectLst/>
-              <a:uLnTx/>
-              <a:uFillTx/>
-              <a:latin typeface="Arial Black" pitchFamily="34" charset="0"/>
-              <a:ea typeface="+mn-ea"/>
-              <a:cs typeface="Arial" pitchFamily="34" charset="0"/>
-            </a:endParaRPr>
-          </a:p>
-        </p:txBody>
-      </p:sp>
-      <p:cxnSp>
-        <p:nvCxnSpPr>
-          <p:cNvPr id="160" name="Straight Arrow Connector 159"/>
-          <p:cNvCxnSpPr>
-            <a:stCxn id="143" idx="1"/>
-            <a:endCxn id="138" idx="3"/>
-          </p:cNvCxnSpPr>
-          <p:nvPr/>
-        </p:nvCxnSpPr>
-        <p:spPr>
-          <a:xfrm rot="10800000">
-            <a:off x="5715000" y="3195264"/>
-            <a:ext cx="457200" cy="1588"/>
-          </a:xfrm>
-          <a:prstGeom prst="straightConnector1">
-            <a:avLst/>
-          </a:prstGeom>
-          <a:ln>
-            <a:tailEnd type="arrow"/>
-          </a:ln>
-        </p:spPr>
-        <p:style>
-          <a:lnRef idx="1">
-            <a:schemeClr val="dk1"/>
-          </a:lnRef>
-          <a:fillRef idx="0">
-            <a:schemeClr val="dk1"/>
-          </a:fillRef>
-          <a:effectRef idx="0">
-            <a:schemeClr val="dk1"/>
-          </a:effectRef>
-          <a:fontRef idx="minor">
-            <a:schemeClr val="tx1"/>
-          </a:fontRef>
-        </p:style>
-      </p:cxnSp>
-      <p:sp>
-        <p:nvSpPr>
-          <p:cNvPr id="161" name="AutoShape 77"/>
-          <p:cNvSpPr>
-            <a:spLocks noChangeArrowheads="1"/>
-          </p:cNvSpPr>
-          <p:nvPr/>
-        </p:nvSpPr>
-        <p:spPr bwMode="auto">
-          <a:xfrm rot="5400000">
-            <a:off x="5551995" y="4354005"/>
-            <a:ext cx="478410" cy="152400"/>
-          </a:xfrm>
-          <a:custGeom>
-            <a:avLst/>
-            <a:gdLst>
-              <a:gd name="G0" fmla="+- 16200 0 0"/>
-              <a:gd name="G1" fmla="+- 5400 0 0"/>
-              <a:gd name="G2" fmla="+- 21600 0 5400"/>
-              <a:gd name="G3" fmla="+- 10800 0 5400"/>
-              <a:gd name="G4" fmla="+- 21600 0 16200"/>
-              <a:gd name="G5" fmla="*/ G4 G3 10800"/>
-              <a:gd name="G6" fmla="+- 21600 0 G5"/>
-              <a:gd name="T0" fmla="*/ 16200 w 21600"/>
-              <a:gd name="T1" fmla="*/ 0 h 21600"/>
-              <a:gd name="T2" fmla="*/ 0 w 21600"/>
-              <a:gd name="T3" fmla="*/ 10800 h 21600"/>
-              <a:gd name="T4" fmla="*/ 16200 w 21600"/>
-              <a:gd name="T5" fmla="*/ 21600 h 21600"/>
-              <a:gd name="T6" fmla="*/ 21600 w 21600"/>
-              <a:gd name="T7" fmla="*/ 10800 h 21600"/>
-              <a:gd name="T8" fmla="*/ 17694720 60000 65536"/>
-              <a:gd name="T9" fmla="*/ 11796480 60000 65536"/>
-              <a:gd name="T10" fmla="*/ 5898240 60000 65536"/>
-              <a:gd name="T11" fmla="*/ 0 60000 65536"/>
-              <a:gd name="T12" fmla="*/ 3375 w 21600"/>
-              <a:gd name="T13" fmla="*/ G1 h 21600"/>
-              <a:gd name="T14" fmla="*/ G6 w 21600"/>
-              <a:gd name="T15" fmla="*/ G2 h 21600"/>
-            </a:gdLst>
-            <a:ahLst/>
-            <a:cxnLst>
-              <a:cxn ang="T8">
-                <a:pos x="T0" y="T1"/>
-              </a:cxn>
-              <a:cxn ang="T9">
-                <a:pos x="T2" y="T3"/>
-              </a:cxn>
-              <a:cxn ang="T10">
-                <a:pos x="T4" y="T5"/>
-              </a:cxn>
-              <a:cxn ang="T11">
-                <a:pos x="T6" y="T7"/>
-              </a:cxn>
-            </a:cxnLst>
-            <a:rect l="T12" t="T13" r="T14" b="T15"/>
-            <a:pathLst>
-              <a:path w="21600" h="21600">
-                <a:moveTo>
-                  <a:pt x="16200" y="0"/>
-                </a:moveTo>
-                <a:lnTo>
-                  <a:pt x="16200" y="5400"/>
-                </a:lnTo>
-                <a:lnTo>
-                  <a:pt x="3375" y="5400"/>
-                </a:lnTo>
-                <a:lnTo>
-                  <a:pt x="3375" y="16200"/>
-                </a:lnTo>
-                <a:lnTo>
-                  <a:pt x="16200" y="16200"/>
-                </a:lnTo>
-                <a:lnTo>
-                  <a:pt x="16200" y="21600"/>
-                </a:lnTo>
-                <a:lnTo>
-                  <a:pt x="21600" y="10800"/>
-                </a:lnTo>
-                <a:close/>
-              </a:path>
-              <a:path w="21600" h="21600">
-                <a:moveTo>
-                  <a:pt x="1350" y="5400"/>
-                </a:moveTo>
-                <a:lnTo>
-                  <a:pt x="1350" y="16200"/>
-                </a:lnTo>
-                <a:lnTo>
-                  <a:pt x="2700" y="16200"/>
-                </a:lnTo>
-                <a:lnTo>
-                  <a:pt x="2700" y="5400"/>
-                </a:lnTo>
-                <a:close/>
-              </a:path>
-              <a:path w="21600" h="21600">
-                <a:moveTo>
-                  <a:pt x="0" y="5400"/>
-                </a:moveTo>
-                <a:lnTo>
-                  <a:pt x="0" y="16200"/>
-                </a:lnTo>
-                <a:lnTo>
-                  <a:pt x="675" y="16200"/>
-                </a:lnTo>
-                <a:lnTo>
-                  <a:pt x="675" y="5400"/>
-                </a:lnTo>
-                <a:close/>
-              </a:path>
-            </a:pathLst>
-          </a:custGeom>
-          <a:gradFill rotWithShape="0">
-            <a:gsLst>
-              <a:gs pos="0">
-                <a:srgbClr val="666666"/>
-              </a:gs>
-              <a:gs pos="50000">
-                <a:srgbClr val="CCCCCC"/>
-              </a:gs>
-              <a:gs pos="100000">
-                <a:srgbClr val="666666"/>
-              </a:gs>
-            </a:gsLst>
-            <a:lin ang="18900000" scaled="1"/>
-          </a:gradFill>
-          <a:ln w="12700">
-            <a:solidFill>
-              <a:srgbClr val="666666"/>
-            </a:solidFill>
-            <a:miter lim="800000"/>
-            <a:headEnd/>
-            <a:tailEnd/>
-          </a:ln>
-          <a:effectLst>
-            <a:outerShdw dist="28398" dir="3806097" algn="ctr" rotWithShape="0">
-              <a:srgbClr val="7F7F7F">
-                <a:alpha val="50000"/>
-              </a:srgbClr>
-            </a:outerShdw>
-          </a:effectLst>
-        </p:spPr>
-        <p:txBody>
-          <a:bodyPr vert="horz" wrap="square" lIns="91440" tIns="45720" rIns="91440" bIns="45720" numCol="1" anchor="t" anchorCtr="0" compatLnSpc="1">
-            <a:prstTxWarp prst="textNoShape">
-              <a:avLst/>
-            </a:prstTxWarp>
-          </a:bodyPr>
-          <a:lstStyle/>
-          <a:p>
-            <a:pPr marL="0" marR="0" lvl="0" indent="0" defTabSz="914400" eaLnBrk="1" fontAlgn="auto" latinLnBrk="0" hangingPunct="1">
-              <a:lnSpc>
-                <a:spcPct val="100000"/>
-              </a:lnSpc>
-              <a:spcBef>
-                <a:spcPts val="0"/>
-              </a:spcBef>
-              <a:spcAft>
-                <a:spcPts val="0"/>
-              </a:spcAft>
-              <a:buClrTx/>
-              <a:buSzTx/>
-              <a:buFontTx/>
-              <a:buNone/>
-              <a:tabLst/>
-              <a:defRPr/>
-            </a:pPr>
-            <a:endParaRPr kumimoji="0" lang="en-IN" sz="1800" b="0" i="0" u="none" strike="noStrike" kern="0" cap="none" spc="0" normalizeH="0" baseline="0" noProof="0">
-              <a:ln>
-                <a:noFill/>
-              </a:ln>
-              <a:solidFill>
-                <a:sysClr val="windowText" lastClr="000000"/>
-              </a:solidFill>
-              <a:effectLst/>
-              <a:uLnTx/>
-              <a:uFillTx/>
-            </a:endParaRPr>
-          </a:p>
-        </p:txBody>
-      </p:sp>
-      <p:sp>
-        <p:nvSpPr>
-          <p:cNvPr id="162" name="Rectangle 7"/>
-          <p:cNvSpPr>
-            <a:spLocks noChangeArrowheads="1"/>
-          </p:cNvSpPr>
-          <p:nvPr/>
-        </p:nvSpPr>
-        <p:spPr bwMode="auto">
-          <a:xfrm>
-            <a:off x="3429000" y="2590800"/>
-            <a:ext cx="914400" cy="1447800"/>
-          </a:xfrm>
-          <a:prstGeom prst="rect">
-            <a:avLst/>
-          </a:prstGeom>
-          <a:gradFill rotWithShape="0">
-            <a:gsLst>
-              <a:gs pos="0">
-                <a:srgbClr val="95B3D7"/>
-              </a:gs>
-              <a:gs pos="50000">
-                <a:srgbClr val="DBE5F1"/>
-              </a:gs>
-              <a:gs pos="100000">
-                <a:srgbClr val="95B3D7"/>
-              </a:gs>
-            </a:gsLst>
-            <a:lin ang="18900000" scaled="1"/>
-          </a:gradFill>
-          <a:ln w="12700">
-            <a:solidFill>
-              <a:srgbClr val="95B3D7"/>
-            </a:solidFill>
-            <a:miter lim="800000"/>
-            <a:headEnd/>
-            <a:tailEnd/>
-          </a:ln>
-          <a:effectLst>
-            <a:outerShdw dist="28398" dir="3806097" algn="ctr" rotWithShape="0">
-              <a:srgbClr val="243F60">
-                <a:alpha val="50000"/>
-              </a:srgbClr>
-            </a:outerShdw>
-          </a:effectLst>
-        </p:spPr>
-        <p:txBody>
-          <a:bodyPr vert="horz" wrap="square" lIns="91440" tIns="45720" rIns="91440" bIns="45720" numCol="1" anchor="t" anchorCtr="0" compatLnSpc="1">
-            <a:prstTxWarp prst="textNoShape">
-              <a:avLst/>
-            </a:prstTxWarp>
-          </a:bodyPr>
-          <a:lstStyle/>
-          <a:p>
-            <a:pPr marL="0" marR="0" lvl="0" indent="0" algn="l" defTabSz="914400" rtl="0" eaLnBrk="1" fontAlgn="base" latinLnBrk="0" hangingPunct="1">
-              <a:lnSpc>
-                <a:spcPct val="100000"/>
-              </a:lnSpc>
-              <a:spcBef>
-                <a:spcPct val="0"/>
-              </a:spcBef>
-              <a:spcAft>
-                <a:spcPts val="500"/>
-              </a:spcAft>
-              <a:buClrTx/>
-              <a:buSzTx/>
-              <a:buFontTx/>
-              <a:buNone/>
-              <a:tabLst/>
-              <a:defRPr/>
-            </a:pPr>
-            <a:endParaRPr kumimoji="0" lang="en-IN" sz="800" b="1" i="0" u="none" strike="noStrike" kern="0" cap="none" spc="0" normalizeH="0" baseline="0" noProof="0" dirty="0" smtClean="0">
-              <a:ln>
-                <a:noFill/>
-              </a:ln>
-              <a:solidFill>
-                <a:srgbClr val="404040"/>
-              </a:solidFill>
-              <a:effectLst/>
-              <a:uLnTx/>
-              <a:uFillTx/>
-              <a:latin typeface="Times New Roman" pitchFamily="18" charset="0"/>
-              <a:cs typeface="Arial" pitchFamily="34" charset="0"/>
-            </a:endParaRPr>
-          </a:p>
-        </p:txBody>
-      </p:sp>
-      <p:sp>
-        <p:nvSpPr>
-          <p:cNvPr id="163" name="Text Box 74"/>
-          <p:cNvSpPr txBox="1">
-            <a:spLocks noChangeArrowheads="1"/>
-          </p:cNvSpPr>
-          <p:nvPr/>
-        </p:nvSpPr>
-        <p:spPr bwMode="auto">
-          <a:xfrm>
-            <a:off x="3285953" y="2895600"/>
-            <a:ext cx="1209847" cy="685800"/>
-          </a:xfrm>
-          <a:prstGeom prst="rect">
-            <a:avLst/>
-          </a:prstGeom>
-          <a:noFill/>
-          <a:ln w="9525">
-            <a:noFill/>
-            <a:miter lim="800000"/>
-            <a:headEnd/>
-            <a:tailEnd/>
-          </a:ln>
-        </p:spPr>
-        <p:txBody>
-          <a:bodyPr vert="horz" wrap="square" lIns="91440" tIns="45720" rIns="91440" bIns="45720" numCol="1" anchor="t" anchorCtr="0" compatLnSpc="1">
-            <a:prstTxWarp prst="textNoShape">
-              <a:avLst/>
-            </a:prstTxWarp>
-          </a:bodyPr>
-          <a:lstStyle/>
-          <a:p>
-            <a:pPr marL="0" marR="0" lvl="0" indent="0" algn="ctr" defTabSz="914400" rtl="0" eaLnBrk="1" fontAlgn="base" latinLnBrk="0" hangingPunct="1">
-              <a:lnSpc>
-                <a:spcPct val="100000"/>
-              </a:lnSpc>
-              <a:spcBef>
-                <a:spcPct val="0"/>
-              </a:spcBef>
-              <a:spcAft>
-                <a:spcPts val="500"/>
-              </a:spcAft>
-              <a:buClrTx/>
-              <a:buSzTx/>
-              <a:buFontTx/>
-              <a:buNone/>
-              <a:tabLst/>
-              <a:defRPr/>
-            </a:pPr>
-            <a:r>
-              <a:rPr kumimoji="0" lang="en-IN" sz="1200" b="1" i="0" u="none" strike="noStrike" kern="0" cap="none" spc="0" normalizeH="0" baseline="0" noProof="0" dirty="0" smtClean="0">
-                <a:ln>
-                  <a:noFill/>
-                </a:ln>
-                <a:solidFill>
-                  <a:sysClr val="windowText" lastClr="000000"/>
-                </a:solidFill>
-                <a:effectLst/>
-                <a:uLnTx/>
-                <a:uFillTx/>
-                <a:latin typeface="Bodoni MT" pitchFamily="18" charset="0"/>
-                <a:cs typeface="Arial" pitchFamily="34" charset="0"/>
-              </a:rPr>
-              <a:t>Instrumented Program</a:t>
-            </a:r>
-            <a:endParaRPr kumimoji="0" lang="en-US" sz="1800" b="0" i="0" u="none" strike="noStrike" kern="0" cap="none" spc="0" normalizeH="0" baseline="0" noProof="0" dirty="0" smtClean="0">
-              <a:ln>
-                <a:noFill/>
-              </a:ln>
-              <a:solidFill>
-                <a:sysClr val="windowText" lastClr="000000"/>
-              </a:solidFill>
-              <a:effectLst/>
-              <a:uLnTx/>
-              <a:uFillTx/>
-              <a:latin typeface="Arial" pitchFamily="34" charset="0"/>
-              <a:cs typeface="Arial" pitchFamily="34" charset="0"/>
-            </a:endParaRPr>
-          </a:p>
-        </p:txBody>
-      </p:sp>
-      <p:cxnSp>
-        <p:nvCxnSpPr>
-          <p:cNvPr id="174" name="Straight Arrow Connector 173"/>
-          <p:cNvCxnSpPr/>
-          <p:nvPr/>
-        </p:nvCxnSpPr>
-        <p:spPr>
-          <a:xfrm>
-            <a:off x="4343400" y="3200400"/>
-            <a:ext cx="381000" cy="1588"/>
-          </a:xfrm>
-          <a:prstGeom prst="straightConnector1">
-            <a:avLst/>
-          </a:prstGeom>
-          <a:ln>
-            <a:tailEnd type="arrow"/>
-          </a:ln>
-        </p:spPr>
-        <p:style>
-          <a:lnRef idx="1">
-            <a:schemeClr val="dk1"/>
-          </a:lnRef>
-          <a:fillRef idx="0">
-            <a:schemeClr val="dk1"/>
-          </a:fillRef>
-          <a:effectRef idx="0">
-            <a:schemeClr val="dk1"/>
-          </a:effectRef>
-          <a:fontRef idx="minor">
-            <a:schemeClr val="tx1"/>
-          </a:fontRef>
-        </p:style>
-      </p:cxnSp>
-    </p:spTree>
-  </p:cSld>
-  <p:clrMapOvr>
-    <a:masterClrMapping/>
-  </p:clrMapOvr>
-</p:sld>
-</file>
-
 <file path=ppt/theme/theme1.xml><?xml version="1.0" encoding="utf-8"?>
 <a:theme xmlns:a="http://schemas.openxmlformats.org/drawingml/2006/main" name="Office Theme">
   <a:themeElements>
